--- a/documents/PopeMartinGraphTheoryPresentation.pptx
+++ b/documents/PopeMartinGraphTheoryPresentation.pptx
@@ -5,14 +5,23 @@
     <p:sldMasterId id="2147483648" r:id="rId1"/>
   </p:sldMasterIdLst>
   <p:notesMasterIdLst>
-    <p:notesMasterId r:id="rId4"/>
+    <p:notesMasterId r:id="rId13"/>
   </p:notesMasterIdLst>
   <p:handoutMasterIdLst>
-    <p:handoutMasterId r:id="rId5"/>
+    <p:handoutMasterId r:id="rId14"/>
   </p:handoutMasterIdLst>
   <p:sldIdLst>
     <p:sldId id="256" r:id="rId2"/>
     <p:sldId id="257" r:id="rId3"/>
+    <p:sldId id="259" r:id="rId4"/>
+    <p:sldId id="258" r:id="rId5"/>
+    <p:sldId id="270" r:id="rId6"/>
+    <p:sldId id="269" r:id="rId7"/>
+    <p:sldId id="260" r:id="rId8"/>
+    <p:sldId id="265" r:id="rId9"/>
+    <p:sldId id="266" r:id="rId10"/>
+    <p:sldId id="267" r:id="rId11"/>
+    <p:sldId id="268" r:id="rId12"/>
   </p:sldIdLst>
   <p:sldSz cx="9144000" cy="6858000" type="screen4x3"/>
   <p:notesSz cx="6858000" cy="9144000"/>
@@ -197,7 +206,7 @@
             <a:fld id="{1A3E7708-B72C-7D4F-874D-E4F747318BE7}" type="datetimeFigureOut">
               <a:rPr lang="en-US" smtClean="0"/>
               <a:pPr/>
-              <a:t>2/24/11</a:t>
+              <a:t>5/7/2014</a:t>
             </a:fld>
             <a:endParaRPr lang="en-US"/>
           </a:p>
@@ -365,7 +374,7 @@
             <a:fld id="{D859A437-E9EA-CA40-B494-753BD8954286}" type="datetimeFigureOut">
               <a:rPr lang="en-US" smtClean="0"/>
               <a:pPr/>
-              <a:t>2/24/11</a:t>
+              <a:t>5/7/2014</a:t>
             </a:fld>
             <a:endParaRPr lang="en-US"/>
           </a:p>
@@ -2883,7 +2892,7 @@
             </a:lvl1pPr>
           </a:lstStyle>
           <a:p>
-            <a:pPr marL="0" marR="0" lvl="0" indent="0" algn="l" defTabSz="457200" rtl="0" eaLnBrk="1" fontAlgn="auto" latinLnBrk="0" hangingPunct="1">
+            <a:pPr marL="0" marR="0" lvl="0" indent="0" algn="ctr" defTabSz="457200" rtl="0" eaLnBrk="1" fontAlgn="auto" latinLnBrk="0" hangingPunct="1">
               <a:lnSpc>
                 <a:spcPct val="100000"/>
               </a:lnSpc>
@@ -2915,188 +2924,20 @@
                 <a:ea typeface="+mj-ea"/>
                 <a:cs typeface="Georgia"/>
               </a:rPr>
-              <a:t>CLICK TO ADD TITLE</a:t>
-            </a:r>
-          </a:p>
-        </p:txBody>
-      </p:sp>
-      <p:sp>
-        <p:nvSpPr>
-          <p:cNvPr id="12" name="Text Placeholder 2"/>
-          <p:cNvSpPr txBox="1">
-            <a:spLocks/>
-          </p:cNvSpPr>
-          <p:nvPr/>
-        </p:nvSpPr>
-        <p:spPr>
-          <a:xfrm>
-            <a:off x="722313" y="742569"/>
-            <a:ext cx="7772400" cy="1500187"/>
-          </a:xfrm>
-          <a:prstGeom prst="rect">
-            <a:avLst/>
-          </a:prstGeom>
-        </p:spPr>
-        <p:txBody>
-          <a:bodyPr vert="horz" lIns="91440" tIns="45720" rIns="91440" bIns="45720" rtlCol="0" anchor="b">
-            <a:normAutofit/>
-          </a:bodyPr>
-          <a:lstStyle>
-            <a:lvl1pPr marL="0" indent="0">
-              <a:buNone/>
-              <a:defRPr sz="2000">
-                <a:solidFill>
-                  <a:srgbClr val="E7CD79"/>
-                </a:solidFill>
-                <a:latin typeface="Georgia"/>
-                <a:cs typeface="Georgia"/>
-              </a:defRPr>
-            </a:lvl1pPr>
-            <a:lvl2pPr marL="457200" indent="0">
-              <a:buNone/>
-              <a:defRPr sz="1800">
-                <a:solidFill>
-                  <a:schemeClr val="tx1">
-                    <a:tint val="75000"/>
-                  </a:schemeClr>
-                </a:solidFill>
-              </a:defRPr>
-            </a:lvl2pPr>
-            <a:lvl3pPr marL="914400" indent="0">
-              <a:buNone/>
-              <a:defRPr sz="1600">
-                <a:solidFill>
-                  <a:schemeClr val="tx1">
-                    <a:tint val="75000"/>
-                  </a:schemeClr>
-                </a:solidFill>
-              </a:defRPr>
-            </a:lvl3pPr>
-            <a:lvl4pPr marL="1371600" indent="0">
-              <a:buNone/>
-              <a:defRPr sz="1400">
-                <a:solidFill>
-                  <a:schemeClr val="tx1">
-                    <a:tint val="75000"/>
-                  </a:schemeClr>
-                </a:solidFill>
-              </a:defRPr>
-            </a:lvl4pPr>
-            <a:lvl5pPr marL="1828800" indent="0">
-              <a:buNone/>
-              <a:defRPr sz="1400">
-                <a:solidFill>
-                  <a:schemeClr val="tx1">
-                    <a:tint val="75000"/>
-                  </a:schemeClr>
-                </a:solidFill>
-              </a:defRPr>
-            </a:lvl5pPr>
-            <a:lvl6pPr marL="2286000" indent="0">
-              <a:buNone/>
-              <a:defRPr sz="1400">
-                <a:solidFill>
-                  <a:schemeClr val="tx1">
-                    <a:tint val="75000"/>
-                  </a:schemeClr>
-                </a:solidFill>
-              </a:defRPr>
-            </a:lvl6pPr>
-            <a:lvl7pPr marL="2743200" indent="0">
-              <a:buNone/>
-              <a:defRPr sz="1400">
-                <a:solidFill>
-                  <a:schemeClr val="tx1">
-                    <a:tint val="75000"/>
-                  </a:schemeClr>
-                </a:solidFill>
-              </a:defRPr>
-            </a:lvl7pPr>
-            <a:lvl8pPr marL="3200400" indent="0">
-              <a:buNone/>
-              <a:defRPr sz="1400">
-                <a:solidFill>
-                  <a:schemeClr val="tx1">
-                    <a:tint val="75000"/>
-                  </a:schemeClr>
-                </a:solidFill>
-              </a:defRPr>
-            </a:lvl8pPr>
-            <a:lvl9pPr marL="3657600" indent="0">
-              <a:buNone/>
-              <a:defRPr sz="1400">
-                <a:solidFill>
-                  <a:schemeClr val="tx1">
-                    <a:tint val="75000"/>
-                  </a:schemeClr>
-                </a:solidFill>
-              </a:defRPr>
-            </a:lvl9pPr>
-          </a:lstStyle>
-          <a:p>
-            <a:pPr marL="0" marR="0" lvl="0" indent="0" algn="l" defTabSz="457200" rtl="0" eaLnBrk="1" fontAlgn="auto" latinLnBrk="0" hangingPunct="1">
-              <a:lnSpc>
-                <a:spcPct val="100000"/>
-              </a:lnSpc>
-              <a:spcBef>
-                <a:spcPct val="20000"/>
-              </a:spcBef>
-              <a:spcAft>
-                <a:spcPts val="0"/>
-              </a:spcAft>
-              <a:buClrTx/>
-              <a:buSzTx/>
-              <a:buFont typeface="Arial"/>
-              <a:buNone/>
-              <a:tabLst/>
-              <a:defRPr/>
-            </a:pPr>
-            <a:r>
-              <a:rPr kumimoji="0" lang="en-US" sz="2000" b="0" i="0" u="none" strike="noStrike" kern="1200" cap="none" spc="0" normalizeH="0" baseline="0" noProof="0" dirty="0" smtClean="0">
-                <a:ln>
-                  <a:noFill/>
-                </a:ln>
-                <a:solidFill>
-                  <a:srgbClr val="1B6917"/>
-                </a:solidFill>
-                <a:effectLst/>
-                <a:uLnTx/>
-                <a:uFillTx/>
-                <a:latin typeface="Georgia"/>
-                <a:ea typeface="+mn-ea"/>
-                <a:cs typeface="Georgia"/>
-              </a:rPr>
-              <a:t>Click</a:t>
-            </a:r>
-            <a:r>
-              <a:rPr kumimoji="0" lang="en-US" sz="2000" b="0" i="0" u="none" strike="noStrike" kern="1200" cap="none" spc="0" normalizeH="0" noProof="0" dirty="0" smtClean="0">
-                <a:ln>
-                  <a:noFill/>
-                </a:ln>
-                <a:solidFill>
-                  <a:srgbClr val="1B6917"/>
-                </a:solidFill>
-                <a:effectLst/>
-                <a:uLnTx/>
-                <a:uFillTx/>
-                <a:latin typeface="Georgia"/>
-                <a:ea typeface="+mn-ea"/>
-                <a:cs typeface="Georgia"/>
-              </a:rPr>
-              <a:t> to add subtitle</a:t>
-            </a:r>
-            <a:endParaRPr kumimoji="0" lang="en-US" sz="2000" b="0" i="0" u="none" strike="noStrike" kern="1200" cap="none" spc="0" normalizeH="0" baseline="0" noProof="0" dirty="0" smtClean="0">
+              <a:t>Evolution OF Random graph generators</a:t>
+            </a:r>
+            <a:endParaRPr kumimoji="0" lang="en-US" sz="4000" b="1" i="0" u="none" strike="noStrike" kern="1200" cap="all" spc="0" normalizeH="0" baseline="0" noProof="0" dirty="0" smtClean="0">
               <a:ln>
                 <a:noFill/>
               </a:ln>
               <a:solidFill>
-                <a:srgbClr val="1B6917"/>
+                <a:srgbClr val="404044"/>
               </a:solidFill>
               <a:effectLst/>
               <a:uLnTx/>
               <a:uFillTx/>
               <a:latin typeface="Georgia"/>
-              <a:ea typeface="+mn-ea"/>
+              <a:ea typeface="+mj-ea"/>
               <a:cs typeface="Georgia"/>
             </a:endParaRPr>
           </a:p>
@@ -3122,11 +2963,193 @@
           <a:bodyPr/>
           <a:lstStyle/>
           <a:p>
-            <a:r>
-              <a:rPr lang="en-US" dirty="0" smtClean="0"/>
-              <a:t>December 20, 2010</a:t>
-            </a:r>
+            <a:fld id="{2DF2F369-FEC4-46F1-8DF7-A48BA6D9D568}" type="datetime4">
+              <a:rPr lang="en-US" smtClean="0"/>
+              <a:t>May 7, 2014</a:t>
+            </a:fld>
             <a:endParaRPr lang="en-US" dirty="0"/>
+          </a:p>
+        </p:txBody>
+      </p:sp>
+      <p:sp>
+        <p:nvSpPr>
+          <p:cNvPr id="5" name="Text Placeholder 2"/>
+          <p:cNvSpPr txBox="1">
+            <a:spLocks/>
+          </p:cNvSpPr>
+          <p:nvPr/>
+        </p:nvSpPr>
+        <p:spPr>
+          <a:xfrm>
+            <a:off x="722313" y="3676270"/>
+            <a:ext cx="7772400" cy="619506"/>
+          </a:xfrm>
+          <a:prstGeom prst="rect">
+            <a:avLst/>
+          </a:prstGeom>
+        </p:spPr>
+        <p:txBody>
+          <a:bodyPr vert="horz" lIns="91440" tIns="45720" rIns="91440" bIns="45720" rtlCol="0" anchor="b">
+            <a:normAutofit/>
+          </a:bodyPr>
+          <a:lstStyle>
+            <a:lvl1pPr marL="0" indent="0">
+              <a:buNone/>
+              <a:defRPr sz="2000">
+                <a:solidFill>
+                  <a:srgbClr val="E7CD79"/>
+                </a:solidFill>
+                <a:latin typeface="Georgia"/>
+                <a:cs typeface="Georgia"/>
+              </a:defRPr>
+            </a:lvl1pPr>
+            <a:lvl2pPr marL="457200" indent="0">
+              <a:buNone/>
+              <a:defRPr sz="1800">
+                <a:solidFill>
+                  <a:schemeClr val="tx1">
+                    <a:tint val="75000"/>
+                  </a:schemeClr>
+                </a:solidFill>
+              </a:defRPr>
+            </a:lvl2pPr>
+            <a:lvl3pPr marL="914400" indent="0">
+              <a:buNone/>
+              <a:defRPr sz="1600">
+                <a:solidFill>
+                  <a:schemeClr val="tx1">
+                    <a:tint val="75000"/>
+                  </a:schemeClr>
+                </a:solidFill>
+              </a:defRPr>
+            </a:lvl3pPr>
+            <a:lvl4pPr marL="1371600" indent="0">
+              <a:buNone/>
+              <a:defRPr sz="1400">
+                <a:solidFill>
+                  <a:schemeClr val="tx1">
+                    <a:tint val="75000"/>
+                  </a:schemeClr>
+                </a:solidFill>
+              </a:defRPr>
+            </a:lvl4pPr>
+            <a:lvl5pPr marL="1828800" indent="0">
+              <a:buNone/>
+              <a:defRPr sz="1400">
+                <a:solidFill>
+                  <a:schemeClr val="tx1">
+                    <a:tint val="75000"/>
+                  </a:schemeClr>
+                </a:solidFill>
+              </a:defRPr>
+            </a:lvl5pPr>
+            <a:lvl6pPr marL="2286000" indent="0">
+              <a:buNone/>
+              <a:defRPr sz="1400">
+                <a:solidFill>
+                  <a:schemeClr val="tx1">
+                    <a:tint val="75000"/>
+                  </a:schemeClr>
+                </a:solidFill>
+              </a:defRPr>
+            </a:lvl6pPr>
+            <a:lvl7pPr marL="2743200" indent="0">
+              <a:buNone/>
+              <a:defRPr sz="1400">
+                <a:solidFill>
+                  <a:schemeClr val="tx1">
+                    <a:tint val="75000"/>
+                  </a:schemeClr>
+                </a:solidFill>
+              </a:defRPr>
+            </a:lvl7pPr>
+            <a:lvl8pPr marL="3200400" indent="0">
+              <a:buNone/>
+              <a:defRPr sz="1400">
+                <a:solidFill>
+                  <a:schemeClr val="tx1">
+                    <a:tint val="75000"/>
+                  </a:schemeClr>
+                </a:solidFill>
+              </a:defRPr>
+            </a:lvl8pPr>
+            <a:lvl9pPr marL="3657600" indent="0">
+              <a:buNone/>
+              <a:defRPr sz="1400">
+                <a:solidFill>
+                  <a:schemeClr val="tx1">
+                    <a:tint val="75000"/>
+                  </a:schemeClr>
+                </a:solidFill>
+              </a:defRPr>
+            </a:lvl9pPr>
+          </a:lstStyle>
+          <a:p>
+            <a:pPr marL="0" marR="0" lvl="0" indent="0" algn="ctr" defTabSz="457200" rtl="0" eaLnBrk="1" fontAlgn="auto" latinLnBrk="0" hangingPunct="1">
+              <a:lnSpc>
+                <a:spcPct val="100000"/>
+              </a:lnSpc>
+              <a:spcBef>
+                <a:spcPct val="20000"/>
+              </a:spcBef>
+              <a:spcAft>
+                <a:spcPts val="0"/>
+              </a:spcAft>
+              <a:buClrTx/>
+              <a:buSzTx/>
+              <a:buFont typeface="Arial"/>
+              <a:buNone/>
+              <a:tabLst/>
+              <a:defRPr/>
+            </a:pPr>
+            <a:r>
+              <a:rPr kumimoji="0" lang="en-US" sz="2000" b="0" i="0" u="none" strike="noStrike" kern="1200" cap="none" spc="0" normalizeH="0" baseline="0" noProof="0" dirty="0" smtClean="0">
+                <a:ln>
+                  <a:noFill/>
+                </a:ln>
+                <a:solidFill>
+                  <a:srgbClr val="1B6917"/>
+                </a:solidFill>
+                <a:effectLst/>
+                <a:uLnTx/>
+                <a:uFillTx/>
+                <a:latin typeface="Georgia"/>
+                <a:ea typeface="+mn-ea"/>
+                <a:cs typeface="Georgia"/>
+              </a:rPr>
+              <a:t>Matthew Martin	Aaron</a:t>
+            </a:r>
+            <a:r>
+              <a:rPr kumimoji="0" lang="en-US" sz="2000" b="0" i="0" u="none" strike="noStrike" kern="1200" cap="none" spc="0" normalizeH="0" noProof="0" dirty="0" smtClean="0">
+                <a:ln>
+                  <a:noFill/>
+                </a:ln>
+                <a:solidFill>
+                  <a:srgbClr val="1B6917"/>
+                </a:solidFill>
+                <a:effectLst/>
+                <a:uLnTx/>
+                <a:uFillTx/>
+                <a:latin typeface="Georgia"/>
+                <a:ea typeface="+mn-ea"/>
+                <a:cs typeface="Georgia"/>
+              </a:rPr>
+              <a:t> Pope</a:t>
+            </a:r>
+            <a:endParaRPr kumimoji="0" lang="en-US" sz="2000" b="0" i="0" u="none" strike="noStrike" kern="1200" cap="none" spc="0" normalizeH="0" baseline="0" noProof="0" dirty="0" smtClean="0">
+              <a:ln>
+                <a:noFill/>
+              </a:ln>
+              <a:solidFill>
+                <a:srgbClr val="1B6917"/>
+              </a:solidFill>
+              <a:effectLst/>
+              <a:uLnTx/>
+              <a:uFillTx/>
+              <a:latin typeface="Georgia"/>
+              <a:ea typeface="+mn-ea"/>
+              <a:cs typeface="Georgia"/>
+            </a:endParaRPr>
           </a:p>
         </p:txBody>
       </p:sp>
@@ -3138,7 +3161,2951 @@
   <p:timing>
     <p:tnLst>
       <p:par>
-        <p:cTn xmlns:p14="http://schemas.microsoft.com/office/powerpoint/2010/main" id="1" dur="indefinite" restart="never" nodeType="tmRoot"/>
+        <p:cTn id="1" dur="indefinite" restart="never" nodeType="tmRoot"/>
+      </p:par>
+    </p:tnLst>
+  </p:timing>
+</p:sld>
+</file>
+
+<file path=ppt/slides/slide10.xml><?xml version="1.0" encoding="utf-8"?>
+<p:sld xmlns:a="http://schemas.openxmlformats.org/drawingml/2006/main" xmlns:r="http://schemas.openxmlformats.org/officeDocument/2006/relationships" xmlns:p="http://schemas.openxmlformats.org/presentationml/2006/main">
+  <p:cSld>
+    <p:spTree>
+      <p:nvGrpSpPr>
+        <p:cNvPr id="1" name=""/>
+        <p:cNvGrpSpPr/>
+        <p:nvPr/>
+      </p:nvGrpSpPr>
+      <p:grpSpPr>
+        <a:xfrm>
+          <a:off x="0" y="0"/>
+          <a:ext cx="0" cy="0"/>
+          <a:chOff x="0" y="0"/>
+          <a:chExt cx="0" cy="0"/>
+        </a:xfrm>
+      </p:grpSpPr>
+      <p:sp>
+        <p:nvSpPr>
+          <p:cNvPr id="2" name="Title 1"/>
+          <p:cNvSpPr>
+            <a:spLocks noGrp="1"/>
+          </p:cNvSpPr>
+          <p:nvPr>
+            <p:ph type="title"/>
+          </p:nvPr>
+        </p:nvSpPr>
+        <p:spPr/>
+        <p:txBody>
+          <a:bodyPr/>
+          <a:lstStyle/>
+          <a:p>
+            <a:r>
+              <a:rPr lang="en-US" dirty="0" smtClean="0"/>
+              <a:t>Click to </a:t>
+            </a:r>
+            <a:r>
+              <a:rPr lang="en-US" smtClean="0"/>
+              <a:t>add title</a:t>
+            </a:r>
+            <a:endParaRPr lang="en-US" dirty="0"/>
+          </a:p>
+        </p:txBody>
+      </p:sp>
+      <p:sp>
+        <p:nvSpPr>
+          <p:cNvPr id="5" name="Slide Number Placeholder 4"/>
+          <p:cNvSpPr>
+            <a:spLocks noGrp="1"/>
+          </p:cNvSpPr>
+          <p:nvPr>
+            <p:ph type="sldNum" sz="quarter" idx="11"/>
+          </p:nvPr>
+        </p:nvSpPr>
+        <p:spPr>
+          <a:xfrm>
+            <a:off x="6366508" y="6505575"/>
+            <a:ext cx="2320292" cy="365125"/>
+          </a:xfrm>
+        </p:spPr>
+        <p:txBody>
+          <a:bodyPr/>
+          <a:lstStyle/>
+          <a:p>
+            <a:fld id="{6189B349-B284-884E-BF58-0D68D479BD97}" type="slidenum">
+              <a:rPr lang="en-US" smtClean="0"/>
+              <a:pPr/>
+              <a:t>10</a:t>
+            </a:fld>
+            <a:endParaRPr lang="en-US" dirty="0"/>
+          </a:p>
+        </p:txBody>
+      </p:sp>
+      <p:sp>
+        <p:nvSpPr>
+          <p:cNvPr id="4" name="Content Placeholder 2"/>
+          <p:cNvSpPr txBox="1">
+            <a:spLocks/>
+          </p:cNvSpPr>
+          <p:nvPr/>
+        </p:nvSpPr>
+        <p:spPr>
+          <a:xfrm>
+            <a:off x="1622812" y="1651000"/>
+            <a:ext cx="7063988" cy="4072754"/>
+          </a:xfrm>
+          <a:prstGeom prst="rect">
+            <a:avLst/>
+          </a:prstGeom>
+        </p:spPr>
+        <p:txBody>
+          <a:bodyPr vert="horz" lIns="91440" tIns="45720" rIns="91440" bIns="45720" rtlCol="0">
+            <a:normAutofit fontScale="77500" lnSpcReduction="20000"/>
+          </a:bodyPr>
+          <a:lstStyle/>
+          <a:p>
+            <a:pPr marL="342900" marR="0" lvl="0" indent="-342900" algn="l" defTabSz="457200" rtl="0" eaLnBrk="1" fontAlgn="auto" latinLnBrk="0" hangingPunct="1">
+              <a:lnSpc>
+                <a:spcPct val="100000"/>
+              </a:lnSpc>
+              <a:spcBef>
+                <a:spcPct val="20000"/>
+              </a:spcBef>
+              <a:spcAft>
+                <a:spcPts val="0"/>
+              </a:spcAft>
+              <a:buClrTx/>
+              <a:buSzTx/>
+              <a:buFont typeface="Arial"/>
+              <a:buChar char="•"/>
+              <a:tabLst/>
+              <a:defRPr/>
+            </a:pPr>
+            <a:r>
+              <a:rPr kumimoji="0" lang="en-US" sz="3200" b="0" i="0" u="none" strike="noStrike" kern="1200" cap="none" spc="0" normalizeH="0" baseline="0" noProof="0" dirty="0" err="1" smtClean="0">
+                <a:ln>
+                  <a:noFill/>
+                </a:ln>
+                <a:solidFill>
+                  <a:schemeClr val="tx1"/>
+                </a:solidFill>
+                <a:effectLst/>
+                <a:uLnTx/>
+                <a:uFillTx/>
+                <a:latin typeface="Georgia"/>
+                <a:ea typeface="+mn-ea"/>
+                <a:cs typeface="Georgia"/>
+              </a:rPr>
+              <a:t>Lorem</a:t>
+            </a:r>
+            <a:r>
+              <a:rPr kumimoji="0" lang="en-US" sz="3200" b="0" i="0" u="none" strike="noStrike" kern="1200" cap="none" spc="0" normalizeH="0" baseline="0" noProof="0" dirty="0" smtClean="0">
+                <a:ln>
+                  <a:noFill/>
+                </a:ln>
+                <a:solidFill>
+                  <a:schemeClr val="tx1"/>
+                </a:solidFill>
+                <a:effectLst/>
+                <a:uLnTx/>
+                <a:uFillTx/>
+                <a:latin typeface="Georgia"/>
+                <a:ea typeface="+mn-ea"/>
+                <a:cs typeface="Georgia"/>
+              </a:rPr>
+              <a:t> </a:t>
+            </a:r>
+            <a:r>
+              <a:rPr kumimoji="0" lang="en-US" sz="3200" b="0" i="0" u="none" strike="noStrike" kern="1200" cap="none" spc="0" normalizeH="0" baseline="0" noProof="0" dirty="0" err="1" smtClean="0">
+                <a:ln>
+                  <a:noFill/>
+                </a:ln>
+                <a:solidFill>
+                  <a:schemeClr val="tx1"/>
+                </a:solidFill>
+                <a:effectLst/>
+                <a:uLnTx/>
+                <a:uFillTx/>
+                <a:latin typeface="Georgia"/>
+                <a:ea typeface="+mn-ea"/>
+                <a:cs typeface="Georgia"/>
+              </a:rPr>
+              <a:t>ipsum</a:t>
+            </a:r>
+            <a:r>
+              <a:rPr kumimoji="0" lang="en-US" sz="3200" b="0" i="0" u="none" strike="noStrike" kern="1200" cap="none" spc="0" normalizeH="0" baseline="0" noProof="0" dirty="0" smtClean="0">
+                <a:ln>
+                  <a:noFill/>
+                </a:ln>
+                <a:solidFill>
+                  <a:schemeClr val="tx1"/>
+                </a:solidFill>
+                <a:effectLst/>
+                <a:uLnTx/>
+                <a:uFillTx/>
+                <a:latin typeface="Georgia"/>
+                <a:ea typeface="+mn-ea"/>
+                <a:cs typeface="Georgia"/>
+              </a:rPr>
+              <a:t> dolor sit </a:t>
+            </a:r>
+            <a:r>
+              <a:rPr kumimoji="0" lang="en-US" sz="3200" b="0" i="0" u="none" strike="noStrike" kern="1200" cap="none" spc="0" normalizeH="0" baseline="0" noProof="0" dirty="0" err="1" smtClean="0">
+                <a:ln>
+                  <a:noFill/>
+                </a:ln>
+                <a:solidFill>
+                  <a:schemeClr val="tx1"/>
+                </a:solidFill>
+                <a:effectLst/>
+                <a:uLnTx/>
+                <a:uFillTx/>
+                <a:latin typeface="Georgia"/>
+                <a:ea typeface="+mn-ea"/>
+                <a:cs typeface="Georgia"/>
+              </a:rPr>
+              <a:t>amet</a:t>
+            </a:r>
+            <a:r>
+              <a:rPr kumimoji="0" lang="en-US" sz="3200" b="0" i="0" u="none" strike="noStrike" kern="1200" cap="none" spc="0" normalizeH="0" baseline="0" noProof="0" dirty="0" smtClean="0">
+                <a:ln>
+                  <a:noFill/>
+                </a:ln>
+                <a:solidFill>
+                  <a:schemeClr val="tx1"/>
+                </a:solidFill>
+                <a:effectLst/>
+                <a:uLnTx/>
+                <a:uFillTx/>
+                <a:latin typeface="Georgia"/>
+                <a:ea typeface="+mn-ea"/>
+                <a:cs typeface="Georgia"/>
+              </a:rPr>
+              <a:t>, </a:t>
+            </a:r>
+            <a:r>
+              <a:rPr kumimoji="0" lang="en-US" sz="3200" b="0" i="0" u="none" strike="noStrike" kern="1200" cap="none" spc="0" normalizeH="0" baseline="0" noProof="0" dirty="0" err="1" smtClean="0">
+                <a:ln>
+                  <a:noFill/>
+                </a:ln>
+                <a:solidFill>
+                  <a:schemeClr val="tx1"/>
+                </a:solidFill>
+                <a:effectLst/>
+                <a:uLnTx/>
+                <a:uFillTx/>
+                <a:latin typeface="Georgia"/>
+                <a:ea typeface="+mn-ea"/>
+                <a:cs typeface="Georgia"/>
+              </a:rPr>
+              <a:t>consectetur</a:t>
+            </a:r>
+            <a:r>
+              <a:rPr kumimoji="0" lang="en-US" sz="3200" b="0" i="0" u="none" strike="noStrike" kern="1200" cap="none" spc="0" normalizeH="0" baseline="0" noProof="0" dirty="0" smtClean="0">
+                <a:ln>
+                  <a:noFill/>
+                </a:ln>
+                <a:solidFill>
+                  <a:schemeClr val="tx1"/>
+                </a:solidFill>
+                <a:effectLst/>
+                <a:uLnTx/>
+                <a:uFillTx/>
+                <a:latin typeface="Georgia"/>
+                <a:ea typeface="+mn-ea"/>
+                <a:cs typeface="Georgia"/>
+              </a:rPr>
+              <a:t> </a:t>
+            </a:r>
+            <a:r>
+              <a:rPr kumimoji="0" lang="en-US" sz="3200" b="0" i="0" u="none" strike="noStrike" kern="1200" cap="none" spc="0" normalizeH="0" baseline="0" noProof="0" dirty="0" err="1" smtClean="0">
+                <a:ln>
+                  <a:noFill/>
+                </a:ln>
+                <a:solidFill>
+                  <a:schemeClr val="tx1"/>
+                </a:solidFill>
+                <a:effectLst/>
+                <a:uLnTx/>
+                <a:uFillTx/>
+                <a:latin typeface="Georgia"/>
+                <a:ea typeface="+mn-ea"/>
+                <a:cs typeface="Georgia"/>
+              </a:rPr>
+              <a:t>adipiscing</a:t>
+            </a:r>
+            <a:r>
+              <a:rPr kumimoji="0" lang="en-US" sz="3200" b="0" i="0" u="none" strike="noStrike" kern="1200" cap="none" spc="0" normalizeH="0" baseline="0" noProof="0" dirty="0" smtClean="0">
+                <a:ln>
+                  <a:noFill/>
+                </a:ln>
+                <a:solidFill>
+                  <a:schemeClr val="tx1"/>
+                </a:solidFill>
+                <a:effectLst/>
+                <a:uLnTx/>
+                <a:uFillTx/>
+                <a:latin typeface="Georgia"/>
+                <a:ea typeface="+mn-ea"/>
+                <a:cs typeface="Georgia"/>
+              </a:rPr>
+              <a:t> </a:t>
+            </a:r>
+            <a:r>
+              <a:rPr kumimoji="0" lang="en-US" sz="3200" b="0" i="0" u="none" strike="noStrike" kern="1200" cap="none" spc="0" normalizeH="0" baseline="0" noProof="0" dirty="0" err="1" smtClean="0">
+                <a:ln>
+                  <a:noFill/>
+                </a:ln>
+                <a:solidFill>
+                  <a:schemeClr val="tx1"/>
+                </a:solidFill>
+                <a:effectLst/>
+                <a:uLnTx/>
+                <a:uFillTx/>
+                <a:latin typeface="Georgia"/>
+                <a:ea typeface="+mn-ea"/>
+                <a:cs typeface="Georgia"/>
+              </a:rPr>
+              <a:t>elit</a:t>
+            </a:r>
+            <a:r>
+              <a:rPr kumimoji="0" lang="en-US" sz="3200" b="0" i="0" u="none" strike="noStrike" kern="1200" cap="none" spc="0" normalizeH="0" baseline="0" noProof="0" dirty="0" smtClean="0">
+                <a:ln>
+                  <a:noFill/>
+                </a:ln>
+                <a:solidFill>
+                  <a:schemeClr val="tx1"/>
+                </a:solidFill>
+                <a:effectLst/>
+                <a:uLnTx/>
+                <a:uFillTx/>
+                <a:latin typeface="Georgia"/>
+                <a:ea typeface="+mn-ea"/>
+                <a:cs typeface="Georgia"/>
+              </a:rPr>
+              <a:t>.</a:t>
+            </a:r>
+          </a:p>
+          <a:p>
+            <a:pPr marL="342900" marR="0" lvl="0" indent="-342900" algn="l" defTabSz="457200" rtl="0" eaLnBrk="1" fontAlgn="auto" latinLnBrk="0" hangingPunct="1">
+              <a:lnSpc>
+                <a:spcPct val="100000"/>
+              </a:lnSpc>
+              <a:spcBef>
+                <a:spcPct val="20000"/>
+              </a:spcBef>
+              <a:spcAft>
+                <a:spcPts val="0"/>
+              </a:spcAft>
+              <a:buClrTx/>
+              <a:buSzTx/>
+              <a:buFont typeface="Arial"/>
+              <a:buChar char="•"/>
+              <a:tabLst/>
+              <a:defRPr/>
+            </a:pPr>
+            <a:r>
+              <a:rPr kumimoji="0" lang="en-US" sz="3200" b="0" i="0" u="none" strike="noStrike" kern="1200" cap="none" spc="0" normalizeH="0" baseline="0" noProof="0" dirty="0" err="1" smtClean="0">
+                <a:ln>
+                  <a:noFill/>
+                </a:ln>
+                <a:solidFill>
+                  <a:schemeClr val="tx1"/>
+                </a:solidFill>
+                <a:effectLst/>
+                <a:uLnTx/>
+                <a:uFillTx/>
+                <a:latin typeface="Georgia"/>
+                <a:ea typeface="+mn-ea"/>
+                <a:cs typeface="Georgia"/>
+              </a:rPr>
+              <a:t>Sed</a:t>
+            </a:r>
+            <a:r>
+              <a:rPr kumimoji="0" lang="en-US" sz="3200" b="0" i="0" u="none" strike="noStrike" kern="1200" cap="none" spc="0" normalizeH="0" baseline="0" noProof="0" dirty="0" smtClean="0">
+                <a:ln>
+                  <a:noFill/>
+                </a:ln>
+                <a:solidFill>
+                  <a:schemeClr val="tx1"/>
+                </a:solidFill>
+                <a:effectLst/>
+                <a:uLnTx/>
+                <a:uFillTx/>
+                <a:latin typeface="Georgia"/>
+                <a:ea typeface="+mn-ea"/>
+                <a:cs typeface="Georgia"/>
+              </a:rPr>
+              <a:t> </a:t>
+            </a:r>
+            <a:r>
+              <a:rPr kumimoji="0" lang="en-US" sz="3200" b="0" i="0" u="none" strike="noStrike" kern="1200" cap="none" spc="0" normalizeH="0" baseline="0" noProof="0" dirty="0" err="1" smtClean="0">
+                <a:ln>
+                  <a:noFill/>
+                </a:ln>
+                <a:solidFill>
+                  <a:schemeClr val="tx1"/>
+                </a:solidFill>
+                <a:effectLst/>
+                <a:uLnTx/>
+                <a:uFillTx/>
+                <a:latin typeface="Georgia"/>
+                <a:ea typeface="+mn-ea"/>
+                <a:cs typeface="Georgia"/>
+              </a:rPr>
+              <a:t>pretium</a:t>
+            </a:r>
+            <a:r>
+              <a:rPr kumimoji="0" lang="en-US" sz="3200" b="0" i="0" u="none" strike="noStrike" kern="1200" cap="none" spc="0" normalizeH="0" baseline="0" noProof="0" dirty="0" smtClean="0">
+                <a:ln>
+                  <a:noFill/>
+                </a:ln>
+                <a:solidFill>
+                  <a:schemeClr val="tx1"/>
+                </a:solidFill>
+                <a:effectLst/>
+                <a:uLnTx/>
+                <a:uFillTx/>
+                <a:latin typeface="Georgia"/>
+                <a:ea typeface="+mn-ea"/>
+                <a:cs typeface="Georgia"/>
+              </a:rPr>
+              <a:t> </a:t>
+            </a:r>
+            <a:r>
+              <a:rPr kumimoji="0" lang="en-US" sz="3200" b="0" i="0" u="none" strike="noStrike" kern="1200" cap="none" spc="0" normalizeH="0" baseline="0" noProof="0" dirty="0" err="1" smtClean="0">
+                <a:ln>
+                  <a:noFill/>
+                </a:ln>
+                <a:solidFill>
+                  <a:schemeClr val="tx1"/>
+                </a:solidFill>
+                <a:effectLst/>
+                <a:uLnTx/>
+                <a:uFillTx/>
+                <a:latin typeface="Georgia"/>
+                <a:ea typeface="+mn-ea"/>
+                <a:cs typeface="Georgia"/>
+              </a:rPr>
+              <a:t>libero</a:t>
+            </a:r>
+            <a:r>
+              <a:rPr kumimoji="0" lang="en-US" sz="3200" b="0" i="0" u="none" strike="noStrike" kern="1200" cap="none" spc="0" normalizeH="0" baseline="0" noProof="0" dirty="0" smtClean="0">
+                <a:ln>
+                  <a:noFill/>
+                </a:ln>
+                <a:solidFill>
+                  <a:schemeClr val="tx1"/>
+                </a:solidFill>
+                <a:effectLst/>
+                <a:uLnTx/>
+                <a:uFillTx/>
+                <a:latin typeface="Georgia"/>
+                <a:ea typeface="+mn-ea"/>
+                <a:cs typeface="Georgia"/>
+              </a:rPr>
+              <a:t> </a:t>
+            </a:r>
+            <a:r>
+              <a:rPr kumimoji="0" lang="en-US" sz="3200" b="0" i="0" u="none" strike="noStrike" kern="1200" cap="none" spc="0" normalizeH="0" baseline="0" noProof="0" dirty="0" err="1" smtClean="0">
+                <a:ln>
+                  <a:noFill/>
+                </a:ln>
+                <a:solidFill>
+                  <a:schemeClr val="tx1"/>
+                </a:solidFill>
+                <a:effectLst/>
+                <a:uLnTx/>
+                <a:uFillTx/>
+                <a:latin typeface="Georgia"/>
+                <a:ea typeface="+mn-ea"/>
+                <a:cs typeface="Georgia"/>
+              </a:rPr>
+              <a:t>quis</a:t>
+            </a:r>
+            <a:r>
+              <a:rPr kumimoji="0" lang="en-US" sz="3200" b="0" i="0" u="none" strike="noStrike" kern="1200" cap="none" spc="0" normalizeH="0" baseline="0" noProof="0" dirty="0" smtClean="0">
+                <a:ln>
+                  <a:noFill/>
+                </a:ln>
+                <a:solidFill>
+                  <a:schemeClr val="tx1"/>
+                </a:solidFill>
+                <a:effectLst/>
+                <a:uLnTx/>
+                <a:uFillTx/>
+                <a:latin typeface="Georgia"/>
+                <a:ea typeface="+mn-ea"/>
+                <a:cs typeface="Georgia"/>
+              </a:rPr>
+              <a:t> dui </a:t>
+            </a:r>
+            <a:r>
+              <a:rPr kumimoji="0" lang="en-US" sz="3200" b="0" i="0" u="none" strike="noStrike" kern="1200" cap="none" spc="0" normalizeH="0" baseline="0" noProof="0" dirty="0" err="1" smtClean="0">
+                <a:ln>
+                  <a:noFill/>
+                </a:ln>
+                <a:solidFill>
+                  <a:schemeClr val="tx1"/>
+                </a:solidFill>
+                <a:effectLst/>
+                <a:uLnTx/>
+                <a:uFillTx/>
+                <a:latin typeface="Georgia"/>
+                <a:ea typeface="+mn-ea"/>
+                <a:cs typeface="Georgia"/>
+              </a:rPr>
+              <a:t>blandit</a:t>
+            </a:r>
+            <a:r>
+              <a:rPr kumimoji="0" lang="en-US" sz="3200" b="0" i="0" u="none" strike="noStrike" kern="1200" cap="none" spc="0" normalizeH="0" baseline="0" noProof="0" dirty="0" smtClean="0">
+                <a:ln>
+                  <a:noFill/>
+                </a:ln>
+                <a:solidFill>
+                  <a:schemeClr val="tx1"/>
+                </a:solidFill>
+                <a:effectLst/>
+                <a:uLnTx/>
+                <a:uFillTx/>
+                <a:latin typeface="Georgia"/>
+                <a:ea typeface="+mn-ea"/>
+                <a:cs typeface="Georgia"/>
+              </a:rPr>
+              <a:t> </a:t>
+            </a:r>
+            <a:r>
+              <a:rPr kumimoji="0" lang="en-US" sz="3200" b="0" i="0" u="none" strike="noStrike" kern="1200" cap="none" spc="0" normalizeH="0" baseline="0" noProof="0" dirty="0" err="1" smtClean="0">
+                <a:ln>
+                  <a:noFill/>
+                </a:ln>
+                <a:solidFill>
+                  <a:schemeClr val="tx1"/>
+                </a:solidFill>
+                <a:effectLst/>
+                <a:uLnTx/>
+                <a:uFillTx/>
+                <a:latin typeface="Georgia"/>
+                <a:ea typeface="+mn-ea"/>
+                <a:cs typeface="Georgia"/>
+              </a:rPr>
+              <a:t>pellentesque</a:t>
+            </a:r>
+            <a:r>
+              <a:rPr kumimoji="0" lang="en-US" sz="3200" b="0" i="0" u="none" strike="noStrike" kern="1200" cap="none" spc="0" normalizeH="0" baseline="0" noProof="0" dirty="0" smtClean="0">
+                <a:ln>
+                  <a:noFill/>
+                </a:ln>
+                <a:solidFill>
+                  <a:schemeClr val="tx1"/>
+                </a:solidFill>
+                <a:effectLst/>
+                <a:uLnTx/>
+                <a:uFillTx/>
+                <a:latin typeface="Georgia"/>
+                <a:ea typeface="+mn-ea"/>
+                <a:cs typeface="Georgia"/>
+              </a:rPr>
+              <a:t> </a:t>
+            </a:r>
+            <a:r>
+              <a:rPr kumimoji="0" lang="en-US" sz="3200" b="0" i="0" u="none" strike="noStrike" kern="1200" cap="none" spc="0" normalizeH="0" baseline="0" noProof="0" dirty="0" err="1" smtClean="0">
+                <a:ln>
+                  <a:noFill/>
+                </a:ln>
+                <a:solidFill>
+                  <a:schemeClr val="tx1"/>
+                </a:solidFill>
+                <a:effectLst/>
+                <a:uLnTx/>
+                <a:uFillTx/>
+                <a:latin typeface="Georgia"/>
+                <a:ea typeface="+mn-ea"/>
+                <a:cs typeface="Georgia"/>
+              </a:rPr>
+              <a:t>consequat</a:t>
+            </a:r>
+            <a:r>
+              <a:rPr kumimoji="0" lang="en-US" sz="3200" b="0" i="0" u="none" strike="noStrike" kern="1200" cap="none" spc="0" normalizeH="0" baseline="0" noProof="0" dirty="0" smtClean="0">
+                <a:ln>
+                  <a:noFill/>
+                </a:ln>
+                <a:solidFill>
+                  <a:schemeClr val="tx1"/>
+                </a:solidFill>
+                <a:effectLst/>
+                <a:uLnTx/>
+                <a:uFillTx/>
+                <a:latin typeface="Georgia"/>
+                <a:ea typeface="+mn-ea"/>
+                <a:cs typeface="Georgia"/>
+              </a:rPr>
+              <a:t> </a:t>
+            </a:r>
+            <a:r>
+              <a:rPr kumimoji="0" lang="en-US" sz="3200" b="0" i="0" u="none" strike="noStrike" kern="1200" cap="none" spc="0" normalizeH="0" baseline="0" noProof="0" dirty="0" err="1" smtClean="0">
+                <a:ln>
+                  <a:noFill/>
+                </a:ln>
+                <a:solidFill>
+                  <a:schemeClr val="tx1"/>
+                </a:solidFill>
+                <a:effectLst/>
+                <a:uLnTx/>
+                <a:uFillTx/>
+                <a:latin typeface="Georgia"/>
+                <a:ea typeface="+mn-ea"/>
+                <a:cs typeface="Georgia"/>
+              </a:rPr>
+              <a:t>libero</a:t>
+            </a:r>
+            <a:r>
+              <a:rPr kumimoji="0" lang="en-US" sz="3200" b="0" i="0" u="none" strike="noStrike" kern="1200" cap="none" spc="0" normalizeH="0" baseline="0" noProof="0" dirty="0" smtClean="0">
+                <a:ln>
+                  <a:noFill/>
+                </a:ln>
+                <a:solidFill>
+                  <a:schemeClr val="tx1"/>
+                </a:solidFill>
+                <a:effectLst/>
+                <a:uLnTx/>
+                <a:uFillTx/>
+                <a:latin typeface="Georgia"/>
+                <a:ea typeface="+mn-ea"/>
+                <a:cs typeface="Georgia"/>
+              </a:rPr>
+              <a:t> </a:t>
+            </a:r>
+            <a:r>
+              <a:rPr kumimoji="0" lang="en-US" sz="3200" b="0" i="0" u="none" strike="noStrike" kern="1200" cap="none" spc="0" normalizeH="0" baseline="0" noProof="0" dirty="0" err="1" smtClean="0">
+                <a:ln>
+                  <a:noFill/>
+                </a:ln>
+                <a:solidFill>
+                  <a:schemeClr val="tx1"/>
+                </a:solidFill>
+                <a:effectLst/>
+                <a:uLnTx/>
+                <a:uFillTx/>
+                <a:latin typeface="Georgia"/>
+                <a:ea typeface="+mn-ea"/>
+                <a:cs typeface="Georgia"/>
+              </a:rPr>
+              <a:t>gravida</a:t>
+            </a:r>
+            <a:r>
+              <a:rPr kumimoji="0" lang="en-US" sz="3200" b="0" i="0" u="none" strike="noStrike" kern="1200" cap="none" spc="0" normalizeH="0" baseline="0" noProof="0" dirty="0" smtClean="0">
+                <a:ln>
+                  <a:noFill/>
+                </a:ln>
+                <a:solidFill>
+                  <a:schemeClr val="tx1"/>
+                </a:solidFill>
+                <a:effectLst/>
+                <a:uLnTx/>
+                <a:uFillTx/>
+                <a:latin typeface="Georgia"/>
+                <a:ea typeface="+mn-ea"/>
+                <a:cs typeface="Georgia"/>
+              </a:rPr>
+              <a:t>.</a:t>
+            </a:r>
+          </a:p>
+          <a:p>
+            <a:pPr marL="342900" marR="0" lvl="0" indent="-342900" algn="l" defTabSz="457200" rtl="0" eaLnBrk="1" fontAlgn="auto" latinLnBrk="0" hangingPunct="1">
+              <a:lnSpc>
+                <a:spcPct val="100000"/>
+              </a:lnSpc>
+              <a:spcBef>
+                <a:spcPct val="20000"/>
+              </a:spcBef>
+              <a:spcAft>
+                <a:spcPts val="0"/>
+              </a:spcAft>
+              <a:buClrTx/>
+              <a:buSzTx/>
+              <a:buFont typeface="Arial"/>
+              <a:buChar char="•"/>
+              <a:tabLst/>
+              <a:defRPr/>
+            </a:pPr>
+            <a:r>
+              <a:rPr kumimoji="0" lang="en-US" sz="3200" b="0" i="0" u="none" strike="noStrike" kern="1200" cap="none" spc="0" normalizeH="0" baseline="0" noProof="0" dirty="0" smtClean="0">
+                <a:ln>
+                  <a:noFill/>
+                </a:ln>
+                <a:solidFill>
+                  <a:schemeClr val="tx1"/>
+                </a:solidFill>
+                <a:effectLst/>
+                <a:uLnTx/>
+                <a:uFillTx/>
+                <a:latin typeface="Georgia"/>
+                <a:ea typeface="+mn-ea"/>
+                <a:cs typeface="Georgia"/>
+              </a:rPr>
+              <a:t>In </a:t>
+            </a:r>
+            <a:r>
+              <a:rPr kumimoji="0" lang="en-US" sz="3200" b="0" i="0" u="none" strike="noStrike" kern="1200" cap="none" spc="0" normalizeH="0" baseline="0" noProof="0" dirty="0" err="1" smtClean="0">
+                <a:ln>
+                  <a:noFill/>
+                </a:ln>
+                <a:solidFill>
+                  <a:schemeClr val="tx1"/>
+                </a:solidFill>
+                <a:effectLst/>
+                <a:uLnTx/>
+                <a:uFillTx/>
+                <a:latin typeface="Georgia"/>
+                <a:ea typeface="+mn-ea"/>
+                <a:cs typeface="Georgia"/>
+              </a:rPr>
+              <a:t>venenatis</a:t>
+            </a:r>
+            <a:r>
+              <a:rPr kumimoji="0" lang="en-US" sz="3200" b="0" i="0" u="none" strike="noStrike" kern="1200" cap="none" spc="0" normalizeH="0" baseline="0" noProof="0" dirty="0" smtClean="0">
+                <a:ln>
+                  <a:noFill/>
+                </a:ln>
+                <a:solidFill>
+                  <a:schemeClr val="tx1"/>
+                </a:solidFill>
+                <a:effectLst/>
+                <a:uLnTx/>
+                <a:uFillTx/>
+                <a:latin typeface="Georgia"/>
+                <a:ea typeface="+mn-ea"/>
+                <a:cs typeface="Georgia"/>
+              </a:rPr>
+              <a:t> lacus </a:t>
+            </a:r>
+            <a:r>
+              <a:rPr kumimoji="0" lang="en-US" sz="3200" b="0" i="0" u="none" strike="noStrike" kern="1200" cap="none" spc="0" normalizeH="0" baseline="0" noProof="0" dirty="0" err="1" smtClean="0">
+                <a:ln>
+                  <a:noFill/>
+                </a:ln>
+                <a:solidFill>
+                  <a:schemeClr val="tx1"/>
+                </a:solidFill>
+                <a:effectLst/>
+                <a:uLnTx/>
+                <a:uFillTx/>
+                <a:latin typeface="Georgia"/>
+                <a:ea typeface="+mn-ea"/>
+                <a:cs typeface="Georgia"/>
+              </a:rPr>
+              <a:t>imperdiet</a:t>
+            </a:r>
+            <a:r>
+              <a:rPr kumimoji="0" lang="en-US" sz="3200" b="0" i="0" u="none" strike="noStrike" kern="1200" cap="none" spc="0" normalizeH="0" baseline="0" noProof="0" dirty="0" smtClean="0">
+                <a:ln>
+                  <a:noFill/>
+                </a:ln>
+                <a:solidFill>
+                  <a:schemeClr val="tx1"/>
+                </a:solidFill>
+                <a:effectLst/>
+                <a:uLnTx/>
+                <a:uFillTx/>
+                <a:latin typeface="Georgia"/>
+                <a:ea typeface="+mn-ea"/>
+                <a:cs typeface="Georgia"/>
+              </a:rPr>
+              <a:t> </a:t>
+            </a:r>
+            <a:r>
+              <a:rPr kumimoji="0" lang="en-US" sz="3200" b="0" i="0" u="none" strike="noStrike" kern="1200" cap="none" spc="0" normalizeH="0" baseline="0" noProof="0" dirty="0" err="1" smtClean="0">
+                <a:ln>
+                  <a:noFill/>
+                </a:ln>
+                <a:solidFill>
+                  <a:schemeClr val="tx1"/>
+                </a:solidFill>
+                <a:effectLst/>
+                <a:uLnTx/>
+                <a:uFillTx/>
+                <a:latin typeface="Georgia"/>
+                <a:ea typeface="+mn-ea"/>
+                <a:cs typeface="Georgia"/>
+              </a:rPr>
+              <a:t>tellus</a:t>
+            </a:r>
+            <a:r>
+              <a:rPr kumimoji="0" lang="en-US" sz="3200" b="0" i="0" u="none" strike="noStrike" kern="1200" cap="none" spc="0" normalizeH="0" baseline="0" noProof="0" dirty="0" smtClean="0">
+                <a:ln>
+                  <a:noFill/>
+                </a:ln>
+                <a:solidFill>
+                  <a:schemeClr val="tx1"/>
+                </a:solidFill>
+                <a:effectLst/>
+                <a:uLnTx/>
+                <a:uFillTx/>
+                <a:latin typeface="Georgia"/>
+                <a:ea typeface="+mn-ea"/>
+                <a:cs typeface="Georgia"/>
+              </a:rPr>
+              <a:t> </a:t>
+            </a:r>
+            <a:r>
+              <a:rPr kumimoji="0" lang="en-US" sz="3200" b="0" i="0" u="none" strike="noStrike" kern="1200" cap="none" spc="0" normalizeH="0" baseline="0" noProof="0" dirty="0" err="1" smtClean="0">
+                <a:ln>
+                  <a:noFill/>
+                </a:ln>
+                <a:solidFill>
+                  <a:schemeClr val="tx1"/>
+                </a:solidFill>
+                <a:effectLst/>
+                <a:uLnTx/>
+                <a:uFillTx/>
+                <a:latin typeface="Georgia"/>
+                <a:ea typeface="+mn-ea"/>
+                <a:cs typeface="Georgia"/>
+              </a:rPr>
+              <a:t>rutrum</a:t>
+            </a:r>
+            <a:r>
+              <a:rPr kumimoji="0" lang="en-US" sz="3200" b="0" i="0" u="none" strike="noStrike" kern="1200" cap="none" spc="0" normalizeH="0" baseline="0" noProof="0" dirty="0" smtClean="0">
+                <a:ln>
+                  <a:noFill/>
+                </a:ln>
+                <a:solidFill>
+                  <a:schemeClr val="tx1"/>
+                </a:solidFill>
+                <a:effectLst/>
+                <a:uLnTx/>
+                <a:uFillTx/>
+                <a:latin typeface="Georgia"/>
+                <a:ea typeface="+mn-ea"/>
+                <a:cs typeface="Georgia"/>
+              </a:rPr>
+              <a:t> </a:t>
+            </a:r>
+            <a:r>
+              <a:rPr kumimoji="0" lang="en-US" sz="3200" b="0" i="0" u="none" strike="noStrike" kern="1200" cap="none" spc="0" normalizeH="0" baseline="0" noProof="0" dirty="0" err="1" smtClean="0">
+                <a:ln>
+                  <a:noFill/>
+                </a:ln>
+                <a:solidFill>
+                  <a:schemeClr val="tx1"/>
+                </a:solidFill>
+                <a:effectLst/>
+                <a:uLnTx/>
+                <a:uFillTx/>
+                <a:latin typeface="Georgia"/>
+                <a:ea typeface="+mn-ea"/>
+                <a:cs typeface="Georgia"/>
+              </a:rPr>
+              <a:t>auctor</a:t>
+            </a:r>
+            <a:r>
+              <a:rPr kumimoji="0" lang="en-US" sz="3200" b="0" i="0" u="none" strike="noStrike" kern="1200" cap="none" spc="0" normalizeH="0" baseline="0" noProof="0" dirty="0" smtClean="0">
+                <a:ln>
+                  <a:noFill/>
+                </a:ln>
+                <a:solidFill>
+                  <a:schemeClr val="tx1"/>
+                </a:solidFill>
+                <a:effectLst/>
+                <a:uLnTx/>
+                <a:uFillTx/>
+                <a:latin typeface="Georgia"/>
+                <a:ea typeface="+mn-ea"/>
+                <a:cs typeface="Georgia"/>
+              </a:rPr>
+              <a:t>.</a:t>
+            </a:r>
+          </a:p>
+          <a:p>
+            <a:pPr marL="342900" marR="0" lvl="0" indent="-342900" algn="l" defTabSz="457200" rtl="0" eaLnBrk="1" fontAlgn="auto" latinLnBrk="0" hangingPunct="1">
+              <a:lnSpc>
+                <a:spcPct val="100000"/>
+              </a:lnSpc>
+              <a:spcBef>
+                <a:spcPct val="20000"/>
+              </a:spcBef>
+              <a:spcAft>
+                <a:spcPts val="0"/>
+              </a:spcAft>
+              <a:buClrTx/>
+              <a:buSzTx/>
+              <a:buFont typeface="Arial"/>
+              <a:buChar char="•"/>
+              <a:tabLst/>
+              <a:defRPr/>
+            </a:pPr>
+            <a:r>
+              <a:rPr kumimoji="0" lang="en-US" sz="3200" b="0" i="0" u="none" strike="noStrike" kern="1200" cap="none" spc="0" normalizeH="0" baseline="0" noProof="0" dirty="0" err="1" smtClean="0">
+                <a:ln>
+                  <a:noFill/>
+                </a:ln>
+                <a:solidFill>
+                  <a:schemeClr val="tx1"/>
+                </a:solidFill>
+                <a:effectLst/>
+                <a:uLnTx/>
+                <a:uFillTx/>
+                <a:latin typeface="Georgia"/>
+                <a:ea typeface="+mn-ea"/>
+                <a:cs typeface="Georgia"/>
+              </a:rPr>
+              <a:t>Curabitur</a:t>
+            </a:r>
+            <a:r>
+              <a:rPr kumimoji="0" lang="en-US" sz="3200" b="0" i="0" u="none" strike="noStrike" kern="1200" cap="none" spc="0" normalizeH="0" baseline="0" noProof="0" dirty="0" smtClean="0">
+                <a:ln>
+                  <a:noFill/>
+                </a:ln>
+                <a:solidFill>
+                  <a:schemeClr val="tx1"/>
+                </a:solidFill>
+                <a:effectLst/>
+                <a:uLnTx/>
+                <a:uFillTx/>
+                <a:latin typeface="Georgia"/>
+                <a:ea typeface="+mn-ea"/>
+                <a:cs typeface="Georgia"/>
+              </a:rPr>
+              <a:t> </a:t>
+            </a:r>
+            <a:r>
+              <a:rPr kumimoji="0" lang="en-US" sz="3200" b="0" i="0" u="none" strike="noStrike" kern="1200" cap="none" spc="0" normalizeH="0" baseline="0" noProof="0" dirty="0" err="1" smtClean="0">
+                <a:ln>
+                  <a:noFill/>
+                </a:ln>
+                <a:solidFill>
+                  <a:schemeClr val="tx1"/>
+                </a:solidFill>
+                <a:effectLst/>
+                <a:uLnTx/>
+                <a:uFillTx/>
+                <a:latin typeface="Georgia"/>
+                <a:ea typeface="+mn-ea"/>
+                <a:cs typeface="Georgia"/>
+              </a:rPr>
+              <a:t>condimentum</a:t>
+            </a:r>
+            <a:r>
+              <a:rPr kumimoji="0" lang="en-US" sz="3200" b="0" i="0" u="none" strike="noStrike" kern="1200" cap="none" spc="0" normalizeH="0" baseline="0" noProof="0" dirty="0" smtClean="0">
+                <a:ln>
+                  <a:noFill/>
+                </a:ln>
+                <a:solidFill>
+                  <a:schemeClr val="tx1"/>
+                </a:solidFill>
+                <a:effectLst/>
+                <a:uLnTx/>
+                <a:uFillTx/>
+                <a:latin typeface="Georgia"/>
+                <a:ea typeface="+mn-ea"/>
+                <a:cs typeface="Georgia"/>
+              </a:rPr>
+              <a:t> </a:t>
+            </a:r>
+            <a:r>
+              <a:rPr kumimoji="0" lang="en-US" sz="3200" b="0" i="0" u="none" strike="noStrike" kern="1200" cap="none" spc="0" normalizeH="0" baseline="0" noProof="0" dirty="0" err="1" smtClean="0">
+                <a:ln>
+                  <a:noFill/>
+                </a:ln>
+                <a:solidFill>
+                  <a:schemeClr val="tx1"/>
+                </a:solidFill>
+                <a:effectLst/>
+                <a:uLnTx/>
+                <a:uFillTx/>
+                <a:latin typeface="Georgia"/>
+                <a:ea typeface="+mn-ea"/>
+                <a:cs typeface="Georgia"/>
+              </a:rPr>
+              <a:t>consequat</a:t>
+            </a:r>
+            <a:r>
+              <a:rPr kumimoji="0" lang="en-US" sz="3200" b="0" i="0" u="none" strike="noStrike" kern="1200" cap="none" spc="0" normalizeH="0" baseline="0" noProof="0" dirty="0" smtClean="0">
+                <a:ln>
+                  <a:noFill/>
+                </a:ln>
+                <a:solidFill>
+                  <a:schemeClr val="tx1"/>
+                </a:solidFill>
+                <a:effectLst/>
+                <a:uLnTx/>
+                <a:uFillTx/>
+                <a:latin typeface="Georgia"/>
+                <a:ea typeface="+mn-ea"/>
+                <a:cs typeface="Georgia"/>
+              </a:rPr>
+              <a:t> nisi, in </a:t>
+            </a:r>
+            <a:r>
+              <a:rPr kumimoji="0" lang="en-US" sz="3200" b="0" i="0" u="none" strike="noStrike" kern="1200" cap="none" spc="0" normalizeH="0" baseline="0" noProof="0" dirty="0" err="1" smtClean="0">
+                <a:ln>
+                  <a:noFill/>
+                </a:ln>
+                <a:solidFill>
+                  <a:schemeClr val="tx1"/>
+                </a:solidFill>
+                <a:effectLst/>
+                <a:uLnTx/>
+                <a:uFillTx/>
+                <a:latin typeface="Georgia"/>
+                <a:ea typeface="+mn-ea"/>
+                <a:cs typeface="Georgia"/>
+              </a:rPr>
+              <a:t>aliquam</a:t>
+            </a:r>
+            <a:r>
+              <a:rPr kumimoji="0" lang="en-US" sz="3200" b="0" i="0" u="none" strike="noStrike" kern="1200" cap="none" spc="0" normalizeH="0" baseline="0" noProof="0" dirty="0" smtClean="0">
+                <a:ln>
+                  <a:noFill/>
+                </a:ln>
+                <a:solidFill>
+                  <a:schemeClr val="tx1"/>
+                </a:solidFill>
+                <a:effectLst/>
+                <a:uLnTx/>
+                <a:uFillTx/>
+                <a:latin typeface="Georgia"/>
+                <a:ea typeface="+mn-ea"/>
+                <a:cs typeface="Georgia"/>
+              </a:rPr>
+              <a:t> </a:t>
+            </a:r>
+            <a:r>
+              <a:rPr kumimoji="0" lang="en-US" sz="3200" b="0" i="0" u="none" strike="noStrike" kern="1200" cap="none" spc="0" normalizeH="0" baseline="0" noProof="0" dirty="0" err="1" smtClean="0">
+                <a:ln>
+                  <a:noFill/>
+                </a:ln>
+                <a:solidFill>
+                  <a:schemeClr val="tx1"/>
+                </a:solidFill>
+                <a:effectLst/>
+                <a:uLnTx/>
+                <a:uFillTx/>
+                <a:latin typeface="Georgia"/>
+                <a:ea typeface="+mn-ea"/>
+                <a:cs typeface="Georgia"/>
+              </a:rPr>
+              <a:t>nibh</a:t>
+            </a:r>
+            <a:r>
+              <a:rPr kumimoji="0" lang="en-US" sz="3200" b="0" i="0" u="none" strike="noStrike" kern="1200" cap="none" spc="0" normalizeH="0" baseline="0" noProof="0" dirty="0" smtClean="0">
+                <a:ln>
+                  <a:noFill/>
+                </a:ln>
+                <a:solidFill>
+                  <a:schemeClr val="tx1"/>
+                </a:solidFill>
+                <a:effectLst/>
+                <a:uLnTx/>
+                <a:uFillTx/>
+                <a:latin typeface="Georgia"/>
+                <a:ea typeface="+mn-ea"/>
+                <a:cs typeface="Georgia"/>
+              </a:rPr>
+              <a:t> </a:t>
+            </a:r>
+            <a:r>
+              <a:rPr kumimoji="0" lang="en-US" sz="3200" b="0" i="0" u="none" strike="noStrike" kern="1200" cap="none" spc="0" normalizeH="0" baseline="0" noProof="0" dirty="0" err="1" smtClean="0">
+                <a:ln>
+                  <a:noFill/>
+                </a:ln>
+                <a:solidFill>
+                  <a:schemeClr val="tx1"/>
+                </a:solidFill>
+                <a:effectLst/>
+                <a:uLnTx/>
+                <a:uFillTx/>
+                <a:latin typeface="Georgia"/>
+                <a:ea typeface="+mn-ea"/>
+                <a:cs typeface="Georgia"/>
+              </a:rPr>
+              <a:t>placerat</a:t>
+            </a:r>
+            <a:r>
+              <a:rPr kumimoji="0" lang="en-US" sz="3200" b="0" i="0" u="none" strike="noStrike" kern="1200" cap="none" spc="0" normalizeH="0" baseline="0" noProof="0" dirty="0" smtClean="0">
+                <a:ln>
+                  <a:noFill/>
+                </a:ln>
+                <a:solidFill>
+                  <a:schemeClr val="tx1"/>
+                </a:solidFill>
+                <a:effectLst/>
+                <a:uLnTx/>
+                <a:uFillTx/>
+                <a:latin typeface="Georgia"/>
+                <a:ea typeface="+mn-ea"/>
+                <a:cs typeface="Georgia"/>
+              </a:rPr>
+              <a:t> vel.</a:t>
+            </a:r>
+          </a:p>
+          <a:p>
+            <a:pPr marL="342900" marR="0" lvl="0" indent="-342900" algn="l" defTabSz="457200" rtl="0" eaLnBrk="1" fontAlgn="auto" latinLnBrk="0" hangingPunct="1">
+              <a:lnSpc>
+                <a:spcPct val="100000"/>
+              </a:lnSpc>
+              <a:spcBef>
+                <a:spcPct val="20000"/>
+              </a:spcBef>
+              <a:spcAft>
+                <a:spcPts val="0"/>
+              </a:spcAft>
+              <a:buClrTx/>
+              <a:buSzTx/>
+              <a:buFont typeface="Arial"/>
+              <a:buChar char="•"/>
+              <a:tabLst/>
+              <a:defRPr/>
+            </a:pPr>
+            <a:r>
+              <a:rPr kumimoji="0" lang="en-US" sz="3200" b="0" i="0" u="none" strike="noStrike" kern="1200" cap="none" spc="0" normalizeH="0" baseline="0" noProof="0" dirty="0" err="1" smtClean="0">
+                <a:ln>
+                  <a:noFill/>
+                </a:ln>
+                <a:solidFill>
+                  <a:schemeClr val="tx1"/>
+                </a:solidFill>
+                <a:effectLst/>
+                <a:uLnTx/>
+                <a:uFillTx/>
+                <a:latin typeface="Georgia"/>
+                <a:ea typeface="+mn-ea"/>
+                <a:cs typeface="Georgia"/>
+              </a:rPr>
+              <a:t>Curabitur</a:t>
+            </a:r>
+            <a:r>
+              <a:rPr kumimoji="0" lang="en-US" sz="3200" b="0" i="0" u="none" strike="noStrike" kern="1200" cap="none" spc="0" normalizeH="0" baseline="0" noProof="0" dirty="0" smtClean="0">
+                <a:ln>
+                  <a:noFill/>
+                </a:ln>
+                <a:solidFill>
+                  <a:schemeClr val="tx1"/>
+                </a:solidFill>
+                <a:effectLst/>
+                <a:uLnTx/>
+                <a:uFillTx/>
+                <a:latin typeface="Georgia"/>
+                <a:ea typeface="+mn-ea"/>
+                <a:cs typeface="Georgia"/>
+              </a:rPr>
+              <a:t> et </a:t>
+            </a:r>
+            <a:r>
+              <a:rPr kumimoji="0" lang="en-US" sz="3200" b="0" i="0" u="none" strike="noStrike" kern="1200" cap="none" spc="0" normalizeH="0" baseline="0" noProof="0" dirty="0" err="1" smtClean="0">
+                <a:ln>
+                  <a:noFill/>
+                </a:ln>
+                <a:solidFill>
+                  <a:schemeClr val="tx1"/>
+                </a:solidFill>
+                <a:effectLst/>
+                <a:uLnTx/>
+                <a:uFillTx/>
+                <a:latin typeface="Georgia"/>
+                <a:ea typeface="+mn-ea"/>
+                <a:cs typeface="Georgia"/>
+              </a:rPr>
+              <a:t>purus</a:t>
+            </a:r>
+            <a:r>
+              <a:rPr kumimoji="0" lang="en-US" sz="3200" b="0" i="0" u="none" strike="noStrike" kern="1200" cap="none" spc="0" normalizeH="0" baseline="0" noProof="0" dirty="0" smtClean="0">
+                <a:ln>
+                  <a:noFill/>
+                </a:ln>
+                <a:solidFill>
+                  <a:schemeClr val="tx1"/>
+                </a:solidFill>
+                <a:effectLst/>
+                <a:uLnTx/>
+                <a:uFillTx/>
+                <a:latin typeface="Georgia"/>
+                <a:ea typeface="+mn-ea"/>
+                <a:cs typeface="Georgia"/>
+              </a:rPr>
+              <a:t> </a:t>
+            </a:r>
+            <a:r>
+              <a:rPr kumimoji="0" lang="en-US" sz="3200" b="0" i="0" u="none" strike="noStrike" kern="1200" cap="none" spc="0" normalizeH="0" baseline="0" noProof="0" dirty="0" err="1" smtClean="0">
+                <a:ln>
+                  <a:noFill/>
+                </a:ln>
+                <a:solidFill>
+                  <a:schemeClr val="tx1"/>
+                </a:solidFill>
+                <a:effectLst/>
+                <a:uLnTx/>
+                <a:uFillTx/>
+                <a:latin typeface="Georgia"/>
+                <a:ea typeface="+mn-ea"/>
+                <a:cs typeface="Georgia"/>
+              </a:rPr>
+              <a:t>est</a:t>
+            </a:r>
+            <a:r>
+              <a:rPr kumimoji="0" lang="en-US" sz="3200" b="0" i="0" u="none" strike="noStrike" kern="1200" cap="none" spc="0" normalizeH="0" baseline="0" noProof="0" dirty="0" smtClean="0">
+                <a:ln>
+                  <a:noFill/>
+                </a:ln>
+                <a:solidFill>
+                  <a:schemeClr val="tx1"/>
+                </a:solidFill>
+                <a:effectLst/>
+                <a:uLnTx/>
+                <a:uFillTx/>
+                <a:latin typeface="Georgia"/>
+                <a:ea typeface="+mn-ea"/>
+                <a:cs typeface="Georgia"/>
+              </a:rPr>
+              <a:t>, at </a:t>
+            </a:r>
+            <a:r>
+              <a:rPr kumimoji="0" lang="en-US" sz="3200" b="0" i="0" u="none" strike="noStrike" kern="1200" cap="none" spc="0" normalizeH="0" baseline="0" noProof="0" dirty="0" err="1" smtClean="0">
+                <a:ln>
+                  <a:noFill/>
+                </a:ln>
+                <a:solidFill>
+                  <a:schemeClr val="tx1"/>
+                </a:solidFill>
+                <a:effectLst/>
+                <a:uLnTx/>
+                <a:uFillTx/>
+                <a:latin typeface="Georgia"/>
+                <a:ea typeface="+mn-ea"/>
+                <a:cs typeface="Georgia"/>
+              </a:rPr>
+              <a:t>facilisis</a:t>
+            </a:r>
+            <a:r>
+              <a:rPr kumimoji="0" lang="en-US" sz="3200" b="0" i="0" u="none" strike="noStrike" kern="1200" cap="none" spc="0" normalizeH="0" baseline="0" noProof="0" dirty="0" smtClean="0">
+                <a:ln>
+                  <a:noFill/>
+                </a:ln>
+                <a:solidFill>
+                  <a:schemeClr val="tx1"/>
+                </a:solidFill>
+                <a:effectLst/>
+                <a:uLnTx/>
+                <a:uFillTx/>
+                <a:latin typeface="Georgia"/>
+                <a:ea typeface="+mn-ea"/>
+                <a:cs typeface="Georgia"/>
+              </a:rPr>
+              <a:t> </a:t>
+            </a:r>
+            <a:r>
+              <a:rPr kumimoji="0" lang="en-US" sz="3200" b="0" i="0" u="none" strike="noStrike" kern="1200" cap="none" spc="0" normalizeH="0" baseline="0" noProof="0" dirty="0" err="1" smtClean="0">
+                <a:ln>
+                  <a:noFill/>
+                </a:ln>
+                <a:solidFill>
+                  <a:schemeClr val="tx1"/>
+                </a:solidFill>
+                <a:effectLst/>
+                <a:uLnTx/>
+                <a:uFillTx/>
+                <a:latin typeface="Georgia"/>
+                <a:ea typeface="+mn-ea"/>
+                <a:cs typeface="Georgia"/>
+              </a:rPr>
+              <a:t>nisl</a:t>
+            </a:r>
+            <a:r>
+              <a:rPr kumimoji="0" lang="en-US" sz="3200" b="0" i="0" u="none" strike="noStrike" kern="1200" cap="none" spc="0" normalizeH="0" baseline="0" noProof="0" dirty="0" smtClean="0">
+                <a:ln>
+                  <a:noFill/>
+                </a:ln>
+                <a:solidFill>
+                  <a:schemeClr val="tx1"/>
+                </a:solidFill>
+                <a:effectLst/>
+                <a:uLnTx/>
+                <a:uFillTx/>
+                <a:latin typeface="Georgia"/>
+                <a:ea typeface="+mn-ea"/>
+                <a:cs typeface="Georgia"/>
+              </a:rPr>
+              <a:t>.</a:t>
+            </a:r>
+          </a:p>
+          <a:p>
+            <a:pPr marL="342900" marR="0" lvl="0" indent="-342900" algn="l" defTabSz="457200" rtl="0" eaLnBrk="1" fontAlgn="auto" latinLnBrk="0" hangingPunct="1">
+              <a:lnSpc>
+                <a:spcPct val="100000"/>
+              </a:lnSpc>
+              <a:spcBef>
+                <a:spcPct val="20000"/>
+              </a:spcBef>
+              <a:spcAft>
+                <a:spcPts val="0"/>
+              </a:spcAft>
+              <a:buClrTx/>
+              <a:buSzTx/>
+              <a:buFont typeface="Arial"/>
+              <a:buChar char="•"/>
+              <a:tabLst/>
+              <a:defRPr/>
+            </a:pPr>
+            <a:r>
+              <a:rPr kumimoji="0" lang="en-US" sz="3200" b="0" i="0" u="none" strike="noStrike" kern="1200" cap="none" spc="0" normalizeH="0" baseline="0" noProof="0" dirty="0" err="1" smtClean="0">
+                <a:ln>
+                  <a:noFill/>
+                </a:ln>
+                <a:solidFill>
+                  <a:schemeClr val="tx1"/>
+                </a:solidFill>
+                <a:effectLst/>
+                <a:uLnTx/>
+                <a:uFillTx/>
+                <a:latin typeface="Georgia"/>
+                <a:ea typeface="+mn-ea"/>
+                <a:cs typeface="Georgia"/>
+              </a:rPr>
+              <a:t>Aenean</a:t>
+            </a:r>
+            <a:r>
+              <a:rPr kumimoji="0" lang="en-US" sz="3200" b="0" i="0" u="none" strike="noStrike" kern="1200" cap="none" spc="0" normalizeH="0" baseline="0" noProof="0" dirty="0" smtClean="0">
+                <a:ln>
+                  <a:noFill/>
+                </a:ln>
+                <a:solidFill>
+                  <a:schemeClr val="tx1"/>
+                </a:solidFill>
+                <a:effectLst/>
+                <a:uLnTx/>
+                <a:uFillTx/>
+                <a:latin typeface="Georgia"/>
+                <a:ea typeface="+mn-ea"/>
+                <a:cs typeface="Georgia"/>
+              </a:rPr>
+              <a:t> </a:t>
+            </a:r>
+            <a:r>
+              <a:rPr kumimoji="0" lang="en-US" sz="3200" b="0" i="0" u="none" strike="noStrike" kern="1200" cap="none" spc="0" normalizeH="0" baseline="0" noProof="0" dirty="0" err="1" smtClean="0">
+                <a:ln>
+                  <a:noFill/>
+                </a:ln>
+                <a:solidFill>
+                  <a:schemeClr val="tx1"/>
+                </a:solidFill>
+                <a:effectLst/>
+                <a:uLnTx/>
+                <a:uFillTx/>
+                <a:latin typeface="Georgia"/>
+                <a:ea typeface="+mn-ea"/>
+                <a:cs typeface="Georgia"/>
+              </a:rPr>
+              <a:t>posuere</a:t>
+            </a:r>
+            <a:r>
+              <a:rPr kumimoji="0" lang="en-US" sz="3200" b="0" i="0" u="none" strike="noStrike" kern="1200" cap="none" spc="0" normalizeH="0" baseline="0" noProof="0" dirty="0" smtClean="0">
+                <a:ln>
+                  <a:noFill/>
+                </a:ln>
+                <a:solidFill>
+                  <a:schemeClr val="tx1"/>
+                </a:solidFill>
+                <a:effectLst/>
+                <a:uLnTx/>
+                <a:uFillTx/>
+                <a:latin typeface="Georgia"/>
+                <a:ea typeface="+mn-ea"/>
+                <a:cs typeface="Georgia"/>
+              </a:rPr>
+              <a:t> lacus non </a:t>
+            </a:r>
+            <a:r>
+              <a:rPr kumimoji="0" lang="en-US" sz="3200" b="0" i="0" u="none" strike="noStrike" kern="1200" cap="none" spc="0" normalizeH="0" baseline="0" noProof="0" dirty="0" err="1" smtClean="0">
+                <a:ln>
+                  <a:noFill/>
+                </a:ln>
+                <a:solidFill>
+                  <a:schemeClr val="tx1"/>
+                </a:solidFill>
+                <a:effectLst/>
+                <a:uLnTx/>
+                <a:uFillTx/>
+                <a:latin typeface="Georgia"/>
+                <a:ea typeface="+mn-ea"/>
+                <a:cs typeface="Georgia"/>
+              </a:rPr>
+              <a:t>lectus</a:t>
+            </a:r>
+            <a:r>
+              <a:rPr kumimoji="0" lang="en-US" sz="3200" b="0" i="0" u="none" strike="noStrike" kern="1200" cap="none" spc="0" normalizeH="0" baseline="0" noProof="0" dirty="0" smtClean="0">
+                <a:ln>
+                  <a:noFill/>
+                </a:ln>
+                <a:solidFill>
+                  <a:schemeClr val="tx1"/>
+                </a:solidFill>
+                <a:effectLst/>
+                <a:uLnTx/>
+                <a:uFillTx/>
+                <a:latin typeface="Georgia"/>
+                <a:ea typeface="+mn-ea"/>
+                <a:cs typeface="Georgia"/>
+              </a:rPr>
+              <a:t> </a:t>
+            </a:r>
+            <a:r>
+              <a:rPr kumimoji="0" lang="en-US" sz="3200" b="0" i="0" u="none" strike="noStrike" kern="1200" cap="none" spc="0" normalizeH="0" baseline="0" noProof="0" dirty="0" err="1" smtClean="0">
+                <a:ln>
+                  <a:noFill/>
+                </a:ln>
+                <a:solidFill>
+                  <a:schemeClr val="tx1"/>
+                </a:solidFill>
+                <a:effectLst/>
+                <a:uLnTx/>
+                <a:uFillTx/>
+                <a:latin typeface="Georgia"/>
+                <a:ea typeface="+mn-ea"/>
+                <a:cs typeface="Georgia"/>
+              </a:rPr>
+              <a:t>malesuada</a:t>
+            </a:r>
+            <a:r>
+              <a:rPr kumimoji="0" lang="en-US" sz="3200" b="0" i="0" u="none" strike="noStrike" kern="1200" cap="none" spc="0" normalizeH="0" baseline="0" noProof="0" dirty="0" smtClean="0">
+                <a:ln>
+                  <a:noFill/>
+                </a:ln>
+                <a:solidFill>
+                  <a:schemeClr val="tx1"/>
+                </a:solidFill>
+                <a:effectLst/>
+                <a:uLnTx/>
+                <a:uFillTx/>
+                <a:latin typeface="Georgia"/>
+                <a:ea typeface="+mn-ea"/>
+                <a:cs typeface="Georgia"/>
+              </a:rPr>
+              <a:t> </a:t>
+            </a:r>
+            <a:r>
+              <a:rPr kumimoji="0" lang="en-US" sz="3200" b="0" i="0" u="none" strike="noStrike" kern="1200" cap="none" spc="0" normalizeH="0" baseline="0" noProof="0" dirty="0" err="1" smtClean="0">
+                <a:ln>
+                  <a:noFill/>
+                </a:ln>
+                <a:solidFill>
+                  <a:schemeClr val="tx1"/>
+                </a:solidFill>
+                <a:effectLst/>
+                <a:uLnTx/>
+                <a:uFillTx/>
+                <a:latin typeface="Georgia"/>
+                <a:ea typeface="+mn-ea"/>
+                <a:cs typeface="Georgia"/>
+              </a:rPr>
+              <a:t>congue</a:t>
+            </a:r>
+            <a:r>
+              <a:rPr kumimoji="0" lang="en-US" sz="3200" b="0" i="0" u="none" strike="noStrike" kern="1200" cap="none" spc="0" normalizeH="0" baseline="0" noProof="0" dirty="0" smtClean="0">
+                <a:ln>
+                  <a:noFill/>
+                </a:ln>
+                <a:solidFill>
+                  <a:schemeClr val="tx1"/>
+                </a:solidFill>
+                <a:effectLst/>
+                <a:uLnTx/>
+                <a:uFillTx/>
+                <a:latin typeface="Georgia"/>
+                <a:ea typeface="+mn-ea"/>
+                <a:cs typeface="Georgia"/>
+              </a:rPr>
+              <a:t>.</a:t>
+            </a:r>
+          </a:p>
+        </p:txBody>
+      </p:sp>
+    </p:spTree>
+    <p:extLst>
+      <p:ext uri="{BB962C8B-B14F-4D97-AF65-F5344CB8AC3E}">
+        <p14:creationId xmlns:p14="http://schemas.microsoft.com/office/powerpoint/2010/main" val="3302816026"/>
+      </p:ext>
+    </p:extLst>
+  </p:cSld>
+  <p:clrMapOvr>
+    <a:masterClrMapping/>
+  </p:clrMapOvr>
+  <p:timing>
+    <p:tnLst>
+      <p:par>
+        <p:cTn id="1" dur="indefinite" restart="never" nodeType="tmRoot"/>
+      </p:par>
+    </p:tnLst>
+  </p:timing>
+</p:sld>
+</file>
+
+<file path=ppt/slides/slide11.xml><?xml version="1.0" encoding="utf-8"?>
+<p:sld xmlns:a="http://schemas.openxmlformats.org/drawingml/2006/main" xmlns:r="http://schemas.openxmlformats.org/officeDocument/2006/relationships" xmlns:p="http://schemas.openxmlformats.org/presentationml/2006/main">
+  <p:cSld>
+    <p:spTree>
+      <p:nvGrpSpPr>
+        <p:cNvPr id="1" name=""/>
+        <p:cNvGrpSpPr/>
+        <p:nvPr/>
+      </p:nvGrpSpPr>
+      <p:grpSpPr>
+        <a:xfrm>
+          <a:off x="0" y="0"/>
+          <a:ext cx="0" cy="0"/>
+          <a:chOff x="0" y="0"/>
+          <a:chExt cx="0" cy="0"/>
+        </a:xfrm>
+      </p:grpSpPr>
+      <p:sp>
+        <p:nvSpPr>
+          <p:cNvPr id="2" name="Title 1"/>
+          <p:cNvSpPr>
+            <a:spLocks noGrp="1"/>
+          </p:cNvSpPr>
+          <p:nvPr>
+            <p:ph type="title"/>
+          </p:nvPr>
+        </p:nvSpPr>
+        <p:spPr/>
+        <p:txBody>
+          <a:bodyPr/>
+          <a:lstStyle/>
+          <a:p>
+            <a:r>
+              <a:rPr lang="en-US" dirty="0" smtClean="0"/>
+              <a:t>Click to </a:t>
+            </a:r>
+            <a:r>
+              <a:rPr lang="en-US" smtClean="0"/>
+              <a:t>add title</a:t>
+            </a:r>
+            <a:endParaRPr lang="en-US" dirty="0"/>
+          </a:p>
+        </p:txBody>
+      </p:sp>
+      <p:sp>
+        <p:nvSpPr>
+          <p:cNvPr id="5" name="Slide Number Placeholder 4"/>
+          <p:cNvSpPr>
+            <a:spLocks noGrp="1"/>
+          </p:cNvSpPr>
+          <p:nvPr>
+            <p:ph type="sldNum" sz="quarter" idx="11"/>
+          </p:nvPr>
+        </p:nvSpPr>
+        <p:spPr>
+          <a:xfrm>
+            <a:off x="6366508" y="6505575"/>
+            <a:ext cx="2320292" cy="365125"/>
+          </a:xfrm>
+        </p:spPr>
+        <p:txBody>
+          <a:bodyPr/>
+          <a:lstStyle/>
+          <a:p>
+            <a:fld id="{6189B349-B284-884E-BF58-0D68D479BD97}" type="slidenum">
+              <a:rPr lang="en-US" smtClean="0"/>
+              <a:pPr/>
+              <a:t>11</a:t>
+            </a:fld>
+            <a:endParaRPr lang="en-US" dirty="0"/>
+          </a:p>
+        </p:txBody>
+      </p:sp>
+      <p:sp>
+        <p:nvSpPr>
+          <p:cNvPr id="4" name="Content Placeholder 2"/>
+          <p:cNvSpPr txBox="1">
+            <a:spLocks/>
+          </p:cNvSpPr>
+          <p:nvPr/>
+        </p:nvSpPr>
+        <p:spPr>
+          <a:xfrm>
+            <a:off x="1622812" y="1651000"/>
+            <a:ext cx="7063988" cy="4072754"/>
+          </a:xfrm>
+          <a:prstGeom prst="rect">
+            <a:avLst/>
+          </a:prstGeom>
+        </p:spPr>
+        <p:txBody>
+          <a:bodyPr vert="horz" lIns="91440" tIns="45720" rIns="91440" bIns="45720" rtlCol="0">
+            <a:normAutofit fontScale="77500" lnSpcReduction="20000"/>
+          </a:bodyPr>
+          <a:lstStyle/>
+          <a:p>
+            <a:pPr marL="342900" marR="0" lvl="0" indent="-342900" algn="l" defTabSz="457200" rtl="0" eaLnBrk="1" fontAlgn="auto" latinLnBrk="0" hangingPunct="1">
+              <a:lnSpc>
+                <a:spcPct val="100000"/>
+              </a:lnSpc>
+              <a:spcBef>
+                <a:spcPct val="20000"/>
+              </a:spcBef>
+              <a:spcAft>
+                <a:spcPts val="0"/>
+              </a:spcAft>
+              <a:buClrTx/>
+              <a:buSzTx/>
+              <a:buFont typeface="Arial"/>
+              <a:buChar char="•"/>
+              <a:tabLst/>
+              <a:defRPr/>
+            </a:pPr>
+            <a:r>
+              <a:rPr kumimoji="0" lang="en-US" sz="3200" b="0" i="0" u="none" strike="noStrike" kern="1200" cap="none" spc="0" normalizeH="0" baseline="0" noProof="0" dirty="0" err="1" smtClean="0">
+                <a:ln>
+                  <a:noFill/>
+                </a:ln>
+                <a:solidFill>
+                  <a:schemeClr val="tx1"/>
+                </a:solidFill>
+                <a:effectLst/>
+                <a:uLnTx/>
+                <a:uFillTx/>
+                <a:latin typeface="Georgia"/>
+                <a:ea typeface="+mn-ea"/>
+                <a:cs typeface="Georgia"/>
+              </a:rPr>
+              <a:t>Lorem</a:t>
+            </a:r>
+            <a:r>
+              <a:rPr kumimoji="0" lang="en-US" sz="3200" b="0" i="0" u="none" strike="noStrike" kern="1200" cap="none" spc="0" normalizeH="0" baseline="0" noProof="0" dirty="0" smtClean="0">
+                <a:ln>
+                  <a:noFill/>
+                </a:ln>
+                <a:solidFill>
+                  <a:schemeClr val="tx1"/>
+                </a:solidFill>
+                <a:effectLst/>
+                <a:uLnTx/>
+                <a:uFillTx/>
+                <a:latin typeface="Georgia"/>
+                <a:ea typeface="+mn-ea"/>
+                <a:cs typeface="Georgia"/>
+              </a:rPr>
+              <a:t> </a:t>
+            </a:r>
+            <a:r>
+              <a:rPr kumimoji="0" lang="en-US" sz="3200" b="0" i="0" u="none" strike="noStrike" kern="1200" cap="none" spc="0" normalizeH="0" baseline="0" noProof="0" dirty="0" err="1" smtClean="0">
+                <a:ln>
+                  <a:noFill/>
+                </a:ln>
+                <a:solidFill>
+                  <a:schemeClr val="tx1"/>
+                </a:solidFill>
+                <a:effectLst/>
+                <a:uLnTx/>
+                <a:uFillTx/>
+                <a:latin typeface="Georgia"/>
+                <a:ea typeface="+mn-ea"/>
+                <a:cs typeface="Georgia"/>
+              </a:rPr>
+              <a:t>ipsum</a:t>
+            </a:r>
+            <a:r>
+              <a:rPr kumimoji="0" lang="en-US" sz="3200" b="0" i="0" u="none" strike="noStrike" kern="1200" cap="none" spc="0" normalizeH="0" baseline="0" noProof="0" dirty="0" smtClean="0">
+                <a:ln>
+                  <a:noFill/>
+                </a:ln>
+                <a:solidFill>
+                  <a:schemeClr val="tx1"/>
+                </a:solidFill>
+                <a:effectLst/>
+                <a:uLnTx/>
+                <a:uFillTx/>
+                <a:latin typeface="Georgia"/>
+                <a:ea typeface="+mn-ea"/>
+                <a:cs typeface="Georgia"/>
+              </a:rPr>
+              <a:t> dolor sit </a:t>
+            </a:r>
+            <a:r>
+              <a:rPr kumimoji="0" lang="en-US" sz="3200" b="0" i="0" u="none" strike="noStrike" kern="1200" cap="none" spc="0" normalizeH="0" baseline="0" noProof="0" dirty="0" err="1" smtClean="0">
+                <a:ln>
+                  <a:noFill/>
+                </a:ln>
+                <a:solidFill>
+                  <a:schemeClr val="tx1"/>
+                </a:solidFill>
+                <a:effectLst/>
+                <a:uLnTx/>
+                <a:uFillTx/>
+                <a:latin typeface="Georgia"/>
+                <a:ea typeface="+mn-ea"/>
+                <a:cs typeface="Georgia"/>
+              </a:rPr>
+              <a:t>amet</a:t>
+            </a:r>
+            <a:r>
+              <a:rPr kumimoji="0" lang="en-US" sz="3200" b="0" i="0" u="none" strike="noStrike" kern="1200" cap="none" spc="0" normalizeH="0" baseline="0" noProof="0" dirty="0" smtClean="0">
+                <a:ln>
+                  <a:noFill/>
+                </a:ln>
+                <a:solidFill>
+                  <a:schemeClr val="tx1"/>
+                </a:solidFill>
+                <a:effectLst/>
+                <a:uLnTx/>
+                <a:uFillTx/>
+                <a:latin typeface="Georgia"/>
+                <a:ea typeface="+mn-ea"/>
+                <a:cs typeface="Georgia"/>
+              </a:rPr>
+              <a:t>, </a:t>
+            </a:r>
+            <a:r>
+              <a:rPr kumimoji="0" lang="en-US" sz="3200" b="0" i="0" u="none" strike="noStrike" kern="1200" cap="none" spc="0" normalizeH="0" baseline="0" noProof="0" dirty="0" err="1" smtClean="0">
+                <a:ln>
+                  <a:noFill/>
+                </a:ln>
+                <a:solidFill>
+                  <a:schemeClr val="tx1"/>
+                </a:solidFill>
+                <a:effectLst/>
+                <a:uLnTx/>
+                <a:uFillTx/>
+                <a:latin typeface="Georgia"/>
+                <a:ea typeface="+mn-ea"/>
+                <a:cs typeface="Georgia"/>
+              </a:rPr>
+              <a:t>consectetur</a:t>
+            </a:r>
+            <a:r>
+              <a:rPr kumimoji="0" lang="en-US" sz="3200" b="0" i="0" u="none" strike="noStrike" kern="1200" cap="none" spc="0" normalizeH="0" baseline="0" noProof="0" dirty="0" smtClean="0">
+                <a:ln>
+                  <a:noFill/>
+                </a:ln>
+                <a:solidFill>
+                  <a:schemeClr val="tx1"/>
+                </a:solidFill>
+                <a:effectLst/>
+                <a:uLnTx/>
+                <a:uFillTx/>
+                <a:latin typeface="Georgia"/>
+                <a:ea typeface="+mn-ea"/>
+                <a:cs typeface="Georgia"/>
+              </a:rPr>
+              <a:t> </a:t>
+            </a:r>
+            <a:r>
+              <a:rPr kumimoji="0" lang="en-US" sz="3200" b="0" i="0" u="none" strike="noStrike" kern="1200" cap="none" spc="0" normalizeH="0" baseline="0" noProof="0" dirty="0" err="1" smtClean="0">
+                <a:ln>
+                  <a:noFill/>
+                </a:ln>
+                <a:solidFill>
+                  <a:schemeClr val="tx1"/>
+                </a:solidFill>
+                <a:effectLst/>
+                <a:uLnTx/>
+                <a:uFillTx/>
+                <a:latin typeface="Georgia"/>
+                <a:ea typeface="+mn-ea"/>
+                <a:cs typeface="Georgia"/>
+              </a:rPr>
+              <a:t>adipiscing</a:t>
+            </a:r>
+            <a:r>
+              <a:rPr kumimoji="0" lang="en-US" sz="3200" b="0" i="0" u="none" strike="noStrike" kern="1200" cap="none" spc="0" normalizeH="0" baseline="0" noProof="0" dirty="0" smtClean="0">
+                <a:ln>
+                  <a:noFill/>
+                </a:ln>
+                <a:solidFill>
+                  <a:schemeClr val="tx1"/>
+                </a:solidFill>
+                <a:effectLst/>
+                <a:uLnTx/>
+                <a:uFillTx/>
+                <a:latin typeface="Georgia"/>
+                <a:ea typeface="+mn-ea"/>
+                <a:cs typeface="Georgia"/>
+              </a:rPr>
+              <a:t> </a:t>
+            </a:r>
+            <a:r>
+              <a:rPr kumimoji="0" lang="en-US" sz="3200" b="0" i="0" u="none" strike="noStrike" kern="1200" cap="none" spc="0" normalizeH="0" baseline="0" noProof="0" dirty="0" err="1" smtClean="0">
+                <a:ln>
+                  <a:noFill/>
+                </a:ln>
+                <a:solidFill>
+                  <a:schemeClr val="tx1"/>
+                </a:solidFill>
+                <a:effectLst/>
+                <a:uLnTx/>
+                <a:uFillTx/>
+                <a:latin typeface="Georgia"/>
+                <a:ea typeface="+mn-ea"/>
+                <a:cs typeface="Georgia"/>
+              </a:rPr>
+              <a:t>elit</a:t>
+            </a:r>
+            <a:r>
+              <a:rPr kumimoji="0" lang="en-US" sz="3200" b="0" i="0" u="none" strike="noStrike" kern="1200" cap="none" spc="0" normalizeH="0" baseline="0" noProof="0" dirty="0" smtClean="0">
+                <a:ln>
+                  <a:noFill/>
+                </a:ln>
+                <a:solidFill>
+                  <a:schemeClr val="tx1"/>
+                </a:solidFill>
+                <a:effectLst/>
+                <a:uLnTx/>
+                <a:uFillTx/>
+                <a:latin typeface="Georgia"/>
+                <a:ea typeface="+mn-ea"/>
+                <a:cs typeface="Georgia"/>
+              </a:rPr>
+              <a:t>.</a:t>
+            </a:r>
+          </a:p>
+          <a:p>
+            <a:pPr marL="342900" marR="0" lvl="0" indent="-342900" algn="l" defTabSz="457200" rtl="0" eaLnBrk="1" fontAlgn="auto" latinLnBrk="0" hangingPunct="1">
+              <a:lnSpc>
+                <a:spcPct val="100000"/>
+              </a:lnSpc>
+              <a:spcBef>
+                <a:spcPct val="20000"/>
+              </a:spcBef>
+              <a:spcAft>
+                <a:spcPts val="0"/>
+              </a:spcAft>
+              <a:buClrTx/>
+              <a:buSzTx/>
+              <a:buFont typeface="Arial"/>
+              <a:buChar char="•"/>
+              <a:tabLst/>
+              <a:defRPr/>
+            </a:pPr>
+            <a:r>
+              <a:rPr kumimoji="0" lang="en-US" sz="3200" b="0" i="0" u="none" strike="noStrike" kern="1200" cap="none" spc="0" normalizeH="0" baseline="0" noProof="0" dirty="0" err="1" smtClean="0">
+                <a:ln>
+                  <a:noFill/>
+                </a:ln>
+                <a:solidFill>
+                  <a:schemeClr val="tx1"/>
+                </a:solidFill>
+                <a:effectLst/>
+                <a:uLnTx/>
+                <a:uFillTx/>
+                <a:latin typeface="Georgia"/>
+                <a:ea typeface="+mn-ea"/>
+                <a:cs typeface="Georgia"/>
+              </a:rPr>
+              <a:t>Sed</a:t>
+            </a:r>
+            <a:r>
+              <a:rPr kumimoji="0" lang="en-US" sz="3200" b="0" i="0" u="none" strike="noStrike" kern="1200" cap="none" spc="0" normalizeH="0" baseline="0" noProof="0" dirty="0" smtClean="0">
+                <a:ln>
+                  <a:noFill/>
+                </a:ln>
+                <a:solidFill>
+                  <a:schemeClr val="tx1"/>
+                </a:solidFill>
+                <a:effectLst/>
+                <a:uLnTx/>
+                <a:uFillTx/>
+                <a:latin typeface="Georgia"/>
+                <a:ea typeface="+mn-ea"/>
+                <a:cs typeface="Georgia"/>
+              </a:rPr>
+              <a:t> </a:t>
+            </a:r>
+            <a:r>
+              <a:rPr kumimoji="0" lang="en-US" sz="3200" b="0" i="0" u="none" strike="noStrike" kern="1200" cap="none" spc="0" normalizeH="0" baseline="0" noProof="0" dirty="0" err="1" smtClean="0">
+                <a:ln>
+                  <a:noFill/>
+                </a:ln>
+                <a:solidFill>
+                  <a:schemeClr val="tx1"/>
+                </a:solidFill>
+                <a:effectLst/>
+                <a:uLnTx/>
+                <a:uFillTx/>
+                <a:latin typeface="Georgia"/>
+                <a:ea typeface="+mn-ea"/>
+                <a:cs typeface="Georgia"/>
+              </a:rPr>
+              <a:t>pretium</a:t>
+            </a:r>
+            <a:r>
+              <a:rPr kumimoji="0" lang="en-US" sz="3200" b="0" i="0" u="none" strike="noStrike" kern="1200" cap="none" spc="0" normalizeH="0" baseline="0" noProof="0" dirty="0" smtClean="0">
+                <a:ln>
+                  <a:noFill/>
+                </a:ln>
+                <a:solidFill>
+                  <a:schemeClr val="tx1"/>
+                </a:solidFill>
+                <a:effectLst/>
+                <a:uLnTx/>
+                <a:uFillTx/>
+                <a:latin typeface="Georgia"/>
+                <a:ea typeface="+mn-ea"/>
+                <a:cs typeface="Georgia"/>
+              </a:rPr>
+              <a:t> </a:t>
+            </a:r>
+            <a:r>
+              <a:rPr kumimoji="0" lang="en-US" sz="3200" b="0" i="0" u="none" strike="noStrike" kern="1200" cap="none" spc="0" normalizeH="0" baseline="0" noProof="0" dirty="0" err="1" smtClean="0">
+                <a:ln>
+                  <a:noFill/>
+                </a:ln>
+                <a:solidFill>
+                  <a:schemeClr val="tx1"/>
+                </a:solidFill>
+                <a:effectLst/>
+                <a:uLnTx/>
+                <a:uFillTx/>
+                <a:latin typeface="Georgia"/>
+                <a:ea typeface="+mn-ea"/>
+                <a:cs typeface="Georgia"/>
+              </a:rPr>
+              <a:t>libero</a:t>
+            </a:r>
+            <a:r>
+              <a:rPr kumimoji="0" lang="en-US" sz="3200" b="0" i="0" u="none" strike="noStrike" kern="1200" cap="none" spc="0" normalizeH="0" baseline="0" noProof="0" dirty="0" smtClean="0">
+                <a:ln>
+                  <a:noFill/>
+                </a:ln>
+                <a:solidFill>
+                  <a:schemeClr val="tx1"/>
+                </a:solidFill>
+                <a:effectLst/>
+                <a:uLnTx/>
+                <a:uFillTx/>
+                <a:latin typeface="Georgia"/>
+                <a:ea typeface="+mn-ea"/>
+                <a:cs typeface="Georgia"/>
+              </a:rPr>
+              <a:t> </a:t>
+            </a:r>
+            <a:r>
+              <a:rPr kumimoji="0" lang="en-US" sz="3200" b="0" i="0" u="none" strike="noStrike" kern="1200" cap="none" spc="0" normalizeH="0" baseline="0" noProof="0" dirty="0" err="1" smtClean="0">
+                <a:ln>
+                  <a:noFill/>
+                </a:ln>
+                <a:solidFill>
+                  <a:schemeClr val="tx1"/>
+                </a:solidFill>
+                <a:effectLst/>
+                <a:uLnTx/>
+                <a:uFillTx/>
+                <a:latin typeface="Georgia"/>
+                <a:ea typeface="+mn-ea"/>
+                <a:cs typeface="Georgia"/>
+              </a:rPr>
+              <a:t>quis</a:t>
+            </a:r>
+            <a:r>
+              <a:rPr kumimoji="0" lang="en-US" sz="3200" b="0" i="0" u="none" strike="noStrike" kern="1200" cap="none" spc="0" normalizeH="0" baseline="0" noProof="0" dirty="0" smtClean="0">
+                <a:ln>
+                  <a:noFill/>
+                </a:ln>
+                <a:solidFill>
+                  <a:schemeClr val="tx1"/>
+                </a:solidFill>
+                <a:effectLst/>
+                <a:uLnTx/>
+                <a:uFillTx/>
+                <a:latin typeface="Georgia"/>
+                <a:ea typeface="+mn-ea"/>
+                <a:cs typeface="Georgia"/>
+              </a:rPr>
+              <a:t> dui </a:t>
+            </a:r>
+            <a:r>
+              <a:rPr kumimoji="0" lang="en-US" sz="3200" b="0" i="0" u="none" strike="noStrike" kern="1200" cap="none" spc="0" normalizeH="0" baseline="0" noProof="0" dirty="0" err="1" smtClean="0">
+                <a:ln>
+                  <a:noFill/>
+                </a:ln>
+                <a:solidFill>
+                  <a:schemeClr val="tx1"/>
+                </a:solidFill>
+                <a:effectLst/>
+                <a:uLnTx/>
+                <a:uFillTx/>
+                <a:latin typeface="Georgia"/>
+                <a:ea typeface="+mn-ea"/>
+                <a:cs typeface="Georgia"/>
+              </a:rPr>
+              <a:t>blandit</a:t>
+            </a:r>
+            <a:r>
+              <a:rPr kumimoji="0" lang="en-US" sz="3200" b="0" i="0" u="none" strike="noStrike" kern="1200" cap="none" spc="0" normalizeH="0" baseline="0" noProof="0" dirty="0" smtClean="0">
+                <a:ln>
+                  <a:noFill/>
+                </a:ln>
+                <a:solidFill>
+                  <a:schemeClr val="tx1"/>
+                </a:solidFill>
+                <a:effectLst/>
+                <a:uLnTx/>
+                <a:uFillTx/>
+                <a:latin typeface="Georgia"/>
+                <a:ea typeface="+mn-ea"/>
+                <a:cs typeface="Georgia"/>
+              </a:rPr>
+              <a:t> </a:t>
+            </a:r>
+            <a:r>
+              <a:rPr kumimoji="0" lang="en-US" sz="3200" b="0" i="0" u="none" strike="noStrike" kern="1200" cap="none" spc="0" normalizeH="0" baseline="0" noProof="0" dirty="0" err="1" smtClean="0">
+                <a:ln>
+                  <a:noFill/>
+                </a:ln>
+                <a:solidFill>
+                  <a:schemeClr val="tx1"/>
+                </a:solidFill>
+                <a:effectLst/>
+                <a:uLnTx/>
+                <a:uFillTx/>
+                <a:latin typeface="Georgia"/>
+                <a:ea typeface="+mn-ea"/>
+                <a:cs typeface="Georgia"/>
+              </a:rPr>
+              <a:t>pellentesque</a:t>
+            </a:r>
+            <a:r>
+              <a:rPr kumimoji="0" lang="en-US" sz="3200" b="0" i="0" u="none" strike="noStrike" kern="1200" cap="none" spc="0" normalizeH="0" baseline="0" noProof="0" dirty="0" smtClean="0">
+                <a:ln>
+                  <a:noFill/>
+                </a:ln>
+                <a:solidFill>
+                  <a:schemeClr val="tx1"/>
+                </a:solidFill>
+                <a:effectLst/>
+                <a:uLnTx/>
+                <a:uFillTx/>
+                <a:latin typeface="Georgia"/>
+                <a:ea typeface="+mn-ea"/>
+                <a:cs typeface="Georgia"/>
+              </a:rPr>
+              <a:t> </a:t>
+            </a:r>
+            <a:r>
+              <a:rPr kumimoji="0" lang="en-US" sz="3200" b="0" i="0" u="none" strike="noStrike" kern="1200" cap="none" spc="0" normalizeH="0" baseline="0" noProof="0" dirty="0" err="1" smtClean="0">
+                <a:ln>
+                  <a:noFill/>
+                </a:ln>
+                <a:solidFill>
+                  <a:schemeClr val="tx1"/>
+                </a:solidFill>
+                <a:effectLst/>
+                <a:uLnTx/>
+                <a:uFillTx/>
+                <a:latin typeface="Georgia"/>
+                <a:ea typeface="+mn-ea"/>
+                <a:cs typeface="Georgia"/>
+              </a:rPr>
+              <a:t>consequat</a:t>
+            </a:r>
+            <a:r>
+              <a:rPr kumimoji="0" lang="en-US" sz="3200" b="0" i="0" u="none" strike="noStrike" kern="1200" cap="none" spc="0" normalizeH="0" baseline="0" noProof="0" dirty="0" smtClean="0">
+                <a:ln>
+                  <a:noFill/>
+                </a:ln>
+                <a:solidFill>
+                  <a:schemeClr val="tx1"/>
+                </a:solidFill>
+                <a:effectLst/>
+                <a:uLnTx/>
+                <a:uFillTx/>
+                <a:latin typeface="Georgia"/>
+                <a:ea typeface="+mn-ea"/>
+                <a:cs typeface="Georgia"/>
+              </a:rPr>
+              <a:t> </a:t>
+            </a:r>
+            <a:r>
+              <a:rPr kumimoji="0" lang="en-US" sz="3200" b="0" i="0" u="none" strike="noStrike" kern="1200" cap="none" spc="0" normalizeH="0" baseline="0" noProof="0" dirty="0" err="1" smtClean="0">
+                <a:ln>
+                  <a:noFill/>
+                </a:ln>
+                <a:solidFill>
+                  <a:schemeClr val="tx1"/>
+                </a:solidFill>
+                <a:effectLst/>
+                <a:uLnTx/>
+                <a:uFillTx/>
+                <a:latin typeface="Georgia"/>
+                <a:ea typeface="+mn-ea"/>
+                <a:cs typeface="Georgia"/>
+              </a:rPr>
+              <a:t>libero</a:t>
+            </a:r>
+            <a:r>
+              <a:rPr kumimoji="0" lang="en-US" sz="3200" b="0" i="0" u="none" strike="noStrike" kern="1200" cap="none" spc="0" normalizeH="0" baseline="0" noProof="0" dirty="0" smtClean="0">
+                <a:ln>
+                  <a:noFill/>
+                </a:ln>
+                <a:solidFill>
+                  <a:schemeClr val="tx1"/>
+                </a:solidFill>
+                <a:effectLst/>
+                <a:uLnTx/>
+                <a:uFillTx/>
+                <a:latin typeface="Georgia"/>
+                <a:ea typeface="+mn-ea"/>
+                <a:cs typeface="Georgia"/>
+              </a:rPr>
+              <a:t> </a:t>
+            </a:r>
+            <a:r>
+              <a:rPr kumimoji="0" lang="en-US" sz="3200" b="0" i="0" u="none" strike="noStrike" kern="1200" cap="none" spc="0" normalizeH="0" baseline="0" noProof="0" dirty="0" err="1" smtClean="0">
+                <a:ln>
+                  <a:noFill/>
+                </a:ln>
+                <a:solidFill>
+                  <a:schemeClr val="tx1"/>
+                </a:solidFill>
+                <a:effectLst/>
+                <a:uLnTx/>
+                <a:uFillTx/>
+                <a:latin typeface="Georgia"/>
+                <a:ea typeface="+mn-ea"/>
+                <a:cs typeface="Georgia"/>
+              </a:rPr>
+              <a:t>gravida</a:t>
+            </a:r>
+            <a:r>
+              <a:rPr kumimoji="0" lang="en-US" sz="3200" b="0" i="0" u="none" strike="noStrike" kern="1200" cap="none" spc="0" normalizeH="0" baseline="0" noProof="0" dirty="0" smtClean="0">
+                <a:ln>
+                  <a:noFill/>
+                </a:ln>
+                <a:solidFill>
+                  <a:schemeClr val="tx1"/>
+                </a:solidFill>
+                <a:effectLst/>
+                <a:uLnTx/>
+                <a:uFillTx/>
+                <a:latin typeface="Georgia"/>
+                <a:ea typeface="+mn-ea"/>
+                <a:cs typeface="Georgia"/>
+              </a:rPr>
+              <a:t>.</a:t>
+            </a:r>
+          </a:p>
+          <a:p>
+            <a:pPr marL="342900" marR="0" lvl="0" indent="-342900" algn="l" defTabSz="457200" rtl="0" eaLnBrk="1" fontAlgn="auto" latinLnBrk="0" hangingPunct="1">
+              <a:lnSpc>
+                <a:spcPct val="100000"/>
+              </a:lnSpc>
+              <a:spcBef>
+                <a:spcPct val="20000"/>
+              </a:spcBef>
+              <a:spcAft>
+                <a:spcPts val="0"/>
+              </a:spcAft>
+              <a:buClrTx/>
+              <a:buSzTx/>
+              <a:buFont typeface="Arial"/>
+              <a:buChar char="•"/>
+              <a:tabLst/>
+              <a:defRPr/>
+            </a:pPr>
+            <a:r>
+              <a:rPr kumimoji="0" lang="en-US" sz="3200" b="0" i="0" u="none" strike="noStrike" kern="1200" cap="none" spc="0" normalizeH="0" baseline="0" noProof="0" dirty="0" smtClean="0">
+                <a:ln>
+                  <a:noFill/>
+                </a:ln>
+                <a:solidFill>
+                  <a:schemeClr val="tx1"/>
+                </a:solidFill>
+                <a:effectLst/>
+                <a:uLnTx/>
+                <a:uFillTx/>
+                <a:latin typeface="Georgia"/>
+                <a:ea typeface="+mn-ea"/>
+                <a:cs typeface="Georgia"/>
+              </a:rPr>
+              <a:t>In </a:t>
+            </a:r>
+            <a:r>
+              <a:rPr kumimoji="0" lang="en-US" sz="3200" b="0" i="0" u="none" strike="noStrike" kern="1200" cap="none" spc="0" normalizeH="0" baseline="0" noProof="0" dirty="0" err="1" smtClean="0">
+                <a:ln>
+                  <a:noFill/>
+                </a:ln>
+                <a:solidFill>
+                  <a:schemeClr val="tx1"/>
+                </a:solidFill>
+                <a:effectLst/>
+                <a:uLnTx/>
+                <a:uFillTx/>
+                <a:latin typeface="Georgia"/>
+                <a:ea typeface="+mn-ea"/>
+                <a:cs typeface="Georgia"/>
+              </a:rPr>
+              <a:t>venenatis</a:t>
+            </a:r>
+            <a:r>
+              <a:rPr kumimoji="0" lang="en-US" sz="3200" b="0" i="0" u="none" strike="noStrike" kern="1200" cap="none" spc="0" normalizeH="0" baseline="0" noProof="0" dirty="0" smtClean="0">
+                <a:ln>
+                  <a:noFill/>
+                </a:ln>
+                <a:solidFill>
+                  <a:schemeClr val="tx1"/>
+                </a:solidFill>
+                <a:effectLst/>
+                <a:uLnTx/>
+                <a:uFillTx/>
+                <a:latin typeface="Georgia"/>
+                <a:ea typeface="+mn-ea"/>
+                <a:cs typeface="Georgia"/>
+              </a:rPr>
+              <a:t> lacus </a:t>
+            </a:r>
+            <a:r>
+              <a:rPr kumimoji="0" lang="en-US" sz="3200" b="0" i="0" u="none" strike="noStrike" kern="1200" cap="none" spc="0" normalizeH="0" baseline="0" noProof="0" dirty="0" err="1" smtClean="0">
+                <a:ln>
+                  <a:noFill/>
+                </a:ln>
+                <a:solidFill>
+                  <a:schemeClr val="tx1"/>
+                </a:solidFill>
+                <a:effectLst/>
+                <a:uLnTx/>
+                <a:uFillTx/>
+                <a:latin typeface="Georgia"/>
+                <a:ea typeface="+mn-ea"/>
+                <a:cs typeface="Georgia"/>
+              </a:rPr>
+              <a:t>imperdiet</a:t>
+            </a:r>
+            <a:r>
+              <a:rPr kumimoji="0" lang="en-US" sz="3200" b="0" i="0" u="none" strike="noStrike" kern="1200" cap="none" spc="0" normalizeH="0" baseline="0" noProof="0" dirty="0" smtClean="0">
+                <a:ln>
+                  <a:noFill/>
+                </a:ln>
+                <a:solidFill>
+                  <a:schemeClr val="tx1"/>
+                </a:solidFill>
+                <a:effectLst/>
+                <a:uLnTx/>
+                <a:uFillTx/>
+                <a:latin typeface="Georgia"/>
+                <a:ea typeface="+mn-ea"/>
+                <a:cs typeface="Georgia"/>
+              </a:rPr>
+              <a:t> </a:t>
+            </a:r>
+            <a:r>
+              <a:rPr kumimoji="0" lang="en-US" sz="3200" b="0" i="0" u="none" strike="noStrike" kern="1200" cap="none" spc="0" normalizeH="0" baseline="0" noProof="0" dirty="0" err="1" smtClean="0">
+                <a:ln>
+                  <a:noFill/>
+                </a:ln>
+                <a:solidFill>
+                  <a:schemeClr val="tx1"/>
+                </a:solidFill>
+                <a:effectLst/>
+                <a:uLnTx/>
+                <a:uFillTx/>
+                <a:latin typeface="Georgia"/>
+                <a:ea typeface="+mn-ea"/>
+                <a:cs typeface="Georgia"/>
+              </a:rPr>
+              <a:t>tellus</a:t>
+            </a:r>
+            <a:r>
+              <a:rPr kumimoji="0" lang="en-US" sz="3200" b="0" i="0" u="none" strike="noStrike" kern="1200" cap="none" spc="0" normalizeH="0" baseline="0" noProof="0" dirty="0" smtClean="0">
+                <a:ln>
+                  <a:noFill/>
+                </a:ln>
+                <a:solidFill>
+                  <a:schemeClr val="tx1"/>
+                </a:solidFill>
+                <a:effectLst/>
+                <a:uLnTx/>
+                <a:uFillTx/>
+                <a:latin typeface="Georgia"/>
+                <a:ea typeface="+mn-ea"/>
+                <a:cs typeface="Georgia"/>
+              </a:rPr>
+              <a:t> </a:t>
+            </a:r>
+            <a:r>
+              <a:rPr kumimoji="0" lang="en-US" sz="3200" b="0" i="0" u="none" strike="noStrike" kern="1200" cap="none" spc="0" normalizeH="0" baseline="0" noProof="0" dirty="0" err="1" smtClean="0">
+                <a:ln>
+                  <a:noFill/>
+                </a:ln>
+                <a:solidFill>
+                  <a:schemeClr val="tx1"/>
+                </a:solidFill>
+                <a:effectLst/>
+                <a:uLnTx/>
+                <a:uFillTx/>
+                <a:latin typeface="Georgia"/>
+                <a:ea typeface="+mn-ea"/>
+                <a:cs typeface="Georgia"/>
+              </a:rPr>
+              <a:t>rutrum</a:t>
+            </a:r>
+            <a:r>
+              <a:rPr kumimoji="0" lang="en-US" sz="3200" b="0" i="0" u="none" strike="noStrike" kern="1200" cap="none" spc="0" normalizeH="0" baseline="0" noProof="0" dirty="0" smtClean="0">
+                <a:ln>
+                  <a:noFill/>
+                </a:ln>
+                <a:solidFill>
+                  <a:schemeClr val="tx1"/>
+                </a:solidFill>
+                <a:effectLst/>
+                <a:uLnTx/>
+                <a:uFillTx/>
+                <a:latin typeface="Georgia"/>
+                <a:ea typeface="+mn-ea"/>
+                <a:cs typeface="Georgia"/>
+              </a:rPr>
+              <a:t> </a:t>
+            </a:r>
+            <a:r>
+              <a:rPr kumimoji="0" lang="en-US" sz="3200" b="0" i="0" u="none" strike="noStrike" kern="1200" cap="none" spc="0" normalizeH="0" baseline="0" noProof="0" dirty="0" err="1" smtClean="0">
+                <a:ln>
+                  <a:noFill/>
+                </a:ln>
+                <a:solidFill>
+                  <a:schemeClr val="tx1"/>
+                </a:solidFill>
+                <a:effectLst/>
+                <a:uLnTx/>
+                <a:uFillTx/>
+                <a:latin typeface="Georgia"/>
+                <a:ea typeface="+mn-ea"/>
+                <a:cs typeface="Georgia"/>
+              </a:rPr>
+              <a:t>auctor</a:t>
+            </a:r>
+            <a:r>
+              <a:rPr kumimoji="0" lang="en-US" sz="3200" b="0" i="0" u="none" strike="noStrike" kern="1200" cap="none" spc="0" normalizeH="0" baseline="0" noProof="0" dirty="0" smtClean="0">
+                <a:ln>
+                  <a:noFill/>
+                </a:ln>
+                <a:solidFill>
+                  <a:schemeClr val="tx1"/>
+                </a:solidFill>
+                <a:effectLst/>
+                <a:uLnTx/>
+                <a:uFillTx/>
+                <a:latin typeface="Georgia"/>
+                <a:ea typeface="+mn-ea"/>
+                <a:cs typeface="Georgia"/>
+              </a:rPr>
+              <a:t>.</a:t>
+            </a:r>
+          </a:p>
+          <a:p>
+            <a:pPr marL="342900" marR="0" lvl="0" indent="-342900" algn="l" defTabSz="457200" rtl="0" eaLnBrk="1" fontAlgn="auto" latinLnBrk="0" hangingPunct="1">
+              <a:lnSpc>
+                <a:spcPct val="100000"/>
+              </a:lnSpc>
+              <a:spcBef>
+                <a:spcPct val="20000"/>
+              </a:spcBef>
+              <a:spcAft>
+                <a:spcPts val="0"/>
+              </a:spcAft>
+              <a:buClrTx/>
+              <a:buSzTx/>
+              <a:buFont typeface="Arial"/>
+              <a:buChar char="•"/>
+              <a:tabLst/>
+              <a:defRPr/>
+            </a:pPr>
+            <a:r>
+              <a:rPr kumimoji="0" lang="en-US" sz="3200" b="0" i="0" u="none" strike="noStrike" kern="1200" cap="none" spc="0" normalizeH="0" baseline="0" noProof="0" dirty="0" err="1" smtClean="0">
+                <a:ln>
+                  <a:noFill/>
+                </a:ln>
+                <a:solidFill>
+                  <a:schemeClr val="tx1"/>
+                </a:solidFill>
+                <a:effectLst/>
+                <a:uLnTx/>
+                <a:uFillTx/>
+                <a:latin typeface="Georgia"/>
+                <a:ea typeface="+mn-ea"/>
+                <a:cs typeface="Georgia"/>
+              </a:rPr>
+              <a:t>Curabitur</a:t>
+            </a:r>
+            <a:r>
+              <a:rPr kumimoji="0" lang="en-US" sz="3200" b="0" i="0" u="none" strike="noStrike" kern="1200" cap="none" spc="0" normalizeH="0" baseline="0" noProof="0" dirty="0" smtClean="0">
+                <a:ln>
+                  <a:noFill/>
+                </a:ln>
+                <a:solidFill>
+                  <a:schemeClr val="tx1"/>
+                </a:solidFill>
+                <a:effectLst/>
+                <a:uLnTx/>
+                <a:uFillTx/>
+                <a:latin typeface="Georgia"/>
+                <a:ea typeface="+mn-ea"/>
+                <a:cs typeface="Georgia"/>
+              </a:rPr>
+              <a:t> </a:t>
+            </a:r>
+            <a:r>
+              <a:rPr kumimoji="0" lang="en-US" sz="3200" b="0" i="0" u="none" strike="noStrike" kern="1200" cap="none" spc="0" normalizeH="0" baseline="0" noProof="0" dirty="0" err="1" smtClean="0">
+                <a:ln>
+                  <a:noFill/>
+                </a:ln>
+                <a:solidFill>
+                  <a:schemeClr val="tx1"/>
+                </a:solidFill>
+                <a:effectLst/>
+                <a:uLnTx/>
+                <a:uFillTx/>
+                <a:latin typeface="Georgia"/>
+                <a:ea typeface="+mn-ea"/>
+                <a:cs typeface="Georgia"/>
+              </a:rPr>
+              <a:t>condimentum</a:t>
+            </a:r>
+            <a:r>
+              <a:rPr kumimoji="0" lang="en-US" sz="3200" b="0" i="0" u="none" strike="noStrike" kern="1200" cap="none" spc="0" normalizeH="0" baseline="0" noProof="0" dirty="0" smtClean="0">
+                <a:ln>
+                  <a:noFill/>
+                </a:ln>
+                <a:solidFill>
+                  <a:schemeClr val="tx1"/>
+                </a:solidFill>
+                <a:effectLst/>
+                <a:uLnTx/>
+                <a:uFillTx/>
+                <a:latin typeface="Georgia"/>
+                <a:ea typeface="+mn-ea"/>
+                <a:cs typeface="Georgia"/>
+              </a:rPr>
+              <a:t> </a:t>
+            </a:r>
+            <a:r>
+              <a:rPr kumimoji="0" lang="en-US" sz="3200" b="0" i="0" u="none" strike="noStrike" kern="1200" cap="none" spc="0" normalizeH="0" baseline="0" noProof="0" dirty="0" err="1" smtClean="0">
+                <a:ln>
+                  <a:noFill/>
+                </a:ln>
+                <a:solidFill>
+                  <a:schemeClr val="tx1"/>
+                </a:solidFill>
+                <a:effectLst/>
+                <a:uLnTx/>
+                <a:uFillTx/>
+                <a:latin typeface="Georgia"/>
+                <a:ea typeface="+mn-ea"/>
+                <a:cs typeface="Georgia"/>
+              </a:rPr>
+              <a:t>consequat</a:t>
+            </a:r>
+            <a:r>
+              <a:rPr kumimoji="0" lang="en-US" sz="3200" b="0" i="0" u="none" strike="noStrike" kern="1200" cap="none" spc="0" normalizeH="0" baseline="0" noProof="0" dirty="0" smtClean="0">
+                <a:ln>
+                  <a:noFill/>
+                </a:ln>
+                <a:solidFill>
+                  <a:schemeClr val="tx1"/>
+                </a:solidFill>
+                <a:effectLst/>
+                <a:uLnTx/>
+                <a:uFillTx/>
+                <a:latin typeface="Georgia"/>
+                <a:ea typeface="+mn-ea"/>
+                <a:cs typeface="Georgia"/>
+              </a:rPr>
+              <a:t> nisi, in </a:t>
+            </a:r>
+            <a:r>
+              <a:rPr kumimoji="0" lang="en-US" sz="3200" b="0" i="0" u="none" strike="noStrike" kern="1200" cap="none" spc="0" normalizeH="0" baseline="0" noProof="0" dirty="0" err="1" smtClean="0">
+                <a:ln>
+                  <a:noFill/>
+                </a:ln>
+                <a:solidFill>
+                  <a:schemeClr val="tx1"/>
+                </a:solidFill>
+                <a:effectLst/>
+                <a:uLnTx/>
+                <a:uFillTx/>
+                <a:latin typeface="Georgia"/>
+                <a:ea typeface="+mn-ea"/>
+                <a:cs typeface="Georgia"/>
+              </a:rPr>
+              <a:t>aliquam</a:t>
+            </a:r>
+            <a:r>
+              <a:rPr kumimoji="0" lang="en-US" sz="3200" b="0" i="0" u="none" strike="noStrike" kern="1200" cap="none" spc="0" normalizeH="0" baseline="0" noProof="0" dirty="0" smtClean="0">
+                <a:ln>
+                  <a:noFill/>
+                </a:ln>
+                <a:solidFill>
+                  <a:schemeClr val="tx1"/>
+                </a:solidFill>
+                <a:effectLst/>
+                <a:uLnTx/>
+                <a:uFillTx/>
+                <a:latin typeface="Georgia"/>
+                <a:ea typeface="+mn-ea"/>
+                <a:cs typeface="Georgia"/>
+              </a:rPr>
+              <a:t> </a:t>
+            </a:r>
+            <a:r>
+              <a:rPr kumimoji="0" lang="en-US" sz="3200" b="0" i="0" u="none" strike="noStrike" kern="1200" cap="none" spc="0" normalizeH="0" baseline="0" noProof="0" dirty="0" err="1" smtClean="0">
+                <a:ln>
+                  <a:noFill/>
+                </a:ln>
+                <a:solidFill>
+                  <a:schemeClr val="tx1"/>
+                </a:solidFill>
+                <a:effectLst/>
+                <a:uLnTx/>
+                <a:uFillTx/>
+                <a:latin typeface="Georgia"/>
+                <a:ea typeface="+mn-ea"/>
+                <a:cs typeface="Georgia"/>
+              </a:rPr>
+              <a:t>nibh</a:t>
+            </a:r>
+            <a:r>
+              <a:rPr kumimoji="0" lang="en-US" sz="3200" b="0" i="0" u="none" strike="noStrike" kern="1200" cap="none" spc="0" normalizeH="0" baseline="0" noProof="0" dirty="0" smtClean="0">
+                <a:ln>
+                  <a:noFill/>
+                </a:ln>
+                <a:solidFill>
+                  <a:schemeClr val="tx1"/>
+                </a:solidFill>
+                <a:effectLst/>
+                <a:uLnTx/>
+                <a:uFillTx/>
+                <a:latin typeface="Georgia"/>
+                <a:ea typeface="+mn-ea"/>
+                <a:cs typeface="Georgia"/>
+              </a:rPr>
+              <a:t> </a:t>
+            </a:r>
+            <a:r>
+              <a:rPr kumimoji="0" lang="en-US" sz="3200" b="0" i="0" u="none" strike="noStrike" kern="1200" cap="none" spc="0" normalizeH="0" baseline="0" noProof="0" dirty="0" err="1" smtClean="0">
+                <a:ln>
+                  <a:noFill/>
+                </a:ln>
+                <a:solidFill>
+                  <a:schemeClr val="tx1"/>
+                </a:solidFill>
+                <a:effectLst/>
+                <a:uLnTx/>
+                <a:uFillTx/>
+                <a:latin typeface="Georgia"/>
+                <a:ea typeface="+mn-ea"/>
+                <a:cs typeface="Georgia"/>
+              </a:rPr>
+              <a:t>placerat</a:t>
+            </a:r>
+            <a:r>
+              <a:rPr kumimoji="0" lang="en-US" sz="3200" b="0" i="0" u="none" strike="noStrike" kern="1200" cap="none" spc="0" normalizeH="0" baseline="0" noProof="0" dirty="0" smtClean="0">
+                <a:ln>
+                  <a:noFill/>
+                </a:ln>
+                <a:solidFill>
+                  <a:schemeClr val="tx1"/>
+                </a:solidFill>
+                <a:effectLst/>
+                <a:uLnTx/>
+                <a:uFillTx/>
+                <a:latin typeface="Georgia"/>
+                <a:ea typeface="+mn-ea"/>
+                <a:cs typeface="Georgia"/>
+              </a:rPr>
+              <a:t> vel.</a:t>
+            </a:r>
+          </a:p>
+          <a:p>
+            <a:pPr marL="342900" marR="0" lvl="0" indent="-342900" algn="l" defTabSz="457200" rtl="0" eaLnBrk="1" fontAlgn="auto" latinLnBrk="0" hangingPunct="1">
+              <a:lnSpc>
+                <a:spcPct val="100000"/>
+              </a:lnSpc>
+              <a:spcBef>
+                <a:spcPct val="20000"/>
+              </a:spcBef>
+              <a:spcAft>
+                <a:spcPts val="0"/>
+              </a:spcAft>
+              <a:buClrTx/>
+              <a:buSzTx/>
+              <a:buFont typeface="Arial"/>
+              <a:buChar char="•"/>
+              <a:tabLst/>
+              <a:defRPr/>
+            </a:pPr>
+            <a:r>
+              <a:rPr kumimoji="0" lang="en-US" sz="3200" b="0" i="0" u="none" strike="noStrike" kern="1200" cap="none" spc="0" normalizeH="0" baseline="0" noProof="0" dirty="0" err="1" smtClean="0">
+                <a:ln>
+                  <a:noFill/>
+                </a:ln>
+                <a:solidFill>
+                  <a:schemeClr val="tx1"/>
+                </a:solidFill>
+                <a:effectLst/>
+                <a:uLnTx/>
+                <a:uFillTx/>
+                <a:latin typeface="Georgia"/>
+                <a:ea typeface="+mn-ea"/>
+                <a:cs typeface="Georgia"/>
+              </a:rPr>
+              <a:t>Curabitur</a:t>
+            </a:r>
+            <a:r>
+              <a:rPr kumimoji="0" lang="en-US" sz="3200" b="0" i="0" u="none" strike="noStrike" kern="1200" cap="none" spc="0" normalizeH="0" baseline="0" noProof="0" dirty="0" smtClean="0">
+                <a:ln>
+                  <a:noFill/>
+                </a:ln>
+                <a:solidFill>
+                  <a:schemeClr val="tx1"/>
+                </a:solidFill>
+                <a:effectLst/>
+                <a:uLnTx/>
+                <a:uFillTx/>
+                <a:latin typeface="Georgia"/>
+                <a:ea typeface="+mn-ea"/>
+                <a:cs typeface="Georgia"/>
+              </a:rPr>
+              <a:t> et </a:t>
+            </a:r>
+            <a:r>
+              <a:rPr kumimoji="0" lang="en-US" sz="3200" b="0" i="0" u="none" strike="noStrike" kern="1200" cap="none" spc="0" normalizeH="0" baseline="0" noProof="0" dirty="0" err="1" smtClean="0">
+                <a:ln>
+                  <a:noFill/>
+                </a:ln>
+                <a:solidFill>
+                  <a:schemeClr val="tx1"/>
+                </a:solidFill>
+                <a:effectLst/>
+                <a:uLnTx/>
+                <a:uFillTx/>
+                <a:latin typeface="Georgia"/>
+                <a:ea typeface="+mn-ea"/>
+                <a:cs typeface="Georgia"/>
+              </a:rPr>
+              <a:t>purus</a:t>
+            </a:r>
+            <a:r>
+              <a:rPr kumimoji="0" lang="en-US" sz="3200" b="0" i="0" u="none" strike="noStrike" kern="1200" cap="none" spc="0" normalizeH="0" baseline="0" noProof="0" dirty="0" smtClean="0">
+                <a:ln>
+                  <a:noFill/>
+                </a:ln>
+                <a:solidFill>
+                  <a:schemeClr val="tx1"/>
+                </a:solidFill>
+                <a:effectLst/>
+                <a:uLnTx/>
+                <a:uFillTx/>
+                <a:latin typeface="Georgia"/>
+                <a:ea typeface="+mn-ea"/>
+                <a:cs typeface="Georgia"/>
+              </a:rPr>
+              <a:t> </a:t>
+            </a:r>
+            <a:r>
+              <a:rPr kumimoji="0" lang="en-US" sz="3200" b="0" i="0" u="none" strike="noStrike" kern="1200" cap="none" spc="0" normalizeH="0" baseline="0" noProof="0" dirty="0" err="1" smtClean="0">
+                <a:ln>
+                  <a:noFill/>
+                </a:ln>
+                <a:solidFill>
+                  <a:schemeClr val="tx1"/>
+                </a:solidFill>
+                <a:effectLst/>
+                <a:uLnTx/>
+                <a:uFillTx/>
+                <a:latin typeface="Georgia"/>
+                <a:ea typeface="+mn-ea"/>
+                <a:cs typeface="Georgia"/>
+              </a:rPr>
+              <a:t>est</a:t>
+            </a:r>
+            <a:r>
+              <a:rPr kumimoji="0" lang="en-US" sz="3200" b="0" i="0" u="none" strike="noStrike" kern="1200" cap="none" spc="0" normalizeH="0" baseline="0" noProof="0" dirty="0" smtClean="0">
+                <a:ln>
+                  <a:noFill/>
+                </a:ln>
+                <a:solidFill>
+                  <a:schemeClr val="tx1"/>
+                </a:solidFill>
+                <a:effectLst/>
+                <a:uLnTx/>
+                <a:uFillTx/>
+                <a:latin typeface="Georgia"/>
+                <a:ea typeface="+mn-ea"/>
+                <a:cs typeface="Georgia"/>
+              </a:rPr>
+              <a:t>, at </a:t>
+            </a:r>
+            <a:r>
+              <a:rPr kumimoji="0" lang="en-US" sz="3200" b="0" i="0" u="none" strike="noStrike" kern="1200" cap="none" spc="0" normalizeH="0" baseline="0" noProof="0" dirty="0" err="1" smtClean="0">
+                <a:ln>
+                  <a:noFill/>
+                </a:ln>
+                <a:solidFill>
+                  <a:schemeClr val="tx1"/>
+                </a:solidFill>
+                <a:effectLst/>
+                <a:uLnTx/>
+                <a:uFillTx/>
+                <a:latin typeface="Georgia"/>
+                <a:ea typeface="+mn-ea"/>
+                <a:cs typeface="Georgia"/>
+              </a:rPr>
+              <a:t>facilisis</a:t>
+            </a:r>
+            <a:r>
+              <a:rPr kumimoji="0" lang="en-US" sz="3200" b="0" i="0" u="none" strike="noStrike" kern="1200" cap="none" spc="0" normalizeH="0" baseline="0" noProof="0" dirty="0" smtClean="0">
+                <a:ln>
+                  <a:noFill/>
+                </a:ln>
+                <a:solidFill>
+                  <a:schemeClr val="tx1"/>
+                </a:solidFill>
+                <a:effectLst/>
+                <a:uLnTx/>
+                <a:uFillTx/>
+                <a:latin typeface="Georgia"/>
+                <a:ea typeface="+mn-ea"/>
+                <a:cs typeface="Georgia"/>
+              </a:rPr>
+              <a:t> </a:t>
+            </a:r>
+            <a:r>
+              <a:rPr kumimoji="0" lang="en-US" sz="3200" b="0" i="0" u="none" strike="noStrike" kern="1200" cap="none" spc="0" normalizeH="0" baseline="0" noProof="0" dirty="0" err="1" smtClean="0">
+                <a:ln>
+                  <a:noFill/>
+                </a:ln>
+                <a:solidFill>
+                  <a:schemeClr val="tx1"/>
+                </a:solidFill>
+                <a:effectLst/>
+                <a:uLnTx/>
+                <a:uFillTx/>
+                <a:latin typeface="Georgia"/>
+                <a:ea typeface="+mn-ea"/>
+                <a:cs typeface="Georgia"/>
+              </a:rPr>
+              <a:t>nisl</a:t>
+            </a:r>
+            <a:r>
+              <a:rPr kumimoji="0" lang="en-US" sz="3200" b="0" i="0" u="none" strike="noStrike" kern="1200" cap="none" spc="0" normalizeH="0" baseline="0" noProof="0" dirty="0" smtClean="0">
+                <a:ln>
+                  <a:noFill/>
+                </a:ln>
+                <a:solidFill>
+                  <a:schemeClr val="tx1"/>
+                </a:solidFill>
+                <a:effectLst/>
+                <a:uLnTx/>
+                <a:uFillTx/>
+                <a:latin typeface="Georgia"/>
+                <a:ea typeface="+mn-ea"/>
+                <a:cs typeface="Georgia"/>
+              </a:rPr>
+              <a:t>.</a:t>
+            </a:r>
+          </a:p>
+          <a:p>
+            <a:pPr marL="342900" marR="0" lvl="0" indent="-342900" algn="l" defTabSz="457200" rtl="0" eaLnBrk="1" fontAlgn="auto" latinLnBrk="0" hangingPunct="1">
+              <a:lnSpc>
+                <a:spcPct val="100000"/>
+              </a:lnSpc>
+              <a:spcBef>
+                <a:spcPct val="20000"/>
+              </a:spcBef>
+              <a:spcAft>
+                <a:spcPts val="0"/>
+              </a:spcAft>
+              <a:buClrTx/>
+              <a:buSzTx/>
+              <a:buFont typeface="Arial"/>
+              <a:buChar char="•"/>
+              <a:tabLst/>
+              <a:defRPr/>
+            </a:pPr>
+            <a:r>
+              <a:rPr kumimoji="0" lang="en-US" sz="3200" b="0" i="0" u="none" strike="noStrike" kern="1200" cap="none" spc="0" normalizeH="0" baseline="0" noProof="0" dirty="0" err="1" smtClean="0">
+                <a:ln>
+                  <a:noFill/>
+                </a:ln>
+                <a:solidFill>
+                  <a:schemeClr val="tx1"/>
+                </a:solidFill>
+                <a:effectLst/>
+                <a:uLnTx/>
+                <a:uFillTx/>
+                <a:latin typeface="Georgia"/>
+                <a:ea typeface="+mn-ea"/>
+                <a:cs typeface="Georgia"/>
+              </a:rPr>
+              <a:t>Aenean</a:t>
+            </a:r>
+            <a:r>
+              <a:rPr kumimoji="0" lang="en-US" sz="3200" b="0" i="0" u="none" strike="noStrike" kern="1200" cap="none" spc="0" normalizeH="0" baseline="0" noProof="0" dirty="0" smtClean="0">
+                <a:ln>
+                  <a:noFill/>
+                </a:ln>
+                <a:solidFill>
+                  <a:schemeClr val="tx1"/>
+                </a:solidFill>
+                <a:effectLst/>
+                <a:uLnTx/>
+                <a:uFillTx/>
+                <a:latin typeface="Georgia"/>
+                <a:ea typeface="+mn-ea"/>
+                <a:cs typeface="Georgia"/>
+              </a:rPr>
+              <a:t> </a:t>
+            </a:r>
+            <a:r>
+              <a:rPr kumimoji="0" lang="en-US" sz="3200" b="0" i="0" u="none" strike="noStrike" kern="1200" cap="none" spc="0" normalizeH="0" baseline="0" noProof="0" dirty="0" err="1" smtClean="0">
+                <a:ln>
+                  <a:noFill/>
+                </a:ln>
+                <a:solidFill>
+                  <a:schemeClr val="tx1"/>
+                </a:solidFill>
+                <a:effectLst/>
+                <a:uLnTx/>
+                <a:uFillTx/>
+                <a:latin typeface="Georgia"/>
+                <a:ea typeface="+mn-ea"/>
+                <a:cs typeface="Georgia"/>
+              </a:rPr>
+              <a:t>posuere</a:t>
+            </a:r>
+            <a:r>
+              <a:rPr kumimoji="0" lang="en-US" sz="3200" b="0" i="0" u="none" strike="noStrike" kern="1200" cap="none" spc="0" normalizeH="0" baseline="0" noProof="0" dirty="0" smtClean="0">
+                <a:ln>
+                  <a:noFill/>
+                </a:ln>
+                <a:solidFill>
+                  <a:schemeClr val="tx1"/>
+                </a:solidFill>
+                <a:effectLst/>
+                <a:uLnTx/>
+                <a:uFillTx/>
+                <a:latin typeface="Georgia"/>
+                <a:ea typeface="+mn-ea"/>
+                <a:cs typeface="Georgia"/>
+              </a:rPr>
+              <a:t> lacus non </a:t>
+            </a:r>
+            <a:r>
+              <a:rPr kumimoji="0" lang="en-US" sz="3200" b="0" i="0" u="none" strike="noStrike" kern="1200" cap="none" spc="0" normalizeH="0" baseline="0" noProof="0" dirty="0" err="1" smtClean="0">
+                <a:ln>
+                  <a:noFill/>
+                </a:ln>
+                <a:solidFill>
+                  <a:schemeClr val="tx1"/>
+                </a:solidFill>
+                <a:effectLst/>
+                <a:uLnTx/>
+                <a:uFillTx/>
+                <a:latin typeface="Georgia"/>
+                <a:ea typeface="+mn-ea"/>
+                <a:cs typeface="Georgia"/>
+              </a:rPr>
+              <a:t>lectus</a:t>
+            </a:r>
+            <a:r>
+              <a:rPr kumimoji="0" lang="en-US" sz="3200" b="0" i="0" u="none" strike="noStrike" kern="1200" cap="none" spc="0" normalizeH="0" baseline="0" noProof="0" dirty="0" smtClean="0">
+                <a:ln>
+                  <a:noFill/>
+                </a:ln>
+                <a:solidFill>
+                  <a:schemeClr val="tx1"/>
+                </a:solidFill>
+                <a:effectLst/>
+                <a:uLnTx/>
+                <a:uFillTx/>
+                <a:latin typeface="Georgia"/>
+                <a:ea typeface="+mn-ea"/>
+                <a:cs typeface="Georgia"/>
+              </a:rPr>
+              <a:t> </a:t>
+            </a:r>
+            <a:r>
+              <a:rPr kumimoji="0" lang="en-US" sz="3200" b="0" i="0" u="none" strike="noStrike" kern="1200" cap="none" spc="0" normalizeH="0" baseline="0" noProof="0" dirty="0" err="1" smtClean="0">
+                <a:ln>
+                  <a:noFill/>
+                </a:ln>
+                <a:solidFill>
+                  <a:schemeClr val="tx1"/>
+                </a:solidFill>
+                <a:effectLst/>
+                <a:uLnTx/>
+                <a:uFillTx/>
+                <a:latin typeface="Georgia"/>
+                <a:ea typeface="+mn-ea"/>
+                <a:cs typeface="Georgia"/>
+              </a:rPr>
+              <a:t>malesuada</a:t>
+            </a:r>
+            <a:r>
+              <a:rPr kumimoji="0" lang="en-US" sz="3200" b="0" i="0" u="none" strike="noStrike" kern="1200" cap="none" spc="0" normalizeH="0" baseline="0" noProof="0" dirty="0" smtClean="0">
+                <a:ln>
+                  <a:noFill/>
+                </a:ln>
+                <a:solidFill>
+                  <a:schemeClr val="tx1"/>
+                </a:solidFill>
+                <a:effectLst/>
+                <a:uLnTx/>
+                <a:uFillTx/>
+                <a:latin typeface="Georgia"/>
+                <a:ea typeface="+mn-ea"/>
+                <a:cs typeface="Georgia"/>
+              </a:rPr>
+              <a:t> </a:t>
+            </a:r>
+            <a:r>
+              <a:rPr kumimoji="0" lang="en-US" sz="3200" b="0" i="0" u="none" strike="noStrike" kern="1200" cap="none" spc="0" normalizeH="0" baseline="0" noProof="0" dirty="0" err="1" smtClean="0">
+                <a:ln>
+                  <a:noFill/>
+                </a:ln>
+                <a:solidFill>
+                  <a:schemeClr val="tx1"/>
+                </a:solidFill>
+                <a:effectLst/>
+                <a:uLnTx/>
+                <a:uFillTx/>
+                <a:latin typeface="Georgia"/>
+                <a:ea typeface="+mn-ea"/>
+                <a:cs typeface="Georgia"/>
+              </a:rPr>
+              <a:t>congue</a:t>
+            </a:r>
+            <a:r>
+              <a:rPr kumimoji="0" lang="en-US" sz="3200" b="0" i="0" u="none" strike="noStrike" kern="1200" cap="none" spc="0" normalizeH="0" baseline="0" noProof="0" dirty="0" smtClean="0">
+                <a:ln>
+                  <a:noFill/>
+                </a:ln>
+                <a:solidFill>
+                  <a:schemeClr val="tx1"/>
+                </a:solidFill>
+                <a:effectLst/>
+                <a:uLnTx/>
+                <a:uFillTx/>
+                <a:latin typeface="Georgia"/>
+                <a:ea typeface="+mn-ea"/>
+                <a:cs typeface="Georgia"/>
+              </a:rPr>
+              <a:t>.</a:t>
+            </a:r>
+          </a:p>
+        </p:txBody>
+      </p:sp>
+    </p:spTree>
+    <p:extLst>
+      <p:ext uri="{BB962C8B-B14F-4D97-AF65-F5344CB8AC3E}">
+        <p14:creationId xmlns:p14="http://schemas.microsoft.com/office/powerpoint/2010/main" val="928428116"/>
+      </p:ext>
+    </p:extLst>
+  </p:cSld>
+  <p:clrMapOvr>
+    <a:masterClrMapping/>
+  </p:clrMapOvr>
+  <p:timing>
+    <p:tnLst>
+      <p:par>
+        <p:cTn id="1" dur="indefinite" restart="never" nodeType="tmRoot"/>
       </p:par>
     </p:tnLst>
   </p:timing>
@@ -3179,11 +6146,7 @@
           <a:p>
             <a:r>
               <a:rPr lang="en-US" dirty="0" smtClean="0"/>
-              <a:t>Click to </a:t>
-            </a:r>
-            <a:r>
-              <a:rPr lang="en-US" smtClean="0"/>
-              <a:t>add title</a:t>
+              <a:t>Why Genetic Programming?</a:t>
             </a:r>
             <a:endParaRPr lang="en-US" dirty="0"/>
           </a:p>
@@ -3213,6 +6176,1482 @@
               <a:rPr lang="en-US" smtClean="0"/>
               <a:pPr/>
               <a:t>2</a:t>
+            </a:fld>
+            <a:endParaRPr lang="en-US" dirty="0"/>
+          </a:p>
+        </p:txBody>
+      </p:sp>
+      <p:sp>
+        <p:nvSpPr>
+          <p:cNvPr id="4" name="Content Placeholder 2"/>
+          <p:cNvSpPr txBox="1">
+            <a:spLocks/>
+          </p:cNvSpPr>
+          <p:nvPr/>
+        </p:nvSpPr>
+        <p:spPr>
+          <a:xfrm>
+            <a:off x="1622812" y="1651000"/>
+            <a:ext cx="7063988" cy="4072754"/>
+          </a:xfrm>
+          <a:prstGeom prst="rect">
+            <a:avLst/>
+          </a:prstGeom>
+        </p:spPr>
+        <p:txBody>
+          <a:bodyPr vert="horz" lIns="91440" tIns="45720" rIns="91440" bIns="45720" rtlCol="0">
+            <a:normAutofit/>
+          </a:bodyPr>
+          <a:lstStyle/>
+          <a:p>
+            <a:pPr marL="342900" marR="0" lvl="0" indent="-342900" algn="l" defTabSz="457200" rtl="0" eaLnBrk="1" fontAlgn="auto" latinLnBrk="0" hangingPunct="1">
+              <a:lnSpc>
+                <a:spcPct val="100000"/>
+              </a:lnSpc>
+              <a:spcBef>
+                <a:spcPct val="20000"/>
+              </a:spcBef>
+              <a:spcAft>
+                <a:spcPts val="0"/>
+              </a:spcAft>
+              <a:buClrTx/>
+              <a:buSzTx/>
+              <a:buFont typeface="Arial"/>
+              <a:buChar char="•"/>
+              <a:tabLst/>
+              <a:defRPr/>
+            </a:pPr>
+            <a:r>
+              <a:rPr kumimoji="0" lang="en-US" sz="3200" b="0" i="0" u="none" strike="noStrike" kern="1200" cap="none" spc="0" normalizeH="0" baseline="0" noProof="0" dirty="0" smtClean="0">
+                <a:ln>
+                  <a:noFill/>
+                </a:ln>
+                <a:solidFill>
+                  <a:schemeClr val="tx1"/>
+                </a:solidFill>
+                <a:effectLst/>
+                <a:uLnTx/>
+                <a:uFillTx/>
+                <a:latin typeface="Georgia"/>
+                <a:ea typeface="+mn-ea"/>
+                <a:cs typeface="Georgia"/>
+              </a:rPr>
+              <a:t>Demonstrate the use of genetic programming (GP)</a:t>
+            </a:r>
+            <a:r>
+              <a:rPr kumimoji="0" lang="en-US" sz="3200" b="0" i="0" u="none" strike="noStrike" kern="1200" cap="none" spc="0" normalizeH="0" noProof="0" dirty="0" smtClean="0">
+                <a:ln>
+                  <a:noFill/>
+                </a:ln>
+                <a:solidFill>
+                  <a:schemeClr val="tx1"/>
+                </a:solidFill>
+                <a:effectLst/>
+                <a:uLnTx/>
+                <a:uFillTx/>
+                <a:latin typeface="Georgia"/>
+                <a:ea typeface="+mn-ea"/>
+                <a:cs typeface="Georgia"/>
+              </a:rPr>
+              <a:t> with graph algorithms</a:t>
+            </a:r>
+          </a:p>
+          <a:p>
+            <a:pPr marL="342900" marR="0" lvl="0" indent="-342900" algn="l" defTabSz="457200" rtl="0" eaLnBrk="1" fontAlgn="auto" latinLnBrk="0" hangingPunct="1">
+              <a:lnSpc>
+                <a:spcPct val="100000"/>
+              </a:lnSpc>
+              <a:spcBef>
+                <a:spcPct val="20000"/>
+              </a:spcBef>
+              <a:spcAft>
+                <a:spcPts val="0"/>
+              </a:spcAft>
+              <a:buClrTx/>
+              <a:buSzTx/>
+              <a:buFont typeface="Arial"/>
+              <a:buChar char="•"/>
+              <a:tabLst/>
+              <a:defRPr/>
+            </a:pPr>
+            <a:r>
+              <a:rPr lang="en-US" sz="3200" dirty="0" smtClean="0">
+                <a:latin typeface="Georgia"/>
+                <a:cs typeface="Georgia"/>
+              </a:rPr>
+              <a:t>Once implemented, a GP can be used to solve a variety of related problems</a:t>
+            </a:r>
+            <a:endParaRPr kumimoji="0" lang="en-US" sz="3200" b="0" i="0" u="none" strike="noStrike" kern="1200" cap="none" spc="0" normalizeH="0" baseline="0" noProof="0" dirty="0" smtClean="0">
+              <a:ln>
+                <a:noFill/>
+              </a:ln>
+              <a:solidFill>
+                <a:schemeClr val="tx1"/>
+              </a:solidFill>
+              <a:effectLst/>
+              <a:uLnTx/>
+              <a:uFillTx/>
+              <a:latin typeface="Georgia"/>
+              <a:ea typeface="+mn-ea"/>
+              <a:cs typeface="Georgia"/>
+            </a:endParaRPr>
+          </a:p>
+        </p:txBody>
+      </p:sp>
+    </p:spTree>
+  </p:cSld>
+  <p:clrMapOvr>
+    <a:masterClrMapping/>
+  </p:clrMapOvr>
+  <p:timing>
+    <p:tnLst>
+      <p:par>
+        <p:cTn id="1" dur="indefinite" restart="never" nodeType="tmRoot"/>
+      </p:par>
+    </p:tnLst>
+  </p:timing>
+</p:sld>
+</file>
+
+<file path=ppt/slides/slide3.xml><?xml version="1.0" encoding="utf-8"?>
+<p:sld xmlns:a="http://schemas.openxmlformats.org/drawingml/2006/main" xmlns:r="http://schemas.openxmlformats.org/officeDocument/2006/relationships" xmlns:p="http://schemas.openxmlformats.org/presentationml/2006/main">
+  <p:cSld>
+    <p:spTree>
+      <p:nvGrpSpPr>
+        <p:cNvPr id="1" name=""/>
+        <p:cNvGrpSpPr/>
+        <p:nvPr/>
+      </p:nvGrpSpPr>
+      <p:grpSpPr>
+        <a:xfrm>
+          <a:off x="0" y="0"/>
+          <a:ext cx="0" cy="0"/>
+          <a:chOff x="0" y="0"/>
+          <a:chExt cx="0" cy="0"/>
+        </a:xfrm>
+      </p:grpSpPr>
+      <p:sp>
+        <p:nvSpPr>
+          <p:cNvPr id="2" name="Title 1"/>
+          <p:cNvSpPr>
+            <a:spLocks noGrp="1"/>
+          </p:cNvSpPr>
+          <p:nvPr>
+            <p:ph type="title"/>
+          </p:nvPr>
+        </p:nvSpPr>
+        <p:spPr/>
+        <p:txBody>
+          <a:bodyPr/>
+          <a:lstStyle/>
+          <a:p>
+            <a:r>
+              <a:rPr lang="en-US" dirty="0" smtClean="0"/>
+              <a:t>Why Random Graphs?</a:t>
+            </a:r>
+            <a:endParaRPr lang="en-US" dirty="0"/>
+          </a:p>
+        </p:txBody>
+      </p:sp>
+      <p:sp>
+        <p:nvSpPr>
+          <p:cNvPr id="5" name="Slide Number Placeholder 4"/>
+          <p:cNvSpPr>
+            <a:spLocks noGrp="1"/>
+          </p:cNvSpPr>
+          <p:nvPr>
+            <p:ph type="sldNum" sz="quarter" idx="11"/>
+          </p:nvPr>
+        </p:nvSpPr>
+        <p:spPr>
+          <a:xfrm>
+            <a:off x="6366508" y="6505575"/>
+            <a:ext cx="2320292" cy="365125"/>
+          </a:xfrm>
+        </p:spPr>
+        <p:txBody>
+          <a:bodyPr/>
+          <a:lstStyle/>
+          <a:p>
+            <a:fld id="{6189B349-B284-884E-BF58-0D68D479BD97}" type="slidenum">
+              <a:rPr lang="en-US" smtClean="0"/>
+              <a:pPr/>
+              <a:t>3</a:t>
+            </a:fld>
+            <a:endParaRPr lang="en-US" dirty="0"/>
+          </a:p>
+        </p:txBody>
+      </p:sp>
+      <p:sp>
+        <p:nvSpPr>
+          <p:cNvPr id="4" name="Content Placeholder 2"/>
+          <p:cNvSpPr txBox="1">
+            <a:spLocks/>
+          </p:cNvSpPr>
+          <p:nvPr/>
+        </p:nvSpPr>
+        <p:spPr>
+          <a:xfrm>
+            <a:off x="1622812" y="1651000"/>
+            <a:ext cx="7063988" cy="4072754"/>
+          </a:xfrm>
+          <a:prstGeom prst="rect">
+            <a:avLst/>
+          </a:prstGeom>
+        </p:spPr>
+        <p:txBody>
+          <a:bodyPr vert="horz" lIns="91440" tIns="45720" rIns="91440" bIns="45720" rtlCol="0">
+            <a:normAutofit/>
+          </a:bodyPr>
+          <a:lstStyle/>
+          <a:p>
+            <a:pPr marL="342900" marR="0" lvl="0" indent="-342900" algn="l" defTabSz="457200" rtl="0" eaLnBrk="1" fontAlgn="auto" latinLnBrk="0" hangingPunct="1">
+              <a:lnSpc>
+                <a:spcPct val="100000"/>
+              </a:lnSpc>
+              <a:spcBef>
+                <a:spcPct val="20000"/>
+              </a:spcBef>
+              <a:spcAft>
+                <a:spcPts val="0"/>
+              </a:spcAft>
+              <a:buClrTx/>
+              <a:buSzTx/>
+              <a:buFont typeface="Arial"/>
+              <a:buChar char="•"/>
+              <a:tabLst/>
+              <a:defRPr/>
+            </a:pPr>
+            <a:r>
+              <a:rPr kumimoji="0" lang="en-US" sz="3200" b="0" i="0" u="none" strike="noStrike" kern="1200" cap="none" spc="0" normalizeH="0" baseline="0" noProof="0" dirty="0" smtClean="0">
+                <a:ln>
+                  <a:noFill/>
+                </a:ln>
+                <a:solidFill>
+                  <a:schemeClr val="tx1"/>
+                </a:solidFill>
+                <a:effectLst/>
+                <a:uLnTx/>
+                <a:uFillTx/>
+                <a:latin typeface="Georgia"/>
+                <a:ea typeface="+mn-ea"/>
+                <a:cs typeface="Georgia"/>
+              </a:rPr>
+              <a:t>Random graphs can</a:t>
+            </a:r>
+            <a:r>
+              <a:rPr kumimoji="0" lang="en-US" sz="3200" b="0" i="0" u="none" strike="noStrike" kern="1200" cap="none" spc="0" normalizeH="0" noProof="0" dirty="0" smtClean="0">
+                <a:ln>
+                  <a:noFill/>
+                </a:ln>
+                <a:solidFill>
+                  <a:schemeClr val="tx1"/>
+                </a:solidFill>
+                <a:effectLst/>
+                <a:uLnTx/>
+                <a:uFillTx/>
+                <a:latin typeface="Georgia"/>
+                <a:ea typeface="+mn-ea"/>
+                <a:cs typeface="Georgia"/>
+              </a:rPr>
+              <a:t> be used to generate test data for graph algorithms</a:t>
+            </a:r>
+          </a:p>
+          <a:p>
+            <a:pPr marL="342900" marR="0" lvl="0" indent="-342900" algn="l" defTabSz="457200" rtl="0" eaLnBrk="1" fontAlgn="auto" latinLnBrk="0" hangingPunct="1">
+              <a:lnSpc>
+                <a:spcPct val="100000"/>
+              </a:lnSpc>
+              <a:spcBef>
+                <a:spcPct val="20000"/>
+              </a:spcBef>
+              <a:spcAft>
+                <a:spcPts val="0"/>
+              </a:spcAft>
+              <a:buClrTx/>
+              <a:buSzTx/>
+              <a:buFont typeface="Arial"/>
+              <a:buChar char="•"/>
+              <a:tabLst/>
+              <a:defRPr/>
+            </a:pPr>
+            <a:r>
+              <a:rPr lang="en-US" sz="3200" baseline="0" dirty="0" smtClean="0">
+                <a:latin typeface="Georgia"/>
+                <a:cs typeface="Georgia"/>
+              </a:rPr>
+              <a:t>Can</a:t>
+            </a:r>
+            <a:r>
+              <a:rPr lang="en-US" sz="3200" dirty="0" smtClean="0">
+                <a:latin typeface="Georgia"/>
+                <a:cs typeface="Georgia"/>
+              </a:rPr>
+              <a:t> also be used to simulate networks (computer, social, organizational, etc.)</a:t>
+            </a:r>
+            <a:endParaRPr kumimoji="0" lang="en-US" sz="3200" b="0" i="0" u="none" strike="noStrike" kern="1200" cap="none" spc="0" normalizeH="0" baseline="0" noProof="0" dirty="0" smtClean="0">
+              <a:ln>
+                <a:noFill/>
+              </a:ln>
+              <a:solidFill>
+                <a:schemeClr val="tx1"/>
+              </a:solidFill>
+              <a:effectLst/>
+              <a:uLnTx/>
+              <a:uFillTx/>
+              <a:latin typeface="Georgia"/>
+              <a:ea typeface="+mn-ea"/>
+              <a:cs typeface="Georgia"/>
+            </a:endParaRPr>
+          </a:p>
+        </p:txBody>
+      </p:sp>
+    </p:spTree>
+    <p:extLst>
+      <p:ext uri="{BB962C8B-B14F-4D97-AF65-F5344CB8AC3E}">
+        <p14:creationId xmlns:p14="http://schemas.microsoft.com/office/powerpoint/2010/main" val="2718508941"/>
+      </p:ext>
+    </p:extLst>
+  </p:cSld>
+  <p:clrMapOvr>
+    <a:masterClrMapping/>
+  </p:clrMapOvr>
+  <p:timing>
+    <p:tnLst>
+      <p:par>
+        <p:cTn id="1" dur="indefinite" restart="never" nodeType="tmRoot"/>
+      </p:par>
+    </p:tnLst>
+  </p:timing>
+</p:sld>
+</file>
+
+<file path=ppt/slides/slide4.xml><?xml version="1.0" encoding="utf-8"?>
+<p:sld xmlns:a="http://schemas.openxmlformats.org/drawingml/2006/main" xmlns:r="http://schemas.openxmlformats.org/officeDocument/2006/relationships" xmlns:p="http://schemas.openxmlformats.org/presentationml/2006/main">
+  <p:cSld>
+    <p:spTree>
+      <p:nvGrpSpPr>
+        <p:cNvPr id="1" name=""/>
+        <p:cNvGrpSpPr/>
+        <p:nvPr/>
+      </p:nvGrpSpPr>
+      <p:grpSpPr>
+        <a:xfrm>
+          <a:off x="0" y="0"/>
+          <a:ext cx="0" cy="0"/>
+          <a:chOff x="0" y="0"/>
+          <a:chExt cx="0" cy="0"/>
+        </a:xfrm>
+      </p:grpSpPr>
+      <p:sp>
+        <p:nvSpPr>
+          <p:cNvPr id="2" name="Title 1"/>
+          <p:cNvSpPr>
+            <a:spLocks noGrp="1"/>
+          </p:cNvSpPr>
+          <p:nvPr>
+            <p:ph type="title"/>
+          </p:nvPr>
+        </p:nvSpPr>
+        <p:spPr/>
+        <p:txBody>
+          <a:bodyPr>
+            <a:normAutofit fontScale="90000"/>
+          </a:bodyPr>
+          <a:lstStyle/>
+          <a:p>
+            <a:r>
+              <a:rPr lang="en-US" dirty="0" smtClean="0"/>
+              <a:t>Current Random Graph Models:</a:t>
+            </a:r>
+            <a:br>
+              <a:rPr lang="en-US" dirty="0" smtClean="0"/>
+            </a:br>
+            <a:r>
+              <a:rPr lang="hu-HU" dirty="0">
+                <a:latin typeface="Arial" panose="020B0604020202020204" pitchFamily="34" charset="0"/>
+                <a:cs typeface="Arial" panose="020B0604020202020204" pitchFamily="34" charset="0"/>
+              </a:rPr>
+              <a:t>Erdős–Rényi</a:t>
+            </a:r>
+            <a:endParaRPr lang="en-US" dirty="0">
+              <a:latin typeface="Arial" panose="020B0604020202020204" pitchFamily="34" charset="0"/>
+              <a:cs typeface="Arial" panose="020B0604020202020204" pitchFamily="34" charset="0"/>
+            </a:endParaRPr>
+          </a:p>
+        </p:txBody>
+      </p:sp>
+      <p:sp>
+        <p:nvSpPr>
+          <p:cNvPr id="5" name="Slide Number Placeholder 4"/>
+          <p:cNvSpPr>
+            <a:spLocks noGrp="1"/>
+          </p:cNvSpPr>
+          <p:nvPr>
+            <p:ph type="sldNum" sz="quarter" idx="11"/>
+          </p:nvPr>
+        </p:nvSpPr>
+        <p:spPr>
+          <a:xfrm>
+            <a:off x="6366508" y="6505575"/>
+            <a:ext cx="2320292" cy="365125"/>
+          </a:xfrm>
+        </p:spPr>
+        <p:txBody>
+          <a:bodyPr/>
+          <a:lstStyle/>
+          <a:p>
+            <a:fld id="{6189B349-B284-884E-BF58-0D68D479BD97}" type="slidenum">
+              <a:rPr lang="en-US" smtClean="0"/>
+              <a:pPr/>
+              <a:t>4</a:t>
+            </a:fld>
+            <a:endParaRPr lang="en-US" dirty="0"/>
+          </a:p>
+        </p:txBody>
+      </p:sp>
+      <p:sp>
+        <p:nvSpPr>
+          <p:cNvPr id="4" name="Content Placeholder 2"/>
+          <p:cNvSpPr txBox="1">
+            <a:spLocks/>
+          </p:cNvSpPr>
+          <p:nvPr/>
+        </p:nvSpPr>
+        <p:spPr>
+          <a:xfrm>
+            <a:off x="1622812" y="1651000"/>
+            <a:ext cx="7063988" cy="4072754"/>
+          </a:xfrm>
+          <a:prstGeom prst="rect">
+            <a:avLst/>
+          </a:prstGeom>
+        </p:spPr>
+        <p:txBody>
+          <a:bodyPr vert="horz" lIns="91440" tIns="45720" rIns="91440" bIns="45720" rtlCol="0">
+            <a:normAutofit/>
+          </a:bodyPr>
+          <a:lstStyle/>
+          <a:p>
+            <a:pPr marL="342900" lvl="0" indent="-342900">
+              <a:spcBef>
+                <a:spcPct val="20000"/>
+              </a:spcBef>
+              <a:buFont typeface="Arial"/>
+              <a:buChar char="•"/>
+              <a:defRPr/>
+            </a:pPr>
+            <a:r>
+              <a:rPr lang="en-US" sz="3200" dirty="0" smtClean="0">
+                <a:latin typeface="Georgia" panose="02040502050405020303" pitchFamily="18" charset="0"/>
+              </a:rPr>
+              <a:t>Each possible edge has an independent probability of being included</a:t>
+            </a:r>
+          </a:p>
+          <a:p>
+            <a:pPr marL="342900" lvl="0" indent="-342900">
+              <a:spcBef>
+                <a:spcPct val="20000"/>
+              </a:spcBef>
+              <a:buFont typeface="Arial"/>
+              <a:buChar char="•"/>
+              <a:defRPr/>
+            </a:pPr>
+            <a:r>
+              <a:rPr lang="en-US" sz="3200" dirty="0" smtClean="0">
+                <a:latin typeface="Georgia" panose="02040502050405020303" pitchFamily="18" charset="0"/>
+              </a:rPr>
+              <a:t>Purely random model</a:t>
+            </a:r>
+          </a:p>
+          <a:p>
+            <a:pPr marL="342900" lvl="0" indent="-342900">
+              <a:spcBef>
+                <a:spcPct val="20000"/>
+              </a:spcBef>
+              <a:buFont typeface="Arial"/>
+              <a:buChar char="•"/>
+              <a:defRPr/>
+            </a:pPr>
+            <a:r>
+              <a:rPr lang="en-US" sz="3200" dirty="0" smtClean="0">
+                <a:latin typeface="Georgia" panose="02040502050405020303" pitchFamily="18" charset="0"/>
+              </a:rPr>
+              <a:t>Provides a poor simulation of real-world graphs, such as social networks</a:t>
+            </a:r>
+          </a:p>
+          <a:p>
+            <a:pPr marL="342900" lvl="0" indent="-342900">
+              <a:spcBef>
+                <a:spcPct val="20000"/>
+              </a:spcBef>
+              <a:buFont typeface="Arial"/>
+              <a:buChar char="•"/>
+              <a:defRPr/>
+            </a:pPr>
+            <a:endParaRPr kumimoji="0" lang="en-US" sz="3200" b="0" i="0" u="none" strike="noStrike" kern="1200" cap="none" spc="0" normalizeH="0" baseline="0" noProof="0" dirty="0" smtClean="0">
+              <a:ln>
+                <a:noFill/>
+              </a:ln>
+              <a:solidFill>
+                <a:schemeClr val="tx1"/>
+              </a:solidFill>
+              <a:effectLst/>
+              <a:uLnTx/>
+              <a:uFillTx/>
+              <a:latin typeface="Georgia" panose="02040502050405020303" pitchFamily="18" charset="0"/>
+              <a:cs typeface="Georgia"/>
+            </a:endParaRPr>
+          </a:p>
+        </p:txBody>
+      </p:sp>
+    </p:spTree>
+    <p:extLst>
+      <p:ext uri="{BB962C8B-B14F-4D97-AF65-F5344CB8AC3E}">
+        <p14:creationId xmlns:p14="http://schemas.microsoft.com/office/powerpoint/2010/main" val="93811400"/>
+      </p:ext>
+    </p:extLst>
+  </p:cSld>
+  <p:clrMapOvr>
+    <a:masterClrMapping/>
+  </p:clrMapOvr>
+  <p:timing>
+    <p:tnLst>
+      <p:par>
+        <p:cTn id="1" dur="indefinite" restart="never" nodeType="tmRoot"/>
+      </p:par>
+    </p:tnLst>
+  </p:timing>
+</p:sld>
+</file>
+
+<file path=ppt/slides/slide5.xml><?xml version="1.0" encoding="utf-8"?>
+<p:sld xmlns:a="http://schemas.openxmlformats.org/drawingml/2006/main" xmlns:r="http://schemas.openxmlformats.org/officeDocument/2006/relationships" xmlns:p="http://schemas.openxmlformats.org/presentationml/2006/main">
+  <p:cSld>
+    <p:spTree>
+      <p:nvGrpSpPr>
+        <p:cNvPr id="1" name=""/>
+        <p:cNvGrpSpPr/>
+        <p:nvPr/>
+      </p:nvGrpSpPr>
+      <p:grpSpPr>
+        <a:xfrm>
+          <a:off x="0" y="0"/>
+          <a:ext cx="0" cy="0"/>
+          <a:chOff x="0" y="0"/>
+          <a:chExt cx="0" cy="0"/>
+        </a:xfrm>
+      </p:grpSpPr>
+      <p:sp>
+        <p:nvSpPr>
+          <p:cNvPr id="2" name="Title 1"/>
+          <p:cNvSpPr>
+            <a:spLocks noGrp="1"/>
+          </p:cNvSpPr>
+          <p:nvPr>
+            <p:ph type="title"/>
+          </p:nvPr>
+        </p:nvSpPr>
+        <p:spPr/>
+        <p:txBody>
+          <a:bodyPr>
+            <a:normAutofit fontScale="90000"/>
+          </a:bodyPr>
+          <a:lstStyle/>
+          <a:p>
+            <a:r>
+              <a:rPr lang="en-US" dirty="0" smtClean="0"/>
+              <a:t>Current Random Graph Models:</a:t>
+            </a:r>
+            <a:br>
+              <a:rPr lang="en-US" dirty="0" smtClean="0"/>
+            </a:br>
+            <a:r>
+              <a:rPr lang="en-US" dirty="0" smtClean="0"/>
+              <a:t>Random Geometric</a:t>
+            </a:r>
+            <a:endParaRPr lang="en-US" dirty="0"/>
+          </a:p>
+        </p:txBody>
+      </p:sp>
+      <p:sp>
+        <p:nvSpPr>
+          <p:cNvPr id="5" name="Slide Number Placeholder 4"/>
+          <p:cNvSpPr>
+            <a:spLocks noGrp="1"/>
+          </p:cNvSpPr>
+          <p:nvPr>
+            <p:ph type="sldNum" sz="quarter" idx="11"/>
+          </p:nvPr>
+        </p:nvSpPr>
+        <p:spPr>
+          <a:xfrm>
+            <a:off x="6366508" y="6505575"/>
+            <a:ext cx="2320292" cy="365125"/>
+          </a:xfrm>
+        </p:spPr>
+        <p:txBody>
+          <a:bodyPr/>
+          <a:lstStyle/>
+          <a:p>
+            <a:fld id="{6189B349-B284-884E-BF58-0D68D479BD97}" type="slidenum">
+              <a:rPr lang="en-US" smtClean="0"/>
+              <a:pPr/>
+              <a:t>5</a:t>
+            </a:fld>
+            <a:endParaRPr lang="en-US" dirty="0"/>
+          </a:p>
+        </p:txBody>
+      </p:sp>
+      <p:sp>
+        <p:nvSpPr>
+          <p:cNvPr id="4" name="Content Placeholder 2"/>
+          <p:cNvSpPr txBox="1">
+            <a:spLocks/>
+          </p:cNvSpPr>
+          <p:nvPr/>
+        </p:nvSpPr>
+        <p:spPr>
+          <a:xfrm>
+            <a:off x="1622812" y="1651000"/>
+            <a:ext cx="7063988" cy="4072754"/>
+          </a:xfrm>
+          <a:prstGeom prst="rect">
+            <a:avLst/>
+          </a:prstGeom>
+        </p:spPr>
+        <p:txBody>
+          <a:bodyPr vert="horz" lIns="91440" tIns="45720" rIns="91440" bIns="45720" rtlCol="0">
+            <a:normAutofit/>
+          </a:bodyPr>
+          <a:lstStyle/>
+          <a:p>
+            <a:pPr marL="342900" lvl="0" indent="-342900">
+              <a:spcBef>
+                <a:spcPct val="20000"/>
+              </a:spcBef>
+              <a:buFont typeface="Arial"/>
+              <a:buChar char="•"/>
+              <a:defRPr/>
+            </a:pPr>
+            <a:r>
+              <a:rPr lang="en-US" sz="3200" dirty="0" smtClean="0">
+                <a:latin typeface="Georgia" panose="02040502050405020303" pitchFamily="18" charset="0"/>
+              </a:rPr>
+              <a:t>Vertices placed randomly, edges exist between nearby vertices</a:t>
+            </a:r>
+          </a:p>
+          <a:p>
+            <a:pPr marL="342900" lvl="0" indent="-342900">
+              <a:spcBef>
+                <a:spcPct val="20000"/>
+              </a:spcBef>
+              <a:buFont typeface="Arial"/>
+              <a:buChar char="•"/>
+              <a:defRPr/>
+            </a:pPr>
+            <a:r>
+              <a:rPr lang="en-US" sz="3200" dirty="0" smtClean="0">
+                <a:latin typeface="Georgia" panose="02040502050405020303" pitchFamily="18" charset="0"/>
+              </a:rPr>
+              <a:t>Relates well to wireless sensor networks</a:t>
+            </a:r>
+          </a:p>
+          <a:p>
+            <a:pPr marL="342900" lvl="0" indent="-342900">
+              <a:spcBef>
+                <a:spcPct val="20000"/>
+              </a:spcBef>
+              <a:buFont typeface="Arial"/>
+              <a:buChar char="•"/>
+              <a:defRPr/>
+            </a:pPr>
+            <a:r>
+              <a:rPr lang="en-US" sz="3200" dirty="0" smtClean="0">
+                <a:latin typeface="Georgia" panose="02040502050405020303" pitchFamily="18" charset="0"/>
+              </a:rPr>
+              <a:t>Not practical for applications which are unaffected by physical locations</a:t>
+            </a:r>
+          </a:p>
+          <a:p>
+            <a:pPr marL="342900" lvl="0" indent="-342900">
+              <a:spcBef>
+                <a:spcPct val="20000"/>
+              </a:spcBef>
+              <a:buFont typeface="Arial"/>
+              <a:buChar char="•"/>
+              <a:defRPr/>
+            </a:pPr>
+            <a:endParaRPr kumimoji="0" lang="en-US" sz="3200" b="0" i="0" u="none" strike="noStrike" kern="1200" cap="none" spc="0" normalizeH="0" baseline="0" noProof="0" dirty="0" smtClean="0">
+              <a:ln>
+                <a:noFill/>
+              </a:ln>
+              <a:solidFill>
+                <a:schemeClr val="tx1"/>
+              </a:solidFill>
+              <a:effectLst/>
+              <a:uLnTx/>
+              <a:uFillTx/>
+              <a:latin typeface="Georgia" panose="02040502050405020303" pitchFamily="18" charset="0"/>
+              <a:cs typeface="Georgia"/>
+            </a:endParaRPr>
+          </a:p>
+        </p:txBody>
+      </p:sp>
+    </p:spTree>
+    <p:extLst>
+      <p:ext uri="{BB962C8B-B14F-4D97-AF65-F5344CB8AC3E}">
+        <p14:creationId xmlns:p14="http://schemas.microsoft.com/office/powerpoint/2010/main" val="663238853"/>
+      </p:ext>
+    </p:extLst>
+  </p:cSld>
+  <p:clrMapOvr>
+    <a:masterClrMapping/>
+  </p:clrMapOvr>
+  <p:timing>
+    <p:tnLst>
+      <p:par>
+        <p:cTn id="1" dur="indefinite" restart="never" nodeType="tmRoot"/>
+      </p:par>
+    </p:tnLst>
+  </p:timing>
+</p:sld>
+</file>
+
+<file path=ppt/slides/slide6.xml><?xml version="1.0" encoding="utf-8"?>
+<p:sld xmlns:a="http://schemas.openxmlformats.org/drawingml/2006/main" xmlns:r="http://schemas.openxmlformats.org/officeDocument/2006/relationships" xmlns:p="http://schemas.openxmlformats.org/presentationml/2006/main">
+  <p:cSld>
+    <p:spTree>
+      <p:nvGrpSpPr>
+        <p:cNvPr id="1" name=""/>
+        <p:cNvGrpSpPr/>
+        <p:nvPr/>
+      </p:nvGrpSpPr>
+      <p:grpSpPr>
+        <a:xfrm>
+          <a:off x="0" y="0"/>
+          <a:ext cx="0" cy="0"/>
+          <a:chOff x="0" y="0"/>
+          <a:chExt cx="0" cy="0"/>
+        </a:xfrm>
+      </p:grpSpPr>
+      <p:sp>
+        <p:nvSpPr>
+          <p:cNvPr id="2" name="Title 1"/>
+          <p:cNvSpPr>
+            <a:spLocks noGrp="1"/>
+          </p:cNvSpPr>
+          <p:nvPr>
+            <p:ph type="title"/>
+          </p:nvPr>
+        </p:nvSpPr>
+        <p:spPr/>
+        <p:txBody>
+          <a:bodyPr>
+            <a:normAutofit fontScale="90000"/>
+          </a:bodyPr>
+          <a:lstStyle/>
+          <a:p>
+            <a:r>
+              <a:rPr lang="en-US" dirty="0" smtClean="0"/>
+              <a:t>Current Random Graph Models:</a:t>
+            </a:r>
+            <a:br>
+              <a:rPr lang="en-US" dirty="0" smtClean="0"/>
+            </a:br>
+            <a:r>
+              <a:rPr lang="en-US" dirty="0" smtClean="0"/>
+              <a:t>Scale-free</a:t>
+            </a:r>
+            <a:endParaRPr lang="en-US" dirty="0"/>
+          </a:p>
+        </p:txBody>
+      </p:sp>
+      <p:sp>
+        <p:nvSpPr>
+          <p:cNvPr id="5" name="Slide Number Placeholder 4"/>
+          <p:cNvSpPr>
+            <a:spLocks noGrp="1"/>
+          </p:cNvSpPr>
+          <p:nvPr>
+            <p:ph type="sldNum" sz="quarter" idx="11"/>
+          </p:nvPr>
+        </p:nvSpPr>
+        <p:spPr>
+          <a:xfrm>
+            <a:off x="6366508" y="6505575"/>
+            <a:ext cx="2320292" cy="365125"/>
+          </a:xfrm>
+        </p:spPr>
+        <p:txBody>
+          <a:bodyPr/>
+          <a:lstStyle/>
+          <a:p>
+            <a:fld id="{6189B349-B284-884E-BF58-0D68D479BD97}" type="slidenum">
+              <a:rPr lang="en-US" smtClean="0"/>
+              <a:pPr/>
+              <a:t>6</a:t>
+            </a:fld>
+            <a:endParaRPr lang="en-US" dirty="0"/>
+          </a:p>
+        </p:txBody>
+      </p:sp>
+      <p:sp>
+        <p:nvSpPr>
+          <p:cNvPr id="4" name="Content Placeholder 2"/>
+          <p:cNvSpPr txBox="1">
+            <a:spLocks/>
+          </p:cNvSpPr>
+          <p:nvPr/>
+        </p:nvSpPr>
+        <p:spPr>
+          <a:xfrm>
+            <a:off x="1622812" y="1651000"/>
+            <a:ext cx="7063988" cy="4072754"/>
+          </a:xfrm>
+          <a:prstGeom prst="rect">
+            <a:avLst/>
+          </a:prstGeom>
+        </p:spPr>
+        <p:txBody>
+          <a:bodyPr vert="horz" lIns="91440" tIns="45720" rIns="91440" bIns="45720" rtlCol="0">
+            <a:normAutofit/>
+          </a:bodyPr>
+          <a:lstStyle/>
+          <a:p>
+            <a:pPr marL="342900" lvl="0" indent="-342900">
+              <a:spcBef>
+                <a:spcPct val="20000"/>
+              </a:spcBef>
+              <a:buFont typeface="Arial"/>
+              <a:buChar char="•"/>
+              <a:defRPr/>
+            </a:pPr>
+            <a:r>
+              <a:rPr lang="en-US" sz="3200" dirty="0" smtClean="0">
+                <a:latin typeface="Georgia" panose="02040502050405020303" pitchFamily="18" charset="0"/>
+              </a:rPr>
+              <a:t>Vertex degree distributions follow a power law relation</a:t>
+            </a:r>
+          </a:p>
+          <a:p>
+            <a:pPr marL="342900" lvl="0" indent="-342900">
+              <a:spcBef>
+                <a:spcPct val="20000"/>
+              </a:spcBef>
+              <a:buFont typeface="Arial"/>
+              <a:buChar char="•"/>
+              <a:defRPr/>
+            </a:pPr>
+            <a:r>
+              <a:rPr lang="en-US" sz="3200" dirty="0" smtClean="0">
+                <a:latin typeface="Georgia" panose="02040502050405020303" pitchFamily="18" charset="0"/>
+                <a:cs typeface="Georgia"/>
+              </a:rPr>
+              <a:t>Majority of edges are incident to a small portion of the vertex set</a:t>
+            </a:r>
+          </a:p>
+          <a:p>
+            <a:pPr marL="342900" lvl="0" indent="-342900">
+              <a:spcBef>
+                <a:spcPct val="20000"/>
+              </a:spcBef>
+              <a:buFont typeface="Arial"/>
+              <a:buChar char="•"/>
+              <a:defRPr/>
+            </a:pPr>
+            <a:r>
+              <a:rPr lang="en-US" sz="3200" dirty="0" smtClean="0">
+                <a:latin typeface="Georgia" panose="02040502050405020303" pitchFamily="18" charset="0"/>
+                <a:cs typeface="Georgia"/>
+              </a:rPr>
+              <a:t>Often used for modeling computer and social networks</a:t>
+            </a:r>
+            <a:endParaRPr kumimoji="0" lang="en-US" sz="3200" b="0" i="0" u="none" strike="noStrike" kern="1200" cap="none" spc="0" normalizeH="0" baseline="0" noProof="0" dirty="0" smtClean="0">
+              <a:ln>
+                <a:noFill/>
+              </a:ln>
+              <a:solidFill>
+                <a:schemeClr val="tx1"/>
+              </a:solidFill>
+              <a:effectLst/>
+              <a:uLnTx/>
+              <a:uFillTx/>
+              <a:latin typeface="Georgia" panose="02040502050405020303" pitchFamily="18" charset="0"/>
+              <a:cs typeface="Georgia"/>
+            </a:endParaRPr>
+          </a:p>
+        </p:txBody>
+      </p:sp>
+    </p:spTree>
+    <p:extLst>
+      <p:ext uri="{BB962C8B-B14F-4D97-AF65-F5344CB8AC3E}">
+        <p14:creationId xmlns:p14="http://schemas.microsoft.com/office/powerpoint/2010/main" val="3408421941"/>
+      </p:ext>
+    </p:extLst>
+  </p:cSld>
+  <p:clrMapOvr>
+    <a:masterClrMapping/>
+  </p:clrMapOvr>
+  <p:timing>
+    <p:tnLst>
+      <p:par>
+        <p:cTn id="1" dur="indefinite" restart="never" nodeType="tmRoot"/>
+      </p:par>
+    </p:tnLst>
+  </p:timing>
+</p:sld>
+</file>
+
+<file path=ppt/slides/slide7.xml><?xml version="1.0" encoding="utf-8"?>
+<p:sld xmlns:a="http://schemas.openxmlformats.org/drawingml/2006/main" xmlns:r="http://schemas.openxmlformats.org/officeDocument/2006/relationships" xmlns:p="http://schemas.openxmlformats.org/presentationml/2006/main">
+  <p:cSld>
+    <p:spTree>
+      <p:nvGrpSpPr>
+        <p:cNvPr id="1" name=""/>
+        <p:cNvGrpSpPr/>
+        <p:nvPr/>
+      </p:nvGrpSpPr>
+      <p:grpSpPr>
+        <a:xfrm>
+          <a:off x="0" y="0"/>
+          <a:ext cx="0" cy="0"/>
+          <a:chOff x="0" y="0"/>
+          <a:chExt cx="0" cy="0"/>
+        </a:xfrm>
+      </p:grpSpPr>
+      <p:sp>
+        <p:nvSpPr>
+          <p:cNvPr id="2" name="Title 1"/>
+          <p:cNvSpPr>
+            <a:spLocks noGrp="1"/>
+          </p:cNvSpPr>
+          <p:nvPr>
+            <p:ph type="title"/>
+          </p:nvPr>
+        </p:nvSpPr>
+        <p:spPr/>
+        <p:txBody>
+          <a:bodyPr/>
+          <a:lstStyle/>
+          <a:p>
+            <a:r>
+              <a:rPr lang="en-US" dirty="0" smtClean="0"/>
+              <a:t>Room for Specialization</a:t>
+            </a:r>
+            <a:endParaRPr lang="en-US" dirty="0"/>
+          </a:p>
+        </p:txBody>
+      </p:sp>
+      <p:sp>
+        <p:nvSpPr>
+          <p:cNvPr id="5" name="Slide Number Placeholder 4"/>
+          <p:cNvSpPr>
+            <a:spLocks noGrp="1"/>
+          </p:cNvSpPr>
+          <p:nvPr>
+            <p:ph type="sldNum" sz="quarter" idx="11"/>
+          </p:nvPr>
+        </p:nvSpPr>
+        <p:spPr>
+          <a:xfrm>
+            <a:off x="6366508" y="6505575"/>
+            <a:ext cx="2320292" cy="365125"/>
+          </a:xfrm>
+        </p:spPr>
+        <p:txBody>
+          <a:bodyPr/>
+          <a:lstStyle/>
+          <a:p>
+            <a:fld id="{6189B349-B284-884E-BF58-0D68D479BD97}" type="slidenum">
+              <a:rPr lang="en-US" smtClean="0"/>
+              <a:pPr/>
+              <a:t>7</a:t>
+            </a:fld>
+            <a:endParaRPr lang="en-US" dirty="0"/>
+          </a:p>
+        </p:txBody>
+      </p:sp>
+      <p:sp>
+        <p:nvSpPr>
+          <p:cNvPr id="4" name="Content Placeholder 2"/>
+          <p:cNvSpPr txBox="1">
+            <a:spLocks/>
+          </p:cNvSpPr>
+          <p:nvPr/>
+        </p:nvSpPr>
+        <p:spPr>
+          <a:xfrm>
+            <a:off x="1622812" y="1651000"/>
+            <a:ext cx="7063988" cy="4072754"/>
+          </a:xfrm>
+          <a:prstGeom prst="rect">
+            <a:avLst/>
+          </a:prstGeom>
+        </p:spPr>
+        <p:txBody>
+          <a:bodyPr vert="horz" lIns="91440" tIns="45720" rIns="91440" bIns="45720" rtlCol="0">
+            <a:normAutofit lnSpcReduction="10000"/>
+          </a:bodyPr>
+          <a:lstStyle/>
+          <a:p>
+            <a:pPr marL="342900" marR="0" lvl="0" indent="-342900" algn="l" defTabSz="457200" rtl="0" eaLnBrk="1" fontAlgn="auto" latinLnBrk="0" hangingPunct="1">
+              <a:lnSpc>
+                <a:spcPct val="100000"/>
+              </a:lnSpc>
+              <a:spcBef>
+                <a:spcPct val="20000"/>
+              </a:spcBef>
+              <a:spcAft>
+                <a:spcPts val="0"/>
+              </a:spcAft>
+              <a:buClrTx/>
+              <a:buSzTx/>
+              <a:buFont typeface="Arial"/>
+              <a:buChar char="•"/>
+              <a:tabLst/>
+              <a:defRPr/>
+            </a:pPr>
+            <a:r>
+              <a:rPr kumimoji="0" lang="en-US" sz="3200" b="0" i="0" u="none" strike="noStrike" kern="1200" cap="none" spc="0" normalizeH="0" baseline="0" noProof="0" dirty="0" smtClean="0">
+                <a:ln>
+                  <a:noFill/>
+                </a:ln>
+                <a:solidFill>
+                  <a:schemeClr val="tx1"/>
+                </a:solidFill>
+                <a:effectLst/>
+                <a:uLnTx/>
+                <a:uFillTx/>
+                <a:latin typeface="Georgia"/>
+                <a:ea typeface="+mn-ea"/>
+                <a:cs typeface="Georgia"/>
+              </a:rPr>
+              <a:t>Graphs needed</a:t>
+            </a:r>
+            <a:r>
+              <a:rPr kumimoji="0" lang="en-US" sz="3200" b="0" i="0" u="none" strike="noStrike" kern="1200" cap="none" spc="0" normalizeH="0" noProof="0" dirty="0" smtClean="0">
+                <a:ln>
+                  <a:noFill/>
+                </a:ln>
+                <a:solidFill>
+                  <a:schemeClr val="tx1"/>
+                </a:solidFill>
+                <a:effectLst/>
+                <a:uLnTx/>
+                <a:uFillTx/>
+                <a:latin typeface="Georgia"/>
+                <a:ea typeface="+mn-ea"/>
+                <a:cs typeface="Georgia"/>
+              </a:rPr>
+              <a:t> with a specific characteristic (topology motifs, sub-graph structure, etc.)</a:t>
+            </a:r>
+          </a:p>
+          <a:p>
+            <a:pPr marL="342900" marR="0" lvl="0" indent="-342900" algn="l" defTabSz="457200" rtl="0" eaLnBrk="1" fontAlgn="auto" latinLnBrk="0" hangingPunct="1">
+              <a:lnSpc>
+                <a:spcPct val="100000"/>
+              </a:lnSpc>
+              <a:spcBef>
+                <a:spcPct val="20000"/>
+              </a:spcBef>
+              <a:spcAft>
+                <a:spcPts val="0"/>
+              </a:spcAft>
+              <a:buClrTx/>
+              <a:buSzTx/>
+              <a:buFont typeface="Arial"/>
+              <a:buChar char="•"/>
+              <a:tabLst/>
+              <a:defRPr/>
+            </a:pPr>
+            <a:r>
+              <a:rPr lang="en-US" sz="3200" baseline="0" dirty="0" smtClean="0">
+                <a:latin typeface="Georgia"/>
+                <a:cs typeface="Georgia"/>
+              </a:rPr>
+              <a:t>Method of construction is unclear or unimportant</a:t>
+            </a:r>
+          </a:p>
+          <a:p>
+            <a:pPr marL="342900" marR="0" lvl="0" indent="-342900" algn="l" defTabSz="457200" rtl="0" eaLnBrk="1" fontAlgn="auto" latinLnBrk="0" hangingPunct="1">
+              <a:lnSpc>
+                <a:spcPct val="100000"/>
+              </a:lnSpc>
+              <a:spcBef>
+                <a:spcPct val="20000"/>
+              </a:spcBef>
+              <a:spcAft>
+                <a:spcPts val="0"/>
+              </a:spcAft>
+              <a:buClrTx/>
+              <a:buSzTx/>
+              <a:buFont typeface="Arial"/>
+              <a:buChar char="•"/>
+              <a:tabLst/>
+              <a:defRPr/>
+            </a:pPr>
+            <a:r>
+              <a:rPr kumimoji="0" lang="en-US" sz="3200" b="0" i="0" u="none" strike="noStrike" kern="1200" cap="none" spc="0" normalizeH="0" noProof="0" dirty="0" smtClean="0">
+                <a:ln>
+                  <a:noFill/>
+                </a:ln>
+                <a:solidFill>
+                  <a:schemeClr val="tx1"/>
+                </a:solidFill>
+                <a:effectLst/>
+                <a:uLnTx/>
+                <a:uFillTx/>
+                <a:latin typeface="Georgia"/>
+                <a:ea typeface="+mn-ea"/>
+                <a:cs typeface="Georgia"/>
+              </a:rPr>
+              <a:t>When it’s easier to define your requirements than it is to construct your solution, evolve it!</a:t>
+            </a:r>
+            <a:endParaRPr kumimoji="0" lang="en-US" sz="3200" b="0" i="0" u="none" strike="noStrike" kern="1200" cap="none" spc="0" normalizeH="0" baseline="0" noProof="0" dirty="0" smtClean="0">
+              <a:ln>
+                <a:noFill/>
+              </a:ln>
+              <a:solidFill>
+                <a:schemeClr val="tx1"/>
+              </a:solidFill>
+              <a:effectLst/>
+              <a:uLnTx/>
+              <a:uFillTx/>
+              <a:latin typeface="Georgia"/>
+              <a:ea typeface="+mn-ea"/>
+              <a:cs typeface="Georgia"/>
+            </a:endParaRPr>
+          </a:p>
+        </p:txBody>
+      </p:sp>
+    </p:spTree>
+    <p:extLst>
+      <p:ext uri="{BB962C8B-B14F-4D97-AF65-F5344CB8AC3E}">
+        <p14:creationId xmlns:p14="http://schemas.microsoft.com/office/powerpoint/2010/main" val="1835311759"/>
+      </p:ext>
+    </p:extLst>
+  </p:cSld>
+  <p:clrMapOvr>
+    <a:masterClrMapping/>
+  </p:clrMapOvr>
+  <p:timing>
+    <p:tnLst>
+      <p:par>
+        <p:cTn id="1" dur="indefinite" restart="never" nodeType="tmRoot"/>
+      </p:par>
+    </p:tnLst>
+  </p:timing>
+</p:sld>
+</file>
+
+<file path=ppt/slides/slide8.xml><?xml version="1.0" encoding="utf-8"?>
+<p:sld xmlns:a="http://schemas.openxmlformats.org/drawingml/2006/main" xmlns:r="http://schemas.openxmlformats.org/officeDocument/2006/relationships" xmlns:p="http://schemas.openxmlformats.org/presentationml/2006/main">
+  <p:cSld>
+    <p:spTree>
+      <p:nvGrpSpPr>
+        <p:cNvPr id="1" name=""/>
+        <p:cNvGrpSpPr/>
+        <p:nvPr/>
+      </p:nvGrpSpPr>
+      <p:grpSpPr>
+        <a:xfrm>
+          <a:off x="0" y="0"/>
+          <a:ext cx="0" cy="0"/>
+          <a:chOff x="0" y="0"/>
+          <a:chExt cx="0" cy="0"/>
+        </a:xfrm>
+      </p:grpSpPr>
+      <p:sp>
+        <p:nvSpPr>
+          <p:cNvPr id="2" name="Title 1"/>
+          <p:cNvSpPr>
+            <a:spLocks noGrp="1"/>
+          </p:cNvSpPr>
+          <p:nvPr>
+            <p:ph type="title"/>
+          </p:nvPr>
+        </p:nvSpPr>
+        <p:spPr/>
+        <p:txBody>
+          <a:bodyPr/>
+          <a:lstStyle/>
+          <a:p>
+            <a:r>
+              <a:rPr lang="en-US" dirty="0" smtClean="0"/>
+              <a:t>An Example</a:t>
+            </a:r>
+            <a:endParaRPr lang="en-US" dirty="0"/>
+          </a:p>
+        </p:txBody>
+      </p:sp>
+      <p:sp>
+        <p:nvSpPr>
+          <p:cNvPr id="5" name="Slide Number Placeholder 4"/>
+          <p:cNvSpPr>
+            <a:spLocks noGrp="1"/>
+          </p:cNvSpPr>
+          <p:nvPr>
+            <p:ph type="sldNum" sz="quarter" idx="11"/>
+          </p:nvPr>
+        </p:nvSpPr>
+        <p:spPr>
+          <a:xfrm>
+            <a:off x="6366508" y="6505575"/>
+            <a:ext cx="2320292" cy="365125"/>
+          </a:xfrm>
+        </p:spPr>
+        <p:txBody>
+          <a:bodyPr/>
+          <a:lstStyle/>
+          <a:p>
+            <a:fld id="{6189B349-B284-884E-BF58-0D68D479BD97}" type="slidenum">
+              <a:rPr lang="en-US" smtClean="0"/>
+              <a:pPr/>
+              <a:t>8</a:t>
+            </a:fld>
+            <a:endParaRPr lang="en-US" dirty="0"/>
+          </a:p>
+        </p:txBody>
+      </p:sp>
+      <p:sp>
+        <p:nvSpPr>
+          <p:cNvPr id="4" name="Content Placeholder 2"/>
+          <p:cNvSpPr txBox="1">
+            <a:spLocks/>
+          </p:cNvSpPr>
+          <p:nvPr/>
+        </p:nvSpPr>
+        <p:spPr>
+          <a:xfrm>
+            <a:off x="1622812" y="1651000"/>
+            <a:ext cx="7063988" cy="4072754"/>
+          </a:xfrm>
+          <a:prstGeom prst="rect">
+            <a:avLst/>
+          </a:prstGeom>
+        </p:spPr>
+        <p:txBody>
+          <a:bodyPr vert="horz" lIns="91440" tIns="45720" rIns="91440" bIns="45720" rtlCol="0">
+            <a:normAutofit lnSpcReduction="10000"/>
+          </a:bodyPr>
+          <a:lstStyle/>
+          <a:p>
+            <a:pPr marL="342900" marR="0" lvl="0" indent="-342900" algn="l" defTabSz="457200" rtl="0" eaLnBrk="1" fontAlgn="auto" latinLnBrk="0" hangingPunct="1">
+              <a:lnSpc>
+                <a:spcPct val="100000"/>
+              </a:lnSpc>
+              <a:spcBef>
+                <a:spcPct val="20000"/>
+              </a:spcBef>
+              <a:spcAft>
+                <a:spcPts val="0"/>
+              </a:spcAft>
+              <a:buClrTx/>
+              <a:buSzTx/>
+              <a:buFont typeface="Arial"/>
+              <a:buChar char="•"/>
+              <a:tabLst/>
+              <a:defRPr/>
+            </a:pPr>
+            <a:r>
+              <a:rPr kumimoji="0" lang="en-US" sz="3200" b="0" i="0" u="none" strike="noStrike" kern="1200" cap="none" spc="0" normalizeH="0" baseline="0" noProof="0" dirty="0" smtClean="0">
+                <a:ln>
+                  <a:noFill/>
+                </a:ln>
+                <a:solidFill>
+                  <a:schemeClr val="tx1"/>
+                </a:solidFill>
+                <a:effectLst/>
+                <a:uLnTx/>
+                <a:uFillTx/>
+                <a:latin typeface="Georgia"/>
+                <a:ea typeface="+mn-ea"/>
+                <a:cs typeface="Georgia"/>
+              </a:rPr>
+              <a:t>You’ve designed a new graph partitioning</a:t>
+            </a:r>
+            <a:r>
+              <a:rPr kumimoji="0" lang="en-US" sz="3200" b="0" i="0" u="none" strike="noStrike" kern="1200" cap="none" spc="0" normalizeH="0" noProof="0" dirty="0" smtClean="0">
+                <a:ln>
+                  <a:noFill/>
+                </a:ln>
+                <a:solidFill>
+                  <a:schemeClr val="tx1"/>
+                </a:solidFill>
+                <a:effectLst/>
+                <a:uLnTx/>
+                <a:uFillTx/>
+                <a:latin typeface="Georgia"/>
+                <a:ea typeface="+mn-ea"/>
+                <a:cs typeface="Georgia"/>
+              </a:rPr>
+              <a:t> algorithm and you want to test its limitations</a:t>
+            </a:r>
+          </a:p>
+          <a:p>
+            <a:pPr marL="342900" marR="0" lvl="0" indent="-342900" algn="l" defTabSz="457200" rtl="0" eaLnBrk="1" fontAlgn="auto" latinLnBrk="0" hangingPunct="1">
+              <a:lnSpc>
+                <a:spcPct val="100000"/>
+              </a:lnSpc>
+              <a:spcBef>
+                <a:spcPct val="20000"/>
+              </a:spcBef>
+              <a:spcAft>
+                <a:spcPts val="0"/>
+              </a:spcAft>
+              <a:buClrTx/>
+              <a:buSzTx/>
+              <a:buFont typeface="Arial"/>
+              <a:buChar char="•"/>
+              <a:tabLst/>
+              <a:defRPr/>
+            </a:pPr>
+            <a:r>
+              <a:rPr lang="en-US" sz="3200" baseline="0" dirty="0" smtClean="0">
+                <a:latin typeface="Georgia"/>
+                <a:cs typeface="Georgia"/>
+              </a:rPr>
+              <a:t>Evolve</a:t>
+            </a:r>
+            <a:r>
+              <a:rPr lang="en-US" sz="3200" dirty="0" smtClean="0">
+                <a:latin typeface="Georgia"/>
+                <a:cs typeface="Georgia"/>
+              </a:rPr>
+              <a:t> a program which generates random graphs on which your algorithm performs poorly</a:t>
+            </a:r>
+          </a:p>
+          <a:p>
+            <a:pPr marL="342900" marR="0" lvl="0" indent="-342900" algn="l" defTabSz="457200" rtl="0" eaLnBrk="1" fontAlgn="auto" latinLnBrk="0" hangingPunct="1">
+              <a:lnSpc>
+                <a:spcPct val="100000"/>
+              </a:lnSpc>
+              <a:spcBef>
+                <a:spcPct val="20000"/>
+              </a:spcBef>
+              <a:spcAft>
+                <a:spcPts val="0"/>
+              </a:spcAft>
+              <a:buClrTx/>
+              <a:buSzTx/>
+              <a:buFont typeface="Arial"/>
+              <a:buChar char="•"/>
+              <a:tabLst/>
+              <a:defRPr/>
+            </a:pPr>
+            <a:r>
+              <a:rPr lang="en-US" sz="3200" dirty="0" smtClean="0">
+                <a:latin typeface="Georgia"/>
+                <a:cs typeface="Georgia"/>
+              </a:rPr>
+              <a:t>Highlights the weaknesses of your algorithm</a:t>
+            </a:r>
+            <a:endParaRPr kumimoji="0" lang="en-US" sz="3200" b="0" i="0" u="none" strike="noStrike" kern="1200" cap="none" spc="0" normalizeH="0" baseline="0" noProof="0" dirty="0" smtClean="0">
+              <a:ln>
+                <a:noFill/>
+              </a:ln>
+              <a:solidFill>
+                <a:schemeClr val="tx1"/>
+              </a:solidFill>
+              <a:effectLst/>
+              <a:uLnTx/>
+              <a:uFillTx/>
+              <a:latin typeface="Georgia"/>
+              <a:ea typeface="+mn-ea"/>
+              <a:cs typeface="Georgia"/>
+            </a:endParaRPr>
+          </a:p>
+        </p:txBody>
+      </p:sp>
+    </p:spTree>
+    <p:extLst>
+      <p:ext uri="{BB962C8B-B14F-4D97-AF65-F5344CB8AC3E}">
+        <p14:creationId xmlns:p14="http://schemas.microsoft.com/office/powerpoint/2010/main" val="2169810312"/>
+      </p:ext>
+    </p:extLst>
+  </p:cSld>
+  <p:clrMapOvr>
+    <a:masterClrMapping/>
+  </p:clrMapOvr>
+  <p:timing>
+    <p:tnLst>
+      <p:par>
+        <p:cTn id="1" dur="indefinite" restart="never" nodeType="tmRoot"/>
+      </p:par>
+    </p:tnLst>
+  </p:timing>
+</p:sld>
+</file>
+
+<file path=ppt/slides/slide9.xml><?xml version="1.0" encoding="utf-8"?>
+<p:sld xmlns:a="http://schemas.openxmlformats.org/drawingml/2006/main" xmlns:r="http://schemas.openxmlformats.org/officeDocument/2006/relationships" xmlns:p="http://schemas.openxmlformats.org/presentationml/2006/main">
+  <p:cSld>
+    <p:spTree>
+      <p:nvGrpSpPr>
+        <p:cNvPr id="1" name=""/>
+        <p:cNvGrpSpPr/>
+        <p:nvPr/>
+      </p:nvGrpSpPr>
+      <p:grpSpPr>
+        <a:xfrm>
+          <a:off x="0" y="0"/>
+          <a:ext cx="0" cy="0"/>
+          <a:chOff x="0" y="0"/>
+          <a:chExt cx="0" cy="0"/>
+        </a:xfrm>
+      </p:grpSpPr>
+      <p:sp>
+        <p:nvSpPr>
+          <p:cNvPr id="2" name="Title 1"/>
+          <p:cNvSpPr>
+            <a:spLocks noGrp="1"/>
+          </p:cNvSpPr>
+          <p:nvPr>
+            <p:ph type="title"/>
+          </p:nvPr>
+        </p:nvSpPr>
+        <p:spPr/>
+        <p:txBody>
+          <a:bodyPr/>
+          <a:lstStyle/>
+          <a:p>
+            <a:r>
+              <a:rPr lang="en-US" dirty="0" smtClean="0"/>
+              <a:t>Click to </a:t>
+            </a:r>
+            <a:r>
+              <a:rPr lang="en-US" smtClean="0"/>
+              <a:t>add title</a:t>
+            </a:r>
+            <a:endParaRPr lang="en-US" dirty="0"/>
+          </a:p>
+        </p:txBody>
+      </p:sp>
+      <p:sp>
+        <p:nvSpPr>
+          <p:cNvPr id="5" name="Slide Number Placeholder 4"/>
+          <p:cNvSpPr>
+            <a:spLocks noGrp="1"/>
+          </p:cNvSpPr>
+          <p:nvPr>
+            <p:ph type="sldNum" sz="quarter" idx="11"/>
+          </p:nvPr>
+        </p:nvSpPr>
+        <p:spPr>
+          <a:xfrm>
+            <a:off x="6366508" y="6505575"/>
+            <a:ext cx="2320292" cy="365125"/>
+          </a:xfrm>
+        </p:spPr>
+        <p:txBody>
+          <a:bodyPr/>
+          <a:lstStyle/>
+          <a:p>
+            <a:fld id="{6189B349-B284-884E-BF58-0D68D479BD97}" type="slidenum">
+              <a:rPr lang="en-US" smtClean="0"/>
+              <a:pPr/>
+              <a:t>9</a:t>
             </a:fld>
             <a:endParaRPr lang="en-US" dirty="0"/>
           </a:p>
@@ -4598,6 +9037,11 @@
         </p:txBody>
       </p:sp>
     </p:spTree>
+    <p:extLst>
+      <p:ext uri="{BB962C8B-B14F-4D97-AF65-F5344CB8AC3E}">
+        <p14:creationId xmlns:p14="http://schemas.microsoft.com/office/powerpoint/2010/main" val="1328209255"/>
+      </p:ext>
+    </p:extLst>
   </p:cSld>
   <p:clrMapOvr>
     <a:masterClrMapping/>
@@ -4605,7 +9049,7 @@
   <p:timing>
     <p:tnLst>
       <p:par>
-        <p:cTn xmlns:p14="http://schemas.microsoft.com/office/powerpoint/2010/main" id="1" dur="indefinite" restart="never" nodeType="tmRoot"/>
+        <p:cTn id="1" dur="indefinite" restart="never" nodeType="tmRoot"/>
       </p:par>
     </p:tnLst>
   </p:timing>

--- a/documents/PopeMartinGraphTheoryPresentation.pptx
+++ b/documents/PopeMartinGraphTheoryPresentation.pptx
@@ -5,10 +5,10 @@
     <p:sldMasterId id="2147483648" r:id="rId1"/>
   </p:sldMasterIdLst>
   <p:notesMasterIdLst>
-    <p:notesMasterId r:id="rId13"/>
+    <p:notesMasterId r:id="rId32"/>
   </p:notesMasterIdLst>
   <p:handoutMasterIdLst>
-    <p:handoutMasterId r:id="rId14"/>
+    <p:handoutMasterId r:id="rId33"/>
   </p:handoutMasterIdLst>
   <p:sldIdLst>
     <p:sldId id="256" r:id="rId2"/>
@@ -19,9 +19,28 @@
     <p:sldId id="269" r:id="rId7"/>
     <p:sldId id="260" r:id="rId8"/>
     <p:sldId id="265" r:id="rId9"/>
-    <p:sldId id="266" r:id="rId10"/>
-    <p:sldId id="267" r:id="rId11"/>
-    <p:sldId id="268" r:id="rId12"/>
+    <p:sldId id="271" r:id="rId10"/>
+    <p:sldId id="274" r:id="rId11"/>
+    <p:sldId id="275" r:id="rId12"/>
+    <p:sldId id="276" r:id="rId13"/>
+    <p:sldId id="277" r:id="rId14"/>
+    <p:sldId id="278" r:id="rId15"/>
+    <p:sldId id="279" r:id="rId16"/>
+    <p:sldId id="280" r:id="rId17"/>
+    <p:sldId id="281" r:id="rId18"/>
+    <p:sldId id="282" r:id="rId19"/>
+    <p:sldId id="283" r:id="rId20"/>
+    <p:sldId id="284" r:id="rId21"/>
+    <p:sldId id="285" r:id="rId22"/>
+    <p:sldId id="286" r:id="rId23"/>
+    <p:sldId id="287" r:id="rId24"/>
+    <p:sldId id="288" r:id="rId25"/>
+    <p:sldId id="289" r:id="rId26"/>
+    <p:sldId id="290" r:id="rId27"/>
+    <p:sldId id="291" r:id="rId28"/>
+    <p:sldId id="292" r:id="rId29"/>
+    <p:sldId id="294" r:id="rId30"/>
+    <p:sldId id="293" r:id="rId31"/>
   </p:sldIdLst>
   <p:sldSz cx="9144000" cy="6858000" type="screen4x3"/>
   <p:notesSz cx="6858000" cy="9144000"/>
@@ -206,7 +225,7 @@
             <a:fld id="{1A3E7708-B72C-7D4F-874D-E4F747318BE7}" type="datetimeFigureOut">
               <a:rPr lang="en-US" smtClean="0"/>
               <a:pPr/>
-              <a:t>5/7/2014</a:t>
+              <a:t>5/8/2014</a:t>
             </a:fld>
             <a:endParaRPr lang="en-US"/>
           </a:p>
@@ -374,7 +393,7 @@
             <a:fld id="{D859A437-E9EA-CA40-B494-753BD8954286}" type="datetimeFigureOut">
               <a:rPr lang="en-US" smtClean="0"/>
               <a:pPr/>
-              <a:t>5/7/2014</a:t>
+              <a:t>5/8/2014</a:t>
             </a:fld>
             <a:endParaRPr lang="en-US"/>
           </a:p>
@@ -2926,20 +2945,6 @@
               </a:rPr>
               <a:t>Evolution OF Random graph generators</a:t>
             </a:r>
-            <a:endParaRPr kumimoji="0" lang="en-US" sz="4000" b="1" i="0" u="none" strike="noStrike" kern="1200" cap="all" spc="0" normalizeH="0" baseline="0" noProof="0" dirty="0" smtClean="0">
-              <a:ln>
-                <a:noFill/>
-              </a:ln>
-              <a:solidFill>
-                <a:srgbClr val="404044"/>
-              </a:solidFill>
-              <a:effectLst/>
-              <a:uLnTx/>
-              <a:uFillTx/>
-              <a:latin typeface="Georgia"/>
-              <a:ea typeface="+mj-ea"/>
-              <a:cs typeface="Georgia"/>
-            </a:endParaRPr>
           </a:p>
         </p:txBody>
       </p:sp>
@@ -2965,7 +2970,7 @@
           <a:p>
             <a:fld id="{2DF2F369-FEC4-46F1-8DF7-A48BA6D9D568}" type="datetime4">
               <a:rPr lang="en-US" smtClean="0"/>
-              <a:t>May 7, 2014</a:t>
+              <a:t>May 8, 2014</a:t>
             </a:fld>
             <a:endParaRPr lang="en-US" dirty="0"/>
           </a:p>
@@ -3197,16 +3202,14 @@
         </p:nvSpPr>
         <p:spPr/>
         <p:txBody>
-          <a:bodyPr/>
+          <a:bodyPr>
+            <a:normAutofit fontScale="90000"/>
+          </a:bodyPr>
           <a:lstStyle/>
           <a:p>
             <a:r>
               <a:rPr lang="en-US" dirty="0" smtClean="0"/>
-              <a:t>Click to </a:t>
-            </a:r>
-            <a:r>
-              <a:rPr lang="en-US" smtClean="0"/>
-              <a:t>add title</a:t>
+              <a:t>Random Graph Generating Algorithm</a:t>
             </a:r>
             <a:endParaRPr lang="en-US" dirty="0"/>
           </a:p>
@@ -3214,1429 +3217,445 @@
       </p:sp>
       <p:sp>
         <p:nvSpPr>
-          <p:cNvPr id="5" name="Slide Number Placeholder 4"/>
-          <p:cNvSpPr>
-            <a:spLocks noGrp="1"/>
-          </p:cNvSpPr>
-          <p:nvPr>
-            <p:ph type="sldNum" sz="quarter" idx="11"/>
-          </p:nvPr>
+          <p:cNvPr id="4" name="Rectangle 3"/>
+          <p:cNvSpPr/>
+          <p:nvPr/>
         </p:nvSpPr>
         <p:spPr>
           <a:xfrm>
-            <a:off x="6366508" y="6505575"/>
-            <a:ext cx="2320292" cy="365125"/>
-          </a:xfrm>
-        </p:spPr>
-        <p:txBody>
-          <a:bodyPr/>
-          <a:lstStyle/>
-          <a:p>
-            <a:fld id="{6189B349-B284-884E-BF58-0D68D479BD97}" type="slidenum">
-              <a:rPr lang="en-US" smtClean="0"/>
-              <a:pPr/>
-              <a:t>10</a:t>
-            </a:fld>
-            <a:endParaRPr lang="en-US" dirty="0"/>
-          </a:p>
-        </p:txBody>
-      </p:sp>
-      <p:sp>
-        <p:nvSpPr>
-          <p:cNvPr id="4" name="Content Placeholder 2"/>
-          <p:cNvSpPr txBox="1">
-            <a:spLocks/>
-          </p:cNvSpPr>
-          <p:nvPr/>
-        </p:nvSpPr>
-        <p:spPr>
-          <a:xfrm>
-            <a:off x="1622812" y="1651000"/>
-            <a:ext cx="7063988" cy="4072754"/>
+            <a:off x="4076700" y="2819400"/>
+            <a:ext cx="2286000" cy="990600"/>
           </a:xfrm>
           <a:prstGeom prst="rect">
             <a:avLst/>
           </a:prstGeom>
         </p:spPr>
-        <p:txBody>
-          <a:bodyPr vert="horz" lIns="91440" tIns="45720" rIns="91440" bIns="45720" rtlCol="0">
-            <a:normAutofit fontScale="77500" lnSpcReduction="20000"/>
+        <p:style>
+          <a:lnRef idx="2">
+            <a:schemeClr val="accent1">
+              <a:shade val="50000"/>
+            </a:schemeClr>
+          </a:lnRef>
+          <a:fillRef idx="1">
+            <a:schemeClr val="accent1"/>
+          </a:fillRef>
+          <a:effectRef idx="0">
+            <a:schemeClr val="accent1"/>
+          </a:effectRef>
+          <a:fontRef idx="minor">
+            <a:schemeClr val="lt1"/>
+          </a:fontRef>
+        </p:style>
+        <p:txBody>
+          <a:bodyPr rtlCol="0" anchor="ctr"/>
+          <a:lstStyle/>
+          <a:p>
+            <a:pPr algn="ctr"/>
+            <a:r>
+              <a:rPr lang="en-US" dirty="0" smtClean="0"/>
+              <a:t>Add vertex</a:t>
+            </a:r>
+            <a:endParaRPr lang="en-US" dirty="0"/>
+          </a:p>
+        </p:txBody>
+      </p:sp>
+      <p:sp>
+        <p:nvSpPr>
+          <p:cNvPr id="5" name="Rectangle 4"/>
+          <p:cNvSpPr/>
+          <p:nvPr/>
+        </p:nvSpPr>
+        <p:spPr>
+          <a:xfrm>
+            <a:off x="4076700" y="1447800"/>
+            <a:ext cx="2286000" cy="990600"/>
+          </a:xfrm>
+          <a:prstGeom prst="rect">
+            <a:avLst/>
+          </a:prstGeom>
+        </p:spPr>
+        <p:style>
+          <a:lnRef idx="2">
+            <a:schemeClr val="accent1">
+              <a:shade val="50000"/>
+            </a:schemeClr>
+          </a:lnRef>
+          <a:fillRef idx="1">
+            <a:schemeClr val="accent1"/>
+          </a:fillRef>
+          <a:effectRef idx="0">
+            <a:schemeClr val="accent1"/>
+          </a:effectRef>
+          <a:fontRef idx="minor">
+            <a:schemeClr val="lt1"/>
+          </a:fontRef>
+        </p:style>
+        <p:txBody>
+          <a:bodyPr rtlCol="0" anchor="ctr"/>
+          <a:lstStyle/>
+          <a:p>
+            <a:pPr algn="ctr"/>
+            <a:r>
+              <a:rPr lang="en-US" dirty="0" smtClean="0"/>
+              <a:t>Select vertices for new vertex to connect to</a:t>
+            </a:r>
+            <a:endParaRPr lang="en-US" dirty="0"/>
+          </a:p>
+        </p:txBody>
+      </p:sp>
+      <p:sp>
+        <p:nvSpPr>
+          <p:cNvPr id="6" name="Rectangle 5"/>
+          <p:cNvSpPr/>
+          <p:nvPr/>
+        </p:nvSpPr>
+        <p:spPr>
+          <a:xfrm>
+            <a:off x="4076700" y="4114800"/>
+            <a:ext cx="2286000" cy="990600"/>
+          </a:xfrm>
+          <a:prstGeom prst="rect">
+            <a:avLst/>
+          </a:prstGeom>
+        </p:spPr>
+        <p:style>
+          <a:lnRef idx="2">
+            <a:schemeClr val="accent1">
+              <a:shade val="50000"/>
+            </a:schemeClr>
+          </a:lnRef>
+          <a:fillRef idx="1">
+            <a:schemeClr val="accent1"/>
+          </a:fillRef>
+          <a:effectRef idx="0">
+            <a:schemeClr val="accent1"/>
+          </a:effectRef>
+          <a:fontRef idx="minor">
+            <a:schemeClr val="lt1"/>
+          </a:fontRef>
+        </p:style>
+        <p:txBody>
+          <a:bodyPr rtlCol="0" anchor="ctr"/>
+          <a:lstStyle/>
+          <a:p>
+            <a:pPr algn="ctr"/>
+            <a:r>
+              <a:rPr lang="en-US" dirty="0" smtClean="0"/>
+              <a:t>Add edges</a:t>
+            </a:r>
+          </a:p>
+        </p:txBody>
+      </p:sp>
+      <p:cxnSp>
+        <p:nvCxnSpPr>
+          <p:cNvPr id="8" name="Straight Connector 7"/>
+          <p:cNvCxnSpPr>
+            <a:stCxn id="6" idx="3"/>
+          </p:cNvCxnSpPr>
+          <p:nvPr/>
+        </p:nvCxnSpPr>
+        <p:spPr>
+          <a:xfrm>
+            <a:off x="6362700" y="4610100"/>
+            <a:ext cx="1295400" cy="0"/>
+          </a:xfrm>
+          <a:prstGeom prst="line">
+            <a:avLst/>
+          </a:prstGeom>
+          <a:ln w="38100">
+            <a:solidFill>
+              <a:schemeClr val="tx1"/>
+            </a:solidFill>
+          </a:ln>
+        </p:spPr>
+        <p:style>
+          <a:lnRef idx="1">
+            <a:schemeClr val="accent1"/>
+          </a:lnRef>
+          <a:fillRef idx="0">
+            <a:schemeClr val="accent1"/>
+          </a:fillRef>
+          <a:effectRef idx="0">
+            <a:schemeClr val="accent1"/>
+          </a:effectRef>
+          <a:fontRef idx="minor">
+            <a:schemeClr val="tx1"/>
+          </a:fontRef>
+        </p:style>
+      </p:cxnSp>
+      <p:cxnSp>
+        <p:nvCxnSpPr>
+          <p:cNvPr id="10" name="Straight Connector 9"/>
+          <p:cNvCxnSpPr/>
+          <p:nvPr/>
+        </p:nvCxnSpPr>
+        <p:spPr>
+          <a:xfrm flipV="1">
+            <a:off x="7658100" y="1943100"/>
+            <a:ext cx="0" cy="2667000"/>
+          </a:xfrm>
+          <a:prstGeom prst="line">
+            <a:avLst/>
+          </a:prstGeom>
+          <a:ln w="38100">
+            <a:solidFill>
+              <a:schemeClr val="tx1"/>
+            </a:solidFill>
+          </a:ln>
+        </p:spPr>
+        <p:style>
+          <a:lnRef idx="1">
+            <a:schemeClr val="accent1"/>
+          </a:lnRef>
+          <a:fillRef idx="0">
+            <a:schemeClr val="accent1"/>
+          </a:fillRef>
+          <a:effectRef idx="0">
+            <a:schemeClr val="accent1"/>
+          </a:effectRef>
+          <a:fontRef idx="minor">
+            <a:schemeClr val="tx1"/>
+          </a:fontRef>
+        </p:style>
+      </p:cxnSp>
+      <p:cxnSp>
+        <p:nvCxnSpPr>
+          <p:cNvPr id="14" name="Straight Arrow Connector 13"/>
+          <p:cNvCxnSpPr>
+            <a:endCxn id="5" idx="3"/>
+          </p:cNvCxnSpPr>
+          <p:nvPr/>
+        </p:nvCxnSpPr>
+        <p:spPr>
+          <a:xfrm flipH="1">
+            <a:off x="6362700" y="1943100"/>
+            <a:ext cx="1295400" cy="0"/>
+          </a:xfrm>
+          <a:prstGeom prst="straightConnector1">
+            <a:avLst/>
+          </a:prstGeom>
+          <a:ln w="38100">
+            <a:solidFill>
+              <a:schemeClr val="tx1"/>
+            </a:solidFill>
+            <a:tailEnd type="arrow"/>
+          </a:ln>
+        </p:spPr>
+        <p:style>
+          <a:lnRef idx="1">
+            <a:schemeClr val="accent1"/>
+          </a:lnRef>
+          <a:fillRef idx="0">
+            <a:schemeClr val="accent1"/>
+          </a:fillRef>
+          <a:effectRef idx="0">
+            <a:schemeClr val="accent1"/>
+          </a:effectRef>
+          <a:fontRef idx="minor">
+            <a:schemeClr val="tx1"/>
+          </a:fontRef>
+        </p:style>
+      </p:cxnSp>
+      <p:cxnSp>
+        <p:nvCxnSpPr>
+          <p:cNvPr id="17" name="Straight Arrow Connector 16"/>
+          <p:cNvCxnSpPr>
+            <a:stCxn id="5" idx="2"/>
+            <a:endCxn id="4" idx="0"/>
+          </p:cNvCxnSpPr>
+          <p:nvPr/>
+        </p:nvCxnSpPr>
+        <p:spPr>
+          <a:xfrm>
+            <a:off x="5219700" y="2438400"/>
+            <a:ext cx="0" cy="381000"/>
+          </a:xfrm>
+          <a:prstGeom prst="straightConnector1">
+            <a:avLst/>
+          </a:prstGeom>
+          <a:ln w="38100">
+            <a:solidFill>
+              <a:schemeClr val="tx1"/>
+            </a:solidFill>
+            <a:tailEnd type="arrow"/>
+          </a:ln>
+        </p:spPr>
+        <p:style>
+          <a:lnRef idx="1">
+            <a:schemeClr val="accent1"/>
+          </a:lnRef>
+          <a:fillRef idx="0">
+            <a:schemeClr val="accent1"/>
+          </a:fillRef>
+          <a:effectRef idx="0">
+            <a:schemeClr val="accent1"/>
+          </a:effectRef>
+          <a:fontRef idx="minor">
+            <a:schemeClr val="tx1"/>
+          </a:fontRef>
+        </p:style>
+      </p:cxnSp>
+      <p:cxnSp>
+        <p:nvCxnSpPr>
+          <p:cNvPr id="20" name="Straight Arrow Connector 19"/>
+          <p:cNvCxnSpPr>
+            <a:stCxn id="4" idx="2"/>
+            <a:endCxn id="6" idx="0"/>
+          </p:cNvCxnSpPr>
+          <p:nvPr/>
+        </p:nvCxnSpPr>
+        <p:spPr>
+          <a:xfrm>
+            <a:off x="5219700" y="3810000"/>
+            <a:ext cx="0" cy="304800"/>
+          </a:xfrm>
+          <a:prstGeom prst="straightConnector1">
+            <a:avLst/>
+          </a:prstGeom>
+          <a:ln w="38100">
+            <a:solidFill>
+              <a:schemeClr val="tx1"/>
+            </a:solidFill>
+            <a:tailEnd type="arrow"/>
+          </a:ln>
+        </p:spPr>
+        <p:style>
+          <a:lnRef idx="1">
+            <a:schemeClr val="accent1"/>
+          </a:lnRef>
+          <a:fillRef idx="0">
+            <a:schemeClr val="accent1"/>
+          </a:fillRef>
+          <a:effectRef idx="0">
+            <a:schemeClr val="accent1"/>
+          </a:effectRef>
+          <a:fontRef idx="minor">
+            <a:schemeClr val="tx1"/>
+          </a:fontRef>
+        </p:style>
+      </p:cxnSp>
+      <p:sp>
+        <p:nvSpPr>
+          <p:cNvPr id="23" name="TextBox 22"/>
+          <p:cNvSpPr txBox="1"/>
+          <p:nvPr/>
+        </p:nvSpPr>
+        <p:spPr>
+          <a:xfrm>
+            <a:off x="6362700" y="4610100"/>
+            <a:ext cx="1905000" cy="369332"/>
+          </a:xfrm>
+          <a:prstGeom prst="rect">
+            <a:avLst/>
+          </a:prstGeom>
+          <a:noFill/>
+        </p:spPr>
+        <p:txBody>
+          <a:bodyPr wrap="square" rtlCol="0">
+            <a:spAutoFit/>
           </a:bodyPr>
           <a:lstStyle/>
           <a:p>
-            <a:pPr marL="342900" marR="0" lvl="0" indent="-342900" algn="l" defTabSz="457200" rtl="0" eaLnBrk="1" fontAlgn="auto" latinLnBrk="0" hangingPunct="1">
-              <a:lnSpc>
-                <a:spcPct val="100000"/>
-              </a:lnSpc>
-              <a:spcBef>
-                <a:spcPct val="20000"/>
-              </a:spcBef>
-              <a:spcAft>
-                <a:spcPts val="0"/>
-              </a:spcAft>
-              <a:buClrTx/>
-              <a:buSzTx/>
-              <a:buFont typeface="Arial"/>
-              <a:buChar char="•"/>
-              <a:tabLst/>
-              <a:defRPr/>
-            </a:pPr>
-            <a:r>
-              <a:rPr kumimoji="0" lang="en-US" sz="3200" b="0" i="0" u="none" strike="noStrike" kern="1200" cap="none" spc="0" normalizeH="0" baseline="0" noProof="0" dirty="0" err="1" smtClean="0">
-                <a:ln>
-                  <a:noFill/>
-                </a:ln>
-                <a:solidFill>
-                  <a:schemeClr val="tx1"/>
-                </a:solidFill>
-                <a:effectLst/>
-                <a:uLnTx/>
-                <a:uFillTx/>
-                <a:latin typeface="Georgia"/>
-                <a:ea typeface="+mn-ea"/>
-                <a:cs typeface="Georgia"/>
-              </a:rPr>
-              <a:t>Lorem</a:t>
-            </a:r>
-            <a:r>
-              <a:rPr kumimoji="0" lang="en-US" sz="3200" b="0" i="0" u="none" strike="noStrike" kern="1200" cap="none" spc="0" normalizeH="0" baseline="0" noProof="0" dirty="0" smtClean="0">
-                <a:ln>
-                  <a:noFill/>
-                </a:ln>
-                <a:solidFill>
-                  <a:schemeClr val="tx1"/>
-                </a:solidFill>
-                <a:effectLst/>
-                <a:uLnTx/>
-                <a:uFillTx/>
-                <a:latin typeface="Georgia"/>
-                <a:ea typeface="+mn-ea"/>
-                <a:cs typeface="Georgia"/>
-              </a:rPr>
-              <a:t> </a:t>
-            </a:r>
-            <a:r>
-              <a:rPr kumimoji="0" lang="en-US" sz="3200" b="0" i="0" u="none" strike="noStrike" kern="1200" cap="none" spc="0" normalizeH="0" baseline="0" noProof="0" dirty="0" err="1" smtClean="0">
-                <a:ln>
-                  <a:noFill/>
-                </a:ln>
-                <a:solidFill>
-                  <a:schemeClr val="tx1"/>
-                </a:solidFill>
-                <a:effectLst/>
-                <a:uLnTx/>
-                <a:uFillTx/>
-                <a:latin typeface="Georgia"/>
-                <a:ea typeface="+mn-ea"/>
-                <a:cs typeface="Georgia"/>
-              </a:rPr>
-              <a:t>ipsum</a:t>
-            </a:r>
-            <a:r>
-              <a:rPr kumimoji="0" lang="en-US" sz="3200" b="0" i="0" u="none" strike="noStrike" kern="1200" cap="none" spc="0" normalizeH="0" baseline="0" noProof="0" dirty="0" smtClean="0">
-                <a:ln>
-                  <a:noFill/>
-                </a:ln>
-                <a:solidFill>
-                  <a:schemeClr val="tx1"/>
-                </a:solidFill>
-                <a:effectLst/>
-                <a:uLnTx/>
-                <a:uFillTx/>
-                <a:latin typeface="Georgia"/>
-                <a:ea typeface="+mn-ea"/>
-                <a:cs typeface="Georgia"/>
-              </a:rPr>
-              <a:t> dolor sit </a:t>
-            </a:r>
-            <a:r>
-              <a:rPr kumimoji="0" lang="en-US" sz="3200" b="0" i="0" u="none" strike="noStrike" kern="1200" cap="none" spc="0" normalizeH="0" baseline="0" noProof="0" dirty="0" err="1" smtClean="0">
-                <a:ln>
-                  <a:noFill/>
-                </a:ln>
-                <a:solidFill>
-                  <a:schemeClr val="tx1"/>
-                </a:solidFill>
-                <a:effectLst/>
-                <a:uLnTx/>
-                <a:uFillTx/>
-                <a:latin typeface="Georgia"/>
-                <a:ea typeface="+mn-ea"/>
-                <a:cs typeface="Georgia"/>
-              </a:rPr>
-              <a:t>amet</a:t>
-            </a:r>
-            <a:r>
-              <a:rPr kumimoji="0" lang="en-US" sz="3200" b="0" i="0" u="none" strike="noStrike" kern="1200" cap="none" spc="0" normalizeH="0" baseline="0" noProof="0" dirty="0" smtClean="0">
-                <a:ln>
-                  <a:noFill/>
-                </a:ln>
-                <a:solidFill>
-                  <a:schemeClr val="tx1"/>
-                </a:solidFill>
-                <a:effectLst/>
-                <a:uLnTx/>
-                <a:uFillTx/>
-                <a:latin typeface="Georgia"/>
-                <a:ea typeface="+mn-ea"/>
-                <a:cs typeface="Georgia"/>
-              </a:rPr>
-              <a:t>, </a:t>
-            </a:r>
-            <a:r>
-              <a:rPr kumimoji="0" lang="en-US" sz="3200" b="0" i="0" u="none" strike="noStrike" kern="1200" cap="none" spc="0" normalizeH="0" baseline="0" noProof="0" dirty="0" err="1" smtClean="0">
-                <a:ln>
-                  <a:noFill/>
-                </a:ln>
-                <a:solidFill>
-                  <a:schemeClr val="tx1"/>
-                </a:solidFill>
-                <a:effectLst/>
-                <a:uLnTx/>
-                <a:uFillTx/>
-                <a:latin typeface="Georgia"/>
-                <a:ea typeface="+mn-ea"/>
-                <a:cs typeface="Georgia"/>
-              </a:rPr>
-              <a:t>consectetur</a:t>
-            </a:r>
-            <a:r>
-              <a:rPr kumimoji="0" lang="en-US" sz="3200" b="0" i="0" u="none" strike="noStrike" kern="1200" cap="none" spc="0" normalizeH="0" baseline="0" noProof="0" dirty="0" smtClean="0">
-                <a:ln>
-                  <a:noFill/>
-                </a:ln>
-                <a:solidFill>
-                  <a:schemeClr val="tx1"/>
-                </a:solidFill>
-                <a:effectLst/>
-                <a:uLnTx/>
-                <a:uFillTx/>
-                <a:latin typeface="Georgia"/>
-                <a:ea typeface="+mn-ea"/>
-                <a:cs typeface="Georgia"/>
-              </a:rPr>
-              <a:t> </a:t>
-            </a:r>
-            <a:r>
-              <a:rPr kumimoji="0" lang="en-US" sz="3200" b="0" i="0" u="none" strike="noStrike" kern="1200" cap="none" spc="0" normalizeH="0" baseline="0" noProof="0" dirty="0" err="1" smtClean="0">
-                <a:ln>
-                  <a:noFill/>
-                </a:ln>
-                <a:solidFill>
-                  <a:schemeClr val="tx1"/>
-                </a:solidFill>
-                <a:effectLst/>
-                <a:uLnTx/>
-                <a:uFillTx/>
-                <a:latin typeface="Georgia"/>
-                <a:ea typeface="+mn-ea"/>
-                <a:cs typeface="Georgia"/>
-              </a:rPr>
-              <a:t>adipiscing</a:t>
-            </a:r>
-            <a:r>
-              <a:rPr kumimoji="0" lang="en-US" sz="3200" b="0" i="0" u="none" strike="noStrike" kern="1200" cap="none" spc="0" normalizeH="0" baseline="0" noProof="0" dirty="0" smtClean="0">
-                <a:ln>
-                  <a:noFill/>
-                </a:ln>
-                <a:solidFill>
-                  <a:schemeClr val="tx1"/>
-                </a:solidFill>
-                <a:effectLst/>
-                <a:uLnTx/>
-                <a:uFillTx/>
-                <a:latin typeface="Georgia"/>
-                <a:ea typeface="+mn-ea"/>
-                <a:cs typeface="Georgia"/>
-              </a:rPr>
-              <a:t> </a:t>
-            </a:r>
-            <a:r>
-              <a:rPr kumimoji="0" lang="en-US" sz="3200" b="0" i="0" u="none" strike="noStrike" kern="1200" cap="none" spc="0" normalizeH="0" baseline="0" noProof="0" dirty="0" err="1" smtClean="0">
-                <a:ln>
-                  <a:noFill/>
-                </a:ln>
-                <a:solidFill>
-                  <a:schemeClr val="tx1"/>
-                </a:solidFill>
-                <a:effectLst/>
-                <a:uLnTx/>
-                <a:uFillTx/>
-                <a:latin typeface="Georgia"/>
-                <a:ea typeface="+mn-ea"/>
-                <a:cs typeface="Georgia"/>
-              </a:rPr>
-              <a:t>elit</a:t>
-            </a:r>
-            <a:r>
-              <a:rPr kumimoji="0" lang="en-US" sz="3200" b="0" i="0" u="none" strike="noStrike" kern="1200" cap="none" spc="0" normalizeH="0" baseline="0" noProof="0" dirty="0" smtClean="0">
-                <a:ln>
-                  <a:noFill/>
-                </a:ln>
-                <a:solidFill>
-                  <a:schemeClr val="tx1"/>
-                </a:solidFill>
-                <a:effectLst/>
-                <a:uLnTx/>
-                <a:uFillTx/>
-                <a:latin typeface="Georgia"/>
-                <a:ea typeface="+mn-ea"/>
-                <a:cs typeface="Georgia"/>
-              </a:rPr>
-              <a:t>.</a:t>
-            </a:r>
-          </a:p>
-          <a:p>
-            <a:pPr marL="342900" marR="0" lvl="0" indent="-342900" algn="l" defTabSz="457200" rtl="0" eaLnBrk="1" fontAlgn="auto" latinLnBrk="0" hangingPunct="1">
-              <a:lnSpc>
-                <a:spcPct val="100000"/>
-              </a:lnSpc>
-              <a:spcBef>
-                <a:spcPct val="20000"/>
-              </a:spcBef>
-              <a:spcAft>
-                <a:spcPts val="0"/>
-              </a:spcAft>
-              <a:buClrTx/>
-              <a:buSzTx/>
-              <a:buFont typeface="Arial"/>
-              <a:buChar char="•"/>
-              <a:tabLst/>
-              <a:defRPr/>
-            </a:pPr>
-            <a:r>
-              <a:rPr kumimoji="0" lang="en-US" sz="3200" b="0" i="0" u="none" strike="noStrike" kern="1200" cap="none" spc="0" normalizeH="0" baseline="0" noProof="0" dirty="0" err="1" smtClean="0">
-                <a:ln>
-                  <a:noFill/>
-                </a:ln>
-                <a:solidFill>
-                  <a:schemeClr val="tx1"/>
-                </a:solidFill>
-                <a:effectLst/>
-                <a:uLnTx/>
-                <a:uFillTx/>
-                <a:latin typeface="Georgia"/>
-                <a:ea typeface="+mn-ea"/>
-                <a:cs typeface="Georgia"/>
-              </a:rPr>
-              <a:t>Sed</a:t>
-            </a:r>
-            <a:r>
-              <a:rPr kumimoji="0" lang="en-US" sz="3200" b="0" i="0" u="none" strike="noStrike" kern="1200" cap="none" spc="0" normalizeH="0" baseline="0" noProof="0" dirty="0" smtClean="0">
-                <a:ln>
-                  <a:noFill/>
-                </a:ln>
-                <a:solidFill>
-                  <a:schemeClr val="tx1"/>
-                </a:solidFill>
-                <a:effectLst/>
-                <a:uLnTx/>
-                <a:uFillTx/>
-                <a:latin typeface="Georgia"/>
-                <a:ea typeface="+mn-ea"/>
-                <a:cs typeface="Georgia"/>
-              </a:rPr>
-              <a:t> </a:t>
-            </a:r>
-            <a:r>
-              <a:rPr kumimoji="0" lang="en-US" sz="3200" b="0" i="0" u="none" strike="noStrike" kern="1200" cap="none" spc="0" normalizeH="0" baseline="0" noProof="0" dirty="0" err="1" smtClean="0">
-                <a:ln>
-                  <a:noFill/>
-                </a:ln>
-                <a:solidFill>
-                  <a:schemeClr val="tx1"/>
-                </a:solidFill>
-                <a:effectLst/>
-                <a:uLnTx/>
-                <a:uFillTx/>
-                <a:latin typeface="Georgia"/>
-                <a:ea typeface="+mn-ea"/>
-                <a:cs typeface="Georgia"/>
-              </a:rPr>
-              <a:t>pretium</a:t>
-            </a:r>
-            <a:r>
-              <a:rPr kumimoji="0" lang="en-US" sz="3200" b="0" i="0" u="none" strike="noStrike" kern="1200" cap="none" spc="0" normalizeH="0" baseline="0" noProof="0" dirty="0" smtClean="0">
-                <a:ln>
-                  <a:noFill/>
-                </a:ln>
-                <a:solidFill>
-                  <a:schemeClr val="tx1"/>
-                </a:solidFill>
-                <a:effectLst/>
-                <a:uLnTx/>
-                <a:uFillTx/>
-                <a:latin typeface="Georgia"/>
-                <a:ea typeface="+mn-ea"/>
-                <a:cs typeface="Georgia"/>
-              </a:rPr>
-              <a:t> </a:t>
-            </a:r>
-            <a:r>
-              <a:rPr kumimoji="0" lang="en-US" sz="3200" b="0" i="0" u="none" strike="noStrike" kern="1200" cap="none" spc="0" normalizeH="0" baseline="0" noProof="0" dirty="0" err="1" smtClean="0">
-                <a:ln>
-                  <a:noFill/>
-                </a:ln>
-                <a:solidFill>
-                  <a:schemeClr val="tx1"/>
-                </a:solidFill>
-                <a:effectLst/>
-                <a:uLnTx/>
-                <a:uFillTx/>
-                <a:latin typeface="Georgia"/>
-                <a:ea typeface="+mn-ea"/>
-                <a:cs typeface="Georgia"/>
-              </a:rPr>
-              <a:t>libero</a:t>
-            </a:r>
-            <a:r>
-              <a:rPr kumimoji="0" lang="en-US" sz="3200" b="0" i="0" u="none" strike="noStrike" kern="1200" cap="none" spc="0" normalizeH="0" baseline="0" noProof="0" dirty="0" smtClean="0">
-                <a:ln>
-                  <a:noFill/>
-                </a:ln>
-                <a:solidFill>
-                  <a:schemeClr val="tx1"/>
-                </a:solidFill>
-                <a:effectLst/>
-                <a:uLnTx/>
-                <a:uFillTx/>
-                <a:latin typeface="Georgia"/>
-                <a:ea typeface="+mn-ea"/>
-                <a:cs typeface="Georgia"/>
-              </a:rPr>
-              <a:t> </a:t>
-            </a:r>
-            <a:r>
-              <a:rPr kumimoji="0" lang="en-US" sz="3200" b="0" i="0" u="none" strike="noStrike" kern="1200" cap="none" spc="0" normalizeH="0" baseline="0" noProof="0" dirty="0" err="1" smtClean="0">
-                <a:ln>
-                  <a:noFill/>
-                </a:ln>
-                <a:solidFill>
-                  <a:schemeClr val="tx1"/>
-                </a:solidFill>
-                <a:effectLst/>
-                <a:uLnTx/>
-                <a:uFillTx/>
-                <a:latin typeface="Georgia"/>
-                <a:ea typeface="+mn-ea"/>
-                <a:cs typeface="Georgia"/>
-              </a:rPr>
-              <a:t>quis</a:t>
-            </a:r>
-            <a:r>
-              <a:rPr kumimoji="0" lang="en-US" sz="3200" b="0" i="0" u="none" strike="noStrike" kern="1200" cap="none" spc="0" normalizeH="0" baseline="0" noProof="0" dirty="0" smtClean="0">
-                <a:ln>
-                  <a:noFill/>
-                </a:ln>
-                <a:solidFill>
-                  <a:schemeClr val="tx1"/>
-                </a:solidFill>
-                <a:effectLst/>
-                <a:uLnTx/>
-                <a:uFillTx/>
-                <a:latin typeface="Georgia"/>
-                <a:ea typeface="+mn-ea"/>
-                <a:cs typeface="Georgia"/>
-              </a:rPr>
-              <a:t> dui </a:t>
-            </a:r>
-            <a:r>
-              <a:rPr kumimoji="0" lang="en-US" sz="3200" b="0" i="0" u="none" strike="noStrike" kern="1200" cap="none" spc="0" normalizeH="0" baseline="0" noProof="0" dirty="0" err="1" smtClean="0">
-                <a:ln>
-                  <a:noFill/>
-                </a:ln>
-                <a:solidFill>
-                  <a:schemeClr val="tx1"/>
-                </a:solidFill>
-                <a:effectLst/>
-                <a:uLnTx/>
-                <a:uFillTx/>
-                <a:latin typeface="Georgia"/>
-                <a:ea typeface="+mn-ea"/>
-                <a:cs typeface="Georgia"/>
-              </a:rPr>
-              <a:t>blandit</a:t>
-            </a:r>
-            <a:r>
-              <a:rPr kumimoji="0" lang="en-US" sz="3200" b="0" i="0" u="none" strike="noStrike" kern="1200" cap="none" spc="0" normalizeH="0" baseline="0" noProof="0" dirty="0" smtClean="0">
-                <a:ln>
-                  <a:noFill/>
-                </a:ln>
-                <a:solidFill>
-                  <a:schemeClr val="tx1"/>
-                </a:solidFill>
-                <a:effectLst/>
-                <a:uLnTx/>
-                <a:uFillTx/>
-                <a:latin typeface="Georgia"/>
-                <a:ea typeface="+mn-ea"/>
-                <a:cs typeface="Georgia"/>
-              </a:rPr>
-              <a:t> </a:t>
-            </a:r>
-            <a:r>
-              <a:rPr kumimoji="0" lang="en-US" sz="3200" b="0" i="0" u="none" strike="noStrike" kern="1200" cap="none" spc="0" normalizeH="0" baseline="0" noProof="0" dirty="0" err="1" smtClean="0">
-                <a:ln>
-                  <a:noFill/>
-                </a:ln>
-                <a:solidFill>
-                  <a:schemeClr val="tx1"/>
-                </a:solidFill>
-                <a:effectLst/>
-                <a:uLnTx/>
-                <a:uFillTx/>
-                <a:latin typeface="Georgia"/>
-                <a:ea typeface="+mn-ea"/>
-                <a:cs typeface="Georgia"/>
-              </a:rPr>
-              <a:t>pellentesque</a:t>
-            </a:r>
-            <a:r>
-              <a:rPr kumimoji="0" lang="en-US" sz="3200" b="0" i="0" u="none" strike="noStrike" kern="1200" cap="none" spc="0" normalizeH="0" baseline="0" noProof="0" dirty="0" smtClean="0">
-                <a:ln>
-                  <a:noFill/>
-                </a:ln>
-                <a:solidFill>
-                  <a:schemeClr val="tx1"/>
-                </a:solidFill>
-                <a:effectLst/>
-                <a:uLnTx/>
-                <a:uFillTx/>
-                <a:latin typeface="Georgia"/>
-                <a:ea typeface="+mn-ea"/>
-                <a:cs typeface="Georgia"/>
-              </a:rPr>
-              <a:t> </a:t>
-            </a:r>
-            <a:r>
-              <a:rPr kumimoji="0" lang="en-US" sz="3200" b="0" i="0" u="none" strike="noStrike" kern="1200" cap="none" spc="0" normalizeH="0" baseline="0" noProof="0" dirty="0" err="1" smtClean="0">
-                <a:ln>
-                  <a:noFill/>
-                </a:ln>
-                <a:solidFill>
-                  <a:schemeClr val="tx1"/>
-                </a:solidFill>
-                <a:effectLst/>
-                <a:uLnTx/>
-                <a:uFillTx/>
-                <a:latin typeface="Georgia"/>
-                <a:ea typeface="+mn-ea"/>
-                <a:cs typeface="Georgia"/>
-              </a:rPr>
-              <a:t>consequat</a:t>
-            </a:r>
-            <a:r>
-              <a:rPr kumimoji="0" lang="en-US" sz="3200" b="0" i="0" u="none" strike="noStrike" kern="1200" cap="none" spc="0" normalizeH="0" baseline="0" noProof="0" dirty="0" smtClean="0">
-                <a:ln>
-                  <a:noFill/>
-                </a:ln>
-                <a:solidFill>
-                  <a:schemeClr val="tx1"/>
-                </a:solidFill>
-                <a:effectLst/>
-                <a:uLnTx/>
-                <a:uFillTx/>
-                <a:latin typeface="Georgia"/>
-                <a:ea typeface="+mn-ea"/>
-                <a:cs typeface="Georgia"/>
-              </a:rPr>
-              <a:t> </a:t>
-            </a:r>
-            <a:r>
-              <a:rPr kumimoji="0" lang="en-US" sz="3200" b="0" i="0" u="none" strike="noStrike" kern="1200" cap="none" spc="0" normalizeH="0" baseline="0" noProof="0" dirty="0" err="1" smtClean="0">
-                <a:ln>
-                  <a:noFill/>
-                </a:ln>
-                <a:solidFill>
-                  <a:schemeClr val="tx1"/>
-                </a:solidFill>
-                <a:effectLst/>
-                <a:uLnTx/>
-                <a:uFillTx/>
-                <a:latin typeface="Georgia"/>
-                <a:ea typeface="+mn-ea"/>
-                <a:cs typeface="Georgia"/>
-              </a:rPr>
-              <a:t>libero</a:t>
-            </a:r>
-            <a:r>
-              <a:rPr kumimoji="0" lang="en-US" sz="3200" b="0" i="0" u="none" strike="noStrike" kern="1200" cap="none" spc="0" normalizeH="0" baseline="0" noProof="0" dirty="0" smtClean="0">
-                <a:ln>
-                  <a:noFill/>
-                </a:ln>
-                <a:solidFill>
-                  <a:schemeClr val="tx1"/>
-                </a:solidFill>
-                <a:effectLst/>
-                <a:uLnTx/>
-                <a:uFillTx/>
-                <a:latin typeface="Georgia"/>
-                <a:ea typeface="+mn-ea"/>
-                <a:cs typeface="Georgia"/>
-              </a:rPr>
-              <a:t> </a:t>
-            </a:r>
-            <a:r>
-              <a:rPr kumimoji="0" lang="en-US" sz="3200" b="0" i="0" u="none" strike="noStrike" kern="1200" cap="none" spc="0" normalizeH="0" baseline="0" noProof="0" dirty="0" err="1" smtClean="0">
-                <a:ln>
-                  <a:noFill/>
-                </a:ln>
-                <a:solidFill>
-                  <a:schemeClr val="tx1"/>
-                </a:solidFill>
-                <a:effectLst/>
-                <a:uLnTx/>
-                <a:uFillTx/>
-                <a:latin typeface="Georgia"/>
-                <a:ea typeface="+mn-ea"/>
-                <a:cs typeface="Georgia"/>
-              </a:rPr>
-              <a:t>gravida</a:t>
-            </a:r>
-            <a:r>
-              <a:rPr kumimoji="0" lang="en-US" sz="3200" b="0" i="0" u="none" strike="noStrike" kern="1200" cap="none" spc="0" normalizeH="0" baseline="0" noProof="0" dirty="0" smtClean="0">
-                <a:ln>
-                  <a:noFill/>
-                </a:ln>
-                <a:solidFill>
-                  <a:schemeClr val="tx1"/>
-                </a:solidFill>
-                <a:effectLst/>
-                <a:uLnTx/>
-                <a:uFillTx/>
-                <a:latin typeface="Georgia"/>
-                <a:ea typeface="+mn-ea"/>
-                <a:cs typeface="Georgia"/>
-              </a:rPr>
-              <a:t>.</a:t>
-            </a:r>
-          </a:p>
-          <a:p>
-            <a:pPr marL="342900" marR="0" lvl="0" indent="-342900" algn="l" defTabSz="457200" rtl="0" eaLnBrk="1" fontAlgn="auto" latinLnBrk="0" hangingPunct="1">
-              <a:lnSpc>
-                <a:spcPct val="100000"/>
-              </a:lnSpc>
-              <a:spcBef>
-                <a:spcPct val="20000"/>
-              </a:spcBef>
-              <a:spcAft>
-                <a:spcPts val="0"/>
-              </a:spcAft>
-              <a:buClrTx/>
-              <a:buSzTx/>
-              <a:buFont typeface="Arial"/>
-              <a:buChar char="•"/>
-              <a:tabLst/>
-              <a:defRPr/>
-            </a:pPr>
-            <a:r>
-              <a:rPr kumimoji="0" lang="en-US" sz="3200" b="0" i="0" u="none" strike="noStrike" kern="1200" cap="none" spc="0" normalizeH="0" baseline="0" noProof="0" dirty="0" smtClean="0">
-                <a:ln>
-                  <a:noFill/>
-                </a:ln>
-                <a:solidFill>
-                  <a:schemeClr val="tx1"/>
-                </a:solidFill>
-                <a:effectLst/>
-                <a:uLnTx/>
-                <a:uFillTx/>
-                <a:latin typeface="Georgia"/>
-                <a:ea typeface="+mn-ea"/>
-                <a:cs typeface="Georgia"/>
-              </a:rPr>
-              <a:t>In </a:t>
-            </a:r>
-            <a:r>
-              <a:rPr kumimoji="0" lang="en-US" sz="3200" b="0" i="0" u="none" strike="noStrike" kern="1200" cap="none" spc="0" normalizeH="0" baseline="0" noProof="0" dirty="0" err="1" smtClean="0">
-                <a:ln>
-                  <a:noFill/>
-                </a:ln>
-                <a:solidFill>
-                  <a:schemeClr val="tx1"/>
-                </a:solidFill>
-                <a:effectLst/>
-                <a:uLnTx/>
-                <a:uFillTx/>
-                <a:latin typeface="Georgia"/>
-                <a:ea typeface="+mn-ea"/>
-                <a:cs typeface="Georgia"/>
-              </a:rPr>
-              <a:t>venenatis</a:t>
-            </a:r>
-            <a:r>
-              <a:rPr kumimoji="0" lang="en-US" sz="3200" b="0" i="0" u="none" strike="noStrike" kern="1200" cap="none" spc="0" normalizeH="0" baseline="0" noProof="0" dirty="0" smtClean="0">
-                <a:ln>
-                  <a:noFill/>
-                </a:ln>
-                <a:solidFill>
-                  <a:schemeClr val="tx1"/>
-                </a:solidFill>
-                <a:effectLst/>
-                <a:uLnTx/>
-                <a:uFillTx/>
-                <a:latin typeface="Georgia"/>
-                <a:ea typeface="+mn-ea"/>
-                <a:cs typeface="Georgia"/>
-              </a:rPr>
-              <a:t> lacus </a:t>
-            </a:r>
-            <a:r>
-              <a:rPr kumimoji="0" lang="en-US" sz="3200" b="0" i="0" u="none" strike="noStrike" kern="1200" cap="none" spc="0" normalizeH="0" baseline="0" noProof="0" dirty="0" err="1" smtClean="0">
-                <a:ln>
-                  <a:noFill/>
-                </a:ln>
-                <a:solidFill>
-                  <a:schemeClr val="tx1"/>
-                </a:solidFill>
-                <a:effectLst/>
-                <a:uLnTx/>
-                <a:uFillTx/>
-                <a:latin typeface="Georgia"/>
-                <a:ea typeface="+mn-ea"/>
-                <a:cs typeface="Georgia"/>
-              </a:rPr>
-              <a:t>imperdiet</a:t>
-            </a:r>
-            <a:r>
-              <a:rPr kumimoji="0" lang="en-US" sz="3200" b="0" i="0" u="none" strike="noStrike" kern="1200" cap="none" spc="0" normalizeH="0" baseline="0" noProof="0" dirty="0" smtClean="0">
-                <a:ln>
-                  <a:noFill/>
-                </a:ln>
-                <a:solidFill>
-                  <a:schemeClr val="tx1"/>
-                </a:solidFill>
-                <a:effectLst/>
-                <a:uLnTx/>
-                <a:uFillTx/>
-                <a:latin typeface="Georgia"/>
-                <a:ea typeface="+mn-ea"/>
-                <a:cs typeface="Georgia"/>
-              </a:rPr>
-              <a:t> </a:t>
-            </a:r>
-            <a:r>
-              <a:rPr kumimoji="0" lang="en-US" sz="3200" b="0" i="0" u="none" strike="noStrike" kern="1200" cap="none" spc="0" normalizeH="0" baseline="0" noProof="0" dirty="0" err="1" smtClean="0">
-                <a:ln>
-                  <a:noFill/>
-                </a:ln>
-                <a:solidFill>
-                  <a:schemeClr val="tx1"/>
-                </a:solidFill>
-                <a:effectLst/>
-                <a:uLnTx/>
-                <a:uFillTx/>
-                <a:latin typeface="Georgia"/>
-                <a:ea typeface="+mn-ea"/>
-                <a:cs typeface="Georgia"/>
-              </a:rPr>
-              <a:t>tellus</a:t>
-            </a:r>
-            <a:r>
-              <a:rPr kumimoji="0" lang="en-US" sz="3200" b="0" i="0" u="none" strike="noStrike" kern="1200" cap="none" spc="0" normalizeH="0" baseline="0" noProof="0" dirty="0" smtClean="0">
-                <a:ln>
-                  <a:noFill/>
-                </a:ln>
-                <a:solidFill>
-                  <a:schemeClr val="tx1"/>
-                </a:solidFill>
-                <a:effectLst/>
-                <a:uLnTx/>
-                <a:uFillTx/>
-                <a:latin typeface="Georgia"/>
-                <a:ea typeface="+mn-ea"/>
-                <a:cs typeface="Georgia"/>
-              </a:rPr>
-              <a:t> </a:t>
-            </a:r>
-            <a:r>
-              <a:rPr kumimoji="0" lang="en-US" sz="3200" b="0" i="0" u="none" strike="noStrike" kern="1200" cap="none" spc="0" normalizeH="0" baseline="0" noProof="0" dirty="0" err="1" smtClean="0">
-                <a:ln>
-                  <a:noFill/>
-                </a:ln>
-                <a:solidFill>
-                  <a:schemeClr val="tx1"/>
-                </a:solidFill>
-                <a:effectLst/>
-                <a:uLnTx/>
-                <a:uFillTx/>
-                <a:latin typeface="Georgia"/>
-                <a:ea typeface="+mn-ea"/>
-                <a:cs typeface="Georgia"/>
-              </a:rPr>
-              <a:t>rutrum</a:t>
-            </a:r>
-            <a:r>
-              <a:rPr kumimoji="0" lang="en-US" sz="3200" b="0" i="0" u="none" strike="noStrike" kern="1200" cap="none" spc="0" normalizeH="0" baseline="0" noProof="0" dirty="0" smtClean="0">
-                <a:ln>
-                  <a:noFill/>
-                </a:ln>
-                <a:solidFill>
-                  <a:schemeClr val="tx1"/>
-                </a:solidFill>
-                <a:effectLst/>
-                <a:uLnTx/>
-                <a:uFillTx/>
-                <a:latin typeface="Georgia"/>
-                <a:ea typeface="+mn-ea"/>
-                <a:cs typeface="Georgia"/>
-              </a:rPr>
-              <a:t> </a:t>
-            </a:r>
-            <a:r>
-              <a:rPr kumimoji="0" lang="en-US" sz="3200" b="0" i="0" u="none" strike="noStrike" kern="1200" cap="none" spc="0" normalizeH="0" baseline="0" noProof="0" dirty="0" err="1" smtClean="0">
-                <a:ln>
-                  <a:noFill/>
-                </a:ln>
-                <a:solidFill>
-                  <a:schemeClr val="tx1"/>
-                </a:solidFill>
-                <a:effectLst/>
-                <a:uLnTx/>
-                <a:uFillTx/>
-                <a:latin typeface="Georgia"/>
-                <a:ea typeface="+mn-ea"/>
-                <a:cs typeface="Georgia"/>
-              </a:rPr>
-              <a:t>auctor</a:t>
-            </a:r>
-            <a:r>
-              <a:rPr kumimoji="0" lang="en-US" sz="3200" b="0" i="0" u="none" strike="noStrike" kern="1200" cap="none" spc="0" normalizeH="0" baseline="0" noProof="0" dirty="0" smtClean="0">
-                <a:ln>
-                  <a:noFill/>
-                </a:ln>
-                <a:solidFill>
-                  <a:schemeClr val="tx1"/>
-                </a:solidFill>
-                <a:effectLst/>
-                <a:uLnTx/>
-                <a:uFillTx/>
-                <a:latin typeface="Georgia"/>
-                <a:ea typeface="+mn-ea"/>
-                <a:cs typeface="Georgia"/>
-              </a:rPr>
-              <a:t>.</a:t>
-            </a:r>
-          </a:p>
-          <a:p>
-            <a:pPr marL="342900" marR="0" lvl="0" indent="-342900" algn="l" defTabSz="457200" rtl="0" eaLnBrk="1" fontAlgn="auto" latinLnBrk="0" hangingPunct="1">
-              <a:lnSpc>
-                <a:spcPct val="100000"/>
-              </a:lnSpc>
-              <a:spcBef>
-                <a:spcPct val="20000"/>
-              </a:spcBef>
-              <a:spcAft>
-                <a:spcPts val="0"/>
-              </a:spcAft>
-              <a:buClrTx/>
-              <a:buSzTx/>
-              <a:buFont typeface="Arial"/>
-              <a:buChar char="•"/>
-              <a:tabLst/>
-              <a:defRPr/>
-            </a:pPr>
-            <a:r>
-              <a:rPr kumimoji="0" lang="en-US" sz="3200" b="0" i="0" u="none" strike="noStrike" kern="1200" cap="none" spc="0" normalizeH="0" baseline="0" noProof="0" dirty="0" err="1" smtClean="0">
-                <a:ln>
-                  <a:noFill/>
-                </a:ln>
-                <a:solidFill>
-                  <a:schemeClr val="tx1"/>
-                </a:solidFill>
-                <a:effectLst/>
-                <a:uLnTx/>
-                <a:uFillTx/>
-                <a:latin typeface="Georgia"/>
-                <a:ea typeface="+mn-ea"/>
-                <a:cs typeface="Georgia"/>
-              </a:rPr>
-              <a:t>Curabitur</a:t>
-            </a:r>
-            <a:r>
-              <a:rPr kumimoji="0" lang="en-US" sz="3200" b="0" i="0" u="none" strike="noStrike" kern="1200" cap="none" spc="0" normalizeH="0" baseline="0" noProof="0" dirty="0" smtClean="0">
-                <a:ln>
-                  <a:noFill/>
-                </a:ln>
-                <a:solidFill>
-                  <a:schemeClr val="tx1"/>
-                </a:solidFill>
-                <a:effectLst/>
-                <a:uLnTx/>
-                <a:uFillTx/>
-                <a:latin typeface="Georgia"/>
-                <a:ea typeface="+mn-ea"/>
-                <a:cs typeface="Georgia"/>
-              </a:rPr>
-              <a:t> </a:t>
-            </a:r>
-            <a:r>
-              <a:rPr kumimoji="0" lang="en-US" sz="3200" b="0" i="0" u="none" strike="noStrike" kern="1200" cap="none" spc="0" normalizeH="0" baseline="0" noProof="0" dirty="0" err="1" smtClean="0">
-                <a:ln>
-                  <a:noFill/>
-                </a:ln>
-                <a:solidFill>
-                  <a:schemeClr val="tx1"/>
-                </a:solidFill>
-                <a:effectLst/>
-                <a:uLnTx/>
-                <a:uFillTx/>
-                <a:latin typeface="Georgia"/>
-                <a:ea typeface="+mn-ea"/>
-                <a:cs typeface="Georgia"/>
-              </a:rPr>
-              <a:t>condimentum</a:t>
-            </a:r>
-            <a:r>
-              <a:rPr kumimoji="0" lang="en-US" sz="3200" b="0" i="0" u="none" strike="noStrike" kern="1200" cap="none" spc="0" normalizeH="0" baseline="0" noProof="0" dirty="0" smtClean="0">
-                <a:ln>
-                  <a:noFill/>
-                </a:ln>
-                <a:solidFill>
-                  <a:schemeClr val="tx1"/>
-                </a:solidFill>
-                <a:effectLst/>
-                <a:uLnTx/>
-                <a:uFillTx/>
-                <a:latin typeface="Georgia"/>
-                <a:ea typeface="+mn-ea"/>
-                <a:cs typeface="Georgia"/>
-              </a:rPr>
-              <a:t> </a:t>
-            </a:r>
-            <a:r>
-              <a:rPr kumimoji="0" lang="en-US" sz="3200" b="0" i="0" u="none" strike="noStrike" kern="1200" cap="none" spc="0" normalizeH="0" baseline="0" noProof="0" dirty="0" err="1" smtClean="0">
-                <a:ln>
-                  <a:noFill/>
-                </a:ln>
-                <a:solidFill>
-                  <a:schemeClr val="tx1"/>
-                </a:solidFill>
-                <a:effectLst/>
-                <a:uLnTx/>
-                <a:uFillTx/>
-                <a:latin typeface="Georgia"/>
-                <a:ea typeface="+mn-ea"/>
-                <a:cs typeface="Georgia"/>
-              </a:rPr>
-              <a:t>consequat</a:t>
-            </a:r>
-            <a:r>
-              <a:rPr kumimoji="0" lang="en-US" sz="3200" b="0" i="0" u="none" strike="noStrike" kern="1200" cap="none" spc="0" normalizeH="0" baseline="0" noProof="0" dirty="0" smtClean="0">
-                <a:ln>
-                  <a:noFill/>
-                </a:ln>
-                <a:solidFill>
-                  <a:schemeClr val="tx1"/>
-                </a:solidFill>
-                <a:effectLst/>
-                <a:uLnTx/>
-                <a:uFillTx/>
-                <a:latin typeface="Georgia"/>
-                <a:ea typeface="+mn-ea"/>
-                <a:cs typeface="Georgia"/>
-              </a:rPr>
-              <a:t> nisi, in </a:t>
-            </a:r>
-            <a:r>
-              <a:rPr kumimoji="0" lang="en-US" sz="3200" b="0" i="0" u="none" strike="noStrike" kern="1200" cap="none" spc="0" normalizeH="0" baseline="0" noProof="0" dirty="0" err="1" smtClean="0">
-                <a:ln>
-                  <a:noFill/>
-                </a:ln>
-                <a:solidFill>
-                  <a:schemeClr val="tx1"/>
-                </a:solidFill>
-                <a:effectLst/>
-                <a:uLnTx/>
-                <a:uFillTx/>
-                <a:latin typeface="Georgia"/>
-                <a:ea typeface="+mn-ea"/>
-                <a:cs typeface="Georgia"/>
-              </a:rPr>
-              <a:t>aliquam</a:t>
-            </a:r>
-            <a:r>
-              <a:rPr kumimoji="0" lang="en-US" sz="3200" b="0" i="0" u="none" strike="noStrike" kern="1200" cap="none" spc="0" normalizeH="0" baseline="0" noProof="0" dirty="0" smtClean="0">
-                <a:ln>
-                  <a:noFill/>
-                </a:ln>
-                <a:solidFill>
-                  <a:schemeClr val="tx1"/>
-                </a:solidFill>
-                <a:effectLst/>
-                <a:uLnTx/>
-                <a:uFillTx/>
-                <a:latin typeface="Georgia"/>
-                <a:ea typeface="+mn-ea"/>
-                <a:cs typeface="Georgia"/>
-              </a:rPr>
-              <a:t> </a:t>
-            </a:r>
-            <a:r>
-              <a:rPr kumimoji="0" lang="en-US" sz="3200" b="0" i="0" u="none" strike="noStrike" kern="1200" cap="none" spc="0" normalizeH="0" baseline="0" noProof="0" dirty="0" err="1" smtClean="0">
-                <a:ln>
-                  <a:noFill/>
-                </a:ln>
-                <a:solidFill>
-                  <a:schemeClr val="tx1"/>
-                </a:solidFill>
-                <a:effectLst/>
-                <a:uLnTx/>
-                <a:uFillTx/>
-                <a:latin typeface="Georgia"/>
-                <a:ea typeface="+mn-ea"/>
-                <a:cs typeface="Georgia"/>
-              </a:rPr>
-              <a:t>nibh</a:t>
-            </a:r>
-            <a:r>
-              <a:rPr kumimoji="0" lang="en-US" sz="3200" b="0" i="0" u="none" strike="noStrike" kern="1200" cap="none" spc="0" normalizeH="0" baseline="0" noProof="0" dirty="0" smtClean="0">
-                <a:ln>
-                  <a:noFill/>
-                </a:ln>
-                <a:solidFill>
-                  <a:schemeClr val="tx1"/>
-                </a:solidFill>
-                <a:effectLst/>
-                <a:uLnTx/>
-                <a:uFillTx/>
-                <a:latin typeface="Georgia"/>
-                <a:ea typeface="+mn-ea"/>
-                <a:cs typeface="Georgia"/>
-              </a:rPr>
-              <a:t> </a:t>
-            </a:r>
-            <a:r>
-              <a:rPr kumimoji="0" lang="en-US" sz="3200" b="0" i="0" u="none" strike="noStrike" kern="1200" cap="none" spc="0" normalizeH="0" baseline="0" noProof="0" dirty="0" err="1" smtClean="0">
-                <a:ln>
-                  <a:noFill/>
-                </a:ln>
-                <a:solidFill>
-                  <a:schemeClr val="tx1"/>
-                </a:solidFill>
-                <a:effectLst/>
-                <a:uLnTx/>
-                <a:uFillTx/>
-                <a:latin typeface="Georgia"/>
-                <a:ea typeface="+mn-ea"/>
-                <a:cs typeface="Georgia"/>
-              </a:rPr>
-              <a:t>placerat</a:t>
-            </a:r>
-            <a:r>
-              <a:rPr kumimoji="0" lang="en-US" sz="3200" b="0" i="0" u="none" strike="noStrike" kern="1200" cap="none" spc="0" normalizeH="0" baseline="0" noProof="0" dirty="0" smtClean="0">
-                <a:ln>
-                  <a:noFill/>
-                </a:ln>
-                <a:solidFill>
-                  <a:schemeClr val="tx1"/>
-                </a:solidFill>
-                <a:effectLst/>
-                <a:uLnTx/>
-                <a:uFillTx/>
-                <a:latin typeface="Georgia"/>
-                <a:ea typeface="+mn-ea"/>
-                <a:cs typeface="Georgia"/>
-              </a:rPr>
-              <a:t> vel.</a:t>
-            </a:r>
-          </a:p>
-          <a:p>
-            <a:pPr marL="342900" marR="0" lvl="0" indent="-342900" algn="l" defTabSz="457200" rtl="0" eaLnBrk="1" fontAlgn="auto" latinLnBrk="0" hangingPunct="1">
-              <a:lnSpc>
-                <a:spcPct val="100000"/>
-              </a:lnSpc>
-              <a:spcBef>
-                <a:spcPct val="20000"/>
-              </a:spcBef>
-              <a:spcAft>
-                <a:spcPts val="0"/>
-              </a:spcAft>
-              <a:buClrTx/>
-              <a:buSzTx/>
-              <a:buFont typeface="Arial"/>
-              <a:buChar char="•"/>
-              <a:tabLst/>
-              <a:defRPr/>
-            </a:pPr>
-            <a:r>
-              <a:rPr kumimoji="0" lang="en-US" sz="3200" b="0" i="0" u="none" strike="noStrike" kern="1200" cap="none" spc="0" normalizeH="0" baseline="0" noProof="0" dirty="0" err="1" smtClean="0">
-                <a:ln>
-                  <a:noFill/>
-                </a:ln>
-                <a:solidFill>
-                  <a:schemeClr val="tx1"/>
-                </a:solidFill>
-                <a:effectLst/>
-                <a:uLnTx/>
-                <a:uFillTx/>
-                <a:latin typeface="Georgia"/>
-                <a:ea typeface="+mn-ea"/>
-                <a:cs typeface="Georgia"/>
-              </a:rPr>
-              <a:t>Curabitur</a:t>
-            </a:r>
-            <a:r>
-              <a:rPr kumimoji="0" lang="en-US" sz="3200" b="0" i="0" u="none" strike="noStrike" kern="1200" cap="none" spc="0" normalizeH="0" baseline="0" noProof="0" dirty="0" smtClean="0">
-                <a:ln>
-                  <a:noFill/>
-                </a:ln>
-                <a:solidFill>
-                  <a:schemeClr val="tx1"/>
-                </a:solidFill>
-                <a:effectLst/>
-                <a:uLnTx/>
-                <a:uFillTx/>
-                <a:latin typeface="Georgia"/>
-                <a:ea typeface="+mn-ea"/>
-                <a:cs typeface="Georgia"/>
-              </a:rPr>
-              <a:t> et </a:t>
-            </a:r>
-            <a:r>
-              <a:rPr kumimoji="0" lang="en-US" sz="3200" b="0" i="0" u="none" strike="noStrike" kern="1200" cap="none" spc="0" normalizeH="0" baseline="0" noProof="0" dirty="0" err="1" smtClean="0">
-                <a:ln>
-                  <a:noFill/>
-                </a:ln>
-                <a:solidFill>
-                  <a:schemeClr val="tx1"/>
-                </a:solidFill>
-                <a:effectLst/>
-                <a:uLnTx/>
-                <a:uFillTx/>
-                <a:latin typeface="Georgia"/>
-                <a:ea typeface="+mn-ea"/>
-                <a:cs typeface="Georgia"/>
-              </a:rPr>
-              <a:t>purus</a:t>
-            </a:r>
-            <a:r>
-              <a:rPr kumimoji="0" lang="en-US" sz="3200" b="0" i="0" u="none" strike="noStrike" kern="1200" cap="none" spc="0" normalizeH="0" baseline="0" noProof="0" dirty="0" smtClean="0">
-                <a:ln>
-                  <a:noFill/>
-                </a:ln>
-                <a:solidFill>
-                  <a:schemeClr val="tx1"/>
-                </a:solidFill>
-                <a:effectLst/>
-                <a:uLnTx/>
-                <a:uFillTx/>
-                <a:latin typeface="Georgia"/>
-                <a:ea typeface="+mn-ea"/>
-                <a:cs typeface="Georgia"/>
-              </a:rPr>
-              <a:t> </a:t>
-            </a:r>
-            <a:r>
-              <a:rPr kumimoji="0" lang="en-US" sz="3200" b="0" i="0" u="none" strike="noStrike" kern="1200" cap="none" spc="0" normalizeH="0" baseline="0" noProof="0" dirty="0" err="1" smtClean="0">
-                <a:ln>
-                  <a:noFill/>
-                </a:ln>
-                <a:solidFill>
-                  <a:schemeClr val="tx1"/>
-                </a:solidFill>
-                <a:effectLst/>
-                <a:uLnTx/>
-                <a:uFillTx/>
-                <a:latin typeface="Georgia"/>
-                <a:ea typeface="+mn-ea"/>
-                <a:cs typeface="Georgia"/>
-              </a:rPr>
-              <a:t>est</a:t>
-            </a:r>
-            <a:r>
-              <a:rPr kumimoji="0" lang="en-US" sz="3200" b="0" i="0" u="none" strike="noStrike" kern="1200" cap="none" spc="0" normalizeH="0" baseline="0" noProof="0" dirty="0" smtClean="0">
-                <a:ln>
-                  <a:noFill/>
-                </a:ln>
-                <a:solidFill>
-                  <a:schemeClr val="tx1"/>
-                </a:solidFill>
-                <a:effectLst/>
-                <a:uLnTx/>
-                <a:uFillTx/>
-                <a:latin typeface="Georgia"/>
-                <a:ea typeface="+mn-ea"/>
-                <a:cs typeface="Georgia"/>
-              </a:rPr>
-              <a:t>, at </a:t>
-            </a:r>
-            <a:r>
-              <a:rPr kumimoji="0" lang="en-US" sz="3200" b="0" i="0" u="none" strike="noStrike" kern="1200" cap="none" spc="0" normalizeH="0" baseline="0" noProof="0" dirty="0" err="1" smtClean="0">
-                <a:ln>
-                  <a:noFill/>
-                </a:ln>
-                <a:solidFill>
-                  <a:schemeClr val="tx1"/>
-                </a:solidFill>
-                <a:effectLst/>
-                <a:uLnTx/>
-                <a:uFillTx/>
-                <a:latin typeface="Georgia"/>
-                <a:ea typeface="+mn-ea"/>
-                <a:cs typeface="Georgia"/>
-              </a:rPr>
-              <a:t>facilisis</a:t>
-            </a:r>
-            <a:r>
-              <a:rPr kumimoji="0" lang="en-US" sz="3200" b="0" i="0" u="none" strike="noStrike" kern="1200" cap="none" spc="0" normalizeH="0" baseline="0" noProof="0" dirty="0" smtClean="0">
-                <a:ln>
-                  <a:noFill/>
-                </a:ln>
-                <a:solidFill>
-                  <a:schemeClr val="tx1"/>
-                </a:solidFill>
-                <a:effectLst/>
-                <a:uLnTx/>
-                <a:uFillTx/>
-                <a:latin typeface="Georgia"/>
-                <a:ea typeface="+mn-ea"/>
-                <a:cs typeface="Georgia"/>
-              </a:rPr>
-              <a:t> </a:t>
-            </a:r>
-            <a:r>
-              <a:rPr kumimoji="0" lang="en-US" sz="3200" b="0" i="0" u="none" strike="noStrike" kern="1200" cap="none" spc="0" normalizeH="0" baseline="0" noProof="0" dirty="0" err="1" smtClean="0">
-                <a:ln>
-                  <a:noFill/>
-                </a:ln>
-                <a:solidFill>
-                  <a:schemeClr val="tx1"/>
-                </a:solidFill>
-                <a:effectLst/>
-                <a:uLnTx/>
-                <a:uFillTx/>
-                <a:latin typeface="Georgia"/>
-                <a:ea typeface="+mn-ea"/>
-                <a:cs typeface="Georgia"/>
-              </a:rPr>
-              <a:t>nisl</a:t>
-            </a:r>
-            <a:r>
-              <a:rPr kumimoji="0" lang="en-US" sz="3200" b="0" i="0" u="none" strike="noStrike" kern="1200" cap="none" spc="0" normalizeH="0" baseline="0" noProof="0" dirty="0" smtClean="0">
-                <a:ln>
-                  <a:noFill/>
-                </a:ln>
-                <a:solidFill>
-                  <a:schemeClr val="tx1"/>
-                </a:solidFill>
-                <a:effectLst/>
-                <a:uLnTx/>
-                <a:uFillTx/>
-                <a:latin typeface="Georgia"/>
-                <a:ea typeface="+mn-ea"/>
-                <a:cs typeface="Georgia"/>
-              </a:rPr>
-              <a:t>.</a:t>
-            </a:r>
-          </a:p>
-          <a:p>
-            <a:pPr marL="342900" marR="0" lvl="0" indent="-342900" algn="l" defTabSz="457200" rtl="0" eaLnBrk="1" fontAlgn="auto" latinLnBrk="0" hangingPunct="1">
-              <a:lnSpc>
-                <a:spcPct val="100000"/>
-              </a:lnSpc>
-              <a:spcBef>
-                <a:spcPct val="20000"/>
-              </a:spcBef>
-              <a:spcAft>
-                <a:spcPts val="0"/>
-              </a:spcAft>
-              <a:buClrTx/>
-              <a:buSzTx/>
-              <a:buFont typeface="Arial"/>
-              <a:buChar char="•"/>
-              <a:tabLst/>
-              <a:defRPr/>
-            </a:pPr>
-            <a:r>
-              <a:rPr kumimoji="0" lang="en-US" sz="3200" b="0" i="0" u="none" strike="noStrike" kern="1200" cap="none" spc="0" normalizeH="0" baseline="0" noProof="0" dirty="0" err="1" smtClean="0">
-                <a:ln>
-                  <a:noFill/>
-                </a:ln>
-                <a:solidFill>
-                  <a:schemeClr val="tx1"/>
-                </a:solidFill>
-                <a:effectLst/>
-                <a:uLnTx/>
-                <a:uFillTx/>
-                <a:latin typeface="Georgia"/>
-                <a:ea typeface="+mn-ea"/>
-                <a:cs typeface="Georgia"/>
-              </a:rPr>
-              <a:t>Aenean</a:t>
-            </a:r>
-            <a:r>
-              <a:rPr kumimoji="0" lang="en-US" sz="3200" b="0" i="0" u="none" strike="noStrike" kern="1200" cap="none" spc="0" normalizeH="0" baseline="0" noProof="0" dirty="0" smtClean="0">
-                <a:ln>
-                  <a:noFill/>
-                </a:ln>
-                <a:solidFill>
-                  <a:schemeClr val="tx1"/>
-                </a:solidFill>
-                <a:effectLst/>
-                <a:uLnTx/>
-                <a:uFillTx/>
-                <a:latin typeface="Georgia"/>
-                <a:ea typeface="+mn-ea"/>
-                <a:cs typeface="Georgia"/>
-              </a:rPr>
-              <a:t> </a:t>
-            </a:r>
-            <a:r>
-              <a:rPr kumimoji="0" lang="en-US" sz="3200" b="0" i="0" u="none" strike="noStrike" kern="1200" cap="none" spc="0" normalizeH="0" baseline="0" noProof="0" dirty="0" err="1" smtClean="0">
-                <a:ln>
-                  <a:noFill/>
-                </a:ln>
-                <a:solidFill>
-                  <a:schemeClr val="tx1"/>
-                </a:solidFill>
-                <a:effectLst/>
-                <a:uLnTx/>
-                <a:uFillTx/>
-                <a:latin typeface="Georgia"/>
-                <a:ea typeface="+mn-ea"/>
-                <a:cs typeface="Georgia"/>
-              </a:rPr>
-              <a:t>posuere</a:t>
-            </a:r>
-            <a:r>
-              <a:rPr kumimoji="0" lang="en-US" sz="3200" b="0" i="0" u="none" strike="noStrike" kern="1200" cap="none" spc="0" normalizeH="0" baseline="0" noProof="0" dirty="0" smtClean="0">
-                <a:ln>
-                  <a:noFill/>
-                </a:ln>
-                <a:solidFill>
-                  <a:schemeClr val="tx1"/>
-                </a:solidFill>
-                <a:effectLst/>
-                <a:uLnTx/>
-                <a:uFillTx/>
-                <a:latin typeface="Georgia"/>
-                <a:ea typeface="+mn-ea"/>
-                <a:cs typeface="Georgia"/>
-              </a:rPr>
-              <a:t> lacus non </a:t>
-            </a:r>
-            <a:r>
-              <a:rPr kumimoji="0" lang="en-US" sz="3200" b="0" i="0" u="none" strike="noStrike" kern="1200" cap="none" spc="0" normalizeH="0" baseline="0" noProof="0" dirty="0" err="1" smtClean="0">
-                <a:ln>
-                  <a:noFill/>
-                </a:ln>
-                <a:solidFill>
-                  <a:schemeClr val="tx1"/>
-                </a:solidFill>
-                <a:effectLst/>
-                <a:uLnTx/>
-                <a:uFillTx/>
-                <a:latin typeface="Georgia"/>
-                <a:ea typeface="+mn-ea"/>
-                <a:cs typeface="Georgia"/>
-              </a:rPr>
-              <a:t>lectus</a:t>
-            </a:r>
-            <a:r>
-              <a:rPr kumimoji="0" lang="en-US" sz="3200" b="0" i="0" u="none" strike="noStrike" kern="1200" cap="none" spc="0" normalizeH="0" baseline="0" noProof="0" dirty="0" smtClean="0">
-                <a:ln>
-                  <a:noFill/>
-                </a:ln>
-                <a:solidFill>
-                  <a:schemeClr val="tx1"/>
-                </a:solidFill>
-                <a:effectLst/>
-                <a:uLnTx/>
-                <a:uFillTx/>
-                <a:latin typeface="Georgia"/>
-                <a:ea typeface="+mn-ea"/>
-                <a:cs typeface="Georgia"/>
-              </a:rPr>
-              <a:t> </a:t>
-            </a:r>
-            <a:r>
-              <a:rPr kumimoji="0" lang="en-US" sz="3200" b="0" i="0" u="none" strike="noStrike" kern="1200" cap="none" spc="0" normalizeH="0" baseline="0" noProof="0" dirty="0" err="1" smtClean="0">
-                <a:ln>
-                  <a:noFill/>
-                </a:ln>
-                <a:solidFill>
-                  <a:schemeClr val="tx1"/>
-                </a:solidFill>
-                <a:effectLst/>
-                <a:uLnTx/>
-                <a:uFillTx/>
-                <a:latin typeface="Georgia"/>
-                <a:ea typeface="+mn-ea"/>
-                <a:cs typeface="Georgia"/>
-              </a:rPr>
-              <a:t>malesuada</a:t>
-            </a:r>
-            <a:r>
-              <a:rPr kumimoji="0" lang="en-US" sz="3200" b="0" i="0" u="none" strike="noStrike" kern="1200" cap="none" spc="0" normalizeH="0" baseline="0" noProof="0" dirty="0" smtClean="0">
-                <a:ln>
-                  <a:noFill/>
-                </a:ln>
-                <a:solidFill>
-                  <a:schemeClr val="tx1"/>
-                </a:solidFill>
-                <a:effectLst/>
-                <a:uLnTx/>
-                <a:uFillTx/>
-                <a:latin typeface="Georgia"/>
-                <a:ea typeface="+mn-ea"/>
-                <a:cs typeface="Georgia"/>
-              </a:rPr>
-              <a:t> </a:t>
-            </a:r>
-            <a:r>
-              <a:rPr kumimoji="0" lang="en-US" sz="3200" b="0" i="0" u="none" strike="noStrike" kern="1200" cap="none" spc="0" normalizeH="0" baseline="0" noProof="0" dirty="0" err="1" smtClean="0">
-                <a:ln>
-                  <a:noFill/>
-                </a:ln>
-                <a:solidFill>
-                  <a:schemeClr val="tx1"/>
-                </a:solidFill>
-                <a:effectLst/>
-                <a:uLnTx/>
-                <a:uFillTx/>
-                <a:latin typeface="Georgia"/>
-                <a:ea typeface="+mn-ea"/>
-                <a:cs typeface="Georgia"/>
-              </a:rPr>
-              <a:t>congue</a:t>
-            </a:r>
-            <a:r>
-              <a:rPr kumimoji="0" lang="en-US" sz="3200" b="0" i="0" u="none" strike="noStrike" kern="1200" cap="none" spc="0" normalizeH="0" baseline="0" noProof="0" dirty="0" smtClean="0">
-                <a:ln>
-                  <a:noFill/>
-                </a:ln>
-                <a:solidFill>
-                  <a:schemeClr val="tx1"/>
-                </a:solidFill>
-                <a:effectLst/>
-                <a:uLnTx/>
-                <a:uFillTx/>
-                <a:latin typeface="Georgia"/>
-                <a:ea typeface="+mn-ea"/>
-                <a:cs typeface="Georgia"/>
-              </a:rPr>
-              <a:t>.</a:t>
-            </a:r>
-          </a:p>
-        </p:txBody>
-      </p:sp>
+            <a:r>
+              <a:rPr lang="en-US" dirty="0" smtClean="0"/>
+              <a:t>n times</a:t>
+            </a:r>
+            <a:endParaRPr lang="en-US" dirty="0"/>
+          </a:p>
+        </p:txBody>
+      </p:sp>
+      <p:sp>
+        <p:nvSpPr>
+          <p:cNvPr id="24" name="Rectangle 23"/>
+          <p:cNvSpPr/>
+          <p:nvPr/>
+        </p:nvSpPr>
+        <p:spPr>
+          <a:xfrm>
+            <a:off x="4076700" y="5486400"/>
+            <a:ext cx="2286000" cy="990600"/>
+          </a:xfrm>
+          <a:prstGeom prst="rect">
+            <a:avLst/>
+          </a:prstGeom>
+        </p:spPr>
+        <p:style>
+          <a:lnRef idx="2">
+            <a:schemeClr val="accent1">
+              <a:shade val="50000"/>
+            </a:schemeClr>
+          </a:lnRef>
+          <a:fillRef idx="1">
+            <a:schemeClr val="accent1"/>
+          </a:fillRef>
+          <a:effectRef idx="0">
+            <a:schemeClr val="accent1"/>
+          </a:effectRef>
+          <a:fontRef idx="minor">
+            <a:schemeClr val="lt1"/>
+          </a:fontRef>
+        </p:style>
+        <p:txBody>
+          <a:bodyPr rtlCol="0" anchor="ctr"/>
+          <a:lstStyle/>
+          <a:p>
+            <a:pPr algn="ctr"/>
+            <a:r>
+              <a:rPr lang="en-US" dirty="0" smtClean="0"/>
+              <a:t>End</a:t>
+            </a:r>
+          </a:p>
+        </p:txBody>
+      </p:sp>
+      <p:cxnSp>
+        <p:nvCxnSpPr>
+          <p:cNvPr id="25" name="Straight Arrow Connector 24"/>
+          <p:cNvCxnSpPr>
+            <a:stCxn id="6" idx="2"/>
+            <a:endCxn id="24" idx="0"/>
+          </p:cNvCxnSpPr>
+          <p:nvPr/>
+        </p:nvCxnSpPr>
+        <p:spPr>
+          <a:xfrm>
+            <a:off x="5219700" y="5105400"/>
+            <a:ext cx="0" cy="381000"/>
+          </a:xfrm>
+          <a:prstGeom prst="straightConnector1">
+            <a:avLst/>
+          </a:prstGeom>
+          <a:ln w="38100">
+            <a:solidFill>
+              <a:schemeClr val="tx1"/>
+            </a:solidFill>
+            <a:tailEnd type="arrow"/>
+          </a:ln>
+        </p:spPr>
+        <p:style>
+          <a:lnRef idx="1">
+            <a:schemeClr val="accent1"/>
+          </a:lnRef>
+          <a:fillRef idx="0">
+            <a:schemeClr val="accent1"/>
+          </a:fillRef>
+          <a:effectRef idx="0">
+            <a:schemeClr val="accent1"/>
+          </a:effectRef>
+          <a:fontRef idx="minor">
+            <a:schemeClr val="tx1"/>
+          </a:fontRef>
+        </p:style>
+      </p:cxnSp>
     </p:spTree>
     <p:extLst>
       <p:ext uri="{BB962C8B-B14F-4D97-AF65-F5344CB8AC3E}">
-        <p14:creationId xmlns:p14="http://schemas.microsoft.com/office/powerpoint/2010/main" val="3302816026"/>
+        <p14:creationId xmlns:p14="http://schemas.microsoft.com/office/powerpoint/2010/main" val="2254815234"/>
       </p:ext>
     </p:extLst>
   </p:cSld>
   <p:clrMapOvr>
     <a:masterClrMapping/>
   </p:clrMapOvr>
-  <p:timing>
-    <p:tnLst>
-      <p:par>
-        <p:cTn id="1" dur="indefinite" restart="never" nodeType="tmRoot"/>
-      </p:par>
-    </p:tnLst>
-  </p:timing>
 </p:sld>
 </file>
 
@@ -4674,11 +3693,7 @@
           <a:p>
             <a:r>
               <a:rPr lang="en-US" dirty="0" smtClean="0"/>
-              <a:t>Click to </a:t>
-            </a:r>
-            <a:r>
-              <a:rPr lang="en-US" smtClean="0"/>
-              <a:t>add title</a:t>
+              <a:t>Parse Tree</a:t>
             </a:r>
             <a:endParaRPr lang="en-US" dirty="0"/>
           </a:p>
@@ -4686,1429 +3701,2559 @@
       </p:sp>
       <p:sp>
         <p:nvSpPr>
-          <p:cNvPr id="5" name="Slide Number Placeholder 4"/>
+          <p:cNvPr id="3" name="Content Placeholder 2"/>
           <p:cNvSpPr>
             <a:spLocks noGrp="1"/>
           </p:cNvSpPr>
           <p:nvPr>
-            <p:ph type="sldNum" sz="quarter" idx="11"/>
+            <p:ph sz="half" idx="1"/>
           </p:nvPr>
         </p:nvSpPr>
-        <p:spPr>
+        <p:spPr/>
+        <p:txBody>
+          <a:bodyPr>
+            <a:noAutofit/>
+          </a:bodyPr>
+          <a:lstStyle/>
+          <a:p>
+            <a:r>
+              <a:rPr lang="en-US" sz="2400" dirty="0">
+                <a:latin typeface="Georgia" panose="02040502050405020303" pitchFamily="18" charset="0"/>
+              </a:rPr>
+              <a:t>Selects vertices for the new vertex to connect to</a:t>
+            </a:r>
+          </a:p>
+          <a:p>
+            <a:endParaRPr lang="en-US" sz="2400" dirty="0">
+              <a:latin typeface="Georgia" panose="02040502050405020303" pitchFamily="18" charset="0"/>
+            </a:endParaRPr>
+          </a:p>
+          <a:p>
+            <a:r>
+              <a:rPr lang="en-US" sz="2400" dirty="0">
+                <a:latin typeface="Georgia" panose="02040502050405020303" pitchFamily="18" charset="0"/>
+              </a:rPr>
+              <a:t>Sets of vertices</a:t>
+            </a:r>
+          </a:p>
+          <a:p>
+            <a:endParaRPr lang="en-US" sz="2400" dirty="0">
+              <a:latin typeface="Georgia" panose="02040502050405020303" pitchFamily="18" charset="0"/>
+            </a:endParaRPr>
+          </a:p>
+          <a:p>
+            <a:r>
+              <a:rPr lang="en-US" sz="2400" dirty="0">
+                <a:latin typeface="Georgia" panose="02040502050405020303" pitchFamily="18" charset="0"/>
+              </a:rPr>
+              <a:t>Root returns the set of vertices</a:t>
+            </a:r>
+            <a:endParaRPr lang="en-US" sz="2400" dirty="0">
+              <a:latin typeface="Georgia" panose="02040502050405020303" pitchFamily="18" charset="0"/>
+            </a:endParaRPr>
+          </a:p>
+        </p:txBody>
+      </p:sp>
+      <p:pic>
+        <p:nvPicPr>
+          <p:cNvPr id="2050" name="Picture 2" descr="C:\Users\mmart24\Documents\GitHub\GraphEvo\documents\RandomGraphExample2.png"/>
+          <p:cNvPicPr>
+            <a:picLocks noGrp="1" noChangeAspect="1" noChangeArrowheads="1"/>
+          </p:cNvPicPr>
+          <p:nvPr>
+            <p:ph sz="half" idx="2"/>
+          </p:nvPr>
+        </p:nvPicPr>
+        <p:blipFill>
+          <a:blip r:embed="rId2" cstate="print">
+            <a:extLst>
+              <a:ext uri="{28A0092B-C50C-407E-A947-70E740481C1C}">
+                <a14:useLocalDpi xmlns:a14="http://schemas.microsoft.com/office/drawing/2010/main" val="0"/>
+              </a:ext>
+            </a:extLst>
+          </a:blip>
+          <a:srcRect/>
+          <a:stretch>
+            <a:fillRect/>
+          </a:stretch>
+        </p:blipFill>
+        <p:spPr bwMode="auto">
           <a:xfrm>
-            <a:off x="6366508" y="6505575"/>
-            <a:ext cx="2320292" cy="365125"/>
-          </a:xfrm>
-        </p:spPr>
-        <p:txBody>
-          <a:bodyPr/>
-          <a:lstStyle/>
-          <a:p>
-            <a:fld id="{6189B349-B284-884E-BF58-0D68D479BD97}" type="slidenum">
-              <a:rPr lang="en-US" smtClean="0"/>
-              <a:pPr/>
-              <a:t>11</a:t>
-            </a:fld>
-            <a:endParaRPr lang="en-US" dirty="0"/>
-          </a:p>
-        </p:txBody>
-      </p:sp>
-      <p:sp>
-        <p:nvSpPr>
-          <p:cNvPr id="4" name="Content Placeholder 2"/>
-          <p:cNvSpPr txBox="1">
-            <a:spLocks/>
-          </p:cNvSpPr>
-          <p:nvPr/>
-        </p:nvSpPr>
-        <p:spPr>
-          <a:xfrm>
-            <a:off x="1622812" y="1651000"/>
-            <a:ext cx="7063988" cy="4072754"/>
+            <a:off x="4999239" y="1600201"/>
+            <a:ext cx="3831821" cy="4525963"/>
           </a:xfrm>
           <a:prstGeom prst="rect">
             <a:avLst/>
           </a:prstGeom>
+          <a:noFill/>
+          <a:extLst>
+            <a:ext uri="{909E8E84-426E-40DD-AFC4-6F175D3DCCD1}">
+              <a14:hiddenFill xmlns:a14="http://schemas.microsoft.com/office/drawing/2010/main">
+                <a:solidFill>
+                  <a:srgbClr val="FFFFFF"/>
+                </a:solidFill>
+              </a14:hiddenFill>
+            </a:ext>
+          </a:extLst>
         </p:spPr>
-        <p:txBody>
-          <a:bodyPr vert="horz" lIns="91440" tIns="45720" rIns="91440" bIns="45720" rtlCol="0">
-            <a:normAutofit fontScale="77500" lnSpcReduction="20000"/>
-          </a:bodyPr>
-          <a:lstStyle/>
-          <a:p>
-            <a:pPr marL="342900" marR="0" lvl="0" indent="-342900" algn="l" defTabSz="457200" rtl="0" eaLnBrk="1" fontAlgn="auto" latinLnBrk="0" hangingPunct="1">
-              <a:lnSpc>
-                <a:spcPct val="100000"/>
-              </a:lnSpc>
-              <a:spcBef>
-                <a:spcPct val="20000"/>
-              </a:spcBef>
-              <a:spcAft>
-                <a:spcPts val="0"/>
-              </a:spcAft>
-              <a:buClrTx/>
-              <a:buSzTx/>
-              <a:buFont typeface="Arial"/>
-              <a:buChar char="•"/>
-              <a:tabLst/>
-              <a:defRPr/>
-            </a:pPr>
-            <a:r>
-              <a:rPr kumimoji="0" lang="en-US" sz="3200" b="0" i="0" u="none" strike="noStrike" kern="1200" cap="none" spc="0" normalizeH="0" baseline="0" noProof="0" dirty="0" err="1" smtClean="0">
-                <a:ln>
-                  <a:noFill/>
-                </a:ln>
-                <a:solidFill>
-                  <a:schemeClr val="tx1"/>
-                </a:solidFill>
-                <a:effectLst/>
-                <a:uLnTx/>
-                <a:uFillTx/>
-                <a:latin typeface="Georgia"/>
-                <a:ea typeface="+mn-ea"/>
-                <a:cs typeface="Georgia"/>
-              </a:rPr>
-              <a:t>Lorem</a:t>
-            </a:r>
-            <a:r>
-              <a:rPr kumimoji="0" lang="en-US" sz="3200" b="0" i="0" u="none" strike="noStrike" kern="1200" cap="none" spc="0" normalizeH="0" baseline="0" noProof="0" dirty="0" smtClean="0">
-                <a:ln>
-                  <a:noFill/>
-                </a:ln>
-                <a:solidFill>
-                  <a:schemeClr val="tx1"/>
-                </a:solidFill>
-                <a:effectLst/>
-                <a:uLnTx/>
-                <a:uFillTx/>
-                <a:latin typeface="Georgia"/>
-                <a:ea typeface="+mn-ea"/>
-                <a:cs typeface="Georgia"/>
-              </a:rPr>
-              <a:t> </a:t>
-            </a:r>
-            <a:r>
-              <a:rPr kumimoji="0" lang="en-US" sz="3200" b="0" i="0" u="none" strike="noStrike" kern="1200" cap="none" spc="0" normalizeH="0" baseline="0" noProof="0" dirty="0" err="1" smtClean="0">
-                <a:ln>
-                  <a:noFill/>
-                </a:ln>
-                <a:solidFill>
-                  <a:schemeClr val="tx1"/>
-                </a:solidFill>
-                <a:effectLst/>
-                <a:uLnTx/>
-                <a:uFillTx/>
-                <a:latin typeface="Georgia"/>
-                <a:ea typeface="+mn-ea"/>
-                <a:cs typeface="Georgia"/>
-              </a:rPr>
-              <a:t>ipsum</a:t>
-            </a:r>
-            <a:r>
-              <a:rPr kumimoji="0" lang="en-US" sz="3200" b="0" i="0" u="none" strike="noStrike" kern="1200" cap="none" spc="0" normalizeH="0" baseline="0" noProof="0" dirty="0" smtClean="0">
-                <a:ln>
-                  <a:noFill/>
-                </a:ln>
-                <a:solidFill>
-                  <a:schemeClr val="tx1"/>
-                </a:solidFill>
-                <a:effectLst/>
-                <a:uLnTx/>
-                <a:uFillTx/>
-                <a:latin typeface="Georgia"/>
-                <a:ea typeface="+mn-ea"/>
-                <a:cs typeface="Georgia"/>
-              </a:rPr>
-              <a:t> dolor sit </a:t>
-            </a:r>
-            <a:r>
-              <a:rPr kumimoji="0" lang="en-US" sz="3200" b="0" i="0" u="none" strike="noStrike" kern="1200" cap="none" spc="0" normalizeH="0" baseline="0" noProof="0" dirty="0" err="1" smtClean="0">
-                <a:ln>
-                  <a:noFill/>
-                </a:ln>
-                <a:solidFill>
-                  <a:schemeClr val="tx1"/>
-                </a:solidFill>
-                <a:effectLst/>
-                <a:uLnTx/>
-                <a:uFillTx/>
-                <a:latin typeface="Georgia"/>
-                <a:ea typeface="+mn-ea"/>
-                <a:cs typeface="Georgia"/>
-              </a:rPr>
-              <a:t>amet</a:t>
-            </a:r>
-            <a:r>
-              <a:rPr kumimoji="0" lang="en-US" sz="3200" b="0" i="0" u="none" strike="noStrike" kern="1200" cap="none" spc="0" normalizeH="0" baseline="0" noProof="0" dirty="0" smtClean="0">
-                <a:ln>
-                  <a:noFill/>
-                </a:ln>
-                <a:solidFill>
-                  <a:schemeClr val="tx1"/>
-                </a:solidFill>
-                <a:effectLst/>
-                <a:uLnTx/>
-                <a:uFillTx/>
-                <a:latin typeface="Georgia"/>
-                <a:ea typeface="+mn-ea"/>
-                <a:cs typeface="Georgia"/>
-              </a:rPr>
-              <a:t>, </a:t>
-            </a:r>
-            <a:r>
-              <a:rPr kumimoji="0" lang="en-US" sz="3200" b="0" i="0" u="none" strike="noStrike" kern="1200" cap="none" spc="0" normalizeH="0" baseline="0" noProof="0" dirty="0" err="1" smtClean="0">
-                <a:ln>
-                  <a:noFill/>
-                </a:ln>
-                <a:solidFill>
-                  <a:schemeClr val="tx1"/>
-                </a:solidFill>
-                <a:effectLst/>
-                <a:uLnTx/>
-                <a:uFillTx/>
-                <a:latin typeface="Georgia"/>
-                <a:ea typeface="+mn-ea"/>
-                <a:cs typeface="Georgia"/>
-              </a:rPr>
-              <a:t>consectetur</a:t>
-            </a:r>
-            <a:r>
-              <a:rPr kumimoji="0" lang="en-US" sz="3200" b="0" i="0" u="none" strike="noStrike" kern="1200" cap="none" spc="0" normalizeH="0" baseline="0" noProof="0" dirty="0" smtClean="0">
-                <a:ln>
-                  <a:noFill/>
-                </a:ln>
-                <a:solidFill>
-                  <a:schemeClr val="tx1"/>
-                </a:solidFill>
-                <a:effectLst/>
-                <a:uLnTx/>
-                <a:uFillTx/>
-                <a:latin typeface="Georgia"/>
-                <a:ea typeface="+mn-ea"/>
-                <a:cs typeface="Georgia"/>
-              </a:rPr>
-              <a:t> </a:t>
-            </a:r>
-            <a:r>
-              <a:rPr kumimoji="0" lang="en-US" sz="3200" b="0" i="0" u="none" strike="noStrike" kern="1200" cap="none" spc="0" normalizeH="0" baseline="0" noProof="0" dirty="0" err="1" smtClean="0">
-                <a:ln>
-                  <a:noFill/>
-                </a:ln>
-                <a:solidFill>
-                  <a:schemeClr val="tx1"/>
-                </a:solidFill>
-                <a:effectLst/>
-                <a:uLnTx/>
-                <a:uFillTx/>
-                <a:latin typeface="Georgia"/>
-                <a:ea typeface="+mn-ea"/>
-                <a:cs typeface="Georgia"/>
-              </a:rPr>
-              <a:t>adipiscing</a:t>
-            </a:r>
-            <a:r>
-              <a:rPr kumimoji="0" lang="en-US" sz="3200" b="0" i="0" u="none" strike="noStrike" kern="1200" cap="none" spc="0" normalizeH="0" baseline="0" noProof="0" dirty="0" smtClean="0">
-                <a:ln>
-                  <a:noFill/>
-                </a:ln>
-                <a:solidFill>
-                  <a:schemeClr val="tx1"/>
-                </a:solidFill>
-                <a:effectLst/>
-                <a:uLnTx/>
-                <a:uFillTx/>
-                <a:latin typeface="Georgia"/>
-                <a:ea typeface="+mn-ea"/>
-                <a:cs typeface="Georgia"/>
-              </a:rPr>
-              <a:t> </a:t>
-            </a:r>
-            <a:r>
-              <a:rPr kumimoji="0" lang="en-US" sz="3200" b="0" i="0" u="none" strike="noStrike" kern="1200" cap="none" spc="0" normalizeH="0" baseline="0" noProof="0" dirty="0" err="1" smtClean="0">
-                <a:ln>
-                  <a:noFill/>
-                </a:ln>
-                <a:solidFill>
-                  <a:schemeClr val="tx1"/>
-                </a:solidFill>
-                <a:effectLst/>
-                <a:uLnTx/>
-                <a:uFillTx/>
-                <a:latin typeface="Georgia"/>
-                <a:ea typeface="+mn-ea"/>
-                <a:cs typeface="Georgia"/>
-              </a:rPr>
-              <a:t>elit</a:t>
-            </a:r>
-            <a:r>
-              <a:rPr kumimoji="0" lang="en-US" sz="3200" b="0" i="0" u="none" strike="noStrike" kern="1200" cap="none" spc="0" normalizeH="0" baseline="0" noProof="0" dirty="0" smtClean="0">
-                <a:ln>
-                  <a:noFill/>
-                </a:ln>
-                <a:solidFill>
-                  <a:schemeClr val="tx1"/>
-                </a:solidFill>
-                <a:effectLst/>
-                <a:uLnTx/>
-                <a:uFillTx/>
-                <a:latin typeface="Georgia"/>
-                <a:ea typeface="+mn-ea"/>
-                <a:cs typeface="Georgia"/>
-              </a:rPr>
-              <a:t>.</a:t>
-            </a:r>
-          </a:p>
-          <a:p>
-            <a:pPr marL="342900" marR="0" lvl="0" indent="-342900" algn="l" defTabSz="457200" rtl="0" eaLnBrk="1" fontAlgn="auto" latinLnBrk="0" hangingPunct="1">
-              <a:lnSpc>
-                <a:spcPct val="100000"/>
-              </a:lnSpc>
-              <a:spcBef>
-                <a:spcPct val="20000"/>
-              </a:spcBef>
-              <a:spcAft>
-                <a:spcPts val="0"/>
-              </a:spcAft>
-              <a:buClrTx/>
-              <a:buSzTx/>
-              <a:buFont typeface="Arial"/>
-              <a:buChar char="•"/>
-              <a:tabLst/>
-              <a:defRPr/>
-            </a:pPr>
-            <a:r>
-              <a:rPr kumimoji="0" lang="en-US" sz="3200" b="0" i="0" u="none" strike="noStrike" kern="1200" cap="none" spc="0" normalizeH="0" baseline="0" noProof="0" dirty="0" err="1" smtClean="0">
-                <a:ln>
-                  <a:noFill/>
-                </a:ln>
-                <a:solidFill>
-                  <a:schemeClr val="tx1"/>
-                </a:solidFill>
-                <a:effectLst/>
-                <a:uLnTx/>
-                <a:uFillTx/>
-                <a:latin typeface="Georgia"/>
-                <a:ea typeface="+mn-ea"/>
-                <a:cs typeface="Georgia"/>
-              </a:rPr>
-              <a:t>Sed</a:t>
-            </a:r>
-            <a:r>
-              <a:rPr kumimoji="0" lang="en-US" sz="3200" b="0" i="0" u="none" strike="noStrike" kern="1200" cap="none" spc="0" normalizeH="0" baseline="0" noProof="0" dirty="0" smtClean="0">
-                <a:ln>
-                  <a:noFill/>
-                </a:ln>
-                <a:solidFill>
-                  <a:schemeClr val="tx1"/>
-                </a:solidFill>
-                <a:effectLst/>
-                <a:uLnTx/>
-                <a:uFillTx/>
-                <a:latin typeface="Georgia"/>
-                <a:ea typeface="+mn-ea"/>
-                <a:cs typeface="Georgia"/>
-              </a:rPr>
-              <a:t> </a:t>
-            </a:r>
-            <a:r>
-              <a:rPr kumimoji="0" lang="en-US" sz="3200" b="0" i="0" u="none" strike="noStrike" kern="1200" cap="none" spc="0" normalizeH="0" baseline="0" noProof="0" dirty="0" err="1" smtClean="0">
-                <a:ln>
-                  <a:noFill/>
-                </a:ln>
-                <a:solidFill>
-                  <a:schemeClr val="tx1"/>
-                </a:solidFill>
-                <a:effectLst/>
-                <a:uLnTx/>
-                <a:uFillTx/>
-                <a:latin typeface="Georgia"/>
-                <a:ea typeface="+mn-ea"/>
-                <a:cs typeface="Georgia"/>
-              </a:rPr>
-              <a:t>pretium</a:t>
-            </a:r>
-            <a:r>
-              <a:rPr kumimoji="0" lang="en-US" sz="3200" b="0" i="0" u="none" strike="noStrike" kern="1200" cap="none" spc="0" normalizeH="0" baseline="0" noProof="0" dirty="0" smtClean="0">
-                <a:ln>
-                  <a:noFill/>
-                </a:ln>
-                <a:solidFill>
-                  <a:schemeClr val="tx1"/>
-                </a:solidFill>
-                <a:effectLst/>
-                <a:uLnTx/>
-                <a:uFillTx/>
-                <a:latin typeface="Georgia"/>
-                <a:ea typeface="+mn-ea"/>
-                <a:cs typeface="Georgia"/>
-              </a:rPr>
-              <a:t> </a:t>
-            </a:r>
-            <a:r>
-              <a:rPr kumimoji="0" lang="en-US" sz="3200" b="0" i="0" u="none" strike="noStrike" kern="1200" cap="none" spc="0" normalizeH="0" baseline="0" noProof="0" dirty="0" err="1" smtClean="0">
-                <a:ln>
-                  <a:noFill/>
-                </a:ln>
-                <a:solidFill>
-                  <a:schemeClr val="tx1"/>
-                </a:solidFill>
-                <a:effectLst/>
-                <a:uLnTx/>
-                <a:uFillTx/>
-                <a:latin typeface="Georgia"/>
-                <a:ea typeface="+mn-ea"/>
-                <a:cs typeface="Georgia"/>
-              </a:rPr>
-              <a:t>libero</a:t>
-            </a:r>
-            <a:r>
-              <a:rPr kumimoji="0" lang="en-US" sz="3200" b="0" i="0" u="none" strike="noStrike" kern="1200" cap="none" spc="0" normalizeH="0" baseline="0" noProof="0" dirty="0" smtClean="0">
-                <a:ln>
-                  <a:noFill/>
-                </a:ln>
-                <a:solidFill>
-                  <a:schemeClr val="tx1"/>
-                </a:solidFill>
-                <a:effectLst/>
-                <a:uLnTx/>
-                <a:uFillTx/>
-                <a:latin typeface="Georgia"/>
-                <a:ea typeface="+mn-ea"/>
-                <a:cs typeface="Georgia"/>
-              </a:rPr>
-              <a:t> </a:t>
-            </a:r>
-            <a:r>
-              <a:rPr kumimoji="0" lang="en-US" sz="3200" b="0" i="0" u="none" strike="noStrike" kern="1200" cap="none" spc="0" normalizeH="0" baseline="0" noProof="0" dirty="0" err="1" smtClean="0">
-                <a:ln>
-                  <a:noFill/>
-                </a:ln>
-                <a:solidFill>
-                  <a:schemeClr val="tx1"/>
-                </a:solidFill>
-                <a:effectLst/>
-                <a:uLnTx/>
-                <a:uFillTx/>
-                <a:latin typeface="Georgia"/>
-                <a:ea typeface="+mn-ea"/>
-                <a:cs typeface="Georgia"/>
-              </a:rPr>
-              <a:t>quis</a:t>
-            </a:r>
-            <a:r>
-              <a:rPr kumimoji="0" lang="en-US" sz="3200" b="0" i="0" u="none" strike="noStrike" kern="1200" cap="none" spc="0" normalizeH="0" baseline="0" noProof="0" dirty="0" smtClean="0">
-                <a:ln>
-                  <a:noFill/>
-                </a:ln>
-                <a:solidFill>
-                  <a:schemeClr val="tx1"/>
-                </a:solidFill>
-                <a:effectLst/>
-                <a:uLnTx/>
-                <a:uFillTx/>
-                <a:latin typeface="Georgia"/>
-                <a:ea typeface="+mn-ea"/>
-                <a:cs typeface="Georgia"/>
-              </a:rPr>
-              <a:t> dui </a:t>
-            </a:r>
-            <a:r>
-              <a:rPr kumimoji="0" lang="en-US" sz="3200" b="0" i="0" u="none" strike="noStrike" kern="1200" cap="none" spc="0" normalizeH="0" baseline="0" noProof="0" dirty="0" err="1" smtClean="0">
-                <a:ln>
-                  <a:noFill/>
-                </a:ln>
-                <a:solidFill>
-                  <a:schemeClr val="tx1"/>
-                </a:solidFill>
-                <a:effectLst/>
-                <a:uLnTx/>
-                <a:uFillTx/>
-                <a:latin typeface="Georgia"/>
-                <a:ea typeface="+mn-ea"/>
-                <a:cs typeface="Georgia"/>
-              </a:rPr>
-              <a:t>blandit</a:t>
-            </a:r>
-            <a:r>
-              <a:rPr kumimoji="0" lang="en-US" sz="3200" b="0" i="0" u="none" strike="noStrike" kern="1200" cap="none" spc="0" normalizeH="0" baseline="0" noProof="0" dirty="0" smtClean="0">
-                <a:ln>
-                  <a:noFill/>
-                </a:ln>
-                <a:solidFill>
-                  <a:schemeClr val="tx1"/>
-                </a:solidFill>
-                <a:effectLst/>
-                <a:uLnTx/>
-                <a:uFillTx/>
-                <a:latin typeface="Georgia"/>
-                <a:ea typeface="+mn-ea"/>
-                <a:cs typeface="Georgia"/>
-              </a:rPr>
-              <a:t> </a:t>
-            </a:r>
-            <a:r>
-              <a:rPr kumimoji="0" lang="en-US" sz="3200" b="0" i="0" u="none" strike="noStrike" kern="1200" cap="none" spc="0" normalizeH="0" baseline="0" noProof="0" dirty="0" err="1" smtClean="0">
-                <a:ln>
-                  <a:noFill/>
-                </a:ln>
-                <a:solidFill>
-                  <a:schemeClr val="tx1"/>
-                </a:solidFill>
-                <a:effectLst/>
-                <a:uLnTx/>
-                <a:uFillTx/>
-                <a:latin typeface="Georgia"/>
-                <a:ea typeface="+mn-ea"/>
-                <a:cs typeface="Georgia"/>
-              </a:rPr>
-              <a:t>pellentesque</a:t>
-            </a:r>
-            <a:r>
-              <a:rPr kumimoji="0" lang="en-US" sz="3200" b="0" i="0" u="none" strike="noStrike" kern="1200" cap="none" spc="0" normalizeH="0" baseline="0" noProof="0" dirty="0" smtClean="0">
-                <a:ln>
-                  <a:noFill/>
-                </a:ln>
-                <a:solidFill>
-                  <a:schemeClr val="tx1"/>
-                </a:solidFill>
-                <a:effectLst/>
-                <a:uLnTx/>
-                <a:uFillTx/>
-                <a:latin typeface="Georgia"/>
-                <a:ea typeface="+mn-ea"/>
-                <a:cs typeface="Georgia"/>
-              </a:rPr>
-              <a:t> </a:t>
-            </a:r>
-            <a:r>
-              <a:rPr kumimoji="0" lang="en-US" sz="3200" b="0" i="0" u="none" strike="noStrike" kern="1200" cap="none" spc="0" normalizeH="0" baseline="0" noProof="0" dirty="0" err="1" smtClean="0">
-                <a:ln>
-                  <a:noFill/>
-                </a:ln>
-                <a:solidFill>
-                  <a:schemeClr val="tx1"/>
-                </a:solidFill>
-                <a:effectLst/>
-                <a:uLnTx/>
-                <a:uFillTx/>
-                <a:latin typeface="Georgia"/>
-                <a:ea typeface="+mn-ea"/>
-                <a:cs typeface="Georgia"/>
-              </a:rPr>
-              <a:t>consequat</a:t>
-            </a:r>
-            <a:r>
-              <a:rPr kumimoji="0" lang="en-US" sz="3200" b="0" i="0" u="none" strike="noStrike" kern="1200" cap="none" spc="0" normalizeH="0" baseline="0" noProof="0" dirty="0" smtClean="0">
-                <a:ln>
-                  <a:noFill/>
-                </a:ln>
-                <a:solidFill>
-                  <a:schemeClr val="tx1"/>
-                </a:solidFill>
-                <a:effectLst/>
-                <a:uLnTx/>
-                <a:uFillTx/>
-                <a:latin typeface="Georgia"/>
-                <a:ea typeface="+mn-ea"/>
-                <a:cs typeface="Georgia"/>
-              </a:rPr>
-              <a:t> </a:t>
-            </a:r>
-            <a:r>
-              <a:rPr kumimoji="0" lang="en-US" sz="3200" b="0" i="0" u="none" strike="noStrike" kern="1200" cap="none" spc="0" normalizeH="0" baseline="0" noProof="0" dirty="0" err="1" smtClean="0">
-                <a:ln>
-                  <a:noFill/>
-                </a:ln>
-                <a:solidFill>
-                  <a:schemeClr val="tx1"/>
-                </a:solidFill>
-                <a:effectLst/>
-                <a:uLnTx/>
-                <a:uFillTx/>
-                <a:latin typeface="Georgia"/>
-                <a:ea typeface="+mn-ea"/>
-                <a:cs typeface="Georgia"/>
-              </a:rPr>
-              <a:t>libero</a:t>
-            </a:r>
-            <a:r>
-              <a:rPr kumimoji="0" lang="en-US" sz="3200" b="0" i="0" u="none" strike="noStrike" kern="1200" cap="none" spc="0" normalizeH="0" baseline="0" noProof="0" dirty="0" smtClean="0">
-                <a:ln>
-                  <a:noFill/>
-                </a:ln>
-                <a:solidFill>
-                  <a:schemeClr val="tx1"/>
-                </a:solidFill>
-                <a:effectLst/>
-                <a:uLnTx/>
-                <a:uFillTx/>
-                <a:latin typeface="Georgia"/>
-                <a:ea typeface="+mn-ea"/>
-                <a:cs typeface="Georgia"/>
-              </a:rPr>
-              <a:t> </a:t>
-            </a:r>
-            <a:r>
-              <a:rPr kumimoji="0" lang="en-US" sz="3200" b="0" i="0" u="none" strike="noStrike" kern="1200" cap="none" spc="0" normalizeH="0" baseline="0" noProof="0" dirty="0" err="1" smtClean="0">
-                <a:ln>
-                  <a:noFill/>
-                </a:ln>
-                <a:solidFill>
-                  <a:schemeClr val="tx1"/>
-                </a:solidFill>
-                <a:effectLst/>
-                <a:uLnTx/>
-                <a:uFillTx/>
-                <a:latin typeface="Georgia"/>
-                <a:ea typeface="+mn-ea"/>
-                <a:cs typeface="Georgia"/>
-              </a:rPr>
-              <a:t>gravida</a:t>
-            </a:r>
-            <a:r>
-              <a:rPr kumimoji="0" lang="en-US" sz="3200" b="0" i="0" u="none" strike="noStrike" kern="1200" cap="none" spc="0" normalizeH="0" baseline="0" noProof="0" dirty="0" smtClean="0">
-                <a:ln>
-                  <a:noFill/>
-                </a:ln>
-                <a:solidFill>
-                  <a:schemeClr val="tx1"/>
-                </a:solidFill>
-                <a:effectLst/>
-                <a:uLnTx/>
-                <a:uFillTx/>
-                <a:latin typeface="Georgia"/>
-                <a:ea typeface="+mn-ea"/>
-                <a:cs typeface="Georgia"/>
-              </a:rPr>
-              <a:t>.</a:t>
-            </a:r>
-          </a:p>
-          <a:p>
-            <a:pPr marL="342900" marR="0" lvl="0" indent="-342900" algn="l" defTabSz="457200" rtl="0" eaLnBrk="1" fontAlgn="auto" latinLnBrk="0" hangingPunct="1">
-              <a:lnSpc>
-                <a:spcPct val="100000"/>
-              </a:lnSpc>
-              <a:spcBef>
-                <a:spcPct val="20000"/>
-              </a:spcBef>
-              <a:spcAft>
-                <a:spcPts val="0"/>
-              </a:spcAft>
-              <a:buClrTx/>
-              <a:buSzTx/>
-              <a:buFont typeface="Arial"/>
-              <a:buChar char="•"/>
-              <a:tabLst/>
-              <a:defRPr/>
-            </a:pPr>
-            <a:r>
-              <a:rPr kumimoji="0" lang="en-US" sz="3200" b="0" i="0" u="none" strike="noStrike" kern="1200" cap="none" spc="0" normalizeH="0" baseline="0" noProof="0" dirty="0" smtClean="0">
-                <a:ln>
-                  <a:noFill/>
-                </a:ln>
-                <a:solidFill>
-                  <a:schemeClr val="tx1"/>
-                </a:solidFill>
-                <a:effectLst/>
-                <a:uLnTx/>
-                <a:uFillTx/>
-                <a:latin typeface="Georgia"/>
-                <a:ea typeface="+mn-ea"/>
-                <a:cs typeface="Georgia"/>
-              </a:rPr>
-              <a:t>In </a:t>
-            </a:r>
-            <a:r>
-              <a:rPr kumimoji="0" lang="en-US" sz="3200" b="0" i="0" u="none" strike="noStrike" kern="1200" cap="none" spc="0" normalizeH="0" baseline="0" noProof="0" dirty="0" err="1" smtClean="0">
-                <a:ln>
-                  <a:noFill/>
-                </a:ln>
-                <a:solidFill>
-                  <a:schemeClr val="tx1"/>
-                </a:solidFill>
-                <a:effectLst/>
-                <a:uLnTx/>
-                <a:uFillTx/>
-                <a:latin typeface="Georgia"/>
-                <a:ea typeface="+mn-ea"/>
-                <a:cs typeface="Georgia"/>
-              </a:rPr>
-              <a:t>venenatis</a:t>
-            </a:r>
-            <a:r>
-              <a:rPr kumimoji="0" lang="en-US" sz="3200" b="0" i="0" u="none" strike="noStrike" kern="1200" cap="none" spc="0" normalizeH="0" baseline="0" noProof="0" dirty="0" smtClean="0">
-                <a:ln>
-                  <a:noFill/>
-                </a:ln>
-                <a:solidFill>
-                  <a:schemeClr val="tx1"/>
-                </a:solidFill>
-                <a:effectLst/>
-                <a:uLnTx/>
-                <a:uFillTx/>
-                <a:latin typeface="Georgia"/>
-                <a:ea typeface="+mn-ea"/>
-                <a:cs typeface="Georgia"/>
-              </a:rPr>
-              <a:t> lacus </a:t>
-            </a:r>
-            <a:r>
-              <a:rPr kumimoji="0" lang="en-US" sz="3200" b="0" i="0" u="none" strike="noStrike" kern="1200" cap="none" spc="0" normalizeH="0" baseline="0" noProof="0" dirty="0" err="1" smtClean="0">
-                <a:ln>
-                  <a:noFill/>
-                </a:ln>
-                <a:solidFill>
-                  <a:schemeClr val="tx1"/>
-                </a:solidFill>
-                <a:effectLst/>
-                <a:uLnTx/>
-                <a:uFillTx/>
-                <a:latin typeface="Georgia"/>
-                <a:ea typeface="+mn-ea"/>
-                <a:cs typeface="Georgia"/>
-              </a:rPr>
-              <a:t>imperdiet</a:t>
-            </a:r>
-            <a:r>
-              <a:rPr kumimoji="0" lang="en-US" sz="3200" b="0" i="0" u="none" strike="noStrike" kern="1200" cap="none" spc="0" normalizeH="0" baseline="0" noProof="0" dirty="0" smtClean="0">
-                <a:ln>
-                  <a:noFill/>
-                </a:ln>
-                <a:solidFill>
-                  <a:schemeClr val="tx1"/>
-                </a:solidFill>
-                <a:effectLst/>
-                <a:uLnTx/>
-                <a:uFillTx/>
-                <a:latin typeface="Georgia"/>
-                <a:ea typeface="+mn-ea"/>
-                <a:cs typeface="Georgia"/>
-              </a:rPr>
-              <a:t> </a:t>
-            </a:r>
-            <a:r>
-              <a:rPr kumimoji="0" lang="en-US" sz="3200" b="0" i="0" u="none" strike="noStrike" kern="1200" cap="none" spc="0" normalizeH="0" baseline="0" noProof="0" dirty="0" err="1" smtClean="0">
-                <a:ln>
-                  <a:noFill/>
-                </a:ln>
-                <a:solidFill>
-                  <a:schemeClr val="tx1"/>
-                </a:solidFill>
-                <a:effectLst/>
-                <a:uLnTx/>
-                <a:uFillTx/>
-                <a:latin typeface="Georgia"/>
-                <a:ea typeface="+mn-ea"/>
-                <a:cs typeface="Georgia"/>
-              </a:rPr>
-              <a:t>tellus</a:t>
-            </a:r>
-            <a:r>
-              <a:rPr kumimoji="0" lang="en-US" sz="3200" b="0" i="0" u="none" strike="noStrike" kern="1200" cap="none" spc="0" normalizeH="0" baseline="0" noProof="0" dirty="0" smtClean="0">
-                <a:ln>
-                  <a:noFill/>
-                </a:ln>
-                <a:solidFill>
-                  <a:schemeClr val="tx1"/>
-                </a:solidFill>
-                <a:effectLst/>
-                <a:uLnTx/>
-                <a:uFillTx/>
-                <a:latin typeface="Georgia"/>
-                <a:ea typeface="+mn-ea"/>
-                <a:cs typeface="Georgia"/>
-              </a:rPr>
-              <a:t> </a:t>
-            </a:r>
-            <a:r>
-              <a:rPr kumimoji="0" lang="en-US" sz="3200" b="0" i="0" u="none" strike="noStrike" kern="1200" cap="none" spc="0" normalizeH="0" baseline="0" noProof="0" dirty="0" err="1" smtClean="0">
-                <a:ln>
-                  <a:noFill/>
-                </a:ln>
-                <a:solidFill>
-                  <a:schemeClr val="tx1"/>
-                </a:solidFill>
-                <a:effectLst/>
-                <a:uLnTx/>
-                <a:uFillTx/>
-                <a:latin typeface="Georgia"/>
-                <a:ea typeface="+mn-ea"/>
-                <a:cs typeface="Georgia"/>
-              </a:rPr>
-              <a:t>rutrum</a:t>
-            </a:r>
-            <a:r>
-              <a:rPr kumimoji="0" lang="en-US" sz="3200" b="0" i="0" u="none" strike="noStrike" kern="1200" cap="none" spc="0" normalizeH="0" baseline="0" noProof="0" dirty="0" smtClean="0">
-                <a:ln>
-                  <a:noFill/>
-                </a:ln>
-                <a:solidFill>
-                  <a:schemeClr val="tx1"/>
-                </a:solidFill>
-                <a:effectLst/>
-                <a:uLnTx/>
-                <a:uFillTx/>
-                <a:latin typeface="Georgia"/>
-                <a:ea typeface="+mn-ea"/>
-                <a:cs typeface="Georgia"/>
-              </a:rPr>
-              <a:t> </a:t>
-            </a:r>
-            <a:r>
-              <a:rPr kumimoji="0" lang="en-US" sz="3200" b="0" i="0" u="none" strike="noStrike" kern="1200" cap="none" spc="0" normalizeH="0" baseline="0" noProof="0" dirty="0" err="1" smtClean="0">
-                <a:ln>
-                  <a:noFill/>
-                </a:ln>
-                <a:solidFill>
-                  <a:schemeClr val="tx1"/>
-                </a:solidFill>
-                <a:effectLst/>
-                <a:uLnTx/>
-                <a:uFillTx/>
-                <a:latin typeface="Georgia"/>
-                <a:ea typeface="+mn-ea"/>
-                <a:cs typeface="Georgia"/>
-              </a:rPr>
-              <a:t>auctor</a:t>
-            </a:r>
-            <a:r>
-              <a:rPr kumimoji="0" lang="en-US" sz="3200" b="0" i="0" u="none" strike="noStrike" kern="1200" cap="none" spc="0" normalizeH="0" baseline="0" noProof="0" dirty="0" smtClean="0">
-                <a:ln>
-                  <a:noFill/>
-                </a:ln>
-                <a:solidFill>
-                  <a:schemeClr val="tx1"/>
-                </a:solidFill>
-                <a:effectLst/>
-                <a:uLnTx/>
-                <a:uFillTx/>
-                <a:latin typeface="Georgia"/>
-                <a:ea typeface="+mn-ea"/>
-                <a:cs typeface="Georgia"/>
-              </a:rPr>
-              <a:t>.</a:t>
-            </a:r>
-          </a:p>
-          <a:p>
-            <a:pPr marL="342900" marR="0" lvl="0" indent="-342900" algn="l" defTabSz="457200" rtl="0" eaLnBrk="1" fontAlgn="auto" latinLnBrk="0" hangingPunct="1">
-              <a:lnSpc>
-                <a:spcPct val="100000"/>
-              </a:lnSpc>
-              <a:spcBef>
-                <a:spcPct val="20000"/>
-              </a:spcBef>
-              <a:spcAft>
-                <a:spcPts val="0"/>
-              </a:spcAft>
-              <a:buClrTx/>
-              <a:buSzTx/>
-              <a:buFont typeface="Arial"/>
-              <a:buChar char="•"/>
-              <a:tabLst/>
-              <a:defRPr/>
-            </a:pPr>
-            <a:r>
-              <a:rPr kumimoji="0" lang="en-US" sz="3200" b="0" i="0" u="none" strike="noStrike" kern="1200" cap="none" spc="0" normalizeH="0" baseline="0" noProof="0" dirty="0" err="1" smtClean="0">
-                <a:ln>
-                  <a:noFill/>
-                </a:ln>
-                <a:solidFill>
-                  <a:schemeClr val="tx1"/>
-                </a:solidFill>
-                <a:effectLst/>
-                <a:uLnTx/>
-                <a:uFillTx/>
-                <a:latin typeface="Georgia"/>
-                <a:ea typeface="+mn-ea"/>
-                <a:cs typeface="Georgia"/>
-              </a:rPr>
-              <a:t>Curabitur</a:t>
-            </a:r>
-            <a:r>
-              <a:rPr kumimoji="0" lang="en-US" sz="3200" b="0" i="0" u="none" strike="noStrike" kern="1200" cap="none" spc="0" normalizeH="0" baseline="0" noProof="0" dirty="0" smtClean="0">
-                <a:ln>
-                  <a:noFill/>
-                </a:ln>
-                <a:solidFill>
-                  <a:schemeClr val="tx1"/>
-                </a:solidFill>
-                <a:effectLst/>
-                <a:uLnTx/>
-                <a:uFillTx/>
-                <a:latin typeface="Georgia"/>
-                <a:ea typeface="+mn-ea"/>
-                <a:cs typeface="Georgia"/>
-              </a:rPr>
-              <a:t> </a:t>
-            </a:r>
-            <a:r>
-              <a:rPr kumimoji="0" lang="en-US" sz="3200" b="0" i="0" u="none" strike="noStrike" kern="1200" cap="none" spc="0" normalizeH="0" baseline="0" noProof="0" dirty="0" err="1" smtClean="0">
-                <a:ln>
-                  <a:noFill/>
-                </a:ln>
-                <a:solidFill>
-                  <a:schemeClr val="tx1"/>
-                </a:solidFill>
-                <a:effectLst/>
-                <a:uLnTx/>
-                <a:uFillTx/>
-                <a:latin typeface="Georgia"/>
-                <a:ea typeface="+mn-ea"/>
-                <a:cs typeface="Georgia"/>
-              </a:rPr>
-              <a:t>condimentum</a:t>
-            </a:r>
-            <a:r>
-              <a:rPr kumimoji="0" lang="en-US" sz="3200" b="0" i="0" u="none" strike="noStrike" kern="1200" cap="none" spc="0" normalizeH="0" baseline="0" noProof="0" dirty="0" smtClean="0">
-                <a:ln>
-                  <a:noFill/>
-                </a:ln>
-                <a:solidFill>
-                  <a:schemeClr val="tx1"/>
-                </a:solidFill>
-                <a:effectLst/>
-                <a:uLnTx/>
-                <a:uFillTx/>
-                <a:latin typeface="Georgia"/>
-                <a:ea typeface="+mn-ea"/>
-                <a:cs typeface="Georgia"/>
-              </a:rPr>
-              <a:t> </a:t>
-            </a:r>
-            <a:r>
-              <a:rPr kumimoji="0" lang="en-US" sz="3200" b="0" i="0" u="none" strike="noStrike" kern="1200" cap="none" spc="0" normalizeH="0" baseline="0" noProof="0" dirty="0" err="1" smtClean="0">
-                <a:ln>
-                  <a:noFill/>
-                </a:ln>
-                <a:solidFill>
-                  <a:schemeClr val="tx1"/>
-                </a:solidFill>
-                <a:effectLst/>
-                <a:uLnTx/>
-                <a:uFillTx/>
-                <a:latin typeface="Georgia"/>
-                <a:ea typeface="+mn-ea"/>
-                <a:cs typeface="Georgia"/>
-              </a:rPr>
-              <a:t>consequat</a:t>
-            </a:r>
-            <a:r>
-              <a:rPr kumimoji="0" lang="en-US" sz="3200" b="0" i="0" u="none" strike="noStrike" kern="1200" cap="none" spc="0" normalizeH="0" baseline="0" noProof="0" dirty="0" smtClean="0">
-                <a:ln>
-                  <a:noFill/>
-                </a:ln>
-                <a:solidFill>
-                  <a:schemeClr val="tx1"/>
-                </a:solidFill>
-                <a:effectLst/>
-                <a:uLnTx/>
-                <a:uFillTx/>
-                <a:latin typeface="Georgia"/>
-                <a:ea typeface="+mn-ea"/>
-                <a:cs typeface="Georgia"/>
-              </a:rPr>
-              <a:t> nisi, in </a:t>
-            </a:r>
-            <a:r>
-              <a:rPr kumimoji="0" lang="en-US" sz="3200" b="0" i="0" u="none" strike="noStrike" kern="1200" cap="none" spc="0" normalizeH="0" baseline="0" noProof="0" dirty="0" err="1" smtClean="0">
-                <a:ln>
-                  <a:noFill/>
-                </a:ln>
-                <a:solidFill>
-                  <a:schemeClr val="tx1"/>
-                </a:solidFill>
-                <a:effectLst/>
-                <a:uLnTx/>
-                <a:uFillTx/>
-                <a:latin typeface="Georgia"/>
-                <a:ea typeface="+mn-ea"/>
-                <a:cs typeface="Georgia"/>
-              </a:rPr>
-              <a:t>aliquam</a:t>
-            </a:r>
-            <a:r>
-              <a:rPr kumimoji="0" lang="en-US" sz="3200" b="0" i="0" u="none" strike="noStrike" kern="1200" cap="none" spc="0" normalizeH="0" baseline="0" noProof="0" dirty="0" smtClean="0">
-                <a:ln>
-                  <a:noFill/>
-                </a:ln>
-                <a:solidFill>
-                  <a:schemeClr val="tx1"/>
-                </a:solidFill>
-                <a:effectLst/>
-                <a:uLnTx/>
-                <a:uFillTx/>
-                <a:latin typeface="Georgia"/>
-                <a:ea typeface="+mn-ea"/>
-                <a:cs typeface="Georgia"/>
-              </a:rPr>
-              <a:t> </a:t>
-            </a:r>
-            <a:r>
-              <a:rPr kumimoji="0" lang="en-US" sz="3200" b="0" i="0" u="none" strike="noStrike" kern="1200" cap="none" spc="0" normalizeH="0" baseline="0" noProof="0" dirty="0" err="1" smtClean="0">
-                <a:ln>
-                  <a:noFill/>
-                </a:ln>
-                <a:solidFill>
-                  <a:schemeClr val="tx1"/>
-                </a:solidFill>
-                <a:effectLst/>
-                <a:uLnTx/>
-                <a:uFillTx/>
-                <a:latin typeface="Georgia"/>
-                <a:ea typeface="+mn-ea"/>
-                <a:cs typeface="Georgia"/>
-              </a:rPr>
-              <a:t>nibh</a:t>
-            </a:r>
-            <a:r>
-              <a:rPr kumimoji="0" lang="en-US" sz="3200" b="0" i="0" u="none" strike="noStrike" kern="1200" cap="none" spc="0" normalizeH="0" baseline="0" noProof="0" dirty="0" smtClean="0">
-                <a:ln>
-                  <a:noFill/>
-                </a:ln>
-                <a:solidFill>
-                  <a:schemeClr val="tx1"/>
-                </a:solidFill>
-                <a:effectLst/>
-                <a:uLnTx/>
-                <a:uFillTx/>
-                <a:latin typeface="Georgia"/>
-                <a:ea typeface="+mn-ea"/>
-                <a:cs typeface="Georgia"/>
-              </a:rPr>
-              <a:t> </a:t>
-            </a:r>
-            <a:r>
-              <a:rPr kumimoji="0" lang="en-US" sz="3200" b="0" i="0" u="none" strike="noStrike" kern="1200" cap="none" spc="0" normalizeH="0" baseline="0" noProof="0" dirty="0" err="1" smtClean="0">
-                <a:ln>
-                  <a:noFill/>
-                </a:ln>
-                <a:solidFill>
-                  <a:schemeClr val="tx1"/>
-                </a:solidFill>
-                <a:effectLst/>
-                <a:uLnTx/>
-                <a:uFillTx/>
-                <a:latin typeface="Georgia"/>
-                <a:ea typeface="+mn-ea"/>
-                <a:cs typeface="Georgia"/>
-              </a:rPr>
-              <a:t>placerat</a:t>
-            </a:r>
-            <a:r>
-              <a:rPr kumimoji="0" lang="en-US" sz="3200" b="0" i="0" u="none" strike="noStrike" kern="1200" cap="none" spc="0" normalizeH="0" baseline="0" noProof="0" dirty="0" smtClean="0">
-                <a:ln>
-                  <a:noFill/>
-                </a:ln>
-                <a:solidFill>
-                  <a:schemeClr val="tx1"/>
-                </a:solidFill>
-                <a:effectLst/>
-                <a:uLnTx/>
-                <a:uFillTx/>
-                <a:latin typeface="Georgia"/>
-                <a:ea typeface="+mn-ea"/>
-                <a:cs typeface="Georgia"/>
-              </a:rPr>
-              <a:t> vel.</a:t>
-            </a:r>
-          </a:p>
-          <a:p>
-            <a:pPr marL="342900" marR="0" lvl="0" indent="-342900" algn="l" defTabSz="457200" rtl="0" eaLnBrk="1" fontAlgn="auto" latinLnBrk="0" hangingPunct="1">
-              <a:lnSpc>
-                <a:spcPct val="100000"/>
-              </a:lnSpc>
-              <a:spcBef>
-                <a:spcPct val="20000"/>
-              </a:spcBef>
-              <a:spcAft>
-                <a:spcPts val="0"/>
-              </a:spcAft>
-              <a:buClrTx/>
-              <a:buSzTx/>
-              <a:buFont typeface="Arial"/>
-              <a:buChar char="•"/>
-              <a:tabLst/>
-              <a:defRPr/>
-            </a:pPr>
-            <a:r>
-              <a:rPr kumimoji="0" lang="en-US" sz="3200" b="0" i="0" u="none" strike="noStrike" kern="1200" cap="none" spc="0" normalizeH="0" baseline="0" noProof="0" dirty="0" err="1" smtClean="0">
-                <a:ln>
-                  <a:noFill/>
-                </a:ln>
-                <a:solidFill>
-                  <a:schemeClr val="tx1"/>
-                </a:solidFill>
-                <a:effectLst/>
-                <a:uLnTx/>
-                <a:uFillTx/>
-                <a:latin typeface="Georgia"/>
-                <a:ea typeface="+mn-ea"/>
-                <a:cs typeface="Georgia"/>
-              </a:rPr>
-              <a:t>Curabitur</a:t>
-            </a:r>
-            <a:r>
-              <a:rPr kumimoji="0" lang="en-US" sz="3200" b="0" i="0" u="none" strike="noStrike" kern="1200" cap="none" spc="0" normalizeH="0" baseline="0" noProof="0" dirty="0" smtClean="0">
-                <a:ln>
-                  <a:noFill/>
-                </a:ln>
-                <a:solidFill>
-                  <a:schemeClr val="tx1"/>
-                </a:solidFill>
-                <a:effectLst/>
-                <a:uLnTx/>
-                <a:uFillTx/>
-                <a:latin typeface="Georgia"/>
-                <a:ea typeface="+mn-ea"/>
-                <a:cs typeface="Georgia"/>
-              </a:rPr>
-              <a:t> et </a:t>
-            </a:r>
-            <a:r>
-              <a:rPr kumimoji="0" lang="en-US" sz="3200" b="0" i="0" u="none" strike="noStrike" kern="1200" cap="none" spc="0" normalizeH="0" baseline="0" noProof="0" dirty="0" err="1" smtClean="0">
-                <a:ln>
-                  <a:noFill/>
-                </a:ln>
-                <a:solidFill>
-                  <a:schemeClr val="tx1"/>
-                </a:solidFill>
-                <a:effectLst/>
-                <a:uLnTx/>
-                <a:uFillTx/>
-                <a:latin typeface="Georgia"/>
-                <a:ea typeface="+mn-ea"/>
-                <a:cs typeface="Georgia"/>
-              </a:rPr>
-              <a:t>purus</a:t>
-            </a:r>
-            <a:r>
-              <a:rPr kumimoji="0" lang="en-US" sz="3200" b="0" i="0" u="none" strike="noStrike" kern="1200" cap="none" spc="0" normalizeH="0" baseline="0" noProof="0" dirty="0" smtClean="0">
-                <a:ln>
-                  <a:noFill/>
-                </a:ln>
-                <a:solidFill>
-                  <a:schemeClr val="tx1"/>
-                </a:solidFill>
-                <a:effectLst/>
-                <a:uLnTx/>
-                <a:uFillTx/>
-                <a:latin typeface="Georgia"/>
-                <a:ea typeface="+mn-ea"/>
-                <a:cs typeface="Georgia"/>
-              </a:rPr>
-              <a:t> </a:t>
-            </a:r>
-            <a:r>
-              <a:rPr kumimoji="0" lang="en-US" sz="3200" b="0" i="0" u="none" strike="noStrike" kern="1200" cap="none" spc="0" normalizeH="0" baseline="0" noProof="0" dirty="0" err="1" smtClean="0">
-                <a:ln>
-                  <a:noFill/>
-                </a:ln>
-                <a:solidFill>
-                  <a:schemeClr val="tx1"/>
-                </a:solidFill>
-                <a:effectLst/>
-                <a:uLnTx/>
-                <a:uFillTx/>
-                <a:latin typeface="Georgia"/>
-                <a:ea typeface="+mn-ea"/>
-                <a:cs typeface="Georgia"/>
-              </a:rPr>
-              <a:t>est</a:t>
-            </a:r>
-            <a:r>
-              <a:rPr kumimoji="0" lang="en-US" sz="3200" b="0" i="0" u="none" strike="noStrike" kern="1200" cap="none" spc="0" normalizeH="0" baseline="0" noProof="0" dirty="0" smtClean="0">
-                <a:ln>
-                  <a:noFill/>
-                </a:ln>
-                <a:solidFill>
-                  <a:schemeClr val="tx1"/>
-                </a:solidFill>
-                <a:effectLst/>
-                <a:uLnTx/>
-                <a:uFillTx/>
-                <a:latin typeface="Georgia"/>
-                <a:ea typeface="+mn-ea"/>
-                <a:cs typeface="Georgia"/>
-              </a:rPr>
-              <a:t>, at </a:t>
-            </a:r>
-            <a:r>
-              <a:rPr kumimoji="0" lang="en-US" sz="3200" b="0" i="0" u="none" strike="noStrike" kern="1200" cap="none" spc="0" normalizeH="0" baseline="0" noProof="0" dirty="0" err="1" smtClean="0">
-                <a:ln>
-                  <a:noFill/>
-                </a:ln>
-                <a:solidFill>
-                  <a:schemeClr val="tx1"/>
-                </a:solidFill>
-                <a:effectLst/>
-                <a:uLnTx/>
-                <a:uFillTx/>
-                <a:latin typeface="Georgia"/>
-                <a:ea typeface="+mn-ea"/>
-                <a:cs typeface="Georgia"/>
-              </a:rPr>
-              <a:t>facilisis</a:t>
-            </a:r>
-            <a:r>
-              <a:rPr kumimoji="0" lang="en-US" sz="3200" b="0" i="0" u="none" strike="noStrike" kern="1200" cap="none" spc="0" normalizeH="0" baseline="0" noProof="0" dirty="0" smtClean="0">
-                <a:ln>
-                  <a:noFill/>
-                </a:ln>
-                <a:solidFill>
-                  <a:schemeClr val="tx1"/>
-                </a:solidFill>
-                <a:effectLst/>
-                <a:uLnTx/>
-                <a:uFillTx/>
-                <a:latin typeface="Georgia"/>
-                <a:ea typeface="+mn-ea"/>
-                <a:cs typeface="Georgia"/>
-              </a:rPr>
-              <a:t> </a:t>
-            </a:r>
-            <a:r>
-              <a:rPr kumimoji="0" lang="en-US" sz="3200" b="0" i="0" u="none" strike="noStrike" kern="1200" cap="none" spc="0" normalizeH="0" baseline="0" noProof="0" dirty="0" err="1" smtClean="0">
-                <a:ln>
-                  <a:noFill/>
-                </a:ln>
-                <a:solidFill>
-                  <a:schemeClr val="tx1"/>
-                </a:solidFill>
-                <a:effectLst/>
-                <a:uLnTx/>
-                <a:uFillTx/>
-                <a:latin typeface="Georgia"/>
-                <a:ea typeface="+mn-ea"/>
-                <a:cs typeface="Georgia"/>
-              </a:rPr>
-              <a:t>nisl</a:t>
-            </a:r>
-            <a:r>
-              <a:rPr kumimoji="0" lang="en-US" sz="3200" b="0" i="0" u="none" strike="noStrike" kern="1200" cap="none" spc="0" normalizeH="0" baseline="0" noProof="0" dirty="0" smtClean="0">
-                <a:ln>
-                  <a:noFill/>
-                </a:ln>
-                <a:solidFill>
-                  <a:schemeClr val="tx1"/>
-                </a:solidFill>
-                <a:effectLst/>
-                <a:uLnTx/>
-                <a:uFillTx/>
-                <a:latin typeface="Georgia"/>
-                <a:ea typeface="+mn-ea"/>
-                <a:cs typeface="Georgia"/>
-              </a:rPr>
-              <a:t>.</a:t>
-            </a:r>
-          </a:p>
-          <a:p>
-            <a:pPr marL="342900" marR="0" lvl="0" indent="-342900" algn="l" defTabSz="457200" rtl="0" eaLnBrk="1" fontAlgn="auto" latinLnBrk="0" hangingPunct="1">
-              <a:lnSpc>
-                <a:spcPct val="100000"/>
-              </a:lnSpc>
-              <a:spcBef>
-                <a:spcPct val="20000"/>
-              </a:spcBef>
-              <a:spcAft>
-                <a:spcPts val="0"/>
-              </a:spcAft>
-              <a:buClrTx/>
-              <a:buSzTx/>
-              <a:buFont typeface="Arial"/>
-              <a:buChar char="•"/>
-              <a:tabLst/>
-              <a:defRPr/>
-            </a:pPr>
-            <a:r>
-              <a:rPr kumimoji="0" lang="en-US" sz="3200" b="0" i="0" u="none" strike="noStrike" kern="1200" cap="none" spc="0" normalizeH="0" baseline="0" noProof="0" dirty="0" err="1" smtClean="0">
-                <a:ln>
-                  <a:noFill/>
-                </a:ln>
-                <a:solidFill>
-                  <a:schemeClr val="tx1"/>
-                </a:solidFill>
-                <a:effectLst/>
-                <a:uLnTx/>
-                <a:uFillTx/>
-                <a:latin typeface="Georgia"/>
-                <a:ea typeface="+mn-ea"/>
-                <a:cs typeface="Georgia"/>
-              </a:rPr>
-              <a:t>Aenean</a:t>
-            </a:r>
-            <a:r>
-              <a:rPr kumimoji="0" lang="en-US" sz="3200" b="0" i="0" u="none" strike="noStrike" kern="1200" cap="none" spc="0" normalizeH="0" baseline="0" noProof="0" dirty="0" smtClean="0">
-                <a:ln>
-                  <a:noFill/>
-                </a:ln>
-                <a:solidFill>
-                  <a:schemeClr val="tx1"/>
-                </a:solidFill>
-                <a:effectLst/>
-                <a:uLnTx/>
-                <a:uFillTx/>
-                <a:latin typeface="Georgia"/>
-                <a:ea typeface="+mn-ea"/>
-                <a:cs typeface="Georgia"/>
-              </a:rPr>
-              <a:t> </a:t>
-            </a:r>
-            <a:r>
-              <a:rPr kumimoji="0" lang="en-US" sz="3200" b="0" i="0" u="none" strike="noStrike" kern="1200" cap="none" spc="0" normalizeH="0" baseline="0" noProof="0" dirty="0" err="1" smtClean="0">
-                <a:ln>
-                  <a:noFill/>
-                </a:ln>
-                <a:solidFill>
-                  <a:schemeClr val="tx1"/>
-                </a:solidFill>
-                <a:effectLst/>
-                <a:uLnTx/>
-                <a:uFillTx/>
-                <a:latin typeface="Georgia"/>
-                <a:ea typeface="+mn-ea"/>
-                <a:cs typeface="Georgia"/>
-              </a:rPr>
-              <a:t>posuere</a:t>
-            </a:r>
-            <a:r>
-              <a:rPr kumimoji="0" lang="en-US" sz="3200" b="0" i="0" u="none" strike="noStrike" kern="1200" cap="none" spc="0" normalizeH="0" baseline="0" noProof="0" dirty="0" smtClean="0">
-                <a:ln>
-                  <a:noFill/>
-                </a:ln>
-                <a:solidFill>
-                  <a:schemeClr val="tx1"/>
-                </a:solidFill>
-                <a:effectLst/>
-                <a:uLnTx/>
-                <a:uFillTx/>
-                <a:latin typeface="Georgia"/>
-                <a:ea typeface="+mn-ea"/>
-                <a:cs typeface="Georgia"/>
-              </a:rPr>
-              <a:t> lacus non </a:t>
-            </a:r>
-            <a:r>
-              <a:rPr kumimoji="0" lang="en-US" sz="3200" b="0" i="0" u="none" strike="noStrike" kern="1200" cap="none" spc="0" normalizeH="0" baseline="0" noProof="0" dirty="0" err="1" smtClean="0">
-                <a:ln>
-                  <a:noFill/>
-                </a:ln>
-                <a:solidFill>
-                  <a:schemeClr val="tx1"/>
-                </a:solidFill>
-                <a:effectLst/>
-                <a:uLnTx/>
-                <a:uFillTx/>
-                <a:latin typeface="Georgia"/>
-                <a:ea typeface="+mn-ea"/>
-                <a:cs typeface="Georgia"/>
-              </a:rPr>
-              <a:t>lectus</a:t>
-            </a:r>
-            <a:r>
-              <a:rPr kumimoji="0" lang="en-US" sz="3200" b="0" i="0" u="none" strike="noStrike" kern="1200" cap="none" spc="0" normalizeH="0" baseline="0" noProof="0" dirty="0" smtClean="0">
-                <a:ln>
-                  <a:noFill/>
-                </a:ln>
-                <a:solidFill>
-                  <a:schemeClr val="tx1"/>
-                </a:solidFill>
-                <a:effectLst/>
-                <a:uLnTx/>
-                <a:uFillTx/>
-                <a:latin typeface="Georgia"/>
-                <a:ea typeface="+mn-ea"/>
-                <a:cs typeface="Georgia"/>
-              </a:rPr>
-              <a:t> </a:t>
-            </a:r>
-            <a:r>
-              <a:rPr kumimoji="0" lang="en-US" sz="3200" b="0" i="0" u="none" strike="noStrike" kern="1200" cap="none" spc="0" normalizeH="0" baseline="0" noProof="0" dirty="0" err="1" smtClean="0">
-                <a:ln>
-                  <a:noFill/>
-                </a:ln>
-                <a:solidFill>
-                  <a:schemeClr val="tx1"/>
-                </a:solidFill>
-                <a:effectLst/>
-                <a:uLnTx/>
-                <a:uFillTx/>
-                <a:latin typeface="Georgia"/>
-                <a:ea typeface="+mn-ea"/>
-                <a:cs typeface="Georgia"/>
-              </a:rPr>
-              <a:t>malesuada</a:t>
-            </a:r>
-            <a:r>
-              <a:rPr kumimoji="0" lang="en-US" sz="3200" b="0" i="0" u="none" strike="noStrike" kern="1200" cap="none" spc="0" normalizeH="0" baseline="0" noProof="0" dirty="0" smtClean="0">
-                <a:ln>
-                  <a:noFill/>
-                </a:ln>
-                <a:solidFill>
-                  <a:schemeClr val="tx1"/>
-                </a:solidFill>
-                <a:effectLst/>
-                <a:uLnTx/>
-                <a:uFillTx/>
-                <a:latin typeface="Georgia"/>
-                <a:ea typeface="+mn-ea"/>
-                <a:cs typeface="Georgia"/>
-              </a:rPr>
-              <a:t> </a:t>
-            </a:r>
-            <a:r>
-              <a:rPr kumimoji="0" lang="en-US" sz="3200" b="0" i="0" u="none" strike="noStrike" kern="1200" cap="none" spc="0" normalizeH="0" baseline="0" noProof="0" dirty="0" err="1" smtClean="0">
-                <a:ln>
-                  <a:noFill/>
-                </a:ln>
-                <a:solidFill>
-                  <a:schemeClr val="tx1"/>
-                </a:solidFill>
-                <a:effectLst/>
-                <a:uLnTx/>
-                <a:uFillTx/>
-                <a:latin typeface="Georgia"/>
-                <a:ea typeface="+mn-ea"/>
-                <a:cs typeface="Georgia"/>
-              </a:rPr>
-              <a:t>congue</a:t>
-            </a:r>
-            <a:r>
-              <a:rPr kumimoji="0" lang="en-US" sz="3200" b="0" i="0" u="none" strike="noStrike" kern="1200" cap="none" spc="0" normalizeH="0" baseline="0" noProof="0" dirty="0" smtClean="0">
-                <a:ln>
-                  <a:noFill/>
-                </a:ln>
-                <a:solidFill>
-                  <a:schemeClr val="tx1"/>
-                </a:solidFill>
-                <a:effectLst/>
-                <a:uLnTx/>
-                <a:uFillTx/>
-                <a:latin typeface="Georgia"/>
-                <a:ea typeface="+mn-ea"/>
-                <a:cs typeface="Georgia"/>
-              </a:rPr>
-              <a:t>.</a:t>
-            </a:r>
-          </a:p>
-        </p:txBody>
-      </p:sp>
+      </p:pic>
     </p:spTree>
     <p:extLst>
       <p:ext uri="{BB962C8B-B14F-4D97-AF65-F5344CB8AC3E}">
-        <p14:creationId xmlns:p14="http://schemas.microsoft.com/office/powerpoint/2010/main" val="928428116"/>
+        <p14:creationId xmlns:p14="http://schemas.microsoft.com/office/powerpoint/2010/main" val="612337748"/>
       </p:ext>
     </p:extLst>
   </p:cSld>
   <p:clrMapOvr>
     <a:masterClrMapping/>
   </p:clrMapOvr>
-  <p:timing>
-    <p:tnLst>
-      <p:par>
-        <p:cTn id="1" dur="indefinite" restart="never" nodeType="tmRoot"/>
-      </p:par>
-    </p:tnLst>
-  </p:timing>
+</p:sld>
+</file>
+
+<file path=ppt/slides/slide12.xml><?xml version="1.0" encoding="utf-8"?>
+<p:sld xmlns:a="http://schemas.openxmlformats.org/drawingml/2006/main" xmlns:r="http://schemas.openxmlformats.org/officeDocument/2006/relationships" xmlns:p="http://schemas.openxmlformats.org/presentationml/2006/main">
+  <p:cSld>
+    <p:spTree>
+      <p:nvGrpSpPr>
+        <p:cNvPr id="1" name=""/>
+        <p:cNvGrpSpPr/>
+        <p:nvPr/>
+      </p:nvGrpSpPr>
+      <p:grpSpPr>
+        <a:xfrm>
+          <a:off x="0" y="0"/>
+          <a:ext cx="0" cy="0"/>
+          <a:chOff x="0" y="0"/>
+          <a:chExt cx="0" cy="0"/>
+        </a:xfrm>
+      </p:grpSpPr>
+      <p:sp>
+        <p:nvSpPr>
+          <p:cNvPr id="2" name="Title 1"/>
+          <p:cNvSpPr>
+            <a:spLocks noGrp="1"/>
+          </p:cNvSpPr>
+          <p:nvPr>
+            <p:ph type="title"/>
+          </p:nvPr>
+        </p:nvSpPr>
+        <p:spPr/>
+        <p:txBody>
+          <a:bodyPr/>
+          <a:lstStyle/>
+          <a:p>
+            <a:r>
+              <a:rPr lang="en-US" dirty="0" smtClean="0"/>
+              <a:t>Nodes: Selection Operations</a:t>
+            </a:r>
+            <a:endParaRPr lang="en-US" dirty="0"/>
+          </a:p>
+        </p:txBody>
+      </p:sp>
+      <p:sp>
+        <p:nvSpPr>
+          <p:cNvPr id="3" name="Content Placeholder 2"/>
+          <p:cNvSpPr>
+            <a:spLocks noGrp="1"/>
+          </p:cNvSpPr>
+          <p:nvPr>
+            <p:ph idx="1"/>
+          </p:nvPr>
+        </p:nvSpPr>
+        <p:spPr/>
+        <p:txBody>
+          <a:bodyPr/>
+          <a:lstStyle/>
+          <a:p>
+            <a:r>
+              <a:rPr lang="en-US" dirty="0" smtClean="0">
+                <a:latin typeface="Georgia" panose="02040502050405020303" pitchFamily="18" charset="0"/>
+              </a:rPr>
+              <a:t>Regular Selection</a:t>
+            </a:r>
+          </a:p>
+          <a:p>
+            <a:endParaRPr lang="en-US" dirty="0">
+              <a:latin typeface="Georgia" panose="02040502050405020303" pitchFamily="18" charset="0"/>
+            </a:endParaRPr>
+          </a:p>
+          <a:p>
+            <a:r>
+              <a:rPr lang="en-US" dirty="0" smtClean="0">
+                <a:latin typeface="Georgia" panose="02040502050405020303" pitchFamily="18" charset="0"/>
+              </a:rPr>
+              <a:t>Relative Selection</a:t>
+            </a:r>
+            <a:endParaRPr lang="en-US" dirty="0">
+              <a:latin typeface="Georgia" panose="02040502050405020303" pitchFamily="18" charset="0"/>
+            </a:endParaRPr>
+          </a:p>
+        </p:txBody>
+      </p:sp>
+    </p:spTree>
+    <p:extLst>
+      <p:ext uri="{BB962C8B-B14F-4D97-AF65-F5344CB8AC3E}">
+        <p14:creationId xmlns:p14="http://schemas.microsoft.com/office/powerpoint/2010/main" val="1952643548"/>
+      </p:ext>
+    </p:extLst>
+  </p:cSld>
+  <p:clrMapOvr>
+    <a:masterClrMapping/>
+  </p:clrMapOvr>
+</p:sld>
+</file>
+
+<file path=ppt/slides/slide13.xml><?xml version="1.0" encoding="utf-8"?>
+<p:sld xmlns:a="http://schemas.openxmlformats.org/drawingml/2006/main" xmlns:r="http://schemas.openxmlformats.org/officeDocument/2006/relationships" xmlns:p="http://schemas.openxmlformats.org/presentationml/2006/main">
+  <p:cSld>
+    <p:spTree>
+      <p:nvGrpSpPr>
+        <p:cNvPr id="1" name=""/>
+        <p:cNvGrpSpPr/>
+        <p:nvPr/>
+      </p:nvGrpSpPr>
+      <p:grpSpPr>
+        <a:xfrm>
+          <a:off x="0" y="0"/>
+          <a:ext cx="0" cy="0"/>
+          <a:chOff x="0" y="0"/>
+          <a:chExt cx="0" cy="0"/>
+        </a:xfrm>
+      </p:grpSpPr>
+      <p:sp>
+        <p:nvSpPr>
+          <p:cNvPr id="2" name="Title 1"/>
+          <p:cNvSpPr>
+            <a:spLocks noGrp="1"/>
+          </p:cNvSpPr>
+          <p:nvPr>
+            <p:ph type="title"/>
+          </p:nvPr>
+        </p:nvSpPr>
+        <p:spPr/>
+        <p:txBody>
+          <a:bodyPr>
+            <a:normAutofit fontScale="90000"/>
+          </a:bodyPr>
+          <a:lstStyle/>
+          <a:p>
+            <a:r>
+              <a:rPr lang="en-US" dirty="0" smtClean="0"/>
+              <a:t>Nodes: Regular Selection Operations</a:t>
+            </a:r>
+            <a:endParaRPr lang="en-US" dirty="0"/>
+          </a:p>
+        </p:txBody>
+      </p:sp>
+      <p:sp>
+        <p:nvSpPr>
+          <p:cNvPr id="3" name="Content Placeholder 2"/>
+          <p:cNvSpPr>
+            <a:spLocks noGrp="1"/>
+          </p:cNvSpPr>
+          <p:nvPr>
+            <p:ph idx="1"/>
+          </p:nvPr>
+        </p:nvSpPr>
+        <p:spPr/>
+        <p:txBody>
+          <a:bodyPr/>
+          <a:lstStyle/>
+          <a:p>
+            <a:r>
+              <a:rPr lang="en-US" dirty="0" smtClean="0">
+                <a:latin typeface="Georgia" panose="02040502050405020303" pitchFamily="18" charset="0"/>
+              </a:rPr>
+              <a:t>p-Select</a:t>
+            </a:r>
+          </a:p>
+          <a:p>
+            <a:endParaRPr lang="en-US" dirty="0">
+              <a:latin typeface="Georgia" panose="02040502050405020303" pitchFamily="18" charset="0"/>
+            </a:endParaRPr>
+          </a:p>
+          <a:p>
+            <a:r>
+              <a:rPr lang="en-US" dirty="0" smtClean="0">
+                <a:latin typeface="Georgia" panose="02040502050405020303" pitchFamily="18" charset="0"/>
+              </a:rPr>
+              <a:t>k-Tournament Selection</a:t>
+            </a:r>
+          </a:p>
+          <a:p>
+            <a:endParaRPr lang="en-US" dirty="0">
+              <a:latin typeface="Georgia" panose="02040502050405020303" pitchFamily="18" charset="0"/>
+            </a:endParaRPr>
+          </a:p>
+          <a:p>
+            <a:r>
+              <a:rPr lang="en-US" dirty="0" smtClean="0">
+                <a:latin typeface="Georgia" panose="02040502050405020303" pitchFamily="18" charset="0"/>
+              </a:rPr>
+              <a:t>Truncation Selection</a:t>
+            </a:r>
+          </a:p>
+          <a:p>
+            <a:endParaRPr lang="en-US" dirty="0">
+              <a:latin typeface="Georgia" panose="02040502050405020303" pitchFamily="18" charset="0"/>
+            </a:endParaRPr>
+          </a:p>
+          <a:p>
+            <a:r>
+              <a:rPr lang="en-US" dirty="0" smtClean="0">
+                <a:latin typeface="Georgia" panose="02040502050405020303" pitchFamily="18" charset="0"/>
+              </a:rPr>
+              <a:t>Random Subset</a:t>
+            </a:r>
+          </a:p>
+          <a:p>
+            <a:endParaRPr lang="en-US" dirty="0"/>
+          </a:p>
+          <a:p>
+            <a:endParaRPr lang="en-US" dirty="0"/>
+          </a:p>
+        </p:txBody>
+      </p:sp>
+    </p:spTree>
+    <p:extLst>
+      <p:ext uri="{BB962C8B-B14F-4D97-AF65-F5344CB8AC3E}">
+        <p14:creationId xmlns:p14="http://schemas.microsoft.com/office/powerpoint/2010/main" val="2577342482"/>
+      </p:ext>
+    </p:extLst>
+  </p:cSld>
+  <p:clrMapOvr>
+    <a:masterClrMapping/>
+  </p:clrMapOvr>
+</p:sld>
+</file>
+
+<file path=ppt/slides/slide14.xml><?xml version="1.0" encoding="utf-8"?>
+<p:sld xmlns:a="http://schemas.openxmlformats.org/drawingml/2006/main" xmlns:r="http://schemas.openxmlformats.org/officeDocument/2006/relationships" xmlns:p="http://schemas.openxmlformats.org/presentationml/2006/main">
+  <p:cSld>
+    <p:spTree>
+      <p:nvGrpSpPr>
+        <p:cNvPr id="1" name=""/>
+        <p:cNvGrpSpPr/>
+        <p:nvPr/>
+      </p:nvGrpSpPr>
+      <p:grpSpPr>
+        <a:xfrm>
+          <a:off x="0" y="0"/>
+          <a:ext cx="0" cy="0"/>
+          <a:chOff x="0" y="0"/>
+          <a:chExt cx="0" cy="0"/>
+        </a:xfrm>
+      </p:grpSpPr>
+      <p:sp>
+        <p:nvSpPr>
+          <p:cNvPr id="2" name="Title 1"/>
+          <p:cNvSpPr>
+            <a:spLocks noGrp="1"/>
+          </p:cNvSpPr>
+          <p:nvPr>
+            <p:ph type="title"/>
+          </p:nvPr>
+        </p:nvSpPr>
+        <p:spPr/>
+        <p:txBody>
+          <a:bodyPr>
+            <a:normAutofit fontScale="90000"/>
+          </a:bodyPr>
+          <a:lstStyle/>
+          <a:p>
+            <a:r>
+              <a:rPr lang="en-US" dirty="0" smtClean="0"/>
+              <a:t>Nodes: Relative Selection Operations</a:t>
+            </a:r>
+            <a:endParaRPr lang="en-US" dirty="0"/>
+          </a:p>
+        </p:txBody>
+      </p:sp>
+      <p:sp>
+        <p:nvSpPr>
+          <p:cNvPr id="3" name="Content Placeholder 2"/>
+          <p:cNvSpPr>
+            <a:spLocks noGrp="1"/>
+          </p:cNvSpPr>
+          <p:nvPr>
+            <p:ph idx="1"/>
+          </p:nvPr>
+        </p:nvSpPr>
+        <p:spPr/>
+        <p:txBody>
+          <a:bodyPr/>
+          <a:lstStyle/>
+          <a:p>
+            <a:r>
+              <a:rPr lang="en-US" dirty="0" smtClean="0">
+                <a:latin typeface="Georgia" panose="02040502050405020303" pitchFamily="18" charset="0"/>
+              </a:rPr>
+              <a:t>Relative k-Tournament Selection</a:t>
+            </a:r>
+          </a:p>
+          <a:p>
+            <a:endParaRPr lang="en-US" dirty="0">
+              <a:latin typeface="Georgia" panose="02040502050405020303" pitchFamily="18" charset="0"/>
+            </a:endParaRPr>
+          </a:p>
+          <a:p>
+            <a:r>
+              <a:rPr lang="en-US" dirty="0" smtClean="0">
+                <a:latin typeface="Georgia" panose="02040502050405020303" pitchFamily="18" charset="0"/>
+              </a:rPr>
+              <a:t>Relative Truncation Selection</a:t>
+            </a:r>
+          </a:p>
+          <a:p>
+            <a:endParaRPr lang="en-US" dirty="0">
+              <a:latin typeface="Georgia" panose="02040502050405020303" pitchFamily="18" charset="0"/>
+            </a:endParaRPr>
+          </a:p>
+          <a:p>
+            <a:r>
+              <a:rPr lang="en-US" dirty="0" smtClean="0">
+                <a:latin typeface="Georgia" panose="02040502050405020303" pitchFamily="18" charset="0"/>
+              </a:rPr>
+              <a:t>Relative Random Subset</a:t>
+            </a:r>
+          </a:p>
+          <a:p>
+            <a:endParaRPr lang="en-US" dirty="0"/>
+          </a:p>
+          <a:p>
+            <a:endParaRPr lang="en-US" dirty="0"/>
+          </a:p>
+        </p:txBody>
+      </p:sp>
+    </p:spTree>
+    <p:extLst>
+      <p:ext uri="{BB962C8B-B14F-4D97-AF65-F5344CB8AC3E}">
+        <p14:creationId xmlns:p14="http://schemas.microsoft.com/office/powerpoint/2010/main" val="678826208"/>
+      </p:ext>
+    </p:extLst>
+  </p:cSld>
+  <p:clrMapOvr>
+    <a:masterClrMapping/>
+  </p:clrMapOvr>
+</p:sld>
+</file>
+
+<file path=ppt/slides/slide15.xml><?xml version="1.0" encoding="utf-8"?>
+<p:sld xmlns:a="http://schemas.openxmlformats.org/drawingml/2006/main" xmlns:r="http://schemas.openxmlformats.org/officeDocument/2006/relationships" xmlns:p="http://schemas.openxmlformats.org/presentationml/2006/main">
+  <p:cSld>
+    <p:spTree>
+      <p:nvGrpSpPr>
+        <p:cNvPr id="1" name=""/>
+        <p:cNvGrpSpPr/>
+        <p:nvPr/>
+      </p:nvGrpSpPr>
+      <p:grpSpPr>
+        <a:xfrm>
+          <a:off x="0" y="0"/>
+          <a:ext cx="0" cy="0"/>
+          <a:chOff x="0" y="0"/>
+          <a:chExt cx="0" cy="0"/>
+        </a:xfrm>
+      </p:grpSpPr>
+      <p:sp>
+        <p:nvSpPr>
+          <p:cNvPr id="2" name="Title 1"/>
+          <p:cNvSpPr>
+            <a:spLocks noGrp="1"/>
+          </p:cNvSpPr>
+          <p:nvPr>
+            <p:ph type="title"/>
+          </p:nvPr>
+        </p:nvSpPr>
+        <p:spPr/>
+        <p:txBody>
+          <a:bodyPr/>
+          <a:lstStyle/>
+          <a:p>
+            <a:r>
+              <a:rPr lang="en-US" dirty="0" smtClean="0"/>
+              <a:t>Nodes: Set Operations</a:t>
+            </a:r>
+            <a:endParaRPr lang="en-US" dirty="0"/>
+          </a:p>
+        </p:txBody>
+      </p:sp>
+      <p:sp>
+        <p:nvSpPr>
+          <p:cNvPr id="3" name="Content Placeholder 2"/>
+          <p:cNvSpPr>
+            <a:spLocks noGrp="1"/>
+          </p:cNvSpPr>
+          <p:nvPr>
+            <p:ph idx="1"/>
+          </p:nvPr>
+        </p:nvSpPr>
+        <p:spPr/>
+        <p:txBody>
+          <a:bodyPr/>
+          <a:lstStyle/>
+          <a:p>
+            <a:r>
+              <a:rPr lang="en-US" dirty="0" smtClean="0">
+                <a:latin typeface="Georgia" panose="02040502050405020303" pitchFamily="18" charset="0"/>
+              </a:rPr>
+              <a:t>Union</a:t>
+            </a:r>
+          </a:p>
+          <a:p>
+            <a:endParaRPr lang="en-US" dirty="0">
+              <a:latin typeface="Georgia" panose="02040502050405020303" pitchFamily="18" charset="0"/>
+            </a:endParaRPr>
+          </a:p>
+          <a:p>
+            <a:r>
+              <a:rPr lang="en-US" dirty="0" smtClean="0">
+                <a:latin typeface="Georgia" panose="02040502050405020303" pitchFamily="18" charset="0"/>
+              </a:rPr>
+              <a:t>Intersection</a:t>
+            </a:r>
+          </a:p>
+          <a:p>
+            <a:endParaRPr lang="en-US" dirty="0">
+              <a:latin typeface="Georgia" panose="02040502050405020303" pitchFamily="18" charset="0"/>
+            </a:endParaRPr>
+          </a:p>
+          <a:p>
+            <a:r>
+              <a:rPr lang="en-US" dirty="0" smtClean="0">
+                <a:latin typeface="Georgia" panose="02040502050405020303" pitchFamily="18" charset="0"/>
+              </a:rPr>
+              <a:t>Difference</a:t>
+            </a:r>
+          </a:p>
+          <a:p>
+            <a:endParaRPr lang="en-US" dirty="0">
+              <a:latin typeface="Georgia" panose="02040502050405020303" pitchFamily="18" charset="0"/>
+            </a:endParaRPr>
+          </a:p>
+          <a:p>
+            <a:r>
+              <a:rPr lang="en-US" dirty="0" smtClean="0">
+                <a:latin typeface="Georgia" panose="02040502050405020303" pitchFamily="18" charset="0"/>
+              </a:rPr>
+              <a:t>Symmetric Difference </a:t>
+            </a:r>
+            <a:endParaRPr lang="en-US" dirty="0">
+              <a:latin typeface="Georgia" panose="02040502050405020303" pitchFamily="18" charset="0"/>
+            </a:endParaRPr>
+          </a:p>
+        </p:txBody>
+      </p:sp>
+    </p:spTree>
+    <p:extLst>
+      <p:ext uri="{BB962C8B-B14F-4D97-AF65-F5344CB8AC3E}">
+        <p14:creationId xmlns:p14="http://schemas.microsoft.com/office/powerpoint/2010/main" val="3417650577"/>
+      </p:ext>
+    </p:extLst>
+  </p:cSld>
+  <p:clrMapOvr>
+    <a:masterClrMapping/>
+  </p:clrMapOvr>
+</p:sld>
+</file>
+
+<file path=ppt/slides/slide16.xml><?xml version="1.0" encoding="utf-8"?>
+<p:sld xmlns:a="http://schemas.openxmlformats.org/drawingml/2006/main" xmlns:r="http://schemas.openxmlformats.org/officeDocument/2006/relationships" xmlns:p="http://schemas.openxmlformats.org/presentationml/2006/main">
+  <p:cSld>
+    <p:spTree>
+      <p:nvGrpSpPr>
+        <p:cNvPr id="1" name=""/>
+        <p:cNvGrpSpPr/>
+        <p:nvPr/>
+      </p:nvGrpSpPr>
+      <p:grpSpPr>
+        <a:xfrm>
+          <a:off x="0" y="0"/>
+          <a:ext cx="0" cy="0"/>
+          <a:chOff x="0" y="0"/>
+          <a:chExt cx="0" cy="0"/>
+        </a:xfrm>
+      </p:grpSpPr>
+      <p:sp>
+        <p:nvSpPr>
+          <p:cNvPr id="2" name="Title 1"/>
+          <p:cNvSpPr>
+            <a:spLocks noGrp="1"/>
+          </p:cNvSpPr>
+          <p:nvPr>
+            <p:ph type="title"/>
+          </p:nvPr>
+        </p:nvSpPr>
+        <p:spPr/>
+        <p:txBody>
+          <a:bodyPr/>
+          <a:lstStyle/>
+          <a:p>
+            <a:r>
+              <a:rPr lang="en-US" dirty="0" smtClean="0"/>
+              <a:t>Genetic Program</a:t>
+            </a:r>
+            <a:endParaRPr lang="en-US" dirty="0"/>
+          </a:p>
+        </p:txBody>
+      </p:sp>
+      <p:grpSp>
+        <p:nvGrpSpPr>
+          <p:cNvPr id="73" name="Group 72"/>
+          <p:cNvGrpSpPr/>
+          <p:nvPr/>
+        </p:nvGrpSpPr>
+        <p:grpSpPr>
+          <a:xfrm>
+            <a:off x="1485900" y="1371600"/>
+            <a:ext cx="7048500" cy="4294414"/>
+            <a:chOff x="1485900" y="1371600"/>
+            <a:chExt cx="7048500" cy="4294414"/>
+          </a:xfrm>
+        </p:grpSpPr>
+        <p:sp>
+          <p:nvSpPr>
+            <p:cNvPr id="3" name="Rectangle 2"/>
+            <p:cNvSpPr/>
+            <p:nvPr/>
+          </p:nvSpPr>
+          <p:spPr>
+            <a:xfrm>
+              <a:off x="1485900" y="1381125"/>
+              <a:ext cx="1905000" cy="838200"/>
+            </a:xfrm>
+            <a:prstGeom prst="rect">
+              <a:avLst/>
+            </a:prstGeom>
+          </p:spPr>
+          <p:style>
+            <a:lnRef idx="2">
+              <a:schemeClr val="accent1">
+                <a:shade val="50000"/>
+              </a:schemeClr>
+            </a:lnRef>
+            <a:fillRef idx="1">
+              <a:schemeClr val="accent1"/>
+            </a:fillRef>
+            <a:effectRef idx="0">
+              <a:schemeClr val="accent1"/>
+            </a:effectRef>
+            <a:fontRef idx="minor">
+              <a:schemeClr val="lt1"/>
+            </a:fontRef>
+          </p:style>
+          <p:txBody>
+            <a:bodyPr rtlCol="0" anchor="ctr"/>
+            <a:lstStyle/>
+            <a:p>
+              <a:pPr algn="ctr"/>
+              <a:r>
+                <a:rPr lang="en-US" dirty="0" smtClean="0"/>
+                <a:t>Generate Population</a:t>
+              </a:r>
+              <a:endParaRPr lang="en-US" dirty="0"/>
+            </a:p>
+          </p:txBody>
+        </p:sp>
+        <p:sp>
+          <p:nvSpPr>
+            <p:cNvPr id="4" name="Rectangle 3"/>
+            <p:cNvSpPr/>
+            <p:nvPr/>
+          </p:nvSpPr>
+          <p:spPr>
+            <a:xfrm>
+              <a:off x="1485900" y="2819400"/>
+              <a:ext cx="1905000" cy="838200"/>
+            </a:xfrm>
+            <a:prstGeom prst="rect">
+              <a:avLst/>
+            </a:prstGeom>
+          </p:spPr>
+          <p:style>
+            <a:lnRef idx="2">
+              <a:schemeClr val="accent1">
+                <a:shade val="50000"/>
+              </a:schemeClr>
+            </a:lnRef>
+            <a:fillRef idx="1">
+              <a:schemeClr val="accent1"/>
+            </a:fillRef>
+            <a:effectRef idx="0">
+              <a:schemeClr val="accent1"/>
+            </a:effectRef>
+            <a:fontRef idx="minor">
+              <a:schemeClr val="lt1"/>
+            </a:fontRef>
+          </p:style>
+          <p:txBody>
+            <a:bodyPr rtlCol="0" anchor="ctr"/>
+            <a:lstStyle/>
+            <a:p>
+              <a:pPr algn="ctr"/>
+              <a:r>
+                <a:rPr lang="en-US" dirty="0" smtClean="0"/>
+                <a:t>Evaluate Population</a:t>
+              </a:r>
+            </a:p>
+          </p:txBody>
+        </p:sp>
+        <p:sp>
+          <p:nvSpPr>
+            <p:cNvPr id="5" name="Rectangle 4"/>
+            <p:cNvSpPr/>
+            <p:nvPr/>
+          </p:nvSpPr>
+          <p:spPr>
+            <a:xfrm>
+              <a:off x="3820886" y="2819400"/>
+              <a:ext cx="1905000" cy="838200"/>
+            </a:xfrm>
+            <a:prstGeom prst="rect">
+              <a:avLst/>
+            </a:prstGeom>
+          </p:spPr>
+          <p:style>
+            <a:lnRef idx="2">
+              <a:schemeClr val="accent1">
+                <a:shade val="50000"/>
+              </a:schemeClr>
+            </a:lnRef>
+            <a:fillRef idx="1">
+              <a:schemeClr val="accent1"/>
+            </a:fillRef>
+            <a:effectRef idx="0">
+              <a:schemeClr val="accent1"/>
+            </a:effectRef>
+            <a:fontRef idx="minor">
+              <a:schemeClr val="lt1"/>
+            </a:fontRef>
+          </p:style>
+          <p:txBody>
+            <a:bodyPr rtlCol="0" anchor="ctr"/>
+            <a:lstStyle/>
+            <a:p>
+              <a:pPr algn="ctr"/>
+              <a:r>
+                <a:rPr lang="en-US" dirty="0" smtClean="0"/>
+                <a:t>Parent Selection</a:t>
+              </a:r>
+            </a:p>
+          </p:txBody>
+        </p:sp>
+        <p:sp>
+          <p:nvSpPr>
+            <p:cNvPr id="6" name="Rectangle 5"/>
+            <p:cNvSpPr/>
+            <p:nvPr/>
+          </p:nvSpPr>
+          <p:spPr>
+            <a:xfrm>
+              <a:off x="3820886" y="1371600"/>
+              <a:ext cx="1905000" cy="838200"/>
+            </a:xfrm>
+            <a:prstGeom prst="rect">
+              <a:avLst/>
+            </a:prstGeom>
+          </p:spPr>
+          <p:style>
+            <a:lnRef idx="2">
+              <a:schemeClr val="accent1">
+                <a:shade val="50000"/>
+              </a:schemeClr>
+            </a:lnRef>
+            <a:fillRef idx="1">
+              <a:schemeClr val="accent1"/>
+            </a:fillRef>
+            <a:effectRef idx="0">
+              <a:schemeClr val="accent1"/>
+            </a:effectRef>
+            <a:fontRef idx="minor">
+              <a:schemeClr val="lt1"/>
+            </a:fontRef>
+          </p:style>
+          <p:txBody>
+            <a:bodyPr rtlCol="0" anchor="ctr"/>
+            <a:lstStyle/>
+            <a:p>
+              <a:pPr algn="ctr"/>
+              <a:r>
+                <a:rPr lang="en-US" dirty="0" smtClean="0"/>
+                <a:t>Generate Children</a:t>
+              </a:r>
+            </a:p>
+          </p:txBody>
+        </p:sp>
+        <p:sp>
+          <p:nvSpPr>
+            <p:cNvPr id="7" name="Rectangle 6"/>
+            <p:cNvSpPr/>
+            <p:nvPr/>
+          </p:nvSpPr>
+          <p:spPr>
+            <a:xfrm>
+              <a:off x="6629400" y="1371600"/>
+              <a:ext cx="1905000" cy="838200"/>
+            </a:xfrm>
+            <a:prstGeom prst="rect">
+              <a:avLst/>
+            </a:prstGeom>
+          </p:spPr>
+          <p:style>
+            <a:lnRef idx="2">
+              <a:schemeClr val="accent1">
+                <a:shade val="50000"/>
+              </a:schemeClr>
+            </a:lnRef>
+            <a:fillRef idx="1">
+              <a:schemeClr val="accent1"/>
+            </a:fillRef>
+            <a:effectRef idx="0">
+              <a:schemeClr val="accent1"/>
+            </a:effectRef>
+            <a:fontRef idx="minor">
+              <a:schemeClr val="lt1"/>
+            </a:fontRef>
+          </p:style>
+          <p:txBody>
+            <a:bodyPr rtlCol="0" anchor="ctr"/>
+            <a:lstStyle/>
+            <a:p>
+              <a:pPr algn="ctr"/>
+              <a:r>
+                <a:rPr lang="en-US" dirty="0" smtClean="0"/>
+                <a:t>Evaluate Children</a:t>
+              </a:r>
+            </a:p>
+          </p:txBody>
+        </p:sp>
+        <p:sp>
+          <p:nvSpPr>
+            <p:cNvPr id="8" name="Rectangle 7"/>
+            <p:cNvSpPr/>
+            <p:nvPr/>
+          </p:nvSpPr>
+          <p:spPr>
+            <a:xfrm>
+              <a:off x="6629400" y="4827814"/>
+              <a:ext cx="1905000" cy="838200"/>
+            </a:xfrm>
+            <a:prstGeom prst="rect">
+              <a:avLst/>
+            </a:prstGeom>
+          </p:spPr>
+          <p:style>
+            <a:lnRef idx="2">
+              <a:schemeClr val="accent1">
+                <a:shade val="50000"/>
+              </a:schemeClr>
+            </a:lnRef>
+            <a:fillRef idx="1">
+              <a:schemeClr val="accent1"/>
+            </a:fillRef>
+            <a:effectRef idx="0">
+              <a:schemeClr val="accent1"/>
+            </a:effectRef>
+            <a:fontRef idx="minor">
+              <a:schemeClr val="lt1"/>
+            </a:fontRef>
+          </p:style>
+          <p:txBody>
+            <a:bodyPr rtlCol="0" anchor="ctr"/>
+            <a:lstStyle/>
+            <a:p>
+              <a:pPr algn="ctr"/>
+              <a:r>
+                <a:rPr lang="en-US" dirty="0" smtClean="0"/>
+                <a:t>Survivor Selection</a:t>
+              </a:r>
+            </a:p>
+          </p:txBody>
+        </p:sp>
+        <p:sp>
+          <p:nvSpPr>
+            <p:cNvPr id="9" name="Rectangle 8"/>
+            <p:cNvSpPr/>
+            <p:nvPr/>
+          </p:nvSpPr>
+          <p:spPr>
+            <a:xfrm>
+              <a:off x="3820886" y="4827814"/>
+              <a:ext cx="1905000" cy="838200"/>
+            </a:xfrm>
+            <a:prstGeom prst="rect">
+              <a:avLst/>
+            </a:prstGeom>
+          </p:spPr>
+          <p:style>
+            <a:lnRef idx="2">
+              <a:schemeClr val="accent1">
+                <a:shade val="50000"/>
+              </a:schemeClr>
+            </a:lnRef>
+            <a:fillRef idx="1">
+              <a:schemeClr val="accent1"/>
+            </a:fillRef>
+            <a:effectRef idx="0">
+              <a:schemeClr val="accent1"/>
+            </a:effectRef>
+            <a:fontRef idx="minor">
+              <a:schemeClr val="lt1"/>
+            </a:fontRef>
+          </p:style>
+          <p:txBody>
+            <a:bodyPr rtlCol="0" anchor="ctr"/>
+            <a:lstStyle/>
+            <a:p>
+              <a:pPr algn="ctr"/>
+              <a:r>
+                <a:rPr lang="en-US" dirty="0" smtClean="0"/>
+                <a:t>Check Termination</a:t>
+              </a:r>
+            </a:p>
+          </p:txBody>
+        </p:sp>
+        <p:cxnSp>
+          <p:nvCxnSpPr>
+            <p:cNvPr id="11" name="Straight Arrow Connector 10"/>
+            <p:cNvCxnSpPr>
+              <a:stCxn id="3" idx="2"/>
+              <a:endCxn id="4" idx="0"/>
+            </p:cNvCxnSpPr>
+            <p:nvPr/>
+          </p:nvCxnSpPr>
+          <p:spPr>
+            <a:xfrm>
+              <a:off x="2438400" y="2219325"/>
+              <a:ext cx="0" cy="600075"/>
+            </a:xfrm>
+            <a:prstGeom prst="straightConnector1">
+              <a:avLst/>
+            </a:prstGeom>
+            <a:ln w="38100">
+              <a:solidFill>
+                <a:schemeClr val="tx1"/>
+              </a:solidFill>
+              <a:tailEnd type="arrow"/>
+            </a:ln>
+          </p:spPr>
+          <p:style>
+            <a:lnRef idx="1">
+              <a:schemeClr val="accent1"/>
+            </a:lnRef>
+            <a:fillRef idx="0">
+              <a:schemeClr val="accent1"/>
+            </a:fillRef>
+            <a:effectRef idx="0">
+              <a:schemeClr val="accent1"/>
+            </a:effectRef>
+            <a:fontRef idx="minor">
+              <a:schemeClr val="tx1"/>
+            </a:fontRef>
+          </p:style>
+        </p:cxnSp>
+        <p:cxnSp>
+          <p:nvCxnSpPr>
+            <p:cNvPr id="15" name="Straight Arrow Connector 14"/>
+            <p:cNvCxnSpPr>
+              <a:stCxn id="4" idx="3"/>
+              <a:endCxn id="5" idx="1"/>
+            </p:cNvCxnSpPr>
+            <p:nvPr/>
+          </p:nvCxnSpPr>
+          <p:spPr>
+            <a:xfrm>
+              <a:off x="3390900" y="3238500"/>
+              <a:ext cx="429986" cy="0"/>
+            </a:xfrm>
+            <a:prstGeom prst="straightConnector1">
+              <a:avLst/>
+            </a:prstGeom>
+            <a:ln w="38100">
+              <a:solidFill>
+                <a:schemeClr val="tx1"/>
+              </a:solidFill>
+              <a:tailEnd type="arrow"/>
+            </a:ln>
+          </p:spPr>
+          <p:style>
+            <a:lnRef idx="1">
+              <a:schemeClr val="accent1"/>
+            </a:lnRef>
+            <a:fillRef idx="0">
+              <a:schemeClr val="accent1"/>
+            </a:fillRef>
+            <a:effectRef idx="0">
+              <a:schemeClr val="accent1"/>
+            </a:effectRef>
+            <a:fontRef idx="minor">
+              <a:schemeClr val="tx1"/>
+            </a:fontRef>
+          </p:style>
+        </p:cxnSp>
+        <p:cxnSp>
+          <p:nvCxnSpPr>
+            <p:cNvPr id="18" name="Straight Arrow Connector 17"/>
+            <p:cNvCxnSpPr>
+              <a:stCxn id="5" idx="0"/>
+              <a:endCxn id="6" idx="2"/>
+            </p:cNvCxnSpPr>
+            <p:nvPr/>
+          </p:nvCxnSpPr>
+          <p:spPr>
+            <a:xfrm flipV="1">
+              <a:off x="4773386" y="2209800"/>
+              <a:ext cx="0" cy="609600"/>
+            </a:xfrm>
+            <a:prstGeom prst="straightConnector1">
+              <a:avLst/>
+            </a:prstGeom>
+            <a:ln w="38100">
+              <a:solidFill>
+                <a:schemeClr val="tx1"/>
+              </a:solidFill>
+              <a:tailEnd type="arrow"/>
+            </a:ln>
+          </p:spPr>
+          <p:style>
+            <a:lnRef idx="1">
+              <a:schemeClr val="accent1"/>
+            </a:lnRef>
+            <a:fillRef idx="0">
+              <a:schemeClr val="accent1"/>
+            </a:fillRef>
+            <a:effectRef idx="0">
+              <a:schemeClr val="accent1"/>
+            </a:effectRef>
+            <a:fontRef idx="minor">
+              <a:schemeClr val="tx1"/>
+            </a:fontRef>
+          </p:style>
+        </p:cxnSp>
+        <p:cxnSp>
+          <p:nvCxnSpPr>
+            <p:cNvPr id="21" name="Straight Arrow Connector 20"/>
+            <p:cNvCxnSpPr>
+              <a:stCxn id="6" idx="3"/>
+              <a:endCxn id="7" idx="1"/>
+            </p:cNvCxnSpPr>
+            <p:nvPr/>
+          </p:nvCxnSpPr>
+          <p:spPr>
+            <a:xfrm>
+              <a:off x="5725886" y="1790700"/>
+              <a:ext cx="903514" cy="0"/>
+            </a:xfrm>
+            <a:prstGeom prst="straightConnector1">
+              <a:avLst/>
+            </a:prstGeom>
+            <a:ln w="38100">
+              <a:solidFill>
+                <a:schemeClr val="tx1"/>
+              </a:solidFill>
+              <a:tailEnd type="arrow"/>
+            </a:ln>
+          </p:spPr>
+          <p:style>
+            <a:lnRef idx="1">
+              <a:schemeClr val="accent1"/>
+            </a:lnRef>
+            <a:fillRef idx="0">
+              <a:schemeClr val="accent1"/>
+            </a:fillRef>
+            <a:effectRef idx="0">
+              <a:schemeClr val="accent1"/>
+            </a:effectRef>
+            <a:fontRef idx="minor">
+              <a:schemeClr val="tx1"/>
+            </a:fontRef>
+          </p:style>
+        </p:cxnSp>
+        <p:cxnSp>
+          <p:nvCxnSpPr>
+            <p:cNvPr id="24" name="Straight Arrow Connector 23"/>
+            <p:cNvCxnSpPr>
+              <a:stCxn id="7" idx="2"/>
+              <a:endCxn id="8" idx="0"/>
+            </p:cNvCxnSpPr>
+            <p:nvPr/>
+          </p:nvCxnSpPr>
+          <p:spPr>
+            <a:xfrm>
+              <a:off x="7581900" y="2209800"/>
+              <a:ext cx="0" cy="2618014"/>
+            </a:xfrm>
+            <a:prstGeom prst="straightConnector1">
+              <a:avLst/>
+            </a:prstGeom>
+            <a:ln w="38100">
+              <a:solidFill>
+                <a:schemeClr val="tx1"/>
+              </a:solidFill>
+              <a:tailEnd type="arrow"/>
+            </a:ln>
+          </p:spPr>
+          <p:style>
+            <a:lnRef idx="1">
+              <a:schemeClr val="accent1"/>
+            </a:lnRef>
+            <a:fillRef idx="0">
+              <a:schemeClr val="accent1"/>
+            </a:fillRef>
+            <a:effectRef idx="0">
+              <a:schemeClr val="accent1"/>
+            </a:effectRef>
+            <a:fontRef idx="minor">
+              <a:schemeClr val="tx1"/>
+            </a:fontRef>
+          </p:style>
+        </p:cxnSp>
+        <p:cxnSp>
+          <p:nvCxnSpPr>
+            <p:cNvPr id="27" name="Straight Arrow Connector 26"/>
+            <p:cNvCxnSpPr>
+              <a:stCxn id="8" idx="1"/>
+              <a:endCxn id="9" idx="3"/>
+            </p:cNvCxnSpPr>
+            <p:nvPr/>
+          </p:nvCxnSpPr>
+          <p:spPr>
+            <a:xfrm flipH="1">
+              <a:off x="5725886" y="5246914"/>
+              <a:ext cx="903514" cy="0"/>
+            </a:xfrm>
+            <a:prstGeom prst="straightConnector1">
+              <a:avLst/>
+            </a:prstGeom>
+            <a:ln w="38100">
+              <a:solidFill>
+                <a:schemeClr val="tx1"/>
+              </a:solidFill>
+              <a:tailEnd type="arrow"/>
+            </a:ln>
+          </p:spPr>
+          <p:style>
+            <a:lnRef idx="1">
+              <a:schemeClr val="accent1"/>
+            </a:lnRef>
+            <a:fillRef idx="0">
+              <a:schemeClr val="accent1"/>
+            </a:fillRef>
+            <a:effectRef idx="0">
+              <a:schemeClr val="accent1"/>
+            </a:effectRef>
+            <a:fontRef idx="minor">
+              <a:schemeClr val="tx1"/>
+            </a:fontRef>
+          </p:style>
+        </p:cxnSp>
+        <p:cxnSp>
+          <p:nvCxnSpPr>
+            <p:cNvPr id="30" name="Straight Arrow Connector 29"/>
+            <p:cNvCxnSpPr>
+              <a:stCxn id="9" idx="0"/>
+              <a:endCxn id="5" idx="2"/>
+            </p:cNvCxnSpPr>
+            <p:nvPr/>
+          </p:nvCxnSpPr>
+          <p:spPr>
+            <a:xfrm flipV="1">
+              <a:off x="4773386" y="3657600"/>
+              <a:ext cx="0" cy="1170214"/>
+            </a:xfrm>
+            <a:prstGeom prst="straightConnector1">
+              <a:avLst/>
+            </a:prstGeom>
+            <a:ln w="38100">
+              <a:solidFill>
+                <a:schemeClr val="tx1"/>
+              </a:solidFill>
+              <a:tailEnd type="arrow"/>
+            </a:ln>
+          </p:spPr>
+          <p:style>
+            <a:lnRef idx="1">
+              <a:schemeClr val="accent1"/>
+            </a:lnRef>
+            <a:fillRef idx="0">
+              <a:schemeClr val="accent1"/>
+            </a:fillRef>
+            <a:effectRef idx="0">
+              <a:schemeClr val="accent1"/>
+            </a:effectRef>
+            <a:fontRef idx="minor">
+              <a:schemeClr val="tx1"/>
+            </a:fontRef>
+          </p:style>
+        </p:cxnSp>
+        <p:cxnSp>
+          <p:nvCxnSpPr>
+            <p:cNvPr id="35" name="Straight Arrow Connector 34"/>
+            <p:cNvCxnSpPr>
+              <a:stCxn id="9" idx="1"/>
+              <a:endCxn id="36" idx="3"/>
+            </p:cNvCxnSpPr>
+            <p:nvPr/>
+          </p:nvCxnSpPr>
+          <p:spPr>
+            <a:xfrm flipH="1">
+              <a:off x="3390900" y="5246914"/>
+              <a:ext cx="429986" cy="0"/>
+            </a:xfrm>
+            <a:prstGeom prst="straightConnector1">
+              <a:avLst/>
+            </a:prstGeom>
+            <a:ln w="38100">
+              <a:solidFill>
+                <a:schemeClr val="tx1"/>
+              </a:solidFill>
+              <a:tailEnd type="arrow"/>
+            </a:ln>
+          </p:spPr>
+          <p:style>
+            <a:lnRef idx="1">
+              <a:schemeClr val="accent1"/>
+            </a:lnRef>
+            <a:fillRef idx="0">
+              <a:schemeClr val="accent1"/>
+            </a:fillRef>
+            <a:effectRef idx="0">
+              <a:schemeClr val="accent1"/>
+            </a:effectRef>
+            <a:fontRef idx="minor">
+              <a:schemeClr val="tx1"/>
+            </a:fontRef>
+          </p:style>
+        </p:cxnSp>
+        <p:sp>
+          <p:nvSpPr>
+            <p:cNvPr id="36" name="Rectangle 35"/>
+            <p:cNvSpPr/>
+            <p:nvPr/>
+          </p:nvSpPr>
+          <p:spPr>
+            <a:xfrm>
+              <a:off x="1485900" y="4827814"/>
+              <a:ext cx="1905000" cy="838200"/>
+            </a:xfrm>
+            <a:prstGeom prst="rect">
+              <a:avLst/>
+            </a:prstGeom>
+          </p:spPr>
+          <p:style>
+            <a:lnRef idx="2">
+              <a:schemeClr val="accent1">
+                <a:shade val="50000"/>
+              </a:schemeClr>
+            </a:lnRef>
+            <a:fillRef idx="1">
+              <a:schemeClr val="accent1"/>
+            </a:fillRef>
+            <a:effectRef idx="0">
+              <a:schemeClr val="accent1"/>
+            </a:effectRef>
+            <a:fontRef idx="minor">
+              <a:schemeClr val="lt1"/>
+            </a:fontRef>
+          </p:style>
+          <p:txBody>
+            <a:bodyPr rtlCol="0" anchor="ctr"/>
+            <a:lstStyle/>
+            <a:p>
+              <a:pPr algn="ctr"/>
+              <a:r>
+                <a:rPr lang="en-US" dirty="0" smtClean="0"/>
+                <a:t>Terminate</a:t>
+              </a:r>
+            </a:p>
+          </p:txBody>
+        </p:sp>
+      </p:grpSp>
+    </p:spTree>
+    <p:extLst>
+      <p:ext uri="{BB962C8B-B14F-4D97-AF65-F5344CB8AC3E}">
+        <p14:creationId xmlns:p14="http://schemas.microsoft.com/office/powerpoint/2010/main" val="1414942302"/>
+      </p:ext>
+    </p:extLst>
+  </p:cSld>
+  <p:clrMapOvr>
+    <a:masterClrMapping/>
+  </p:clrMapOvr>
+</p:sld>
+</file>
+
+<file path=ppt/slides/slide17.xml><?xml version="1.0" encoding="utf-8"?>
+<p:sld xmlns:a="http://schemas.openxmlformats.org/drawingml/2006/main" xmlns:r="http://schemas.openxmlformats.org/officeDocument/2006/relationships" xmlns:p="http://schemas.openxmlformats.org/presentationml/2006/main">
+  <p:cSld>
+    <p:spTree>
+      <p:nvGrpSpPr>
+        <p:cNvPr id="1" name=""/>
+        <p:cNvGrpSpPr/>
+        <p:nvPr/>
+      </p:nvGrpSpPr>
+      <p:grpSpPr>
+        <a:xfrm>
+          <a:off x="0" y="0"/>
+          <a:ext cx="0" cy="0"/>
+          <a:chOff x="0" y="0"/>
+          <a:chExt cx="0" cy="0"/>
+        </a:xfrm>
+      </p:grpSpPr>
+      <p:cxnSp>
+        <p:nvCxnSpPr>
+          <p:cNvPr id="32" name="Straight Connector 31"/>
+          <p:cNvCxnSpPr/>
+          <p:nvPr/>
+        </p:nvCxnSpPr>
+        <p:spPr>
+          <a:xfrm>
+            <a:off x="4597235" y="2184730"/>
+            <a:ext cx="3952601" cy="4216070"/>
+          </a:xfrm>
+          <a:prstGeom prst="line">
+            <a:avLst/>
+          </a:prstGeom>
+          <a:ln>
+            <a:solidFill>
+              <a:srgbClr val="FF0000"/>
+            </a:solidFill>
+          </a:ln>
+        </p:spPr>
+        <p:style>
+          <a:lnRef idx="1">
+            <a:schemeClr val="accent1"/>
+          </a:lnRef>
+          <a:fillRef idx="0">
+            <a:schemeClr val="accent1"/>
+          </a:fillRef>
+          <a:effectRef idx="0">
+            <a:schemeClr val="accent1"/>
+          </a:effectRef>
+          <a:fontRef idx="minor">
+            <a:schemeClr val="tx1"/>
+          </a:fontRef>
+        </p:style>
+      </p:cxnSp>
+      <p:sp>
+        <p:nvSpPr>
+          <p:cNvPr id="2" name="Title 1"/>
+          <p:cNvSpPr>
+            <a:spLocks noGrp="1"/>
+          </p:cNvSpPr>
+          <p:nvPr>
+            <p:ph type="title"/>
+          </p:nvPr>
+        </p:nvSpPr>
+        <p:spPr/>
+        <p:txBody>
+          <a:bodyPr>
+            <a:normAutofit fontScale="90000"/>
+          </a:bodyPr>
+          <a:lstStyle/>
+          <a:p>
+            <a:r>
+              <a:rPr lang="en-US" dirty="0" smtClean="0"/>
+              <a:t>Random Graph Generating Algorithm</a:t>
+            </a:r>
+            <a:br>
+              <a:rPr lang="en-US" dirty="0" smtClean="0"/>
+            </a:br>
+            <a:r>
+              <a:rPr lang="en-US" dirty="0" smtClean="0"/>
+              <a:t>Evaluation</a:t>
+            </a:r>
+            <a:endParaRPr lang="en-US" dirty="0"/>
+          </a:p>
+        </p:txBody>
+      </p:sp>
+      <p:grpSp>
+        <p:nvGrpSpPr>
+          <p:cNvPr id="4" name="Group 3"/>
+          <p:cNvGrpSpPr/>
+          <p:nvPr/>
+        </p:nvGrpSpPr>
+        <p:grpSpPr>
+          <a:xfrm>
+            <a:off x="1539436" y="1828800"/>
+            <a:ext cx="2865534" cy="1088036"/>
+            <a:chOff x="533400" y="1371600"/>
+            <a:chExt cx="8001000" cy="4294414"/>
+          </a:xfrm>
+        </p:grpSpPr>
+        <p:sp>
+          <p:nvSpPr>
+            <p:cNvPr id="5" name="Rectangle 4"/>
+            <p:cNvSpPr/>
+            <p:nvPr/>
+          </p:nvSpPr>
+          <p:spPr>
+            <a:xfrm>
+              <a:off x="533400" y="1411215"/>
+              <a:ext cx="1905000" cy="838200"/>
+            </a:xfrm>
+            <a:prstGeom prst="rect">
+              <a:avLst/>
+            </a:prstGeom>
+          </p:spPr>
+          <p:style>
+            <a:lnRef idx="2">
+              <a:schemeClr val="accent1">
+                <a:shade val="50000"/>
+              </a:schemeClr>
+            </a:lnRef>
+            <a:fillRef idx="1">
+              <a:schemeClr val="accent1"/>
+            </a:fillRef>
+            <a:effectRef idx="0">
+              <a:schemeClr val="accent1"/>
+            </a:effectRef>
+            <a:fontRef idx="minor">
+              <a:schemeClr val="lt1"/>
+            </a:fontRef>
+          </p:style>
+          <p:txBody>
+            <a:bodyPr rtlCol="0" anchor="ctr"/>
+            <a:lstStyle/>
+            <a:p>
+              <a:pPr algn="ctr"/>
+              <a:endParaRPr lang="en-US" dirty="0"/>
+            </a:p>
+          </p:txBody>
+        </p:sp>
+        <p:sp>
+          <p:nvSpPr>
+            <p:cNvPr id="6" name="Rectangle 5"/>
+            <p:cNvSpPr/>
+            <p:nvPr/>
+          </p:nvSpPr>
+          <p:spPr>
+            <a:xfrm>
+              <a:off x="533400" y="2819400"/>
+              <a:ext cx="1905000" cy="838200"/>
+            </a:xfrm>
+            <a:prstGeom prst="rect">
+              <a:avLst/>
+            </a:prstGeom>
+          </p:spPr>
+          <p:style>
+            <a:lnRef idx="2">
+              <a:schemeClr val="accent1">
+                <a:shade val="50000"/>
+              </a:schemeClr>
+            </a:lnRef>
+            <a:fillRef idx="1">
+              <a:schemeClr val="accent1"/>
+            </a:fillRef>
+            <a:effectRef idx="0">
+              <a:schemeClr val="accent1"/>
+            </a:effectRef>
+            <a:fontRef idx="minor">
+              <a:schemeClr val="lt1"/>
+            </a:fontRef>
+          </p:style>
+          <p:txBody>
+            <a:bodyPr rtlCol="0" anchor="ctr"/>
+            <a:lstStyle/>
+            <a:p>
+              <a:pPr algn="ctr"/>
+              <a:endParaRPr lang="en-US" dirty="0" smtClean="0"/>
+            </a:p>
+          </p:txBody>
+        </p:sp>
+        <p:sp>
+          <p:nvSpPr>
+            <p:cNvPr id="7" name="Rectangle 6"/>
+            <p:cNvSpPr/>
+            <p:nvPr/>
+          </p:nvSpPr>
+          <p:spPr>
+            <a:xfrm>
+              <a:off x="3820886" y="2819400"/>
+              <a:ext cx="1905000" cy="838200"/>
+            </a:xfrm>
+            <a:prstGeom prst="rect">
+              <a:avLst/>
+            </a:prstGeom>
+          </p:spPr>
+          <p:style>
+            <a:lnRef idx="2">
+              <a:schemeClr val="accent1">
+                <a:shade val="50000"/>
+              </a:schemeClr>
+            </a:lnRef>
+            <a:fillRef idx="1">
+              <a:schemeClr val="accent1"/>
+            </a:fillRef>
+            <a:effectRef idx="0">
+              <a:schemeClr val="accent1"/>
+            </a:effectRef>
+            <a:fontRef idx="minor">
+              <a:schemeClr val="lt1"/>
+            </a:fontRef>
+          </p:style>
+          <p:txBody>
+            <a:bodyPr rtlCol="0" anchor="ctr"/>
+            <a:lstStyle/>
+            <a:p>
+              <a:pPr algn="ctr"/>
+              <a:endParaRPr lang="en-US" dirty="0" smtClean="0"/>
+            </a:p>
+          </p:txBody>
+        </p:sp>
+        <p:sp>
+          <p:nvSpPr>
+            <p:cNvPr id="8" name="Rectangle 7"/>
+            <p:cNvSpPr/>
+            <p:nvPr/>
+          </p:nvSpPr>
+          <p:spPr>
+            <a:xfrm>
+              <a:off x="3820886" y="1371600"/>
+              <a:ext cx="1905000" cy="838200"/>
+            </a:xfrm>
+            <a:prstGeom prst="rect">
+              <a:avLst/>
+            </a:prstGeom>
+          </p:spPr>
+          <p:style>
+            <a:lnRef idx="2">
+              <a:schemeClr val="accent1">
+                <a:shade val="50000"/>
+              </a:schemeClr>
+            </a:lnRef>
+            <a:fillRef idx="1">
+              <a:schemeClr val="accent1"/>
+            </a:fillRef>
+            <a:effectRef idx="0">
+              <a:schemeClr val="accent1"/>
+            </a:effectRef>
+            <a:fontRef idx="minor">
+              <a:schemeClr val="lt1"/>
+            </a:fontRef>
+          </p:style>
+          <p:txBody>
+            <a:bodyPr rtlCol="0" anchor="ctr"/>
+            <a:lstStyle/>
+            <a:p>
+              <a:pPr algn="ctr"/>
+              <a:endParaRPr lang="en-US" dirty="0" smtClean="0"/>
+            </a:p>
+          </p:txBody>
+        </p:sp>
+        <p:sp>
+          <p:nvSpPr>
+            <p:cNvPr id="9" name="Rectangle 8"/>
+            <p:cNvSpPr/>
+            <p:nvPr/>
+          </p:nvSpPr>
+          <p:spPr>
+            <a:xfrm>
+              <a:off x="6629400" y="1371600"/>
+              <a:ext cx="1905000" cy="838200"/>
+            </a:xfrm>
+            <a:prstGeom prst="rect">
+              <a:avLst/>
+            </a:prstGeom>
+          </p:spPr>
+          <p:style>
+            <a:lnRef idx="2">
+              <a:schemeClr val="accent1">
+                <a:shade val="50000"/>
+              </a:schemeClr>
+            </a:lnRef>
+            <a:fillRef idx="1">
+              <a:schemeClr val="accent1"/>
+            </a:fillRef>
+            <a:effectRef idx="0">
+              <a:schemeClr val="accent1"/>
+            </a:effectRef>
+            <a:fontRef idx="minor">
+              <a:schemeClr val="lt1"/>
+            </a:fontRef>
+          </p:style>
+          <p:txBody>
+            <a:bodyPr rtlCol="0" anchor="ctr"/>
+            <a:lstStyle/>
+            <a:p>
+              <a:pPr algn="ctr"/>
+              <a:endParaRPr lang="en-US" dirty="0" smtClean="0"/>
+            </a:p>
+          </p:txBody>
+        </p:sp>
+        <p:sp>
+          <p:nvSpPr>
+            <p:cNvPr id="10" name="Rectangle 9"/>
+            <p:cNvSpPr/>
+            <p:nvPr/>
+          </p:nvSpPr>
+          <p:spPr>
+            <a:xfrm>
+              <a:off x="6629400" y="4827814"/>
+              <a:ext cx="1905000" cy="838200"/>
+            </a:xfrm>
+            <a:prstGeom prst="rect">
+              <a:avLst/>
+            </a:prstGeom>
+          </p:spPr>
+          <p:style>
+            <a:lnRef idx="2">
+              <a:schemeClr val="accent1">
+                <a:shade val="50000"/>
+              </a:schemeClr>
+            </a:lnRef>
+            <a:fillRef idx="1">
+              <a:schemeClr val="accent1"/>
+            </a:fillRef>
+            <a:effectRef idx="0">
+              <a:schemeClr val="accent1"/>
+            </a:effectRef>
+            <a:fontRef idx="minor">
+              <a:schemeClr val="lt1"/>
+            </a:fontRef>
+          </p:style>
+          <p:txBody>
+            <a:bodyPr rtlCol="0" anchor="ctr"/>
+            <a:lstStyle/>
+            <a:p>
+              <a:pPr algn="ctr"/>
+              <a:endParaRPr lang="en-US" dirty="0" smtClean="0"/>
+            </a:p>
+          </p:txBody>
+        </p:sp>
+        <p:sp>
+          <p:nvSpPr>
+            <p:cNvPr id="11" name="Rectangle 10"/>
+            <p:cNvSpPr/>
+            <p:nvPr/>
+          </p:nvSpPr>
+          <p:spPr>
+            <a:xfrm>
+              <a:off x="3820886" y="4827814"/>
+              <a:ext cx="1905000" cy="838200"/>
+            </a:xfrm>
+            <a:prstGeom prst="rect">
+              <a:avLst/>
+            </a:prstGeom>
+          </p:spPr>
+          <p:style>
+            <a:lnRef idx="2">
+              <a:schemeClr val="accent1">
+                <a:shade val="50000"/>
+              </a:schemeClr>
+            </a:lnRef>
+            <a:fillRef idx="1">
+              <a:schemeClr val="accent1"/>
+            </a:fillRef>
+            <a:effectRef idx="0">
+              <a:schemeClr val="accent1"/>
+            </a:effectRef>
+            <a:fontRef idx="minor">
+              <a:schemeClr val="lt1"/>
+            </a:fontRef>
+          </p:style>
+          <p:txBody>
+            <a:bodyPr rtlCol="0" anchor="ctr"/>
+            <a:lstStyle/>
+            <a:p>
+              <a:pPr algn="ctr"/>
+              <a:endParaRPr lang="en-US" dirty="0" smtClean="0"/>
+            </a:p>
+          </p:txBody>
+        </p:sp>
+        <p:cxnSp>
+          <p:nvCxnSpPr>
+            <p:cNvPr id="12" name="Straight Arrow Connector 11"/>
+            <p:cNvCxnSpPr>
+              <a:stCxn id="5" idx="2"/>
+              <a:endCxn id="6" idx="0"/>
+            </p:cNvCxnSpPr>
+            <p:nvPr/>
+          </p:nvCxnSpPr>
+          <p:spPr>
+            <a:xfrm>
+              <a:off x="1485900" y="2249415"/>
+              <a:ext cx="0" cy="569986"/>
+            </a:xfrm>
+            <a:prstGeom prst="straightConnector1">
+              <a:avLst/>
+            </a:prstGeom>
+            <a:ln w="38100">
+              <a:solidFill>
+                <a:schemeClr val="tx1"/>
+              </a:solidFill>
+              <a:tailEnd type="arrow"/>
+            </a:ln>
+          </p:spPr>
+          <p:style>
+            <a:lnRef idx="1">
+              <a:schemeClr val="accent1"/>
+            </a:lnRef>
+            <a:fillRef idx="0">
+              <a:schemeClr val="accent1"/>
+            </a:fillRef>
+            <a:effectRef idx="0">
+              <a:schemeClr val="accent1"/>
+            </a:effectRef>
+            <a:fontRef idx="minor">
+              <a:schemeClr val="tx1"/>
+            </a:fontRef>
+          </p:style>
+        </p:cxnSp>
+        <p:cxnSp>
+          <p:nvCxnSpPr>
+            <p:cNvPr id="13" name="Straight Arrow Connector 12"/>
+            <p:cNvCxnSpPr>
+              <a:stCxn id="6" idx="3"/>
+              <a:endCxn id="7" idx="1"/>
+            </p:cNvCxnSpPr>
+            <p:nvPr/>
+          </p:nvCxnSpPr>
+          <p:spPr>
+            <a:xfrm>
+              <a:off x="2438400" y="3238500"/>
+              <a:ext cx="1382486" cy="0"/>
+            </a:xfrm>
+            <a:prstGeom prst="straightConnector1">
+              <a:avLst/>
+            </a:prstGeom>
+            <a:ln w="38100">
+              <a:solidFill>
+                <a:schemeClr val="tx1"/>
+              </a:solidFill>
+              <a:tailEnd type="arrow"/>
+            </a:ln>
+          </p:spPr>
+          <p:style>
+            <a:lnRef idx="1">
+              <a:schemeClr val="accent1"/>
+            </a:lnRef>
+            <a:fillRef idx="0">
+              <a:schemeClr val="accent1"/>
+            </a:fillRef>
+            <a:effectRef idx="0">
+              <a:schemeClr val="accent1"/>
+            </a:effectRef>
+            <a:fontRef idx="minor">
+              <a:schemeClr val="tx1"/>
+            </a:fontRef>
+          </p:style>
+        </p:cxnSp>
+        <p:cxnSp>
+          <p:nvCxnSpPr>
+            <p:cNvPr id="14" name="Straight Arrow Connector 13"/>
+            <p:cNvCxnSpPr>
+              <a:stCxn id="7" idx="0"/>
+              <a:endCxn id="8" idx="2"/>
+            </p:cNvCxnSpPr>
+            <p:nvPr/>
+          </p:nvCxnSpPr>
+          <p:spPr>
+            <a:xfrm flipV="1">
+              <a:off x="4773386" y="2209800"/>
+              <a:ext cx="0" cy="609600"/>
+            </a:xfrm>
+            <a:prstGeom prst="straightConnector1">
+              <a:avLst/>
+            </a:prstGeom>
+            <a:ln w="38100">
+              <a:solidFill>
+                <a:schemeClr val="tx1"/>
+              </a:solidFill>
+              <a:tailEnd type="arrow"/>
+            </a:ln>
+          </p:spPr>
+          <p:style>
+            <a:lnRef idx="1">
+              <a:schemeClr val="accent1"/>
+            </a:lnRef>
+            <a:fillRef idx="0">
+              <a:schemeClr val="accent1"/>
+            </a:fillRef>
+            <a:effectRef idx="0">
+              <a:schemeClr val="accent1"/>
+            </a:effectRef>
+            <a:fontRef idx="minor">
+              <a:schemeClr val="tx1"/>
+            </a:fontRef>
+          </p:style>
+        </p:cxnSp>
+        <p:cxnSp>
+          <p:nvCxnSpPr>
+            <p:cNvPr id="15" name="Straight Arrow Connector 14"/>
+            <p:cNvCxnSpPr>
+              <a:stCxn id="8" idx="3"/>
+              <a:endCxn id="9" idx="1"/>
+            </p:cNvCxnSpPr>
+            <p:nvPr/>
+          </p:nvCxnSpPr>
+          <p:spPr>
+            <a:xfrm>
+              <a:off x="5725886" y="1790700"/>
+              <a:ext cx="903514" cy="0"/>
+            </a:xfrm>
+            <a:prstGeom prst="straightConnector1">
+              <a:avLst/>
+            </a:prstGeom>
+            <a:ln w="38100">
+              <a:solidFill>
+                <a:schemeClr val="tx1"/>
+              </a:solidFill>
+              <a:tailEnd type="arrow"/>
+            </a:ln>
+          </p:spPr>
+          <p:style>
+            <a:lnRef idx="1">
+              <a:schemeClr val="accent1"/>
+            </a:lnRef>
+            <a:fillRef idx="0">
+              <a:schemeClr val="accent1"/>
+            </a:fillRef>
+            <a:effectRef idx="0">
+              <a:schemeClr val="accent1"/>
+            </a:effectRef>
+            <a:fontRef idx="minor">
+              <a:schemeClr val="tx1"/>
+            </a:fontRef>
+          </p:style>
+        </p:cxnSp>
+        <p:cxnSp>
+          <p:nvCxnSpPr>
+            <p:cNvPr id="16" name="Straight Arrow Connector 15"/>
+            <p:cNvCxnSpPr>
+              <a:stCxn id="9" idx="2"/>
+              <a:endCxn id="10" idx="0"/>
+            </p:cNvCxnSpPr>
+            <p:nvPr/>
+          </p:nvCxnSpPr>
+          <p:spPr>
+            <a:xfrm>
+              <a:off x="7581900" y="2209800"/>
+              <a:ext cx="0" cy="2618014"/>
+            </a:xfrm>
+            <a:prstGeom prst="straightConnector1">
+              <a:avLst/>
+            </a:prstGeom>
+            <a:ln w="38100">
+              <a:solidFill>
+                <a:schemeClr val="tx1"/>
+              </a:solidFill>
+              <a:tailEnd type="arrow"/>
+            </a:ln>
+          </p:spPr>
+          <p:style>
+            <a:lnRef idx="1">
+              <a:schemeClr val="accent1"/>
+            </a:lnRef>
+            <a:fillRef idx="0">
+              <a:schemeClr val="accent1"/>
+            </a:fillRef>
+            <a:effectRef idx="0">
+              <a:schemeClr val="accent1"/>
+            </a:effectRef>
+            <a:fontRef idx="minor">
+              <a:schemeClr val="tx1"/>
+            </a:fontRef>
+          </p:style>
+        </p:cxnSp>
+        <p:cxnSp>
+          <p:nvCxnSpPr>
+            <p:cNvPr id="17" name="Straight Arrow Connector 16"/>
+            <p:cNvCxnSpPr>
+              <a:stCxn id="10" idx="1"/>
+              <a:endCxn id="11" idx="3"/>
+            </p:cNvCxnSpPr>
+            <p:nvPr/>
+          </p:nvCxnSpPr>
+          <p:spPr>
+            <a:xfrm flipH="1">
+              <a:off x="5725886" y="5246914"/>
+              <a:ext cx="903514" cy="0"/>
+            </a:xfrm>
+            <a:prstGeom prst="straightConnector1">
+              <a:avLst/>
+            </a:prstGeom>
+            <a:ln w="38100">
+              <a:solidFill>
+                <a:schemeClr val="tx1"/>
+              </a:solidFill>
+              <a:tailEnd type="arrow"/>
+            </a:ln>
+          </p:spPr>
+          <p:style>
+            <a:lnRef idx="1">
+              <a:schemeClr val="accent1"/>
+            </a:lnRef>
+            <a:fillRef idx="0">
+              <a:schemeClr val="accent1"/>
+            </a:fillRef>
+            <a:effectRef idx="0">
+              <a:schemeClr val="accent1"/>
+            </a:effectRef>
+            <a:fontRef idx="minor">
+              <a:schemeClr val="tx1"/>
+            </a:fontRef>
+          </p:style>
+        </p:cxnSp>
+        <p:cxnSp>
+          <p:nvCxnSpPr>
+            <p:cNvPr id="18" name="Straight Arrow Connector 17"/>
+            <p:cNvCxnSpPr>
+              <a:stCxn id="11" idx="0"/>
+              <a:endCxn id="7" idx="2"/>
+            </p:cNvCxnSpPr>
+            <p:nvPr/>
+          </p:nvCxnSpPr>
+          <p:spPr>
+            <a:xfrm flipV="1">
+              <a:off x="4773386" y="3657600"/>
+              <a:ext cx="0" cy="1170214"/>
+            </a:xfrm>
+            <a:prstGeom prst="straightConnector1">
+              <a:avLst/>
+            </a:prstGeom>
+            <a:ln w="38100">
+              <a:solidFill>
+                <a:schemeClr val="tx1"/>
+              </a:solidFill>
+              <a:tailEnd type="arrow"/>
+            </a:ln>
+          </p:spPr>
+          <p:style>
+            <a:lnRef idx="1">
+              <a:schemeClr val="accent1"/>
+            </a:lnRef>
+            <a:fillRef idx="0">
+              <a:schemeClr val="accent1"/>
+            </a:fillRef>
+            <a:effectRef idx="0">
+              <a:schemeClr val="accent1"/>
+            </a:effectRef>
+            <a:fontRef idx="minor">
+              <a:schemeClr val="tx1"/>
+            </a:fontRef>
+          </p:style>
+        </p:cxnSp>
+        <p:cxnSp>
+          <p:nvCxnSpPr>
+            <p:cNvPr id="19" name="Straight Arrow Connector 18"/>
+            <p:cNvCxnSpPr>
+              <a:stCxn id="11" idx="1"/>
+              <a:endCxn id="20" idx="3"/>
+            </p:cNvCxnSpPr>
+            <p:nvPr/>
+          </p:nvCxnSpPr>
+          <p:spPr>
+            <a:xfrm flipH="1" flipV="1">
+              <a:off x="2438400" y="5225143"/>
+              <a:ext cx="1382486" cy="21771"/>
+            </a:xfrm>
+            <a:prstGeom prst="straightConnector1">
+              <a:avLst/>
+            </a:prstGeom>
+            <a:ln w="38100">
+              <a:solidFill>
+                <a:schemeClr val="tx1"/>
+              </a:solidFill>
+              <a:tailEnd type="arrow"/>
+            </a:ln>
+          </p:spPr>
+          <p:style>
+            <a:lnRef idx="1">
+              <a:schemeClr val="accent1"/>
+            </a:lnRef>
+            <a:fillRef idx="0">
+              <a:schemeClr val="accent1"/>
+            </a:fillRef>
+            <a:effectRef idx="0">
+              <a:schemeClr val="accent1"/>
+            </a:effectRef>
+            <a:fontRef idx="minor">
+              <a:schemeClr val="tx1"/>
+            </a:fontRef>
+          </p:style>
+        </p:cxnSp>
+        <p:sp>
+          <p:nvSpPr>
+            <p:cNvPr id="20" name="Rectangle 19"/>
+            <p:cNvSpPr/>
+            <p:nvPr/>
+          </p:nvSpPr>
+          <p:spPr>
+            <a:xfrm>
+              <a:off x="533400" y="4806043"/>
+              <a:ext cx="1905000" cy="838200"/>
+            </a:xfrm>
+            <a:prstGeom prst="rect">
+              <a:avLst/>
+            </a:prstGeom>
+          </p:spPr>
+          <p:style>
+            <a:lnRef idx="2">
+              <a:schemeClr val="accent1">
+                <a:shade val="50000"/>
+              </a:schemeClr>
+            </a:lnRef>
+            <a:fillRef idx="1">
+              <a:schemeClr val="accent1"/>
+            </a:fillRef>
+            <a:effectRef idx="0">
+              <a:schemeClr val="accent1"/>
+            </a:effectRef>
+            <a:fontRef idx="minor">
+              <a:schemeClr val="lt1"/>
+            </a:fontRef>
+          </p:style>
+          <p:txBody>
+            <a:bodyPr rtlCol="0" anchor="ctr"/>
+            <a:lstStyle/>
+            <a:p>
+              <a:pPr algn="ctr"/>
+              <a:endParaRPr lang="en-US" dirty="0" smtClean="0"/>
+            </a:p>
+          </p:txBody>
+        </p:sp>
+      </p:grpSp>
+      <p:sp>
+        <p:nvSpPr>
+          <p:cNvPr id="22" name="Rectangle 21"/>
+          <p:cNvSpPr/>
+          <p:nvPr/>
+        </p:nvSpPr>
+        <p:spPr>
+          <a:xfrm>
+            <a:off x="5273236" y="2372818"/>
+            <a:ext cx="3276600" cy="4027982"/>
+          </a:xfrm>
+          <a:prstGeom prst="rect">
+            <a:avLst/>
+          </a:prstGeom>
+          <a:solidFill>
+            <a:schemeClr val="bg1"/>
+          </a:solidFill>
+          <a:ln w="38100">
+            <a:solidFill>
+              <a:srgbClr val="FF0000"/>
+            </a:solidFill>
+          </a:ln>
+        </p:spPr>
+        <p:style>
+          <a:lnRef idx="2">
+            <a:schemeClr val="accent1">
+              <a:shade val="50000"/>
+            </a:schemeClr>
+          </a:lnRef>
+          <a:fillRef idx="1">
+            <a:schemeClr val="accent1"/>
+          </a:fillRef>
+          <a:effectRef idx="0">
+            <a:schemeClr val="accent1"/>
+          </a:effectRef>
+          <a:fontRef idx="minor">
+            <a:schemeClr val="lt1"/>
+          </a:fontRef>
+        </p:style>
+        <p:txBody>
+          <a:bodyPr rtlCol="0" anchor="ctr"/>
+          <a:lstStyle/>
+          <a:p>
+            <a:pPr algn="ctr"/>
+            <a:endParaRPr lang="en-US"/>
+          </a:p>
+        </p:txBody>
+      </p:sp>
+      <p:pic>
+        <p:nvPicPr>
+          <p:cNvPr id="21" name="Picture 2" descr="C:\Users\mmart24\Documents\GitHub\GraphEvo\documents\RandomGraphExample2.png"/>
+          <p:cNvPicPr>
+            <a:picLocks noGrp="1" noChangeAspect="1" noChangeArrowheads="1"/>
+          </p:cNvPicPr>
+          <p:nvPr>
+            <p:ph sz="half" idx="4294967295"/>
+          </p:nvPr>
+        </p:nvPicPr>
+        <p:blipFill>
+          <a:blip r:embed="rId2" cstate="print">
+            <a:extLst>
+              <a:ext uri="{28A0092B-C50C-407E-A947-70E740481C1C}">
+                <a14:useLocalDpi xmlns:a14="http://schemas.microsoft.com/office/drawing/2010/main" val="0"/>
+              </a:ext>
+            </a:extLst>
+          </a:blip>
+          <a:srcRect/>
+          <a:stretch>
+            <a:fillRect/>
+          </a:stretch>
+        </p:blipFill>
+        <p:spPr bwMode="auto">
+          <a:xfrm>
+            <a:off x="5578036" y="2660853"/>
+            <a:ext cx="2667000" cy="3150132"/>
+          </a:xfrm>
+          <a:prstGeom prst="rect">
+            <a:avLst/>
+          </a:prstGeom>
+          <a:noFill/>
+          <a:extLst>
+            <a:ext uri="{909E8E84-426E-40DD-AFC4-6F175D3DCCD1}">
+              <a14:hiddenFill xmlns:a14="http://schemas.microsoft.com/office/drawing/2010/main">
+                <a:solidFill>
+                  <a:srgbClr val="FFFFFF"/>
+                </a:solidFill>
+              </a14:hiddenFill>
+            </a:ext>
+          </a:extLst>
+        </p:spPr>
+      </p:pic>
+      <p:sp>
+        <p:nvSpPr>
+          <p:cNvPr id="23" name="Rectangle 22"/>
+          <p:cNvSpPr/>
+          <p:nvPr/>
+        </p:nvSpPr>
+        <p:spPr>
+          <a:xfrm>
+            <a:off x="3530435" y="1661948"/>
+            <a:ext cx="1066800" cy="522782"/>
+          </a:xfrm>
+          <a:prstGeom prst="rect">
+            <a:avLst/>
+          </a:prstGeom>
+          <a:noFill/>
+          <a:ln w="12700">
+            <a:solidFill>
+              <a:srgbClr val="FF0000"/>
+            </a:solidFill>
+          </a:ln>
+        </p:spPr>
+        <p:style>
+          <a:lnRef idx="2">
+            <a:schemeClr val="accent1">
+              <a:shade val="50000"/>
+            </a:schemeClr>
+          </a:lnRef>
+          <a:fillRef idx="1">
+            <a:schemeClr val="accent1"/>
+          </a:fillRef>
+          <a:effectRef idx="0">
+            <a:schemeClr val="accent1"/>
+          </a:effectRef>
+          <a:fontRef idx="minor">
+            <a:schemeClr val="lt1"/>
+          </a:fontRef>
+        </p:style>
+        <p:txBody>
+          <a:bodyPr rtlCol="0" anchor="ctr"/>
+          <a:lstStyle/>
+          <a:p>
+            <a:pPr algn="ctr"/>
+            <a:endParaRPr lang="en-US"/>
+          </a:p>
+        </p:txBody>
+      </p:sp>
+      <p:cxnSp>
+        <p:nvCxnSpPr>
+          <p:cNvPr id="25" name="Straight Connector 24"/>
+          <p:cNvCxnSpPr/>
+          <p:nvPr/>
+        </p:nvCxnSpPr>
+        <p:spPr>
+          <a:xfrm>
+            <a:off x="4597235" y="1661948"/>
+            <a:ext cx="3952601" cy="710870"/>
+          </a:xfrm>
+          <a:prstGeom prst="line">
+            <a:avLst/>
+          </a:prstGeom>
+          <a:ln>
+            <a:solidFill>
+              <a:srgbClr val="FF0000"/>
+            </a:solidFill>
+          </a:ln>
+        </p:spPr>
+        <p:style>
+          <a:lnRef idx="1">
+            <a:schemeClr val="accent1"/>
+          </a:lnRef>
+          <a:fillRef idx="0">
+            <a:schemeClr val="accent1"/>
+          </a:fillRef>
+          <a:effectRef idx="0">
+            <a:schemeClr val="accent1"/>
+          </a:effectRef>
+          <a:fontRef idx="minor">
+            <a:schemeClr val="tx1"/>
+          </a:fontRef>
+        </p:style>
+      </p:cxnSp>
+      <p:cxnSp>
+        <p:nvCxnSpPr>
+          <p:cNvPr id="26" name="Straight Connector 25"/>
+          <p:cNvCxnSpPr/>
+          <p:nvPr/>
+        </p:nvCxnSpPr>
+        <p:spPr>
+          <a:xfrm>
+            <a:off x="3530435" y="2184730"/>
+            <a:ext cx="1742801" cy="4216070"/>
+          </a:xfrm>
+          <a:prstGeom prst="line">
+            <a:avLst/>
+          </a:prstGeom>
+          <a:ln>
+            <a:solidFill>
+              <a:srgbClr val="FF0000"/>
+            </a:solidFill>
+          </a:ln>
+        </p:spPr>
+        <p:style>
+          <a:lnRef idx="1">
+            <a:schemeClr val="accent1"/>
+          </a:lnRef>
+          <a:fillRef idx="0">
+            <a:schemeClr val="accent1"/>
+          </a:fillRef>
+          <a:effectRef idx="0">
+            <a:schemeClr val="accent1"/>
+          </a:effectRef>
+          <a:fontRef idx="minor">
+            <a:schemeClr val="tx1"/>
+          </a:fontRef>
+        </p:style>
+      </p:cxnSp>
+      <p:cxnSp>
+        <p:nvCxnSpPr>
+          <p:cNvPr id="29" name="Straight Connector 28"/>
+          <p:cNvCxnSpPr/>
+          <p:nvPr/>
+        </p:nvCxnSpPr>
+        <p:spPr>
+          <a:xfrm>
+            <a:off x="3530435" y="1661948"/>
+            <a:ext cx="1742801" cy="710870"/>
+          </a:xfrm>
+          <a:prstGeom prst="line">
+            <a:avLst/>
+          </a:prstGeom>
+          <a:ln>
+            <a:solidFill>
+              <a:srgbClr val="FF0000"/>
+            </a:solidFill>
+          </a:ln>
+        </p:spPr>
+        <p:style>
+          <a:lnRef idx="1">
+            <a:schemeClr val="accent1"/>
+          </a:lnRef>
+          <a:fillRef idx="0">
+            <a:schemeClr val="accent1"/>
+          </a:fillRef>
+          <a:effectRef idx="0">
+            <a:schemeClr val="accent1"/>
+          </a:effectRef>
+          <a:fontRef idx="minor">
+            <a:schemeClr val="tx1"/>
+          </a:fontRef>
+        </p:style>
+      </p:cxnSp>
+    </p:spTree>
+    <p:extLst>
+      <p:ext uri="{BB962C8B-B14F-4D97-AF65-F5344CB8AC3E}">
+        <p14:creationId xmlns:p14="http://schemas.microsoft.com/office/powerpoint/2010/main" val="3771823431"/>
+      </p:ext>
+    </p:extLst>
+  </p:cSld>
+  <p:clrMapOvr>
+    <a:masterClrMapping/>
+  </p:clrMapOvr>
+</p:sld>
+</file>
+
+<file path=ppt/slides/slide18.xml><?xml version="1.0" encoding="utf-8"?>
+<p:sld xmlns:a="http://schemas.openxmlformats.org/drawingml/2006/main" xmlns:r="http://schemas.openxmlformats.org/officeDocument/2006/relationships" xmlns:p="http://schemas.openxmlformats.org/presentationml/2006/main">
+  <p:cSld>
+    <p:spTree>
+      <p:nvGrpSpPr>
+        <p:cNvPr id="1" name=""/>
+        <p:cNvGrpSpPr/>
+        <p:nvPr/>
+      </p:nvGrpSpPr>
+      <p:grpSpPr>
+        <a:xfrm>
+          <a:off x="0" y="0"/>
+          <a:ext cx="0" cy="0"/>
+          <a:chOff x="0" y="0"/>
+          <a:chExt cx="0" cy="0"/>
+        </a:xfrm>
+      </p:grpSpPr>
+      <p:sp>
+        <p:nvSpPr>
+          <p:cNvPr id="2" name="Title 1"/>
+          <p:cNvSpPr>
+            <a:spLocks noGrp="1"/>
+          </p:cNvSpPr>
+          <p:nvPr>
+            <p:ph type="title"/>
+          </p:nvPr>
+        </p:nvSpPr>
+        <p:spPr/>
+        <p:txBody>
+          <a:bodyPr>
+            <a:normAutofit fontScale="90000"/>
+          </a:bodyPr>
+          <a:lstStyle/>
+          <a:p>
+            <a:r>
+              <a:rPr lang="en-US" dirty="0"/>
+              <a:t>Random Graph Generating </a:t>
+            </a:r>
+            <a:r>
+              <a:rPr lang="en-US" dirty="0" smtClean="0"/>
+              <a:t>Algorithm Evaluation</a:t>
+            </a:r>
+            <a:endParaRPr lang="en-US" dirty="0"/>
+          </a:p>
+        </p:txBody>
+      </p:sp>
+      <p:pic>
+        <p:nvPicPr>
+          <p:cNvPr id="4" name="Picture 2" descr="C:\Users\mmart24\Documents\GitHub\GraphEvo\documents\RandomGraphExample2.png"/>
+          <p:cNvPicPr>
+            <a:picLocks noGrp="1" noChangeAspect="1" noChangeArrowheads="1"/>
+          </p:cNvPicPr>
+          <p:nvPr>
+            <p:ph idx="1"/>
+          </p:nvPr>
+        </p:nvPicPr>
+        <p:blipFill>
+          <a:blip r:embed="rId2" cstate="print">
+            <a:extLst>
+              <a:ext uri="{28A0092B-C50C-407E-A947-70E740481C1C}">
+                <a14:useLocalDpi xmlns:a14="http://schemas.microsoft.com/office/drawing/2010/main" val="0"/>
+              </a:ext>
+            </a:extLst>
+          </a:blip>
+          <a:srcRect/>
+          <a:stretch>
+            <a:fillRect/>
+          </a:stretch>
+        </p:blipFill>
+        <p:spPr bwMode="auto">
+          <a:xfrm>
+            <a:off x="3248025" y="1612511"/>
+            <a:ext cx="3862820" cy="4559690"/>
+          </a:xfrm>
+          <a:prstGeom prst="rect">
+            <a:avLst/>
+          </a:prstGeom>
+          <a:noFill/>
+          <a:extLst>
+            <a:ext uri="{909E8E84-426E-40DD-AFC4-6F175D3DCCD1}">
+              <a14:hiddenFill xmlns:a14="http://schemas.microsoft.com/office/drawing/2010/main">
+                <a:solidFill>
+                  <a:srgbClr val="FFFFFF"/>
+                </a:solidFill>
+              </a14:hiddenFill>
+            </a:ext>
+          </a:extLst>
+        </p:spPr>
+      </p:pic>
+    </p:spTree>
+    <p:extLst>
+      <p:ext uri="{BB962C8B-B14F-4D97-AF65-F5344CB8AC3E}">
+        <p14:creationId xmlns:p14="http://schemas.microsoft.com/office/powerpoint/2010/main" val="2818976025"/>
+      </p:ext>
+    </p:extLst>
+  </p:cSld>
+  <p:clrMapOvr>
+    <a:masterClrMapping/>
+  </p:clrMapOvr>
+</p:sld>
+</file>
+
+<file path=ppt/slides/slide19.xml><?xml version="1.0" encoding="utf-8"?>
+<p:sld xmlns:a="http://schemas.openxmlformats.org/drawingml/2006/main" xmlns:r="http://schemas.openxmlformats.org/officeDocument/2006/relationships" xmlns:p="http://schemas.openxmlformats.org/presentationml/2006/main">
+  <p:cSld>
+    <p:spTree>
+      <p:nvGrpSpPr>
+        <p:cNvPr id="1" name=""/>
+        <p:cNvGrpSpPr/>
+        <p:nvPr/>
+      </p:nvGrpSpPr>
+      <p:grpSpPr>
+        <a:xfrm>
+          <a:off x="0" y="0"/>
+          <a:ext cx="0" cy="0"/>
+          <a:chOff x="0" y="0"/>
+          <a:chExt cx="0" cy="0"/>
+        </a:xfrm>
+      </p:grpSpPr>
+      <p:sp>
+        <p:nvSpPr>
+          <p:cNvPr id="2" name="Title 1"/>
+          <p:cNvSpPr>
+            <a:spLocks noGrp="1"/>
+          </p:cNvSpPr>
+          <p:nvPr>
+            <p:ph type="title"/>
+          </p:nvPr>
+        </p:nvSpPr>
+        <p:spPr/>
+        <p:txBody>
+          <a:bodyPr/>
+          <a:lstStyle/>
+          <a:p>
+            <a:r>
+              <a:rPr lang="en-US" dirty="0" smtClean="0"/>
+              <a:t>Testing</a:t>
+            </a:r>
+            <a:endParaRPr lang="en-US" dirty="0"/>
+          </a:p>
+        </p:txBody>
+      </p:sp>
+      <p:sp>
+        <p:nvSpPr>
+          <p:cNvPr id="3" name="Content Placeholder 2"/>
+          <p:cNvSpPr>
+            <a:spLocks noGrp="1"/>
+          </p:cNvSpPr>
+          <p:nvPr>
+            <p:ph idx="1"/>
+          </p:nvPr>
+        </p:nvSpPr>
+        <p:spPr/>
+        <p:txBody>
+          <a:bodyPr>
+            <a:normAutofit fontScale="85000" lnSpcReduction="20000"/>
+          </a:bodyPr>
+          <a:lstStyle/>
+          <a:p>
+            <a:r>
+              <a:rPr lang="en-US" dirty="0" smtClean="0">
+                <a:latin typeface="Georgia" panose="02040502050405020303" pitchFamily="18" charset="0"/>
+              </a:rPr>
+              <a:t>Maximize </a:t>
+            </a:r>
+            <a:r>
+              <a:rPr lang="en-US" dirty="0" err="1" smtClean="0">
+                <a:latin typeface="Georgia" panose="02040502050405020303" pitchFamily="18" charset="0"/>
+              </a:rPr>
+              <a:t>Edgecut</a:t>
+            </a:r>
+            <a:r>
+              <a:rPr lang="en-US" dirty="0" smtClean="0">
+                <a:latin typeface="Georgia" panose="02040502050405020303" pitchFamily="18" charset="0"/>
+              </a:rPr>
+              <a:t> </a:t>
+            </a:r>
+            <a:r>
+              <a:rPr lang="en-US" dirty="0" smtClean="0">
+                <a:latin typeface="Georgia" panose="02040502050405020303" pitchFamily="18" charset="0"/>
+              </a:rPr>
+              <a:t>of Partition</a:t>
+            </a:r>
+          </a:p>
+          <a:p>
+            <a:pPr lvl="1"/>
+            <a:r>
+              <a:rPr lang="en-US" dirty="0" smtClean="0">
+                <a:latin typeface="Georgia" panose="02040502050405020303" pitchFamily="18" charset="0"/>
+              </a:rPr>
+              <a:t>Minimize number of Edges</a:t>
+            </a:r>
+          </a:p>
+          <a:p>
+            <a:endParaRPr lang="en-US" dirty="0">
+              <a:latin typeface="Georgia" panose="02040502050405020303" pitchFamily="18" charset="0"/>
+            </a:endParaRPr>
+          </a:p>
+          <a:p>
+            <a:r>
+              <a:rPr lang="en-US" dirty="0" smtClean="0">
+                <a:latin typeface="Georgia" panose="02040502050405020303" pitchFamily="18" charset="0"/>
+              </a:rPr>
+              <a:t>Minimize </a:t>
+            </a:r>
+            <a:r>
+              <a:rPr lang="en-US" dirty="0" err="1" smtClean="0">
+                <a:latin typeface="Georgia" panose="02040502050405020303" pitchFamily="18" charset="0"/>
+              </a:rPr>
+              <a:t>Edgecut</a:t>
+            </a:r>
+            <a:r>
+              <a:rPr lang="en-US" dirty="0" smtClean="0">
+                <a:latin typeface="Georgia" panose="02040502050405020303" pitchFamily="18" charset="0"/>
+              </a:rPr>
+              <a:t> of Partition</a:t>
+            </a:r>
+          </a:p>
+          <a:p>
+            <a:pPr lvl="1"/>
+            <a:r>
+              <a:rPr lang="en-US" dirty="0" smtClean="0">
+                <a:latin typeface="Georgia" panose="02040502050405020303" pitchFamily="18" charset="0"/>
+              </a:rPr>
+              <a:t>Maximize number of Edges</a:t>
+            </a:r>
+          </a:p>
+          <a:p>
+            <a:endParaRPr lang="en-US" dirty="0">
+              <a:latin typeface="Georgia" panose="02040502050405020303" pitchFamily="18" charset="0"/>
+            </a:endParaRPr>
+          </a:p>
+          <a:p>
+            <a:r>
+              <a:rPr lang="en-US" dirty="0" smtClean="0">
+                <a:latin typeface="Georgia" panose="02040502050405020303" pitchFamily="18" charset="0"/>
+              </a:rPr>
+              <a:t>Maximize Average Eccentricity</a:t>
+            </a:r>
+          </a:p>
+          <a:p>
+            <a:pPr lvl="1"/>
+            <a:r>
+              <a:rPr lang="en-US" dirty="0" smtClean="0">
+                <a:latin typeface="Georgia" panose="02040502050405020303" pitchFamily="18" charset="0"/>
+              </a:rPr>
+              <a:t>Minimize number of Edges</a:t>
+            </a:r>
+          </a:p>
+          <a:p>
+            <a:endParaRPr lang="en-US" dirty="0">
+              <a:latin typeface="Georgia" panose="02040502050405020303" pitchFamily="18" charset="0"/>
+            </a:endParaRPr>
+          </a:p>
+          <a:p>
+            <a:r>
+              <a:rPr lang="en-US" dirty="0" smtClean="0">
+                <a:latin typeface="Georgia" panose="02040502050405020303" pitchFamily="18" charset="0"/>
+              </a:rPr>
+              <a:t>Minimize Average Eccentricity</a:t>
+            </a:r>
+          </a:p>
+          <a:p>
+            <a:pPr lvl="1"/>
+            <a:r>
+              <a:rPr lang="en-US" dirty="0" smtClean="0">
+                <a:latin typeface="Georgia" panose="02040502050405020303" pitchFamily="18" charset="0"/>
+              </a:rPr>
+              <a:t>Minimize number of Edges</a:t>
+            </a:r>
+            <a:endParaRPr lang="en-US" dirty="0">
+              <a:latin typeface="Georgia" panose="02040502050405020303" pitchFamily="18" charset="0"/>
+            </a:endParaRPr>
+          </a:p>
+        </p:txBody>
+      </p:sp>
+    </p:spTree>
+    <p:extLst>
+      <p:ext uri="{BB962C8B-B14F-4D97-AF65-F5344CB8AC3E}">
+        <p14:creationId xmlns:p14="http://schemas.microsoft.com/office/powerpoint/2010/main" val="1984765048"/>
+      </p:ext>
+    </p:extLst>
+  </p:cSld>
+  <p:clrMapOvr>
+    <a:masterClrMapping/>
+  </p:clrMapOvr>
 </p:sld>
 </file>
 
@@ -6313,6 +6458,1317 @@
 </p:sld>
 </file>
 
+<file path=ppt/slides/slide20.xml><?xml version="1.0" encoding="utf-8"?>
+<p:sld xmlns:a="http://schemas.openxmlformats.org/drawingml/2006/main" xmlns:r="http://schemas.openxmlformats.org/officeDocument/2006/relationships" xmlns:p="http://schemas.openxmlformats.org/presentationml/2006/main">
+  <p:cSld>
+    <p:spTree>
+      <p:nvGrpSpPr>
+        <p:cNvPr id="1" name=""/>
+        <p:cNvGrpSpPr/>
+        <p:nvPr/>
+      </p:nvGrpSpPr>
+      <p:grpSpPr>
+        <a:xfrm>
+          <a:off x="0" y="0"/>
+          <a:ext cx="0" cy="0"/>
+          <a:chOff x="0" y="0"/>
+          <a:chExt cx="0" cy="0"/>
+        </a:xfrm>
+      </p:grpSpPr>
+      <p:sp>
+        <p:nvSpPr>
+          <p:cNvPr id="2" name="Title 1"/>
+          <p:cNvSpPr>
+            <a:spLocks noGrp="1"/>
+          </p:cNvSpPr>
+          <p:nvPr>
+            <p:ph type="title"/>
+          </p:nvPr>
+        </p:nvSpPr>
+        <p:spPr/>
+        <p:txBody>
+          <a:bodyPr/>
+          <a:lstStyle/>
+          <a:p>
+            <a:r>
+              <a:rPr lang="en-US" dirty="0"/>
+              <a:t>Testing</a:t>
+            </a:r>
+          </a:p>
+        </p:txBody>
+      </p:sp>
+      <p:sp>
+        <p:nvSpPr>
+          <p:cNvPr id="3" name="Content Placeholder 2"/>
+          <p:cNvSpPr>
+            <a:spLocks noGrp="1"/>
+          </p:cNvSpPr>
+          <p:nvPr>
+            <p:ph idx="1"/>
+          </p:nvPr>
+        </p:nvSpPr>
+        <p:spPr/>
+        <p:txBody>
+          <a:bodyPr/>
+          <a:lstStyle/>
+          <a:p>
+            <a:r>
+              <a:rPr lang="en-US" dirty="0" smtClean="0">
+                <a:latin typeface="Georgia" panose="02040502050405020303" pitchFamily="18" charset="0"/>
+              </a:rPr>
+              <a:t>Trained Graph Size = 300</a:t>
+            </a:r>
+          </a:p>
+          <a:p>
+            <a:endParaRPr lang="en-US" dirty="0" smtClean="0">
+              <a:latin typeface="Georgia" panose="02040502050405020303" pitchFamily="18" charset="0"/>
+            </a:endParaRPr>
+          </a:p>
+          <a:p>
+            <a:r>
+              <a:rPr lang="en-US" dirty="0" smtClean="0">
+                <a:latin typeface="Georgia" panose="02040502050405020303" pitchFamily="18" charset="0"/>
+              </a:rPr>
+              <a:t>20 runs during evaluation</a:t>
+            </a:r>
+          </a:p>
+          <a:p>
+            <a:endParaRPr lang="en-US" dirty="0">
+              <a:latin typeface="Georgia" panose="02040502050405020303" pitchFamily="18" charset="0"/>
+            </a:endParaRPr>
+          </a:p>
+          <a:p>
+            <a:r>
+              <a:rPr lang="en-US" dirty="0" smtClean="0">
+                <a:latin typeface="Georgia" panose="02040502050405020303" pitchFamily="18" charset="0"/>
+              </a:rPr>
+              <a:t>5 runs of GP on each problem</a:t>
+            </a:r>
+            <a:endParaRPr lang="en-US" dirty="0">
+              <a:latin typeface="Georgia" panose="02040502050405020303" pitchFamily="18" charset="0"/>
+            </a:endParaRPr>
+          </a:p>
+          <a:p>
+            <a:endParaRPr lang="en-US" dirty="0"/>
+          </a:p>
+        </p:txBody>
+      </p:sp>
+    </p:spTree>
+    <p:extLst>
+      <p:ext uri="{BB962C8B-B14F-4D97-AF65-F5344CB8AC3E}">
+        <p14:creationId xmlns:p14="http://schemas.microsoft.com/office/powerpoint/2010/main" val="347288987"/>
+      </p:ext>
+    </p:extLst>
+  </p:cSld>
+  <p:clrMapOvr>
+    <a:masterClrMapping/>
+  </p:clrMapOvr>
+</p:sld>
+</file>
+
+<file path=ppt/slides/slide21.xml><?xml version="1.0" encoding="utf-8"?>
+<p:sld xmlns:a="http://schemas.openxmlformats.org/drawingml/2006/main" xmlns:r="http://schemas.openxmlformats.org/officeDocument/2006/relationships" xmlns:p="http://schemas.openxmlformats.org/presentationml/2006/main">
+  <p:cSld>
+    <p:spTree>
+      <p:nvGrpSpPr>
+        <p:cNvPr id="1" name=""/>
+        <p:cNvGrpSpPr/>
+        <p:nvPr/>
+      </p:nvGrpSpPr>
+      <p:grpSpPr>
+        <a:xfrm>
+          <a:off x="0" y="0"/>
+          <a:ext cx="0" cy="0"/>
+          <a:chOff x="0" y="0"/>
+          <a:chExt cx="0" cy="0"/>
+        </a:xfrm>
+      </p:grpSpPr>
+      <p:sp>
+        <p:nvSpPr>
+          <p:cNvPr id="2" name="Title 1"/>
+          <p:cNvSpPr>
+            <a:spLocks noGrp="1"/>
+          </p:cNvSpPr>
+          <p:nvPr>
+            <p:ph type="title"/>
+          </p:nvPr>
+        </p:nvSpPr>
+        <p:spPr>
+          <a:xfrm>
+            <a:off x="457200" y="304800"/>
+            <a:ext cx="8229600" cy="1143000"/>
+          </a:xfrm>
+        </p:spPr>
+        <p:txBody>
+          <a:bodyPr/>
+          <a:lstStyle/>
+          <a:p>
+            <a:r>
+              <a:rPr lang="en-US" dirty="0" smtClean="0"/>
+              <a:t>Results: Max Partition</a:t>
+            </a:r>
+            <a:endParaRPr lang="en-US" dirty="0"/>
+          </a:p>
+        </p:txBody>
+      </p:sp>
+      <p:pic>
+        <p:nvPicPr>
+          <p:cNvPr id="1026" name="Picture 2" descr="C:\Users\mmart24\Documents\GitHub\GraphEvo\documents\maxM.png"/>
+          <p:cNvPicPr>
+            <a:picLocks noChangeAspect="1" noChangeArrowheads="1"/>
+          </p:cNvPicPr>
+          <p:nvPr/>
+        </p:nvPicPr>
+        <p:blipFill>
+          <a:blip r:embed="rId2">
+            <a:extLst>
+              <a:ext uri="{28A0092B-C50C-407E-A947-70E740481C1C}">
+                <a14:useLocalDpi xmlns:a14="http://schemas.microsoft.com/office/drawing/2010/main" val="0"/>
+              </a:ext>
+            </a:extLst>
+          </a:blip>
+          <a:srcRect/>
+          <a:stretch>
+            <a:fillRect/>
+          </a:stretch>
+        </p:blipFill>
+        <p:spPr bwMode="auto">
+          <a:xfrm>
+            <a:off x="1457325" y="2272665"/>
+            <a:ext cx="1781175" cy="2486025"/>
+          </a:xfrm>
+          <a:prstGeom prst="rect">
+            <a:avLst/>
+          </a:prstGeom>
+          <a:noFill/>
+          <a:extLst>
+            <a:ext uri="{909E8E84-426E-40DD-AFC4-6F175D3DCCD1}">
+              <a14:hiddenFill xmlns:a14="http://schemas.microsoft.com/office/drawing/2010/main">
+                <a:solidFill>
+                  <a:srgbClr val="FFFFFF"/>
+                </a:solidFill>
+              </a14:hiddenFill>
+            </a:ext>
+          </a:extLst>
+        </p:spPr>
+      </p:pic>
+      <p:pic>
+        <p:nvPicPr>
+          <p:cNvPr id="1027" name="Picture 3" descr="C:\Users\mmart24\Documents\GitHub\GraphEvo\documents\starGraph.png"/>
+          <p:cNvPicPr>
+            <a:picLocks noChangeAspect="1" noChangeArrowheads="1"/>
+          </p:cNvPicPr>
+          <p:nvPr/>
+        </p:nvPicPr>
+        <p:blipFill>
+          <a:blip r:embed="rId3" cstate="print">
+            <a:extLst>
+              <a:ext uri="{28A0092B-C50C-407E-A947-70E740481C1C}">
+                <a14:useLocalDpi xmlns:a14="http://schemas.microsoft.com/office/drawing/2010/main" val="0"/>
+              </a:ext>
+            </a:extLst>
+          </a:blip>
+          <a:srcRect/>
+          <a:stretch>
+            <a:fillRect/>
+          </a:stretch>
+        </p:blipFill>
+        <p:spPr bwMode="auto">
+          <a:xfrm>
+            <a:off x="-14006513" y="-13335000"/>
+            <a:ext cx="9144000" cy="8250930"/>
+          </a:xfrm>
+          <a:prstGeom prst="rect">
+            <a:avLst/>
+          </a:prstGeom>
+          <a:noFill/>
+          <a:extLst>
+            <a:ext uri="{909E8E84-426E-40DD-AFC4-6F175D3DCCD1}">
+              <a14:hiddenFill xmlns:a14="http://schemas.microsoft.com/office/drawing/2010/main">
+                <a:solidFill>
+                  <a:srgbClr val="FFFFFF"/>
+                </a:solidFill>
+              </a14:hiddenFill>
+            </a:ext>
+          </a:extLst>
+        </p:spPr>
+      </p:pic>
+      <p:pic>
+        <p:nvPicPr>
+          <p:cNvPr id="1028" name="Picture 4" descr="C:\Users\mmart24\Documents\GitHub\GraphEvo\documents\starGraph.png"/>
+          <p:cNvPicPr>
+            <a:picLocks noChangeAspect="1" noChangeArrowheads="1"/>
+          </p:cNvPicPr>
+          <p:nvPr/>
+        </p:nvPicPr>
+        <p:blipFill>
+          <a:blip r:embed="rId4" cstate="print">
+            <a:extLst>
+              <a:ext uri="{28A0092B-C50C-407E-A947-70E740481C1C}">
+                <a14:useLocalDpi xmlns:a14="http://schemas.microsoft.com/office/drawing/2010/main" val="0"/>
+              </a:ext>
+            </a:extLst>
+          </a:blip>
+          <a:srcRect/>
+          <a:stretch>
+            <a:fillRect/>
+          </a:stretch>
+        </p:blipFill>
+        <p:spPr bwMode="auto">
+          <a:xfrm>
+            <a:off x="3399263" y="1676400"/>
+            <a:ext cx="5100646" cy="4602480"/>
+          </a:xfrm>
+          <a:prstGeom prst="rect">
+            <a:avLst/>
+          </a:prstGeom>
+          <a:noFill/>
+          <a:extLst>
+            <a:ext uri="{909E8E84-426E-40DD-AFC4-6F175D3DCCD1}">
+              <a14:hiddenFill xmlns:a14="http://schemas.microsoft.com/office/drawing/2010/main">
+                <a:solidFill>
+                  <a:srgbClr val="FFFFFF"/>
+                </a:solidFill>
+              </a14:hiddenFill>
+            </a:ext>
+          </a:extLst>
+        </p:spPr>
+      </p:pic>
+      <p:sp>
+        <p:nvSpPr>
+          <p:cNvPr id="4" name="TextBox 3"/>
+          <p:cNvSpPr txBox="1"/>
+          <p:nvPr/>
+        </p:nvSpPr>
+        <p:spPr>
+          <a:xfrm>
+            <a:off x="1381125" y="5334000"/>
+            <a:ext cx="2286000" cy="584775"/>
+          </a:xfrm>
+          <a:prstGeom prst="rect">
+            <a:avLst/>
+          </a:prstGeom>
+          <a:noFill/>
+        </p:spPr>
+        <p:txBody>
+          <a:bodyPr wrap="square" rtlCol="0">
+            <a:spAutoFit/>
+          </a:bodyPr>
+          <a:lstStyle/>
+          <a:p>
+            <a:r>
+              <a:rPr lang="en-US" sz="3200" dirty="0" smtClean="0"/>
+              <a:t>Star Graph</a:t>
+            </a:r>
+            <a:endParaRPr lang="en-US" sz="3200" dirty="0"/>
+          </a:p>
+        </p:txBody>
+      </p:sp>
+    </p:spTree>
+    <p:extLst>
+      <p:ext uri="{BB962C8B-B14F-4D97-AF65-F5344CB8AC3E}">
+        <p14:creationId xmlns:p14="http://schemas.microsoft.com/office/powerpoint/2010/main" val="4266396146"/>
+      </p:ext>
+    </p:extLst>
+  </p:cSld>
+  <p:clrMapOvr>
+    <a:masterClrMapping/>
+  </p:clrMapOvr>
+</p:sld>
+</file>
+
+<file path=ppt/slides/slide22.xml><?xml version="1.0" encoding="utf-8"?>
+<p:sld xmlns:a="http://schemas.openxmlformats.org/drawingml/2006/main" xmlns:r="http://schemas.openxmlformats.org/officeDocument/2006/relationships" xmlns:p="http://schemas.openxmlformats.org/presentationml/2006/main">
+  <p:cSld>
+    <p:spTree>
+      <p:nvGrpSpPr>
+        <p:cNvPr id="1" name=""/>
+        <p:cNvGrpSpPr/>
+        <p:nvPr/>
+      </p:nvGrpSpPr>
+      <p:grpSpPr>
+        <a:xfrm>
+          <a:off x="0" y="0"/>
+          <a:ext cx="0" cy="0"/>
+          <a:chOff x="0" y="0"/>
+          <a:chExt cx="0" cy="0"/>
+        </a:xfrm>
+      </p:grpSpPr>
+      <p:sp>
+        <p:nvSpPr>
+          <p:cNvPr id="2" name="Title 1"/>
+          <p:cNvSpPr>
+            <a:spLocks noGrp="1"/>
+          </p:cNvSpPr>
+          <p:nvPr>
+            <p:ph type="title"/>
+          </p:nvPr>
+        </p:nvSpPr>
+        <p:spPr/>
+        <p:txBody>
+          <a:bodyPr/>
+          <a:lstStyle/>
+          <a:p>
+            <a:r>
+              <a:rPr lang="en-US" dirty="0" smtClean="0"/>
+              <a:t>Results: Max Partition</a:t>
+            </a:r>
+            <a:endParaRPr lang="en-US" dirty="0"/>
+          </a:p>
+        </p:txBody>
+      </p:sp>
+      <p:pic>
+        <p:nvPicPr>
+          <p:cNvPr id="3075" name="Picture 3" descr="C:\Users\mmart24\Documents\GitHub\GraphEvo\maxM5analysis.png"/>
+          <p:cNvPicPr>
+            <a:picLocks noGrp="1" noChangeAspect="1" noChangeArrowheads="1"/>
+          </p:cNvPicPr>
+          <p:nvPr>
+            <p:ph idx="1"/>
+          </p:nvPr>
+        </p:nvPicPr>
+        <p:blipFill>
+          <a:blip r:embed="rId2">
+            <a:extLst>
+              <a:ext uri="{28A0092B-C50C-407E-A947-70E740481C1C}">
+                <a14:useLocalDpi xmlns:a14="http://schemas.microsoft.com/office/drawing/2010/main" val="0"/>
+              </a:ext>
+            </a:extLst>
+          </a:blip>
+          <a:srcRect/>
+          <a:stretch>
+            <a:fillRect/>
+          </a:stretch>
+        </p:blipFill>
+        <p:spPr bwMode="auto">
+          <a:xfrm>
+            <a:off x="1695450" y="1219200"/>
+            <a:ext cx="6908800" cy="5181600"/>
+          </a:xfrm>
+          <a:prstGeom prst="rect">
+            <a:avLst/>
+          </a:prstGeom>
+          <a:noFill/>
+          <a:extLst>
+            <a:ext uri="{909E8E84-426E-40DD-AFC4-6F175D3DCCD1}">
+              <a14:hiddenFill xmlns:a14="http://schemas.microsoft.com/office/drawing/2010/main">
+                <a:solidFill>
+                  <a:srgbClr val="FFFFFF"/>
+                </a:solidFill>
+              </a14:hiddenFill>
+            </a:ext>
+          </a:extLst>
+        </p:spPr>
+      </p:pic>
+    </p:spTree>
+    <p:extLst>
+      <p:ext uri="{BB962C8B-B14F-4D97-AF65-F5344CB8AC3E}">
+        <p14:creationId xmlns:p14="http://schemas.microsoft.com/office/powerpoint/2010/main" val="19467996"/>
+      </p:ext>
+    </p:extLst>
+  </p:cSld>
+  <p:clrMapOvr>
+    <a:masterClrMapping/>
+  </p:clrMapOvr>
+</p:sld>
+</file>
+
+<file path=ppt/slides/slide23.xml><?xml version="1.0" encoding="utf-8"?>
+<p:sld xmlns:a="http://schemas.openxmlformats.org/drawingml/2006/main" xmlns:r="http://schemas.openxmlformats.org/officeDocument/2006/relationships" xmlns:p="http://schemas.openxmlformats.org/presentationml/2006/main">
+  <p:cSld>
+    <p:spTree>
+      <p:nvGrpSpPr>
+        <p:cNvPr id="1" name=""/>
+        <p:cNvGrpSpPr/>
+        <p:nvPr/>
+      </p:nvGrpSpPr>
+      <p:grpSpPr>
+        <a:xfrm>
+          <a:off x="0" y="0"/>
+          <a:ext cx="0" cy="0"/>
+          <a:chOff x="0" y="0"/>
+          <a:chExt cx="0" cy="0"/>
+        </a:xfrm>
+      </p:grpSpPr>
+      <p:sp>
+        <p:nvSpPr>
+          <p:cNvPr id="2" name="Title 1"/>
+          <p:cNvSpPr>
+            <a:spLocks noGrp="1"/>
+          </p:cNvSpPr>
+          <p:nvPr>
+            <p:ph type="title"/>
+          </p:nvPr>
+        </p:nvSpPr>
+        <p:spPr/>
+        <p:txBody>
+          <a:bodyPr/>
+          <a:lstStyle/>
+          <a:p>
+            <a:r>
+              <a:rPr lang="en-US" dirty="0" smtClean="0"/>
+              <a:t>Results: Min Partition</a:t>
+            </a:r>
+            <a:endParaRPr lang="en-US" dirty="0"/>
+          </a:p>
+        </p:txBody>
+      </p:sp>
+      <p:pic>
+        <p:nvPicPr>
+          <p:cNvPr id="2050" name="Picture 2" descr="C:\Users\mmart24\Documents\GitHub\GraphEvo\documents\minMGraph-small.png"/>
+          <p:cNvPicPr>
+            <a:picLocks noChangeAspect="1" noChangeArrowheads="1"/>
+          </p:cNvPicPr>
+          <p:nvPr/>
+        </p:nvPicPr>
+        <p:blipFill>
+          <a:blip r:embed="rId2">
+            <a:extLst>
+              <a:ext uri="{28A0092B-C50C-407E-A947-70E740481C1C}">
+                <a14:useLocalDpi xmlns:a14="http://schemas.microsoft.com/office/drawing/2010/main" val="0"/>
+              </a:ext>
+            </a:extLst>
+          </a:blip>
+          <a:srcRect/>
+          <a:stretch>
+            <a:fillRect/>
+          </a:stretch>
+        </p:blipFill>
+        <p:spPr bwMode="auto">
+          <a:xfrm>
+            <a:off x="4966428" y="1219200"/>
+            <a:ext cx="3796571" cy="5233670"/>
+          </a:xfrm>
+          <a:prstGeom prst="rect">
+            <a:avLst/>
+          </a:prstGeom>
+          <a:noFill/>
+          <a:extLst>
+            <a:ext uri="{909E8E84-426E-40DD-AFC4-6F175D3DCCD1}">
+              <a14:hiddenFill xmlns:a14="http://schemas.microsoft.com/office/drawing/2010/main">
+                <a:solidFill>
+                  <a:srgbClr val="FFFFFF"/>
+                </a:solidFill>
+              </a14:hiddenFill>
+            </a:ext>
+          </a:extLst>
+        </p:spPr>
+      </p:pic>
+      <p:pic>
+        <p:nvPicPr>
+          <p:cNvPr id="2051" name="Picture 3" descr="C:\Users\mmart24\Documents\GitHub\GraphEvo\documents\minM.png"/>
+          <p:cNvPicPr>
+            <a:picLocks noChangeAspect="1" noChangeArrowheads="1"/>
+          </p:cNvPicPr>
+          <p:nvPr/>
+        </p:nvPicPr>
+        <p:blipFill>
+          <a:blip r:embed="rId3" cstate="print">
+            <a:extLst>
+              <a:ext uri="{28A0092B-C50C-407E-A947-70E740481C1C}">
+                <a14:useLocalDpi xmlns:a14="http://schemas.microsoft.com/office/drawing/2010/main" val="0"/>
+              </a:ext>
+            </a:extLst>
+          </a:blip>
+          <a:srcRect/>
+          <a:stretch>
+            <a:fillRect/>
+          </a:stretch>
+        </p:blipFill>
+        <p:spPr bwMode="auto">
+          <a:xfrm>
+            <a:off x="1828800" y="1270407"/>
+            <a:ext cx="2014743" cy="5131255"/>
+          </a:xfrm>
+          <a:prstGeom prst="rect">
+            <a:avLst/>
+          </a:prstGeom>
+          <a:noFill/>
+          <a:extLst>
+            <a:ext uri="{909E8E84-426E-40DD-AFC4-6F175D3DCCD1}">
+              <a14:hiddenFill xmlns:a14="http://schemas.microsoft.com/office/drawing/2010/main">
+                <a:solidFill>
+                  <a:srgbClr val="FFFFFF"/>
+                </a:solidFill>
+              </a14:hiddenFill>
+            </a:ext>
+          </a:extLst>
+        </p:spPr>
+      </p:pic>
+    </p:spTree>
+    <p:extLst>
+      <p:ext uri="{BB962C8B-B14F-4D97-AF65-F5344CB8AC3E}">
+        <p14:creationId xmlns:p14="http://schemas.microsoft.com/office/powerpoint/2010/main" val="991949162"/>
+      </p:ext>
+    </p:extLst>
+  </p:cSld>
+  <p:clrMapOvr>
+    <a:masterClrMapping/>
+  </p:clrMapOvr>
+</p:sld>
+</file>
+
+<file path=ppt/slides/slide24.xml><?xml version="1.0" encoding="utf-8"?>
+<p:sld xmlns:a="http://schemas.openxmlformats.org/drawingml/2006/main" xmlns:r="http://schemas.openxmlformats.org/officeDocument/2006/relationships" xmlns:p="http://schemas.openxmlformats.org/presentationml/2006/main">
+  <p:cSld>
+    <p:spTree>
+      <p:nvGrpSpPr>
+        <p:cNvPr id="1" name=""/>
+        <p:cNvGrpSpPr/>
+        <p:nvPr/>
+      </p:nvGrpSpPr>
+      <p:grpSpPr>
+        <a:xfrm>
+          <a:off x="0" y="0"/>
+          <a:ext cx="0" cy="0"/>
+          <a:chOff x="0" y="0"/>
+          <a:chExt cx="0" cy="0"/>
+        </a:xfrm>
+      </p:grpSpPr>
+      <p:sp>
+        <p:nvSpPr>
+          <p:cNvPr id="2" name="Title 1"/>
+          <p:cNvSpPr>
+            <a:spLocks noGrp="1"/>
+          </p:cNvSpPr>
+          <p:nvPr>
+            <p:ph type="title"/>
+          </p:nvPr>
+        </p:nvSpPr>
+        <p:spPr/>
+        <p:txBody>
+          <a:bodyPr/>
+          <a:lstStyle/>
+          <a:p>
+            <a:r>
+              <a:rPr lang="en-US" dirty="0" smtClean="0"/>
+              <a:t>Results: Min Partition</a:t>
+            </a:r>
+            <a:endParaRPr lang="en-US" dirty="0"/>
+          </a:p>
+        </p:txBody>
+      </p:sp>
+      <p:pic>
+        <p:nvPicPr>
+          <p:cNvPr id="4100" name="Picture 4" descr="C:\Users\mmart24\Documents\GitHub\GraphEvo\minM2analysis.png"/>
+          <p:cNvPicPr>
+            <a:picLocks noGrp="1" noChangeAspect="1" noChangeArrowheads="1"/>
+          </p:cNvPicPr>
+          <p:nvPr>
+            <p:ph idx="1"/>
+          </p:nvPr>
+        </p:nvPicPr>
+        <p:blipFill>
+          <a:blip r:embed="rId2">
+            <a:extLst>
+              <a:ext uri="{28A0092B-C50C-407E-A947-70E740481C1C}">
+                <a14:useLocalDpi xmlns:a14="http://schemas.microsoft.com/office/drawing/2010/main" val="0"/>
+              </a:ext>
+            </a:extLst>
+          </a:blip>
+          <a:srcRect/>
+          <a:stretch>
+            <a:fillRect/>
+          </a:stretch>
+        </p:blipFill>
+        <p:spPr bwMode="auto">
+          <a:xfrm>
+            <a:off x="1781175" y="1219200"/>
+            <a:ext cx="6807200" cy="5105400"/>
+          </a:xfrm>
+          <a:prstGeom prst="rect">
+            <a:avLst/>
+          </a:prstGeom>
+          <a:noFill/>
+          <a:extLst>
+            <a:ext uri="{909E8E84-426E-40DD-AFC4-6F175D3DCCD1}">
+              <a14:hiddenFill xmlns:a14="http://schemas.microsoft.com/office/drawing/2010/main">
+                <a:solidFill>
+                  <a:srgbClr val="FFFFFF"/>
+                </a:solidFill>
+              </a14:hiddenFill>
+            </a:ext>
+          </a:extLst>
+        </p:spPr>
+      </p:pic>
+    </p:spTree>
+    <p:extLst>
+      <p:ext uri="{BB962C8B-B14F-4D97-AF65-F5344CB8AC3E}">
+        <p14:creationId xmlns:p14="http://schemas.microsoft.com/office/powerpoint/2010/main" val="839716576"/>
+      </p:ext>
+    </p:extLst>
+  </p:cSld>
+  <p:clrMapOvr>
+    <a:masterClrMapping/>
+  </p:clrMapOvr>
+</p:sld>
+</file>
+
+<file path=ppt/slides/slide25.xml><?xml version="1.0" encoding="utf-8"?>
+<p:sld xmlns:a="http://schemas.openxmlformats.org/drawingml/2006/main" xmlns:r="http://schemas.openxmlformats.org/officeDocument/2006/relationships" xmlns:p="http://schemas.openxmlformats.org/presentationml/2006/main">
+  <p:cSld>
+    <p:spTree>
+      <p:nvGrpSpPr>
+        <p:cNvPr id="1" name=""/>
+        <p:cNvGrpSpPr/>
+        <p:nvPr/>
+      </p:nvGrpSpPr>
+      <p:grpSpPr>
+        <a:xfrm>
+          <a:off x="0" y="0"/>
+          <a:ext cx="0" cy="0"/>
+          <a:chOff x="0" y="0"/>
+          <a:chExt cx="0" cy="0"/>
+        </a:xfrm>
+      </p:grpSpPr>
+      <p:sp>
+        <p:nvSpPr>
+          <p:cNvPr id="2" name="Title 1"/>
+          <p:cNvSpPr>
+            <a:spLocks noGrp="1"/>
+          </p:cNvSpPr>
+          <p:nvPr>
+            <p:ph type="title"/>
+          </p:nvPr>
+        </p:nvSpPr>
+        <p:spPr/>
+        <p:txBody>
+          <a:bodyPr/>
+          <a:lstStyle/>
+          <a:p>
+            <a:r>
+              <a:rPr lang="en-US" dirty="0" smtClean="0"/>
+              <a:t>Results: Max Eccentricity</a:t>
+            </a:r>
+            <a:endParaRPr lang="en-US" dirty="0"/>
+          </a:p>
+        </p:txBody>
+      </p:sp>
+      <p:pic>
+        <p:nvPicPr>
+          <p:cNvPr id="5123" name="Picture 3" descr="C:\Users\mmart24\Documents\GitHub\GraphEvo\maxE2analysis.png"/>
+          <p:cNvPicPr>
+            <a:picLocks noGrp="1" noChangeAspect="1" noChangeArrowheads="1"/>
+          </p:cNvPicPr>
+          <p:nvPr>
+            <p:ph idx="1"/>
+          </p:nvPr>
+        </p:nvPicPr>
+        <p:blipFill>
+          <a:blip r:embed="rId2">
+            <a:extLst>
+              <a:ext uri="{28A0092B-C50C-407E-A947-70E740481C1C}">
+                <a14:useLocalDpi xmlns:a14="http://schemas.microsoft.com/office/drawing/2010/main" val="0"/>
+              </a:ext>
+            </a:extLst>
+          </a:blip>
+          <a:srcRect/>
+          <a:stretch>
+            <a:fillRect/>
+          </a:stretch>
+        </p:blipFill>
+        <p:spPr bwMode="auto">
+          <a:xfrm>
+            <a:off x="3087612" y="1524000"/>
+            <a:ext cx="6034617" cy="4525963"/>
+          </a:xfrm>
+          <a:prstGeom prst="rect">
+            <a:avLst/>
+          </a:prstGeom>
+          <a:noFill/>
+          <a:extLst>
+            <a:ext uri="{909E8E84-426E-40DD-AFC4-6F175D3DCCD1}">
+              <a14:hiddenFill xmlns:a14="http://schemas.microsoft.com/office/drawing/2010/main">
+                <a:solidFill>
+                  <a:srgbClr val="FFFFFF"/>
+                </a:solidFill>
+              </a14:hiddenFill>
+            </a:ext>
+          </a:extLst>
+        </p:spPr>
+      </p:pic>
+      <p:pic>
+        <p:nvPicPr>
+          <p:cNvPr id="5124" name="Picture 4" descr="C:\Users\mmart24\Documents\GitHub\GraphEvo\documents\maxE.png"/>
+          <p:cNvPicPr>
+            <a:picLocks noChangeAspect="1" noChangeArrowheads="1"/>
+          </p:cNvPicPr>
+          <p:nvPr/>
+        </p:nvPicPr>
+        <p:blipFill>
+          <a:blip r:embed="rId3">
+            <a:extLst>
+              <a:ext uri="{28A0092B-C50C-407E-A947-70E740481C1C}">
+                <a14:useLocalDpi xmlns:a14="http://schemas.microsoft.com/office/drawing/2010/main" val="0"/>
+              </a:ext>
+            </a:extLst>
+          </a:blip>
+          <a:srcRect/>
+          <a:stretch>
+            <a:fillRect/>
+          </a:stretch>
+        </p:blipFill>
+        <p:spPr bwMode="auto">
+          <a:xfrm>
+            <a:off x="1476374" y="2362199"/>
+            <a:ext cx="1781175" cy="2486025"/>
+          </a:xfrm>
+          <a:prstGeom prst="rect">
+            <a:avLst/>
+          </a:prstGeom>
+          <a:noFill/>
+          <a:extLst>
+            <a:ext uri="{909E8E84-426E-40DD-AFC4-6F175D3DCCD1}">
+              <a14:hiddenFill xmlns:a14="http://schemas.microsoft.com/office/drawing/2010/main">
+                <a:solidFill>
+                  <a:srgbClr val="FFFFFF"/>
+                </a:solidFill>
+              </a14:hiddenFill>
+            </a:ext>
+          </a:extLst>
+        </p:spPr>
+      </p:pic>
+      <p:sp>
+        <p:nvSpPr>
+          <p:cNvPr id="8" name="TextBox 7"/>
+          <p:cNvSpPr txBox="1"/>
+          <p:nvPr/>
+        </p:nvSpPr>
+        <p:spPr>
+          <a:xfrm>
+            <a:off x="1304925" y="5305425"/>
+            <a:ext cx="2286000" cy="584775"/>
+          </a:xfrm>
+          <a:prstGeom prst="rect">
+            <a:avLst/>
+          </a:prstGeom>
+          <a:noFill/>
+        </p:spPr>
+        <p:txBody>
+          <a:bodyPr wrap="square" rtlCol="0">
+            <a:spAutoFit/>
+          </a:bodyPr>
+          <a:lstStyle/>
+          <a:p>
+            <a:r>
+              <a:rPr lang="en-US" sz="3200" dirty="0" smtClean="0"/>
+              <a:t>Path Graph</a:t>
+            </a:r>
+            <a:endParaRPr lang="en-US" sz="3200" dirty="0"/>
+          </a:p>
+        </p:txBody>
+      </p:sp>
+    </p:spTree>
+    <p:extLst>
+      <p:ext uri="{BB962C8B-B14F-4D97-AF65-F5344CB8AC3E}">
+        <p14:creationId xmlns:p14="http://schemas.microsoft.com/office/powerpoint/2010/main" val="4055404231"/>
+      </p:ext>
+    </p:extLst>
+  </p:cSld>
+  <p:clrMapOvr>
+    <a:masterClrMapping/>
+  </p:clrMapOvr>
+</p:sld>
+</file>
+
+<file path=ppt/slides/slide26.xml><?xml version="1.0" encoding="utf-8"?>
+<p:sld xmlns:a="http://schemas.openxmlformats.org/drawingml/2006/main" xmlns:r="http://schemas.openxmlformats.org/officeDocument/2006/relationships" xmlns:p="http://schemas.openxmlformats.org/presentationml/2006/main">
+  <p:cSld>
+    <p:spTree>
+      <p:nvGrpSpPr>
+        <p:cNvPr id="1" name=""/>
+        <p:cNvGrpSpPr/>
+        <p:nvPr/>
+      </p:nvGrpSpPr>
+      <p:grpSpPr>
+        <a:xfrm>
+          <a:off x="0" y="0"/>
+          <a:ext cx="0" cy="0"/>
+          <a:chOff x="0" y="0"/>
+          <a:chExt cx="0" cy="0"/>
+        </a:xfrm>
+      </p:grpSpPr>
+      <p:sp>
+        <p:nvSpPr>
+          <p:cNvPr id="2" name="Title 1"/>
+          <p:cNvSpPr>
+            <a:spLocks noGrp="1"/>
+          </p:cNvSpPr>
+          <p:nvPr>
+            <p:ph type="title"/>
+          </p:nvPr>
+        </p:nvSpPr>
+        <p:spPr/>
+        <p:txBody>
+          <a:bodyPr/>
+          <a:lstStyle/>
+          <a:p>
+            <a:r>
+              <a:rPr lang="en-US" dirty="0" smtClean="0"/>
+              <a:t>Results: Min Eccentricity</a:t>
+            </a:r>
+            <a:endParaRPr lang="en-US" dirty="0"/>
+          </a:p>
+        </p:txBody>
+      </p:sp>
+      <p:pic>
+        <p:nvPicPr>
+          <p:cNvPr id="6146" name="Picture 2" descr="C:\Users\mmart24\Documents\GitHub\GraphEvo\documents\minE.png"/>
+          <p:cNvPicPr>
+            <a:picLocks noGrp="1" noChangeAspect="1" noChangeArrowheads="1"/>
+          </p:cNvPicPr>
+          <p:nvPr>
+            <p:ph idx="1"/>
+          </p:nvPr>
+        </p:nvPicPr>
+        <p:blipFill>
+          <a:blip r:embed="rId2">
+            <a:extLst>
+              <a:ext uri="{28A0092B-C50C-407E-A947-70E740481C1C}">
+                <a14:useLocalDpi xmlns:a14="http://schemas.microsoft.com/office/drawing/2010/main" val="0"/>
+              </a:ext>
+            </a:extLst>
+          </a:blip>
+          <a:srcRect/>
+          <a:stretch>
+            <a:fillRect/>
+          </a:stretch>
+        </p:blipFill>
+        <p:spPr bwMode="auto">
+          <a:xfrm>
+            <a:off x="1533525" y="2514600"/>
+            <a:ext cx="1781175" cy="2486025"/>
+          </a:xfrm>
+          <a:prstGeom prst="rect">
+            <a:avLst/>
+          </a:prstGeom>
+          <a:noFill/>
+          <a:extLst>
+            <a:ext uri="{909E8E84-426E-40DD-AFC4-6F175D3DCCD1}">
+              <a14:hiddenFill xmlns:a14="http://schemas.microsoft.com/office/drawing/2010/main">
+                <a:solidFill>
+                  <a:srgbClr val="FFFFFF"/>
+                </a:solidFill>
+              </a14:hiddenFill>
+            </a:ext>
+          </a:extLst>
+        </p:spPr>
+      </p:pic>
+      <p:pic>
+        <p:nvPicPr>
+          <p:cNvPr id="5" name="Picture 4" descr="C:\Users\mmart24\Documents\GitHub\GraphEvo\documents\starGraph.png"/>
+          <p:cNvPicPr>
+            <a:picLocks noChangeAspect="1" noChangeArrowheads="1"/>
+          </p:cNvPicPr>
+          <p:nvPr/>
+        </p:nvPicPr>
+        <p:blipFill>
+          <a:blip r:embed="rId3" cstate="print">
+            <a:extLst>
+              <a:ext uri="{28A0092B-C50C-407E-A947-70E740481C1C}">
+                <a14:useLocalDpi xmlns:a14="http://schemas.microsoft.com/office/drawing/2010/main" val="0"/>
+              </a:ext>
+            </a:extLst>
+          </a:blip>
+          <a:srcRect/>
+          <a:stretch>
+            <a:fillRect/>
+          </a:stretch>
+        </p:blipFill>
+        <p:spPr bwMode="auto">
+          <a:xfrm>
+            <a:off x="3399263" y="1676400"/>
+            <a:ext cx="5100646" cy="4602480"/>
+          </a:xfrm>
+          <a:prstGeom prst="rect">
+            <a:avLst/>
+          </a:prstGeom>
+          <a:noFill/>
+          <a:extLst>
+            <a:ext uri="{909E8E84-426E-40DD-AFC4-6F175D3DCCD1}">
+              <a14:hiddenFill xmlns:a14="http://schemas.microsoft.com/office/drawing/2010/main">
+                <a:solidFill>
+                  <a:srgbClr val="FFFFFF"/>
+                </a:solidFill>
+              </a14:hiddenFill>
+            </a:ext>
+          </a:extLst>
+        </p:spPr>
+      </p:pic>
+      <p:sp>
+        <p:nvSpPr>
+          <p:cNvPr id="6" name="TextBox 5"/>
+          <p:cNvSpPr txBox="1"/>
+          <p:nvPr/>
+        </p:nvSpPr>
+        <p:spPr>
+          <a:xfrm>
+            <a:off x="1343025" y="5334000"/>
+            <a:ext cx="2286000" cy="584775"/>
+          </a:xfrm>
+          <a:prstGeom prst="rect">
+            <a:avLst/>
+          </a:prstGeom>
+          <a:noFill/>
+        </p:spPr>
+        <p:txBody>
+          <a:bodyPr wrap="square" rtlCol="0">
+            <a:spAutoFit/>
+          </a:bodyPr>
+          <a:lstStyle/>
+          <a:p>
+            <a:r>
+              <a:rPr lang="en-US" sz="3200" dirty="0" smtClean="0"/>
+              <a:t>Star Graph</a:t>
+            </a:r>
+            <a:endParaRPr lang="en-US" sz="3200" dirty="0"/>
+          </a:p>
+        </p:txBody>
+      </p:sp>
+    </p:spTree>
+    <p:extLst>
+      <p:ext uri="{BB962C8B-B14F-4D97-AF65-F5344CB8AC3E}">
+        <p14:creationId xmlns:p14="http://schemas.microsoft.com/office/powerpoint/2010/main" val="1978246348"/>
+      </p:ext>
+    </p:extLst>
+  </p:cSld>
+  <p:clrMapOvr>
+    <a:masterClrMapping/>
+  </p:clrMapOvr>
+</p:sld>
+</file>
+
+<file path=ppt/slides/slide27.xml><?xml version="1.0" encoding="utf-8"?>
+<p:sld xmlns:a="http://schemas.openxmlformats.org/drawingml/2006/main" xmlns:r="http://schemas.openxmlformats.org/officeDocument/2006/relationships" xmlns:p="http://schemas.openxmlformats.org/presentationml/2006/main">
+  <p:cSld>
+    <p:spTree>
+      <p:nvGrpSpPr>
+        <p:cNvPr id="1" name=""/>
+        <p:cNvGrpSpPr/>
+        <p:nvPr/>
+      </p:nvGrpSpPr>
+      <p:grpSpPr>
+        <a:xfrm>
+          <a:off x="0" y="0"/>
+          <a:ext cx="0" cy="0"/>
+          <a:chOff x="0" y="0"/>
+          <a:chExt cx="0" cy="0"/>
+        </a:xfrm>
+      </p:grpSpPr>
+      <p:sp>
+        <p:nvSpPr>
+          <p:cNvPr id="2" name="Title 1"/>
+          <p:cNvSpPr>
+            <a:spLocks noGrp="1"/>
+          </p:cNvSpPr>
+          <p:nvPr>
+            <p:ph type="title"/>
+          </p:nvPr>
+        </p:nvSpPr>
+        <p:spPr/>
+        <p:txBody>
+          <a:bodyPr/>
+          <a:lstStyle/>
+          <a:p>
+            <a:r>
+              <a:rPr lang="en-US" dirty="0" smtClean="0"/>
+              <a:t>Results: Min Eccentricity</a:t>
+            </a:r>
+            <a:endParaRPr lang="en-US" dirty="0"/>
+          </a:p>
+        </p:txBody>
+      </p:sp>
+      <p:pic>
+        <p:nvPicPr>
+          <p:cNvPr id="7170" name="Picture 2" descr="C:\Users\mmart24\Documents\GitHub\GraphEvo\minE2analysis.png"/>
+          <p:cNvPicPr>
+            <a:picLocks noGrp="1" noChangeAspect="1" noChangeArrowheads="1"/>
+          </p:cNvPicPr>
+          <p:nvPr>
+            <p:ph idx="1"/>
+          </p:nvPr>
+        </p:nvPicPr>
+        <p:blipFill>
+          <a:blip r:embed="rId2">
+            <a:extLst>
+              <a:ext uri="{28A0092B-C50C-407E-A947-70E740481C1C}">
+                <a14:useLocalDpi xmlns:a14="http://schemas.microsoft.com/office/drawing/2010/main" val="0"/>
+              </a:ext>
+            </a:extLst>
+          </a:blip>
+          <a:srcRect/>
+          <a:stretch>
+            <a:fillRect/>
+          </a:stretch>
+        </p:blipFill>
+        <p:spPr bwMode="auto">
+          <a:xfrm>
+            <a:off x="1879600" y="1123950"/>
+            <a:ext cx="6807200" cy="5105400"/>
+          </a:xfrm>
+          <a:prstGeom prst="rect">
+            <a:avLst/>
+          </a:prstGeom>
+          <a:noFill/>
+          <a:extLst>
+            <a:ext uri="{909E8E84-426E-40DD-AFC4-6F175D3DCCD1}">
+              <a14:hiddenFill xmlns:a14="http://schemas.microsoft.com/office/drawing/2010/main">
+                <a:solidFill>
+                  <a:srgbClr val="FFFFFF"/>
+                </a:solidFill>
+              </a14:hiddenFill>
+            </a:ext>
+          </a:extLst>
+        </p:spPr>
+      </p:pic>
+    </p:spTree>
+    <p:extLst>
+      <p:ext uri="{BB962C8B-B14F-4D97-AF65-F5344CB8AC3E}">
+        <p14:creationId xmlns:p14="http://schemas.microsoft.com/office/powerpoint/2010/main" val="1115348556"/>
+      </p:ext>
+    </p:extLst>
+  </p:cSld>
+  <p:clrMapOvr>
+    <a:masterClrMapping/>
+  </p:clrMapOvr>
+</p:sld>
+</file>
+
+<file path=ppt/slides/slide28.xml><?xml version="1.0" encoding="utf-8"?>
+<p:sld xmlns:a="http://schemas.openxmlformats.org/drawingml/2006/main" xmlns:r="http://schemas.openxmlformats.org/officeDocument/2006/relationships" xmlns:p="http://schemas.openxmlformats.org/presentationml/2006/main">
+  <p:cSld>
+    <p:spTree>
+      <p:nvGrpSpPr>
+        <p:cNvPr id="1" name=""/>
+        <p:cNvGrpSpPr/>
+        <p:nvPr/>
+      </p:nvGrpSpPr>
+      <p:grpSpPr>
+        <a:xfrm>
+          <a:off x="0" y="0"/>
+          <a:ext cx="0" cy="0"/>
+          <a:chOff x="0" y="0"/>
+          <a:chExt cx="0" cy="0"/>
+        </a:xfrm>
+      </p:grpSpPr>
+      <p:sp>
+        <p:nvSpPr>
+          <p:cNvPr id="2" name="Title 1"/>
+          <p:cNvSpPr>
+            <a:spLocks noGrp="1"/>
+          </p:cNvSpPr>
+          <p:nvPr>
+            <p:ph type="title"/>
+          </p:nvPr>
+        </p:nvSpPr>
+        <p:spPr/>
+        <p:txBody>
+          <a:bodyPr/>
+          <a:lstStyle/>
+          <a:p>
+            <a:r>
+              <a:rPr lang="en-US" dirty="0" smtClean="0"/>
+              <a:t>Drawbacks</a:t>
+            </a:r>
+            <a:endParaRPr lang="en-US" dirty="0"/>
+          </a:p>
+        </p:txBody>
+      </p:sp>
+      <p:pic>
+        <p:nvPicPr>
+          <p:cNvPr id="8194" name="Picture 2" descr="C:\Users\mmart24\Documents\GitHub\GraphEvo\minM4analysis.png"/>
+          <p:cNvPicPr>
+            <a:picLocks noGrp="1" noChangeAspect="1" noChangeArrowheads="1"/>
+          </p:cNvPicPr>
+          <p:nvPr>
+            <p:ph idx="1"/>
+          </p:nvPr>
+        </p:nvPicPr>
+        <p:blipFill>
+          <a:blip r:embed="rId2">
+            <a:extLst>
+              <a:ext uri="{28A0092B-C50C-407E-A947-70E740481C1C}">
+                <a14:useLocalDpi xmlns:a14="http://schemas.microsoft.com/office/drawing/2010/main" val="0"/>
+              </a:ext>
+            </a:extLst>
+          </a:blip>
+          <a:srcRect/>
+          <a:stretch>
+            <a:fillRect/>
+          </a:stretch>
+        </p:blipFill>
+        <p:spPr bwMode="auto">
+          <a:xfrm>
+            <a:off x="1371600" y="1066800"/>
+            <a:ext cx="6400800" cy="4800600"/>
+          </a:xfrm>
+          <a:prstGeom prst="rect">
+            <a:avLst/>
+          </a:prstGeom>
+          <a:noFill/>
+          <a:extLst>
+            <a:ext uri="{909E8E84-426E-40DD-AFC4-6F175D3DCCD1}">
+              <a14:hiddenFill xmlns:a14="http://schemas.microsoft.com/office/drawing/2010/main">
+                <a:solidFill>
+                  <a:srgbClr val="FFFFFF"/>
+                </a:solidFill>
+              </a14:hiddenFill>
+            </a:ext>
+          </a:extLst>
+        </p:spPr>
+      </p:pic>
+      <p:sp>
+        <p:nvSpPr>
+          <p:cNvPr id="5" name="TextBox 4"/>
+          <p:cNvSpPr txBox="1"/>
+          <p:nvPr/>
+        </p:nvSpPr>
+        <p:spPr>
+          <a:xfrm>
+            <a:off x="2133600" y="5791200"/>
+            <a:ext cx="4953000" cy="707886"/>
+          </a:xfrm>
+          <a:prstGeom prst="rect">
+            <a:avLst/>
+          </a:prstGeom>
+          <a:noFill/>
+        </p:spPr>
+        <p:txBody>
+          <a:bodyPr wrap="square" rtlCol="0">
+            <a:spAutoFit/>
+          </a:bodyPr>
+          <a:lstStyle/>
+          <a:p>
+            <a:pPr algn="ctr"/>
+            <a:r>
+              <a:rPr lang="en-US" sz="4000" dirty="0" smtClean="0">
+                <a:solidFill>
+                  <a:srgbClr val="FF0000"/>
+                </a:solidFill>
+                <a:latin typeface="Georgia" panose="02040502050405020303" pitchFamily="18" charset="0"/>
+              </a:rPr>
+              <a:t>Misleading</a:t>
+            </a:r>
+            <a:endParaRPr lang="en-US" sz="4000" dirty="0">
+              <a:solidFill>
+                <a:srgbClr val="FF0000"/>
+              </a:solidFill>
+              <a:latin typeface="Georgia" panose="02040502050405020303" pitchFamily="18" charset="0"/>
+            </a:endParaRPr>
+          </a:p>
+        </p:txBody>
+      </p:sp>
+    </p:spTree>
+    <p:extLst>
+      <p:ext uri="{BB962C8B-B14F-4D97-AF65-F5344CB8AC3E}">
+        <p14:creationId xmlns:p14="http://schemas.microsoft.com/office/powerpoint/2010/main" val="1068117963"/>
+      </p:ext>
+    </p:extLst>
+  </p:cSld>
+  <p:clrMapOvr>
+    <a:masterClrMapping/>
+  </p:clrMapOvr>
+</p:sld>
+</file>
+
+<file path=ppt/slides/slide29.xml><?xml version="1.0" encoding="utf-8"?>
+<p:sld xmlns:a="http://schemas.openxmlformats.org/drawingml/2006/main" xmlns:r="http://schemas.openxmlformats.org/officeDocument/2006/relationships" xmlns:p="http://schemas.openxmlformats.org/presentationml/2006/main">
+  <p:cSld>
+    <p:spTree>
+      <p:nvGrpSpPr>
+        <p:cNvPr id="1" name=""/>
+        <p:cNvGrpSpPr/>
+        <p:nvPr/>
+      </p:nvGrpSpPr>
+      <p:grpSpPr>
+        <a:xfrm>
+          <a:off x="0" y="0"/>
+          <a:ext cx="0" cy="0"/>
+          <a:chOff x="0" y="0"/>
+          <a:chExt cx="0" cy="0"/>
+        </a:xfrm>
+      </p:grpSpPr>
+      <p:sp>
+        <p:nvSpPr>
+          <p:cNvPr id="2" name="Title 1"/>
+          <p:cNvSpPr>
+            <a:spLocks noGrp="1"/>
+          </p:cNvSpPr>
+          <p:nvPr>
+            <p:ph type="title"/>
+          </p:nvPr>
+        </p:nvSpPr>
+        <p:spPr/>
+        <p:txBody>
+          <a:bodyPr/>
+          <a:lstStyle/>
+          <a:p>
+            <a:r>
+              <a:rPr lang="en-US" dirty="0" smtClean="0"/>
+              <a:t>Conclusion</a:t>
+            </a:r>
+            <a:endParaRPr lang="en-US" dirty="0"/>
+          </a:p>
+        </p:txBody>
+      </p:sp>
+      <p:sp>
+        <p:nvSpPr>
+          <p:cNvPr id="3" name="Content Placeholder 2"/>
+          <p:cNvSpPr>
+            <a:spLocks noGrp="1"/>
+          </p:cNvSpPr>
+          <p:nvPr>
+            <p:ph idx="1"/>
+          </p:nvPr>
+        </p:nvSpPr>
+        <p:spPr/>
+        <p:txBody>
+          <a:bodyPr/>
+          <a:lstStyle/>
+          <a:p>
+            <a:r>
+              <a:rPr lang="en-US" dirty="0" smtClean="0">
+                <a:latin typeface="Georgia" panose="02040502050405020303" pitchFamily="18" charset="0"/>
+              </a:rPr>
+              <a:t>Using GP we can create custom Random Graph Generation Algorithms</a:t>
+            </a:r>
+          </a:p>
+          <a:p>
+            <a:r>
+              <a:rPr lang="en-US" dirty="0" smtClean="0">
+                <a:latin typeface="Georgia" panose="02040502050405020303" pitchFamily="18" charset="0"/>
+              </a:rPr>
+              <a:t>Proof of Concept</a:t>
+            </a:r>
+          </a:p>
+          <a:p>
+            <a:r>
+              <a:rPr lang="en-US" dirty="0" smtClean="0">
+                <a:latin typeface="Georgia" panose="02040502050405020303" pitchFamily="18" charset="0"/>
+              </a:rPr>
+              <a:t>Improvement need on evaluation during evolution</a:t>
+            </a:r>
+          </a:p>
+          <a:p>
+            <a:endParaRPr lang="en-US" dirty="0">
+              <a:latin typeface="Georgia" panose="02040502050405020303" pitchFamily="18" charset="0"/>
+            </a:endParaRPr>
+          </a:p>
+        </p:txBody>
+      </p:sp>
+    </p:spTree>
+    <p:extLst>
+      <p:ext uri="{BB962C8B-B14F-4D97-AF65-F5344CB8AC3E}">
+        <p14:creationId xmlns:p14="http://schemas.microsoft.com/office/powerpoint/2010/main" val="1283337825"/>
+      </p:ext>
+    </p:extLst>
+  </p:cSld>
+  <p:clrMapOvr>
+    <a:masterClrMapping/>
+  </p:clrMapOvr>
+</p:sld>
+</file>
+
 <file path=ppt/slides/slide3.xml><?xml version="1.0" encoding="utf-8"?>
 <p:sld xmlns:a="http://schemas.openxmlformats.org/drawingml/2006/main" xmlns:r="http://schemas.openxmlformats.org/officeDocument/2006/relationships" xmlns:p="http://schemas.openxmlformats.org/presentationml/2006/main">
   <p:cSld>
@@ -6523,6 +7979,152 @@
       </p:par>
     </p:tnLst>
   </p:timing>
+</p:sld>
+</file>
+
+<file path=ppt/slides/slide30.xml><?xml version="1.0" encoding="utf-8"?>
+<p:sld xmlns:a="http://schemas.openxmlformats.org/drawingml/2006/main" xmlns:r="http://schemas.openxmlformats.org/officeDocument/2006/relationships" xmlns:p="http://schemas.openxmlformats.org/presentationml/2006/main">
+  <p:cSld>
+    <p:spTree>
+      <p:nvGrpSpPr>
+        <p:cNvPr id="1" name=""/>
+        <p:cNvGrpSpPr/>
+        <p:nvPr/>
+      </p:nvGrpSpPr>
+      <p:grpSpPr>
+        <a:xfrm>
+          <a:off x="0" y="0"/>
+          <a:ext cx="0" cy="0"/>
+          <a:chOff x="0" y="0"/>
+          <a:chExt cx="0" cy="0"/>
+        </a:xfrm>
+      </p:grpSpPr>
+      <p:sp>
+        <p:nvSpPr>
+          <p:cNvPr id="2" name="Title 1"/>
+          <p:cNvSpPr>
+            <a:spLocks noGrp="1"/>
+          </p:cNvSpPr>
+          <p:nvPr>
+            <p:ph type="title"/>
+          </p:nvPr>
+        </p:nvSpPr>
+        <p:spPr/>
+        <p:txBody>
+          <a:bodyPr>
+            <a:normAutofit/>
+          </a:bodyPr>
+          <a:lstStyle/>
+          <a:p>
+            <a:r>
+              <a:rPr lang="en-US" dirty="0" smtClean="0"/>
+              <a:t>Future Work</a:t>
+            </a:r>
+            <a:endParaRPr lang="en-US" dirty="0"/>
+          </a:p>
+        </p:txBody>
+      </p:sp>
+      <p:sp>
+        <p:nvSpPr>
+          <p:cNvPr id="3" name="Content Placeholder 2"/>
+          <p:cNvSpPr>
+            <a:spLocks noGrp="1"/>
+          </p:cNvSpPr>
+          <p:nvPr>
+            <p:ph idx="1"/>
+          </p:nvPr>
+        </p:nvSpPr>
+        <p:spPr/>
+        <p:txBody>
+          <a:bodyPr>
+            <a:normAutofit fontScale="92500" lnSpcReduction="10000"/>
+          </a:bodyPr>
+          <a:lstStyle/>
+          <a:p>
+            <a:r>
+              <a:rPr lang="en-US" dirty="0" smtClean="0">
+                <a:latin typeface="Georgia" panose="02040502050405020303" pitchFamily="18" charset="0"/>
+              </a:rPr>
+              <a:t>Add capability to evolve Random Directed Graph Generating Algorithms</a:t>
+            </a:r>
+          </a:p>
+          <a:p>
+            <a:r>
+              <a:rPr lang="en-US" dirty="0" smtClean="0">
+                <a:latin typeface="Georgia" panose="02040502050405020303" pitchFamily="18" charset="0"/>
+              </a:rPr>
+              <a:t>Use to create graphs that emulate program control flow </a:t>
+            </a:r>
+            <a:r>
+              <a:rPr lang="en-US" dirty="0" smtClean="0">
+                <a:latin typeface="Georgia" panose="02040502050405020303" pitchFamily="18" charset="0"/>
+              </a:rPr>
+              <a:t>graphs</a:t>
+            </a:r>
+          </a:p>
+          <a:p>
+            <a:r>
+              <a:rPr lang="en-US" dirty="0" smtClean="0">
+                <a:latin typeface="Georgia" panose="02040502050405020303" pitchFamily="18" charset="0"/>
+              </a:rPr>
+              <a:t>Evolving other types of graph algorithms</a:t>
+            </a:r>
+            <a:endParaRPr lang="en-US" dirty="0" smtClean="0">
+              <a:latin typeface="Georgia" panose="02040502050405020303" pitchFamily="18" charset="0"/>
+            </a:endParaRPr>
+          </a:p>
+          <a:p>
+            <a:r>
+              <a:rPr lang="en-US" dirty="0" smtClean="0">
+                <a:latin typeface="Georgia" panose="02040502050405020303" pitchFamily="18" charset="0"/>
+              </a:rPr>
+              <a:t>Co-evolution of graph algorithms alongside Graph </a:t>
+            </a:r>
+            <a:r>
+              <a:rPr lang="en-US" dirty="0">
+                <a:latin typeface="Georgia" panose="02040502050405020303" pitchFamily="18" charset="0"/>
+              </a:rPr>
+              <a:t>G</a:t>
+            </a:r>
+            <a:r>
+              <a:rPr lang="en-US" dirty="0" smtClean="0">
+                <a:latin typeface="Georgia" panose="02040502050405020303" pitchFamily="18" charset="0"/>
+              </a:rPr>
+              <a:t>enerating </a:t>
+            </a:r>
+            <a:r>
+              <a:rPr lang="en-US" dirty="0">
+                <a:latin typeface="Georgia" panose="02040502050405020303" pitchFamily="18" charset="0"/>
+              </a:rPr>
+              <a:t>A</a:t>
+            </a:r>
+            <a:r>
+              <a:rPr lang="en-US" dirty="0" smtClean="0">
+                <a:latin typeface="Georgia" panose="02040502050405020303" pitchFamily="18" charset="0"/>
+              </a:rPr>
+              <a:t>lgorithms</a:t>
+            </a:r>
+            <a:endParaRPr lang="en-US" dirty="0" smtClean="0">
+              <a:latin typeface="Georgia" panose="02040502050405020303" pitchFamily="18" charset="0"/>
+            </a:endParaRPr>
+          </a:p>
+          <a:p>
+            <a:endParaRPr lang="en-US" dirty="0" smtClean="0">
+              <a:latin typeface="Georgia" panose="02040502050405020303" pitchFamily="18" charset="0"/>
+            </a:endParaRPr>
+          </a:p>
+        </p:txBody>
+      </p:sp>
+    </p:spTree>
+    <p:extLst>
+      <p:ext uri="{BB962C8B-B14F-4D97-AF65-F5344CB8AC3E}">
+        <p14:creationId xmlns:p14="http://schemas.microsoft.com/office/powerpoint/2010/main" val="2126895770"/>
+      </p:ext>
+    </p:extLst>
+  </p:cSld>
+  <p:clrMapOvr>
+    <a:masterClrMapping/>
+  </p:clrMapOvr>
 </p:sld>
 </file>
 
@@ -7618,11 +9220,7 @@
           <a:p>
             <a:r>
               <a:rPr lang="en-US" dirty="0" smtClean="0"/>
-              <a:t>Click to </a:t>
-            </a:r>
-            <a:r>
-              <a:rPr lang="en-US" smtClean="0"/>
-              <a:t>add title</a:t>
+              <a:t>Our Solution</a:t>
             </a:r>
             <a:endParaRPr lang="en-US" dirty="0"/>
           </a:p>
@@ -7630,1429 +9228,67 @@
       </p:sp>
       <p:sp>
         <p:nvSpPr>
-          <p:cNvPr id="5" name="Slide Number Placeholder 4"/>
+          <p:cNvPr id="3" name="Content Placeholder 2"/>
           <p:cNvSpPr>
             <a:spLocks noGrp="1"/>
           </p:cNvSpPr>
           <p:nvPr>
-            <p:ph type="sldNum" sz="quarter" idx="11"/>
+            <p:ph idx="1"/>
           </p:nvPr>
         </p:nvSpPr>
-        <p:spPr>
-          <a:xfrm>
-            <a:off x="6366508" y="6505575"/>
-            <a:ext cx="2320292" cy="365125"/>
-          </a:xfrm>
-        </p:spPr>
+        <p:spPr/>
         <p:txBody>
           <a:bodyPr/>
           <a:lstStyle/>
           <a:p>
-            <a:fld id="{6189B349-B284-884E-BF58-0D68D479BD97}" type="slidenum">
-              <a:rPr lang="en-US" smtClean="0"/>
-              <a:pPr/>
-              <a:t>9</a:t>
-            </a:fld>
-            <a:endParaRPr lang="en-US" dirty="0"/>
-          </a:p>
-        </p:txBody>
-      </p:sp>
-      <p:sp>
-        <p:nvSpPr>
-          <p:cNvPr id="4" name="Content Placeholder 2"/>
-          <p:cNvSpPr txBox="1">
-            <a:spLocks/>
-          </p:cNvSpPr>
-          <p:nvPr/>
-        </p:nvSpPr>
-        <p:spPr>
-          <a:xfrm>
-            <a:off x="1622812" y="1651000"/>
-            <a:ext cx="7063988" cy="4072754"/>
-          </a:xfrm>
-          <a:prstGeom prst="rect">
-            <a:avLst/>
-          </a:prstGeom>
-        </p:spPr>
-        <p:txBody>
-          <a:bodyPr vert="horz" lIns="91440" tIns="45720" rIns="91440" bIns="45720" rtlCol="0">
-            <a:normAutofit fontScale="77500" lnSpcReduction="20000"/>
-          </a:bodyPr>
-          <a:lstStyle/>
-          <a:p>
-            <a:pPr marL="342900" marR="0" lvl="0" indent="-342900" algn="l" defTabSz="457200" rtl="0" eaLnBrk="1" fontAlgn="auto" latinLnBrk="0" hangingPunct="1">
-              <a:lnSpc>
-                <a:spcPct val="100000"/>
-              </a:lnSpc>
-              <a:spcBef>
-                <a:spcPct val="20000"/>
-              </a:spcBef>
-              <a:spcAft>
-                <a:spcPts val="0"/>
-              </a:spcAft>
-              <a:buClrTx/>
-              <a:buSzTx/>
-              <a:buFont typeface="Arial"/>
-              <a:buChar char="•"/>
-              <a:tabLst/>
-              <a:defRPr/>
-            </a:pPr>
-            <a:r>
-              <a:rPr kumimoji="0" lang="en-US" sz="3200" b="0" i="0" u="none" strike="noStrike" kern="1200" cap="none" spc="0" normalizeH="0" baseline="0" noProof="0" dirty="0" err="1" smtClean="0">
-                <a:ln>
-                  <a:noFill/>
-                </a:ln>
-                <a:solidFill>
-                  <a:schemeClr val="tx1"/>
-                </a:solidFill>
-                <a:effectLst/>
-                <a:uLnTx/>
-                <a:uFillTx/>
-                <a:latin typeface="Georgia"/>
-                <a:ea typeface="+mn-ea"/>
-                <a:cs typeface="Georgia"/>
+            <a:r>
+              <a:rPr lang="en-US" dirty="0" smtClean="0">
+                <a:latin typeface="Georgia" panose="02040502050405020303" pitchFamily="18" charset="0"/>
               </a:rPr>
-              <a:t>Lorem</a:t>
-            </a:r>
-            <a:r>
-              <a:rPr kumimoji="0" lang="en-US" sz="3200" b="0" i="0" u="none" strike="noStrike" kern="1200" cap="none" spc="0" normalizeH="0" baseline="0" noProof="0" dirty="0" smtClean="0">
-                <a:ln>
-                  <a:noFill/>
-                </a:ln>
-                <a:solidFill>
-                  <a:schemeClr val="tx1"/>
-                </a:solidFill>
-                <a:effectLst/>
-                <a:uLnTx/>
-                <a:uFillTx/>
-                <a:latin typeface="Georgia"/>
-                <a:ea typeface="+mn-ea"/>
-                <a:cs typeface="Georgia"/>
+              <a:t>Genetic Programming</a:t>
+            </a:r>
+          </a:p>
+          <a:p>
+            <a:endParaRPr lang="en-US" dirty="0">
+              <a:latin typeface="Georgia" panose="02040502050405020303" pitchFamily="18" charset="0"/>
+            </a:endParaRPr>
+          </a:p>
+          <a:p>
+            <a:r>
+              <a:rPr lang="en-US" dirty="0" smtClean="0">
+                <a:latin typeface="Georgia" panose="02040502050405020303" pitchFamily="18" charset="0"/>
               </a:rPr>
-              <a:t> </a:t>
-            </a:r>
-            <a:r>
-              <a:rPr kumimoji="0" lang="en-US" sz="3200" b="0" i="0" u="none" strike="noStrike" kern="1200" cap="none" spc="0" normalizeH="0" baseline="0" noProof="0" dirty="0" err="1" smtClean="0">
-                <a:ln>
-                  <a:noFill/>
-                </a:ln>
-                <a:solidFill>
-                  <a:schemeClr val="tx1"/>
-                </a:solidFill>
-                <a:effectLst/>
-                <a:uLnTx/>
-                <a:uFillTx/>
-                <a:latin typeface="Georgia"/>
-                <a:ea typeface="+mn-ea"/>
-                <a:cs typeface="Georgia"/>
+              <a:t>Post-order parse tree</a:t>
+            </a:r>
+          </a:p>
+          <a:p>
+            <a:endParaRPr lang="en-US" dirty="0">
+              <a:latin typeface="Georgia" panose="02040502050405020303" pitchFamily="18" charset="0"/>
+            </a:endParaRPr>
+          </a:p>
+          <a:p>
+            <a:r>
+              <a:rPr lang="en-US" dirty="0" smtClean="0">
+                <a:latin typeface="Georgia" panose="02040502050405020303" pitchFamily="18" charset="0"/>
               </a:rPr>
-              <a:t>ipsum</a:t>
-            </a:r>
-            <a:r>
-              <a:rPr kumimoji="0" lang="en-US" sz="3200" b="0" i="0" u="none" strike="noStrike" kern="1200" cap="none" spc="0" normalizeH="0" baseline="0" noProof="0" dirty="0" smtClean="0">
-                <a:ln>
-                  <a:noFill/>
-                </a:ln>
-                <a:solidFill>
-                  <a:schemeClr val="tx1"/>
-                </a:solidFill>
-                <a:effectLst/>
-                <a:uLnTx/>
-                <a:uFillTx/>
-                <a:latin typeface="Georgia"/>
-                <a:ea typeface="+mn-ea"/>
-                <a:cs typeface="Georgia"/>
-              </a:rPr>
-              <a:t> dolor sit </a:t>
-            </a:r>
-            <a:r>
-              <a:rPr kumimoji="0" lang="en-US" sz="3200" b="0" i="0" u="none" strike="noStrike" kern="1200" cap="none" spc="0" normalizeH="0" baseline="0" noProof="0" dirty="0" err="1" smtClean="0">
-                <a:ln>
-                  <a:noFill/>
-                </a:ln>
-                <a:solidFill>
-                  <a:schemeClr val="tx1"/>
-                </a:solidFill>
-                <a:effectLst/>
-                <a:uLnTx/>
-                <a:uFillTx/>
-                <a:latin typeface="Georgia"/>
-                <a:ea typeface="+mn-ea"/>
-                <a:cs typeface="Georgia"/>
-              </a:rPr>
-              <a:t>amet</a:t>
-            </a:r>
-            <a:r>
-              <a:rPr kumimoji="0" lang="en-US" sz="3200" b="0" i="0" u="none" strike="noStrike" kern="1200" cap="none" spc="0" normalizeH="0" baseline="0" noProof="0" dirty="0" smtClean="0">
-                <a:ln>
-                  <a:noFill/>
-                </a:ln>
-                <a:solidFill>
-                  <a:schemeClr val="tx1"/>
-                </a:solidFill>
-                <a:effectLst/>
-                <a:uLnTx/>
-                <a:uFillTx/>
-                <a:latin typeface="Georgia"/>
-                <a:ea typeface="+mn-ea"/>
-                <a:cs typeface="Georgia"/>
-              </a:rPr>
-              <a:t>, </a:t>
-            </a:r>
-            <a:r>
-              <a:rPr kumimoji="0" lang="en-US" sz="3200" b="0" i="0" u="none" strike="noStrike" kern="1200" cap="none" spc="0" normalizeH="0" baseline="0" noProof="0" dirty="0" err="1" smtClean="0">
-                <a:ln>
-                  <a:noFill/>
-                </a:ln>
-                <a:solidFill>
-                  <a:schemeClr val="tx1"/>
-                </a:solidFill>
-                <a:effectLst/>
-                <a:uLnTx/>
-                <a:uFillTx/>
-                <a:latin typeface="Georgia"/>
-                <a:ea typeface="+mn-ea"/>
-                <a:cs typeface="Georgia"/>
-              </a:rPr>
-              <a:t>consectetur</a:t>
-            </a:r>
-            <a:r>
-              <a:rPr kumimoji="0" lang="en-US" sz="3200" b="0" i="0" u="none" strike="noStrike" kern="1200" cap="none" spc="0" normalizeH="0" baseline="0" noProof="0" dirty="0" smtClean="0">
-                <a:ln>
-                  <a:noFill/>
-                </a:ln>
-                <a:solidFill>
-                  <a:schemeClr val="tx1"/>
-                </a:solidFill>
-                <a:effectLst/>
-                <a:uLnTx/>
-                <a:uFillTx/>
-                <a:latin typeface="Georgia"/>
-                <a:ea typeface="+mn-ea"/>
-                <a:cs typeface="Georgia"/>
-              </a:rPr>
-              <a:t> </a:t>
-            </a:r>
-            <a:r>
-              <a:rPr kumimoji="0" lang="en-US" sz="3200" b="0" i="0" u="none" strike="noStrike" kern="1200" cap="none" spc="0" normalizeH="0" baseline="0" noProof="0" dirty="0" err="1" smtClean="0">
-                <a:ln>
-                  <a:noFill/>
-                </a:ln>
-                <a:solidFill>
-                  <a:schemeClr val="tx1"/>
-                </a:solidFill>
-                <a:effectLst/>
-                <a:uLnTx/>
-                <a:uFillTx/>
-                <a:latin typeface="Georgia"/>
-                <a:ea typeface="+mn-ea"/>
-                <a:cs typeface="Georgia"/>
-              </a:rPr>
-              <a:t>adipiscing</a:t>
-            </a:r>
-            <a:r>
-              <a:rPr kumimoji="0" lang="en-US" sz="3200" b="0" i="0" u="none" strike="noStrike" kern="1200" cap="none" spc="0" normalizeH="0" baseline="0" noProof="0" dirty="0" smtClean="0">
-                <a:ln>
-                  <a:noFill/>
-                </a:ln>
-                <a:solidFill>
-                  <a:schemeClr val="tx1"/>
-                </a:solidFill>
-                <a:effectLst/>
-                <a:uLnTx/>
-                <a:uFillTx/>
-                <a:latin typeface="Georgia"/>
-                <a:ea typeface="+mn-ea"/>
-                <a:cs typeface="Georgia"/>
-              </a:rPr>
-              <a:t> </a:t>
-            </a:r>
-            <a:r>
-              <a:rPr kumimoji="0" lang="en-US" sz="3200" b="0" i="0" u="none" strike="noStrike" kern="1200" cap="none" spc="0" normalizeH="0" baseline="0" noProof="0" dirty="0" err="1" smtClean="0">
-                <a:ln>
-                  <a:noFill/>
-                </a:ln>
-                <a:solidFill>
-                  <a:schemeClr val="tx1"/>
-                </a:solidFill>
-                <a:effectLst/>
-                <a:uLnTx/>
-                <a:uFillTx/>
-                <a:latin typeface="Georgia"/>
-                <a:ea typeface="+mn-ea"/>
-                <a:cs typeface="Georgia"/>
-              </a:rPr>
-              <a:t>elit</a:t>
-            </a:r>
-            <a:r>
-              <a:rPr kumimoji="0" lang="en-US" sz="3200" b="0" i="0" u="none" strike="noStrike" kern="1200" cap="none" spc="0" normalizeH="0" baseline="0" noProof="0" dirty="0" smtClean="0">
-                <a:ln>
-                  <a:noFill/>
-                </a:ln>
-                <a:solidFill>
-                  <a:schemeClr val="tx1"/>
-                </a:solidFill>
-                <a:effectLst/>
-                <a:uLnTx/>
-                <a:uFillTx/>
-                <a:latin typeface="Georgia"/>
-                <a:ea typeface="+mn-ea"/>
-                <a:cs typeface="Georgia"/>
-              </a:rPr>
-              <a:t>.</a:t>
-            </a:r>
-          </a:p>
-          <a:p>
-            <a:pPr marL="342900" marR="0" lvl="0" indent="-342900" algn="l" defTabSz="457200" rtl="0" eaLnBrk="1" fontAlgn="auto" latinLnBrk="0" hangingPunct="1">
-              <a:lnSpc>
-                <a:spcPct val="100000"/>
-              </a:lnSpc>
-              <a:spcBef>
-                <a:spcPct val="20000"/>
-              </a:spcBef>
-              <a:spcAft>
-                <a:spcPts val="0"/>
-              </a:spcAft>
-              <a:buClrTx/>
-              <a:buSzTx/>
-              <a:buFont typeface="Arial"/>
-              <a:buChar char="•"/>
-              <a:tabLst/>
-              <a:defRPr/>
-            </a:pPr>
-            <a:r>
-              <a:rPr kumimoji="0" lang="en-US" sz="3200" b="0" i="0" u="none" strike="noStrike" kern="1200" cap="none" spc="0" normalizeH="0" baseline="0" noProof="0" dirty="0" err="1" smtClean="0">
-                <a:ln>
-                  <a:noFill/>
-                </a:ln>
-                <a:solidFill>
-                  <a:schemeClr val="tx1"/>
-                </a:solidFill>
-                <a:effectLst/>
-                <a:uLnTx/>
-                <a:uFillTx/>
-                <a:latin typeface="Georgia"/>
-                <a:ea typeface="+mn-ea"/>
-                <a:cs typeface="Georgia"/>
-              </a:rPr>
-              <a:t>Sed</a:t>
-            </a:r>
-            <a:r>
-              <a:rPr kumimoji="0" lang="en-US" sz="3200" b="0" i="0" u="none" strike="noStrike" kern="1200" cap="none" spc="0" normalizeH="0" baseline="0" noProof="0" dirty="0" smtClean="0">
-                <a:ln>
-                  <a:noFill/>
-                </a:ln>
-                <a:solidFill>
-                  <a:schemeClr val="tx1"/>
-                </a:solidFill>
-                <a:effectLst/>
-                <a:uLnTx/>
-                <a:uFillTx/>
-                <a:latin typeface="Georgia"/>
-                <a:ea typeface="+mn-ea"/>
-                <a:cs typeface="Georgia"/>
-              </a:rPr>
-              <a:t> </a:t>
-            </a:r>
-            <a:r>
-              <a:rPr kumimoji="0" lang="en-US" sz="3200" b="0" i="0" u="none" strike="noStrike" kern="1200" cap="none" spc="0" normalizeH="0" baseline="0" noProof="0" dirty="0" err="1" smtClean="0">
-                <a:ln>
-                  <a:noFill/>
-                </a:ln>
-                <a:solidFill>
-                  <a:schemeClr val="tx1"/>
-                </a:solidFill>
-                <a:effectLst/>
-                <a:uLnTx/>
-                <a:uFillTx/>
-                <a:latin typeface="Georgia"/>
-                <a:ea typeface="+mn-ea"/>
-                <a:cs typeface="Georgia"/>
-              </a:rPr>
-              <a:t>pretium</a:t>
-            </a:r>
-            <a:r>
-              <a:rPr kumimoji="0" lang="en-US" sz="3200" b="0" i="0" u="none" strike="noStrike" kern="1200" cap="none" spc="0" normalizeH="0" baseline="0" noProof="0" dirty="0" smtClean="0">
-                <a:ln>
-                  <a:noFill/>
-                </a:ln>
-                <a:solidFill>
-                  <a:schemeClr val="tx1"/>
-                </a:solidFill>
-                <a:effectLst/>
-                <a:uLnTx/>
-                <a:uFillTx/>
-                <a:latin typeface="Georgia"/>
-                <a:ea typeface="+mn-ea"/>
-                <a:cs typeface="Georgia"/>
-              </a:rPr>
-              <a:t> </a:t>
-            </a:r>
-            <a:r>
-              <a:rPr kumimoji="0" lang="en-US" sz="3200" b="0" i="0" u="none" strike="noStrike" kern="1200" cap="none" spc="0" normalizeH="0" baseline="0" noProof="0" dirty="0" err="1" smtClean="0">
-                <a:ln>
-                  <a:noFill/>
-                </a:ln>
-                <a:solidFill>
-                  <a:schemeClr val="tx1"/>
-                </a:solidFill>
-                <a:effectLst/>
-                <a:uLnTx/>
-                <a:uFillTx/>
-                <a:latin typeface="Georgia"/>
-                <a:ea typeface="+mn-ea"/>
-                <a:cs typeface="Georgia"/>
-              </a:rPr>
-              <a:t>libero</a:t>
-            </a:r>
-            <a:r>
-              <a:rPr kumimoji="0" lang="en-US" sz="3200" b="0" i="0" u="none" strike="noStrike" kern="1200" cap="none" spc="0" normalizeH="0" baseline="0" noProof="0" dirty="0" smtClean="0">
-                <a:ln>
-                  <a:noFill/>
-                </a:ln>
-                <a:solidFill>
-                  <a:schemeClr val="tx1"/>
-                </a:solidFill>
-                <a:effectLst/>
-                <a:uLnTx/>
-                <a:uFillTx/>
-                <a:latin typeface="Georgia"/>
-                <a:ea typeface="+mn-ea"/>
-                <a:cs typeface="Georgia"/>
-              </a:rPr>
-              <a:t> </a:t>
-            </a:r>
-            <a:r>
-              <a:rPr kumimoji="0" lang="en-US" sz="3200" b="0" i="0" u="none" strike="noStrike" kern="1200" cap="none" spc="0" normalizeH="0" baseline="0" noProof="0" dirty="0" err="1" smtClean="0">
-                <a:ln>
-                  <a:noFill/>
-                </a:ln>
-                <a:solidFill>
-                  <a:schemeClr val="tx1"/>
-                </a:solidFill>
-                <a:effectLst/>
-                <a:uLnTx/>
-                <a:uFillTx/>
-                <a:latin typeface="Georgia"/>
-                <a:ea typeface="+mn-ea"/>
-                <a:cs typeface="Georgia"/>
-              </a:rPr>
-              <a:t>quis</a:t>
-            </a:r>
-            <a:r>
-              <a:rPr kumimoji="0" lang="en-US" sz="3200" b="0" i="0" u="none" strike="noStrike" kern="1200" cap="none" spc="0" normalizeH="0" baseline="0" noProof="0" dirty="0" smtClean="0">
-                <a:ln>
-                  <a:noFill/>
-                </a:ln>
-                <a:solidFill>
-                  <a:schemeClr val="tx1"/>
-                </a:solidFill>
-                <a:effectLst/>
-                <a:uLnTx/>
-                <a:uFillTx/>
-                <a:latin typeface="Georgia"/>
-                <a:ea typeface="+mn-ea"/>
-                <a:cs typeface="Georgia"/>
-              </a:rPr>
-              <a:t> dui </a:t>
-            </a:r>
-            <a:r>
-              <a:rPr kumimoji="0" lang="en-US" sz="3200" b="0" i="0" u="none" strike="noStrike" kern="1200" cap="none" spc="0" normalizeH="0" baseline="0" noProof="0" dirty="0" err="1" smtClean="0">
-                <a:ln>
-                  <a:noFill/>
-                </a:ln>
-                <a:solidFill>
-                  <a:schemeClr val="tx1"/>
-                </a:solidFill>
-                <a:effectLst/>
-                <a:uLnTx/>
-                <a:uFillTx/>
-                <a:latin typeface="Georgia"/>
-                <a:ea typeface="+mn-ea"/>
-                <a:cs typeface="Georgia"/>
-              </a:rPr>
-              <a:t>blandit</a:t>
-            </a:r>
-            <a:r>
-              <a:rPr kumimoji="0" lang="en-US" sz="3200" b="0" i="0" u="none" strike="noStrike" kern="1200" cap="none" spc="0" normalizeH="0" baseline="0" noProof="0" dirty="0" smtClean="0">
-                <a:ln>
-                  <a:noFill/>
-                </a:ln>
-                <a:solidFill>
-                  <a:schemeClr val="tx1"/>
-                </a:solidFill>
-                <a:effectLst/>
-                <a:uLnTx/>
-                <a:uFillTx/>
-                <a:latin typeface="Georgia"/>
-                <a:ea typeface="+mn-ea"/>
-                <a:cs typeface="Georgia"/>
-              </a:rPr>
-              <a:t> </a:t>
-            </a:r>
-            <a:r>
-              <a:rPr kumimoji="0" lang="en-US" sz="3200" b="0" i="0" u="none" strike="noStrike" kern="1200" cap="none" spc="0" normalizeH="0" baseline="0" noProof="0" dirty="0" err="1" smtClean="0">
-                <a:ln>
-                  <a:noFill/>
-                </a:ln>
-                <a:solidFill>
-                  <a:schemeClr val="tx1"/>
-                </a:solidFill>
-                <a:effectLst/>
-                <a:uLnTx/>
-                <a:uFillTx/>
-                <a:latin typeface="Georgia"/>
-                <a:ea typeface="+mn-ea"/>
-                <a:cs typeface="Georgia"/>
-              </a:rPr>
-              <a:t>pellentesque</a:t>
-            </a:r>
-            <a:r>
-              <a:rPr kumimoji="0" lang="en-US" sz="3200" b="0" i="0" u="none" strike="noStrike" kern="1200" cap="none" spc="0" normalizeH="0" baseline="0" noProof="0" dirty="0" smtClean="0">
-                <a:ln>
-                  <a:noFill/>
-                </a:ln>
-                <a:solidFill>
-                  <a:schemeClr val="tx1"/>
-                </a:solidFill>
-                <a:effectLst/>
-                <a:uLnTx/>
-                <a:uFillTx/>
-                <a:latin typeface="Georgia"/>
-                <a:ea typeface="+mn-ea"/>
-                <a:cs typeface="Georgia"/>
-              </a:rPr>
-              <a:t> </a:t>
-            </a:r>
-            <a:r>
-              <a:rPr kumimoji="0" lang="en-US" sz="3200" b="0" i="0" u="none" strike="noStrike" kern="1200" cap="none" spc="0" normalizeH="0" baseline="0" noProof="0" dirty="0" err="1" smtClean="0">
-                <a:ln>
-                  <a:noFill/>
-                </a:ln>
-                <a:solidFill>
-                  <a:schemeClr val="tx1"/>
-                </a:solidFill>
-                <a:effectLst/>
-                <a:uLnTx/>
-                <a:uFillTx/>
-                <a:latin typeface="Georgia"/>
-                <a:ea typeface="+mn-ea"/>
-                <a:cs typeface="Georgia"/>
-              </a:rPr>
-              <a:t>consequat</a:t>
-            </a:r>
-            <a:r>
-              <a:rPr kumimoji="0" lang="en-US" sz="3200" b="0" i="0" u="none" strike="noStrike" kern="1200" cap="none" spc="0" normalizeH="0" baseline="0" noProof="0" dirty="0" smtClean="0">
-                <a:ln>
-                  <a:noFill/>
-                </a:ln>
-                <a:solidFill>
-                  <a:schemeClr val="tx1"/>
-                </a:solidFill>
-                <a:effectLst/>
-                <a:uLnTx/>
-                <a:uFillTx/>
-                <a:latin typeface="Georgia"/>
-                <a:ea typeface="+mn-ea"/>
-                <a:cs typeface="Georgia"/>
-              </a:rPr>
-              <a:t> </a:t>
-            </a:r>
-            <a:r>
-              <a:rPr kumimoji="0" lang="en-US" sz="3200" b="0" i="0" u="none" strike="noStrike" kern="1200" cap="none" spc="0" normalizeH="0" baseline="0" noProof="0" dirty="0" err="1" smtClean="0">
-                <a:ln>
-                  <a:noFill/>
-                </a:ln>
-                <a:solidFill>
-                  <a:schemeClr val="tx1"/>
-                </a:solidFill>
-                <a:effectLst/>
-                <a:uLnTx/>
-                <a:uFillTx/>
-                <a:latin typeface="Georgia"/>
-                <a:ea typeface="+mn-ea"/>
-                <a:cs typeface="Georgia"/>
-              </a:rPr>
-              <a:t>libero</a:t>
-            </a:r>
-            <a:r>
-              <a:rPr kumimoji="0" lang="en-US" sz="3200" b="0" i="0" u="none" strike="noStrike" kern="1200" cap="none" spc="0" normalizeH="0" baseline="0" noProof="0" dirty="0" smtClean="0">
-                <a:ln>
-                  <a:noFill/>
-                </a:ln>
-                <a:solidFill>
-                  <a:schemeClr val="tx1"/>
-                </a:solidFill>
-                <a:effectLst/>
-                <a:uLnTx/>
-                <a:uFillTx/>
-                <a:latin typeface="Georgia"/>
-                <a:ea typeface="+mn-ea"/>
-                <a:cs typeface="Georgia"/>
-              </a:rPr>
-              <a:t> </a:t>
-            </a:r>
-            <a:r>
-              <a:rPr kumimoji="0" lang="en-US" sz="3200" b="0" i="0" u="none" strike="noStrike" kern="1200" cap="none" spc="0" normalizeH="0" baseline="0" noProof="0" dirty="0" err="1" smtClean="0">
-                <a:ln>
-                  <a:noFill/>
-                </a:ln>
-                <a:solidFill>
-                  <a:schemeClr val="tx1"/>
-                </a:solidFill>
-                <a:effectLst/>
-                <a:uLnTx/>
-                <a:uFillTx/>
-                <a:latin typeface="Georgia"/>
-                <a:ea typeface="+mn-ea"/>
-                <a:cs typeface="Georgia"/>
-              </a:rPr>
-              <a:t>gravida</a:t>
-            </a:r>
-            <a:r>
-              <a:rPr kumimoji="0" lang="en-US" sz="3200" b="0" i="0" u="none" strike="noStrike" kern="1200" cap="none" spc="0" normalizeH="0" baseline="0" noProof="0" dirty="0" smtClean="0">
-                <a:ln>
-                  <a:noFill/>
-                </a:ln>
-                <a:solidFill>
-                  <a:schemeClr val="tx1"/>
-                </a:solidFill>
-                <a:effectLst/>
-                <a:uLnTx/>
-                <a:uFillTx/>
-                <a:latin typeface="Georgia"/>
-                <a:ea typeface="+mn-ea"/>
-                <a:cs typeface="Georgia"/>
-              </a:rPr>
-              <a:t>.</a:t>
-            </a:r>
-          </a:p>
-          <a:p>
-            <a:pPr marL="342900" marR="0" lvl="0" indent="-342900" algn="l" defTabSz="457200" rtl="0" eaLnBrk="1" fontAlgn="auto" latinLnBrk="0" hangingPunct="1">
-              <a:lnSpc>
-                <a:spcPct val="100000"/>
-              </a:lnSpc>
-              <a:spcBef>
-                <a:spcPct val="20000"/>
-              </a:spcBef>
-              <a:spcAft>
-                <a:spcPts val="0"/>
-              </a:spcAft>
-              <a:buClrTx/>
-              <a:buSzTx/>
-              <a:buFont typeface="Arial"/>
-              <a:buChar char="•"/>
-              <a:tabLst/>
-              <a:defRPr/>
-            </a:pPr>
-            <a:r>
-              <a:rPr kumimoji="0" lang="en-US" sz="3200" b="0" i="0" u="none" strike="noStrike" kern="1200" cap="none" spc="0" normalizeH="0" baseline="0" noProof="0" dirty="0" smtClean="0">
-                <a:ln>
-                  <a:noFill/>
-                </a:ln>
-                <a:solidFill>
-                  <a:schemeClr val="tx1"/>
-                </a:solidFill>
-                <a:effectLst/>
-                <a:uLnTx/>
-                <a:uFillTx/>
-                <a:latin typeface="Georgia"/>
-                <a:ea typeface="+mn-ea"/>
-                <a:cs typeface="Georgia"/>
-              </a:rPr>
-              <a:t>In </a:t>
-            </a:r>
-            <a:r>
-              <a:rPr kumimoji="0" lang="en-US" sz="3200" b="0" i="0" u="none" strike="noStrike" kern="1200" cap="none" spc="0" normalizeH="0" baseline="0" noProof="0" dirty="0" err="1" smtClean="0">
-                <a:ln>
-                  <a:noFill/>
-                </a:ln>
-                <a:solidFill>
-                  <a:schemeClr val="tx1"/>
-                </a:solidFill>
-                <a:effectLst/>
-                <a:uLnTx/>
-                <a:uFillTx/>
-                <a:latin typeface="Georgia"/>
-                <a:ea typeface="+mn-ea"/>
-                <a:cs typeface="Georgia"/>
-              </a:rPr>
-              <a:t>venenatis</a:t>
-            </a:r>
-            <a:r>
-              <a:rPr kumimoji="0" lang="en-US" sz="3200" b="0" i="0" u="none" strike="noStrike" kern="1200" cap="none" spc="0" normalizeH="0" baseline="0" noProof="0" dirty="0" smtClean="0">
-                <a:ln>
-                  <a:noFill/>
-                </a:ln>
-                <a:solidFill>
-                  <a:schemeClr val="tx1"/>
-                </a:solidFill>
-                <a:effectLst/>
-                <a:uLnTx/>
-                <a:uFillTx/>
-                <a:latin typeface="Georgia"/>
-                <a:ea typeface="+mn-ea"/>
-                <a:cs typeface="Georgia"/>
-              </a:rPr>
-              <a:t> lacus </a:t>
-            </a:r>
-            <a:r>
-              <a:rPr kumimoji="0" lang="en-US" sz="3200" b="0" i="0" u="none" strike="noStrike" kern="1200" cap="none" spc="0" normalizeH="0" baseline="0" noProof="0" dirty="0" err="1" smtClean="0">
-                <a:ln>
-                  <a:noFill/>
-                </a:ln>
-                <a:solidFill>
-                  <a:schemeClr val="tx1"/>
-                </a:solidFill>
-                <a:effectLst/>
-                <a:uLnTx/>
-                <a:uFillTx/>
-                <a:latin typeface="Georgia"/>
-                <a:ea typeface="+mn-ea"/>
-                <a:cs typeface="Georgia"/>
-              </a:rPr>
-              <a:t>imperdiet</a:t>
-            </a:r>
-            <a:r>
-              <a:rPr kumimoji="0" lang="en-US" sz="3200" b="0" i="0" u="none" strike="noStrike" kern="1200" cap="none" spc="0" normalizeH="0" baseline="0" noProof="0" dirty="0" smtClean="0">
-                <a:ln>
-                  <a:noFill/>
-                </a:ln>
-                <a:solidFill>
-                  <a:schemeClr val="tx1"/>
-                </a:solidFill>
-                <a:effectLst/>
-                <a:uLnTx/>
-                <a:uFillTx/>
-                <a:latin typeface="Georgia"/>
-                <a:ea typeface="+mn-ea"/>
-                <a:cs typeface="Georgia"/>
-              </a:rPr>
-              <a:t> </a:t>
-            </a:r>
-            <a:r>
-              <a:rPr kumimoji="0" lang="en-US" sz="3200" b="0" i="0" u="none" strike="noStrike" kern="1200" cap="none" spc="0" normalizeH="0" baseline="0" noProof="0" dirty="0" err="1" smtClean="0">
-                <a:ln>
-                  <a:noFill/>
-                </a:ln>
-                <a:solidFill>
-                  <a:schemeClr val="tx1"/>
-                </a:solidFill>
-                <a:effectLst/>
-                <a:uLnTx/>
-                <a:uFillTx/>
-                <a:latin typeface="Georgia"/>
-                <a:ea typeface="+mn-ea"/>
-                <a:cs typeface="Georgia"/>
-              </a:rPr>
-              <a:t>tellus</a:t>
-            </a:r>
-            <a:r>
-              <a:rPr kumimoji="0" lang="en-US" sz="3200" b="0" i="0" u="none" strike="noStrike" kern="1200" cap="none" spc="0" normalizeH="0" baseline="0" noProof="0" dirty="0" smtClean="0">
-                <a:ln>
-                  <a:noFill/>
-                </a:ln>
-                <a:solidFill>
-                  <a:schemeClr val="tx1"/>
-                </a:solidFill>
-                <a:effectLst/>
-                <a:uLnTx/>
-                <a:uFillTx/>
-                <a:latin typeface="Georgia"/>
-                <a:ea typeface="+mn-ea"/>
-                <a:cs typeface="Georgia"/>
-              </a:rPr>
-              <a:t> </a:t>
-            </a:r>
-            <a:r>
-              <a:rPr kumimoji="0" lang="en-US" sz="3200" b="0" i="0" u="none" strike="noStrike" kern="1200" cap="none" spc="0" normalizeH="0" baseline="0" noProof="0" dirty="0" err="1" smtClean="0">
-                <a:ln>
-                  <a:noFill/>
-                </a:ln>
-                <a:solidFill>
-                  <a:schemeClr val="tx1"/>
-                </a:solidFill>
-                <a:effectLst/>
-                <a:uLnTx/>
-                <a:uFillTx/>
-                <a:latin typeface="Georgia"/>
-                <a:ea typeface="+mn-ea"/>
-                <a:cs typeface="Georgia"/>
-              </a:rPr>
-              <a:t>rutrum</a:t>
-            </a:r>
-            <a:r>
-              <a:rPr kumimoji="0" lang="en-US" sz="3200" b="0" i="0" u="none" strike="noStrike" kern="1200" cap="none" spc="0" normalizeH="0" baseline="0" noProof="0" dirty="0" smtClean="0">
-                <a:ln>
-                  <a:noFill/>
-                </a:ln>
-                <a:solidFill>
-                  <a:schemeClr val="tx1"/>
-                </a:solidFill>
-                <a:effectLst/>
-                <a:uLnTx/>
-                <a:uFillTx/>
-                <a:latin typeface="Georgia"/>
-                <a:ea typeface="+mn-ea"/>
-                <a:cs typeface="Georgia"/>
-              </a:rPr>
-              <a:t> </a:t>
-            </a:r>
-            <a:r>
-              <a:rPr kumimoji="0" lang="en-US" sz="3200" b="0" i="0" u="none" strike="noStrike" kern="1200" cap="none" spc="0" normalizeH="0" baseline="0" noProof="0" dirty="0" err="1" smtClean="0">
-                <a:ln>
-                  <a:noFill/>
-                </a:ln>
-                <a:solidFill>
-                  <a:schemeClr val="tx1"/>
-                </a:solidFill>
-                <a:effectLst/>
-                <a:uLnTx/>
-                <a:uFillTx/>
-                <a:latin typeface="Georgia"/>
-                <a:ea typeface="+mn-ea"/>
-                <a:cs typeface="Georgia"/>
-              </a:rPr>
-              <a:t>auctor</a:t>
-            </a:r>
-            <a:r>
-              <a:rPr kumimoji="0" lang="en-US" sz="3200" b="0" i="0" u="none" strike="noStrike" kern="1200" cap="none" spc="0" normalizeH="0" baseline="0" noProof="0" dirty="0" smtClean="0">
-                <a:ln>
-                  <a:noFill/>
-                </a:ln>
-                <a:solidFill>
-                  <a:schemeClr val="tx1"/>
-                </a:solidFill>
-                <a:effectLst/>
-                <a:uLnTx/>
-                <a:uFillTx/>
-                <a:latin typeface="Georgia"/>
-                <a:ea typeface="+mn-ea"/>
-                <a:cs typeface="Georgia"/>
-              </a:rPr>
-              <a:t>.</a:t>
-            </a:r>
-          </a:p>
-          <a:p>
-            <a:pPr marL="342900" marR="0" lvl="0" indent="-342900" algn="l" defTabSz="457200" rtl="0" eaLnBrk="1" fontAlgn="auto" latinLnBrk="0" hangingPunct="1">
-              <a:lnSpc>
-                <a:spcPct val="100000"/>
-              </a:lnSpc>
-              <a:spcBef>
-                <a:spcPct val="20000"/>
-              </a:spcBef>
-              <a:spcAft>
-                <a:spcPts val="0"/>
-              </a:spcAft>
-              <a:buClrTx/>
-              <a:buSzTx/>
-              <a:buFont typeface="Arial"/>
-              <a:buChar char="•"/>
-              <a:tabLst/>
-              <a:defRPr/>
-            </a:pPr>
-            <a:r>
-              <a:rPr kumimoji="0" lang="en-US" sz="3200" b="0" i="0" u="none" strike="noStrike" kern="1200" cap="none" spc="0" normalizeH="0" baseline="0" noProof="0" dirty="0" err="1" smtClean="0">
-                <a:ln>
-                  <a:noFill/>
-                </a:ln>
-                <a:solidFill>
-                  <a:schemeClr val="tx1"/>
-                </a:solidFill>
-                <a:effectLst/>
-                <a:uLnTx/>
-                <a:uFillTx/>
-                <a:latin typeface="Georgia"/>
-                <a:ea typeface="+mn-ea"/>
-                <a:cs typeface="Georgia"/>
-              </a:rPr>
-              <a:t>Curabitur</a:t>
-            </a:r>
-            <a:r>
-              <a:rPr kumimoji="0" lang="en-US" sz="3200" b="0" i="0" u="none" strike="noStrike" kern="1200" cap="none" spc="0" normalizeH="0" baseline="0" noProof="0" dirty="0" smtClean="0">
-                <a:ln>
-                  <a:noFill/>
-                </a:ln>
-                <a:solidFill>
-                  <a:schemeClr val="tx1"/>
-                </a:solidFill>
-                <a:effectLst/>
-                <a:uLnTx/>
-                <a:uFillTx/>
-                <a:latin typeface="Georgia"/>
-                <a:ea typeface="+mn-ea"/>
-                <a:cs typeface="Georgia"/>
-              </a:rPr>
-              <a:t> </a:t>
-            </a:r>
-            <a:r>
-              <a:rPr kumimoji="0" lang="en-US" sz="3200" b="0" i="0" u="none" strike="noStrike" kern="1200" cap="none" spc="0" normalizeH="0" baseline="0" noProof="0" dirty="0" err="1" smtClean="0">
-                <a:ln>
-                  <a:noFill/>
-                </a:ln>
-                <a:solidFill>
-                  <a:schemeClr val="tx1"/>
-                </a:solidFill>
-                <a:effectLst/>
-                <a:uLnTx/>
-                <a:uFillTx/>
-                <a:latin typeface="Georgia"/>
-                <a:ea typeface="+mn-ea"/>
-                <a:cs typeface="Georgia"/>
-              </a:rPr>
-              <a:t>condimentum</a:t>
-            </a:r>
-            <a:r>
-              <a:rPr kumimoji="0" lang="en-US" sz="3200" b="0" i="0" u="none" strike="noStrike" kern="1200" cap="none" spc="0" normalizeH="0" baseline="0" noProof="0" dirty="0" smtClean="0">
-                <a:ln>
-                  <a:noFill/>
-                </a:ln>
-                <a:solidFill>
-                  <a:schemeClr val="tx1"/>
-                </a:solidFill>
-                <a:effectLst/>
-                <a:uLnTx/>
-                <a:uFillTx/>
-                <a:latin typeface="Georgia"/>
-                <a:ea typeface="+mn-ea"/>
-                <a:cs typeface="Georgia"/>
-              </a:rPr>
-              <a:t> </a:t>
-            </a:r>
-            <a:r>
-              <a:rPr kumimoji="0" lang="en-US" sz="3200" b="0" i="0" u="none" strike="noStrike" kern="1200" cap="none" spc="0" normalizeH="0" baseline="0" noProof="0" dirty="0" err="1" smtClean="0">
-                <a:ln>
-                  <a:noFill/>
-                </a:ln>
-                <a:solidFill>
-                  <a:schemeClr val="tx1"/>
-                </a:solidFill>
-                <a:effectLst/>
-                <a:uLnTx/>
-                <a:uFillTx/>
-                <a:latin typeface="Georgia"/>
-                <a:ea typeface="+mn-ea"/>
-                <a:cs typeface="Georgia"/>
-              </a:rPr>
-              <a:t>consequat</a:t>
-            </a:r>
-            <a:r>
-              <a:rPr kumimoji="0" lang="en-US" sz="3200" b="0" i="0" u="none" strike="noStrike" kern="1200" cap="none" spc="0" normalizeH="0" baseline="0" noProof="0" dirty="0" smtClean="0">
-                <a:ln>
-                  <a:noFill/>
-                </a:ln>
-                <a:solidFill>
-                  <a:schemeClr val="tx1"/>
-                </a:solidFill>
-                <a:effectLst/>
-                <a:uLnTx/>
-                <a:uFillTx/>
-                <a:latin typeface="Georgia"/>
-                <a:ea typeface="+mn-ea"/>
-                <a:cs typeface="Georgia"/>
-              </a:rPr>
-              <a:t> nisi, in </a:t>
-            </a:r>
-            <a:r>
-              <a:rPr kumimoji="0" lang="en-US" sz="3200" b="0" i="0" u="none" strike="noStrike" kern="1200" cap="none" spc="0" normalizeH="0" baseline="0" noProof="0" dirty="0" err="1" smtClean="0">
-                <a:ln>
-                  <a:noFill/>
-                </a:ln>
-                <a:solidFill>
-                  <a:schemeClr val="tx1"/>
-                </a:solidFill>
-                <a:effectLst/>
-                <a:uLnTx/>
-                <a:uFillTx/>
-                <a:latin typeface="Georgia"/>
-                <a:ea typeface="+mn-ea"/>
-                <a:cs typeface="Georgia"/>
-              </a:rPr>
-              <a:t>aliquam</a:t>
-            </a:r>
-            <a:r>
-              <a:rPr kumimoji="0" lang="en-US" sz="3200" b="0" i="0" u="none" strike="noStrike" kern="1200" cap="none" spc="0" normalizeH="0" baseline="0" noProof="0" dirty="0" smtClean="0">
-                <a:ln>
-                  <a:noFill/>
-                </a:ln>
-                <a:solidFill>
-                  <a:schemeClr val="tx1"/>
-                </a:solidFill>
-                <a:effectLst/>
-                <a:uLnTx/>
-                <a:uFillTx/>
-                <a:latin typeface="Georgia"/>
-                <a:ea typeface="+mn-ea"/>
-                <a:cs typeface="Georgia"/>
-              </a:rPr>
-              <a:t> </a:t>
-            </a:r>
-            <a:r>
-              <a:rPr kumimoji="0" lang="en-US" sz="3200" b="0" i="0" u="none" strike="noStrike" kern="1200" cap="none" spc="0" normalizeH="0" baseline="0" noProof="0" dirty="0" err="1" smtClean="0">
-                <a:ln>
-                  <a:noFill/>
-                </a:ln>
-                <a:solidFill>
-                  <a:schemeClr val="tx1"/>
-                </a:solidFill>
-                <a:effectLst/>
-                <a:uLnTx/>
-                <a:uFillTx/>
-                <a:latin typeface="Georgia"/>
-                <a:ea typeface="+mn-ea"/>
-                <a:cs typeface="Georgia"/>
-              </a:rPr>
-              <a:t>nibh</a:t>
-            </a:r>
-            <a:r>
-              <a:rPr kumimoji="0" lang="en-US" sz="3200" b="0" i="0" u="none" strike="noStrike" kern="1200" cap="none" spc="0" normalizeH="0" baseline="0" noProof="0" dirty="0" smtClean="0">
-                <a:ln>
-                  <a:noFill/>
-                </a:ln>
-                <a:solidFill>
-                  <a:schemeClr val="tx1"/>
-                </a:solidFill>
-                <a:effectLst/>
-                <a:uLnTx/>
-                <a:uFillTx/>
-                <a:latin typeface="Georgia"/>
-                <a:ea typeface="+mn-ea"/>
-                <a:cs typeface="Georgia"/>
-              </a:rPr>
-              <a:t> </a:t>
-            </a:r>
-            <a:r>
-              <a:rPr kumimoji="0" lang="en-US" sz="3200" b="0" i="0" u="none" strike="noStrike" kern="1200" cap="none" spc="0" normalizeH="0" baseline="0" noProof="0" dirty="0" err="1" smtClean="0">
-                <a:ln>
-                  <a:noFill/>
-                </a:ln>
-                <a:solidFill>
-                  <a:schemeClr val="tx1"/>
-                </a:solidFill>
-                <a:effectLst/>
-                <a:uLnTx/>
-                <a:uFillTx/>
-                <a:latin typeface="Georgia"/>
-                <a:ea typeface="+mn-ea"/>
-                <a:cs typeface="Georgia"/>
-              </a:rPr>
-              <a:t>placerat</a:t>
-            </a:r>
-            <a:r>
-              <a:rPr kumimoji="0" lang="en-US" sz="3200" b="0" i="0" u="none" strike="noStrike" kern="1200" cap="none" spc="0" normalizeH="0" baseline="0" noProof="0" dirty="0" smtClean="0">
-                <a:ln>
-                  <a:noFill/>
-                </a:ln>
-                <a:solidFill>
-                  <a:schemeClr val="tx1"/>
-                </a:solidFill>
-                <a:effectLst/>
-                <a:uLnTx/>
-                <a:uFillTx/>
-                <a:latin typeface="Georgia"/>
-                <a:ea typeface="+mn-ea"/>
-                <a:cs typeface="Georgia"/>
-              </a:rPr>
-              <a:t> vel.</a:t>
-            </a:r>
-          </a:p>
-          <a:p>
-            <a:pPr marL="342900" marR="0" lvl="0" indent="-342900" algn="l" defTabSz="457200" rtl="0" eaLnBrk="1" fontAlgn="auto" latinLnBrk="0" hangingPunct="1">
-              <a:lnSpc>
-                <a:spcPct val="100000"/>
-              </a:lnSpc>
-              <a:spcBef>
-                <a:spcPct val="20000"/>
-              </a:spcBef>
-              <a:spcAft>
-                <a:spcPts val="0"/>
-              </a:spcAft>
-              <a:buClrTx/>
-              <a:buSzTx/>
-              <a:buFont typeface="Arial"/>
-              <a:buChar char="•"/>
-              <a:tabLst/>
-              <a:defRPr/>
-            </a:pPr>
-            <a:r>
-              <a:rPr kumimoji="0" lang="en-US" sz="3200" b="0" i="0" u="none" strike="noStrike" kern="1200" cap="none" spc="0" normalizeH="0" baseline="0" noProof="0" dirty="0" err="1" smtClean="0">
-                <a:ln>
-                  <a:noFill/>
-                </a:ln>
-                <a:solidFill>
-                  <a:schemeClr val="tx1"/>
-                </a:solidFill>
-                <a:effectLst/>
-                <a:uLnTx/>
-                <a:uFillTx/>
-                <a:latin typeface="Georgia"/>
-                <a:ea typeface="+mn-ea"/>
-                <a:cs typeface="Georgia"/>
-              </a:rPr>
-              <a:t>Curabitur</a:t>
-            </a:r>
-            <a:r>
-              <a:rPr kumimoji="0" lang="en-US" sz="3200" b="0" i="0" u="none" strike="noStrike" kern="1200" cap="none" spc="0" normalizeH="0" baseline="0" noProof="0" dirty="0" smtClean="0">
-                <a:ln>
-                  <a:noFill/>
-                </a:ln>
-                <a:solidFill>
-                  <a:schemeClr val="tx1"/>
-                </a:solidFill>
-                <a:effectLst/>
-                <a:uLnTx/>
-                <a:uFillTx/>
-                <a:latin typeface="Georgia"/>
-                <a:ea typeface="+mn-ea"/>
-                <a:cs typeface="Georgia"/>
-              </a:rPr>
-              <a:t> et </a:t>
-            </a:r>
-            <a:r>
-              <a:rPr kumimoji="0" lang="en-US" sz="3200" b="0" i="0" u="none" strike="noStrike" kern="1200" cap="none" spc="0" normalizeH="0" baseline="0" noProof="0" dirty="0" err="1" smtClean="0">
-                <a:ln>
-                  <a:noFill/>
-                </a:ln>
-                <a:solidFill>
-                  <a:schemeClr val="tx1"/>
-                </a:solidFill>
-                <a:effectLst/>
-                <a:uLnTx/>
-                <a:uFillTx/>
-                <a:latin typeface="Georgia"/>
-                <a:ea typeface="+mn-ea"/>
-                <a:cs typeface="Georgia"/>
-              </a:rPr>
-              <a:t>purus</a:t>
-            </a:r>
-            <a:r>
-              <a:rPr kumimoji="0" lang="en-US" sz="3200" b="0" i="0" u="none" strike="noStrike" kern="1200" cap="none" spc="0" normalizeH="0" baseline="0" noProof="0" dirty="0" smtClean="0">
-                <a:ln>
-                  <a:noFill/>
-                </a:ln>
-                <a:solidFill>
-                  <a:schemeClr val="tx1"/>
-                </a:solidFill>
-                <a:effectLst/>
-                <a:uLnTx/>
-                <a:uFillTx/>
-                <a:latin typeface="Georgia"/>
-                <a:ea typeface="+mn-ea"/>
-                <a:cs typeface="Georgia"/>
-              </a:rPr>
-              <a:t> </a:t>
-            </a:r>
-            <a:r>
-              <a:rPr kumimoji="0" lang="en-US" sz="3200" b="0" i="0" u="none" strike="noStrike" kern="1200" cap="none" spc="0" normalizeH="0" baseline="0" noProof="0" dirty="0" err="1" smtClean="0">
-                <a:ln>
-                  <a:noFill/>
-                </a:ln>
-                <a:solidFill>
-                  <a:schemeClr val="tx1"/>
-                </a:solidFill>
-                <a:effectLst/>
-                <a:uLnTx/>
-                <a:uFillTx/>
-                <a:latin typeface="Georgia"/>
-                <a:ea typeface="+mn-ea"/>
-                <a:cs typeface="Georgia"/>
-              </a:rPr>
-              <a:t>est</a:t>
-            </a:r>
-            <a:r>
-              <a:rPr kumimoji="0" lang="en-US" sz="3200" b="0" i="0" u="none" strike="noStrike" kern="1200" cap="none" spc="0" normalizeH="0" baseline="0" noProof="0" dirty="0" smtClean="0">
-                <a:ln>
-                  <a:noFill/>
-                </a:ln>
-                <a:solidFill>
-                  <a:schemeClr val="tx1"/>
-                </a:solidFill>
-                <a:effectLst/>
-                <a:uLnTx/>
-                <a:uFillTx/>
-                <a:latin typeface="Georgia"/>
-                <a:ea typeface="+mn-ea"/>
-                <a:cs typeface="Georgia"/>
-              </a:rPr>
-              <a:t>, at </a:t>
-            </a:r>
-            <a:r>
-              <a:rPr kumimoji="0" lang="en-US" sz="3200" b="0" i="0" u="none" strike="noStrike" kern="1200" cap="none" spc="0" normalizeH="0" baseline="0" noProof="0" dirty="0" err="1" smtClean="0">
-                <a:ln>
-                  <a:noFill/>
-                </a:ln>
-                <a:solidFill>
-                  <a:schemeClr val="tx1"/>
-                </a:solidFill>
-                <a:effectLst/>
-                <a:uLnTx/>
-                <a:uFillTx/>
-                <a:latin typeface="Georgia"/>
-                <a:ea typeface="+mn-ea"/>
-                <a:cs typeface="Georgia"/>
-              </a:rPr>
-              <a:t>facilisis</a:t>
-            </a:r>
-            <a:r>
-              <a:rPr kumimoji="0" lang="en-US" sz="3200" b="0" i="0" u="none" strike="noStrike" kern="1200" cap="none" spc="0" normalizeH="0" baseline="0" noProof="0" dirty="0" smtClean="0">
-                <a:ln>
-                  <a:noFill/>
-                </a:ln>
-                <a:solidFill>
-                  <a:schemeClr val="tx1"/>
-                </a:solidFill>
-                <a:effectLst/>
-                <a:uLnTx/>
-                <a:uFillTx/>
-                <a:latin typeface="Georgia"/>
-                <a:ea typeface="+mn-ea"/>
-                <a:cs typeface="Georgia"/>
-              </a:rPr>
-              <a:t> </a:t>
-            </a:r>
-            <a:r>
-              <a:rPr kumimoji="0" lang="en-US" sz="3200" b="0" i="0" u="none" strike="noStrike" kern="1200" cap="none" spc="0" normalizeH="0" baseline="0" noProof="0" dirty="0" err="1" smtClean="0">
-                <a:ln>
-                  <a:noFill/>
-                </a:ln>
-                <a:solidFill>
-                  <a:schemeClr val="tx1"/>
-                </a:solidFill>
-                <a:effectLst/>
-                <a:uLnTx/>
-                <a:uFillTx/>
-                <a:latin typeface="Georgia"/>
-                <a:ea typeface="+mn-ea"/>
-                <a:cs typeface="Georgia"/>
-              </a:rPr>
-              <a:t>nisl</a:t>
-            </a:r>
-            <a:r>
-              <a:rPr kumimoji="0" lang="en-US" sz="3200" b="0" i="0" u="none" strike="noStrike" kern="1200" cap="none" spc="0" normalizeH="0" baseline="0" noProof="0" dirty="0" smtClean="0">
-                <a:ln>
-                  <a:noFill/>
-                </a:ln>
-                <a:solidFill>
-                  <a:schemeClr val="tx1"/>
-                </a:solidFill>
-                <a:effectLst/>
-                <a:uLnTx/>
-                <a:uFillTx/>
-                <a:latin typeface="Georgia"/>
-                <a:ea typeface="+mn-ea"/>
-                <a:cs typeface="Georgia"/>
-              </a:rPr>
-              <a:t>.</a:t>
-            </a:r>
-          </a:p>
-          <a:p>
-            <a:pPr marL="342900" marR="0" lvl="0" indent="-342900" algn="l" defTabSz="457200" rtl="0" eaLnBrk="1" fontAlgn="auto" latinLnBrk="0" hangingPunct="1">
-              <a:lnSpc>
-                <a:spcPct val="100000"/>
-              </a:lnSpc>
-              <a:spcBef>
-                <a:spcPct val="20000"/>
-              </a:spcBef>
-              <a:spcAft>
-                <a:spcPts val="0"/>
-              </a:spcAft>
-              <a:buClrTx/>
-              <a:buSzTx/>
-              <a:buFont typeface="Arial"/>
-              <a:buChar char="•"/>
-              <a:tabLst/>
-              <a:defRPr/>
-            </a:pPr>
-            <a:r>
-              <a:rPr kumimoji="0" lang="en-US" sz="3200" b="0" i="0" u="none" strike="noStrike" kern="1200" cap="none" spc="0" normalizeH="0" baseline="0" noProof="0" dirty="0" err="1" smtClean="0">
-                <a:ln>
-                  <a:noFill/>
-                </a:ln>
-                <a:solidFill>
-                  <a:schemeClr val="tx1"/>
-                </a:solidFill>
-                <a:effectLst/>
-                <a:uLnTx/>
-                <a:uFillTx/>
-                <a:latin typeface="Georgia"/>
-                <a:ea typeface="+mn-ea"/>
-                <a:cs typeface="Georgia"/>
-              </a:rPr>
-              <a:t>Aenean</a:t>
-            </a:r>
-            <a:r>
-              <a:rPr kumimoji="0" lang="en-US" sz="3200" b="0" i="0" u="none" strike="noStrike" kern="1200" cap="none" spc="0" normalizeH="0" baseline="0" noProof="0" dirty="0" smtClean="0">
-                <a:ln>
-                  <a:noFill/>
-                </a:ln>
-                <a:solidFill>
-                  <a:schemeClr val="tx1"/>
-                </a:solidFill>
-                <a:effectLst/>
-                <a:uLnTx/>
-                <a:uFillTx/>
-                <a:latin typeface="Georgia"/>
-                <a:ea typeface="+mn-ea"/>
-                <a:cs typeface="Georgia"/>
-              </a:rPr>
-              <a:t> </a:t>
-            </a:r>
-            <a:r>
-              <a:rPr kumimoji="0" lang="en-US" sz="3200" b="0" i="0" u="none" strike="noStrike" kern="1200" cap="none" spc="0" normalizeH="0" baseline="0" noProof="0" dirty="0" err="1" smtClean="0">
-                <a:ln>
-                  <a:noFill/>
-                </a:ln>
-                <a:solidFill>
-                  <a:schemeClr val="tx1"/>
-                </a:solidFill>
-                <a:effectLst/>
-                <a:uLnTx/>
-                <a:uFillTx/>
-                <a:latin typeface="Georgia"/>
-                <a:ea typeface="+mn-ea"/>
-                <a:cs typeface="Georgia"/>
-              </a:rPr>
-              <a:t>posuere</a:t>
-            </a:r>
-            <a:r>
-              <a:rPr kumimoji="0" lang="en-US" sz="3200" b="0" i="0" u="none" strike="noStrike" kern="1200" cap="none" spc="0" normalizeH="0" baseline="0" noProof="0" dirty="0" smtClean="0">
-                <a:ln>
-                  <a:noFill/>
-                </a:ln>
-                <a:solidFill>
-                  <a:schemeClr val="tx1"/>
-                </a:solidFill>
-                <a:effectLst/>
-                <a:uLnTx/>
-                <a:uFillTx/>
-                <a:latin typeface="Georgia"/>
-                <a:ea typeface="+mn-ea"/>
-                <a:cs typeface="Georgia"/>
-              </a:rPr>
-              <a:t> lacus non </a:t>
-            </a:r>
-            <a:r>
-              <a:rPr kumimoji="0" lang="en-US" sz="3200" b="0" i="0" u="none" strike="noStrike" kern="1200" cap="none" spc="0" normalizeH="0" baseline="0" noProof="0" dirty="0" err="1" smtClean="0">
-                <a:ln>
-                  <a:noFill/>
-                </a:ln>
-                <a:solidFill>
-                  <a:schemeClr val="tx1"/>
-                </a:solidFill>
-                <a:effectLst/>
-                <a:uLnTx/>
-                <a:uFillTx/>
-                <a:latin typeface="Georgia"/>
-                <a:ea typeface="+mn-ea"/>
-                <a:cs typeface="Georgia"/>
-              </a:rPr>
-              <a:t>lectus</a:t>
-            </a:r>
-            <a:r>
-              <a:rPr kumimoji="0" lang="en-US" sz="3200" b="0" i="0" u="none" strike="noStrike" kern="1200" cap="none" spc="0" normalizeH="0" baseline="0" noProof="0" dirty="0" smtClean="0">
-                <a:ln>
-                  <a:noFill/>
-                </a:ln>
-                <a:solidFill>
-                  <a:schemeClr val="tx1"/>
-                </a:solidFill>
-                <a:effectLst/>
-                <a:uLnTx/>
-                <a:uFillTx/>
-                <a:latin typeface="Georgia"/>
-                <a:ea typeface="+mn-ea"/>
-                <a:cs typeface="Georgia"/>
-              </a:rPr>
-              <a:t> </a:t>
-            </a:r>
-            <a:r>
-              <a:rPr kumimoji="0" lang="en-US" sz="3200" b="0" i="0" u="none" strike="noStrike" kern="1200" cap="none" spc="0" normalizeH="0" baseline="0" noProof="0" dirty="0" err="1" smtClean="0">
-                <a:ln>
-                  <a:noFill/>
-                </a:ln>
-                <a:solidFill>
-                  <a:schemeClr val="tx1"/>
-                </a:solidFill>
-                <a:effectLst/>
-                <a:uLnTx/>
-                <a:uFillTx/>
-                <a:latin typeface="Georgia"/>
-                <a:ea typeface="+mn-ea"/>
-                <a:cs typeface="Georgia"/>
-              </a:rPr>
-              <a:t>malesuada</a:t>
-            </a:r>
-            <a:r>
-              <a:rPr kumimoji="0" lang="en-US" sz="3200" b="0" i="0" u="none" strike="noStrike" kern="1200" cap="none" spc="0" normalizeH="0" baseline="0" noProof="0" dirty="0" smtClean="0">
-                <a:ln>
-                  <a:noFill/>
-                </a:ln>
-                <a:solidFill>
-                  <a:schemeClr val="tx1"/>
-                </a:solidFill>
-                <a:effectLst/>
-                <a:uLnTx/>
-                <a:uFillTx/>
-                <a:latin typeface="Georgia"/>
-                <a:ea typeface="+mn-ea"/>
-                <a:cs typeface="Georgia"/>
-              </a:rPr>
-              <a:t> </a:t>
-            </a:r>
-            <a:r>
-              <a:rPr kumimoji="0" lang="en-US" sz="3200" b="0" i="0" u="none" strike="noStrike" kern="1200" cap="none" spc="0" normalizeH="0" baseline="0" noProof="0" dirty="0" err="1" smtClean="0">
-                <a:ln>
-                  <a:noFill/>
-                </a:ln>
-                <a:solidFill>
-                  <a:schemeClr val="tx1"/>
-                </a:solidFill>
-                <a:effectLst/>
-                <a:uLnTx/>
-                <a:uFillTx/>
-                <a:latin typeface="Georgia"/>
-                <a:ea typeface="+mn-ea"/>
-                <a:cs typeface="Georgia"/>
-              </a:rPr>
-              <a:t>congue</a:t>
-            </a:r>
-            <a:r>
-              <a:rPr kumimoji="0" lang="en-US" sz="3200" b="0" i="0" u="none" strike="noStrike" kern="1200" cap="none" spc="0" normalizeH="0" baseline="0" noProof="0" dirty="0" smtClean="0">
-                <a:ln>
-                  <a:noFill/>
-                </a:ln>
-                <a:solidFill>
-                  <a:schemeClr val="tx1"/>
-                </a:solidFill>
-                <a:effectLst/>
-                <a:uLnTx/>
-                <a:uFillTx/>
-                <a:latin typeface="Georgia"/>
-                <a:ea typeface="+mn-ea"/>
-                <a:cs typeface="Georgia"/>
-              </a:rPr>
-              <a:t>.</a:t>
-            </a:r>
+              <a:t>Evolve edge selection phase</a:t>
+            </a:r>
+            <a:endParaRPr lang="en-US" dirty="0">
+              <a:latin typeface="Georgia" panose="02040502050405020303" pitchFamily="18" charset="0"/>
+            </a:endParaRPr>
           </a:p>
         </p:txBody>
       </p:sp>
     </p:spTree>
     <p:extLst>
       <p:ext uri="{BB962C8B-B14F-4D97-AF65-F5344CB8AC3E}">
-        <p14:creationId xmlns:p14="http://schemas.microsoft.com/office/powerpoint/2010/main" val="1328209255"/>
+        <p14:creationId xmlns:p14="http://schemas.microsoft.com/office/powerpoint/2010/main" val="1002128457"/>
       </p:ext>
     </p:extLst>
   </p:cSld>
   <p:clrMapOvr>
     <a:masterClrMapping/>
   </p:clrMapOvr>
-  <p:timing>
-    <p:tnLst>
-      <p:par>
-        <p:cTn id="1" dur="indefinite" restart="never" nodeType="tmRoot"/>
-      </p:par>
-    </p:tnLst>
-  </p:timing>
 </p:sld>
 </file>
 
